--- a/ASMU432/ppts/The late 1960s.pptx
+++ b/ASMU432/ppts/The late 1960s.pptx
@@ -4,6 +4,9 @@
   <p:sldMasterIdLst>
     <p:sldMasterId id="2147483660" r:id="rId1"/>
   </p:sldMasterIdLst>
+  <p:notesMasterIdLst>
+    <p:notesMasterId r:id="rId20"/>
+  </p:notesMasterIdLst>
   <p:sldIdLst>
     <p:sldId id="256" r:id="rId2"/>
     <p:sldId id="257" r:id="rId3"/>
@@ -12,8 +15,17 @@
     <p:sldId id="260" r:id="rId6"/>
     <p:sldId id="261" r:id="rId7"/>
     <p:sldId id="262" r:id="rId8"/>
-    <p:sldId id="263" r:id="rId9"/>
-    <p:sldId id="264" r:id="rId10"/>
+    <p:sldId id="265" r:id="rId9"/>
+    <p:sldId id="266" r:id="rId10"/>
+    <p:sldId id="263" r:id="rId11"/>
+    <p:sldId id="267" r:id="rId12"/>
+    <p:sldId id="268" r:id="rId13"/>
+    <p:sldId id="269" r:id="rId14"/>
+    <p:sldId id="273" r:id="rId15"/>
+    <p:sldId id="270" r:id="rId16"/>
+    <p:sldId id="264" r:id="rId17"/>
+    <p:sldId id="271" r:id="rId18"/>
+    <p:sldId id="272" r:id="rId19"/>
   </p:sldIdLst>
   <p:sldSz cx="12192000" cy="6858000"/>
   <p:notesSz cx="6858000" cy="9144000"/>
@@ -118,6 +130,542 @@
     </p:ext>
   </p:extLst>
 </p:presentation>
+</file>
+
+<file path=ppt/notesMasters/notesMaster1.xml><?xml version="1.0" encoding="utf-8"?>
+<p:notesMaster xmlns:a="http://schemas.openxmlformats.org/drawingml/2006/main" xmlns:r="http://schemas.openxmlformats.org/officeDocument/2006/relationships" xmlns:p="http://schemas.openxmlformats.org/presentationml/2006/main">
+  <p:cSld>
+    <p:bg>
+      <p:bgRef idx="1001">
+        <a:schemeClr val="bg1"/>
+      </p:bgRef>
+    </p:bg>
+    <p:spTree>
+      <p:nvGrpSpPr>
+        <p:cNvPr id="1" name=""/>
+        <p:cNvGrpSpPr/>
+        <p:nvPr/>
+      </p:nvGrpSpPr>
+      <p:grpSpPr>
+        <a:xfrm>
+          <a:off x="0" y="0"/>
+          <a:ext cx="0" cy="0"/>
+          <a:chOff x="0" y="0"/>
+          <a:chExt cx="0" cy="0"/>
+        </a:xfrm>
+      </p:grpSpPr>
+      <p:sp>
+        <p:nvSpPr>
+          <p:cNvPr id="2" name="Header Placeholder 1"/>
+          <p:cNvSpPr>
+            <a:spLocks noGrp="1"/>
+          </p:cNvSpPr>
+          <p:nvPr>
+            <p:ph type="hdr" sz="quarter"/>
+          </p:nvPr>
+        </p:nvSpPr>
+        <p:spPr>
+          <a:xfrm>
+            <a:off x="0" y="0"/>
+            <a:ext cx="2971800" cy="458788"/>
+          </a:xfrm>
+          <a:prstGeom prst="rect">
+            <a:avLst/>
+          </a:prstGeom>
+        </p:spPr>
+        <p:txBody>
+          <a:bodyPr vert="horz" lIns="91440" tIns="45720" rIns="91440" bIns="45720" rtlCol="0"/>
+          <a:lstStyle>
+            <a:lvl1pPr algn="l">
+              <a:defRPr sz="1200"/>
+            </a:lvl1pPr>
+          </a:lstStyle>
+          <a:p>
+            <a:endParaRPr lang="en-CA"/>
+          </a:p>
+        </p:txBody>
+      </p:sp>
+      <p:sp>
+        <p:nvSpPr>
+          <p:cNvPr id="3" name="Date Placeholder 2"/>
+          <p:cNvSpPr>
+            <a:spLocks noGrp="1"/>
+          </p:cNvSpPr>
+          <p:nvPr>
+            <p:ph type="dt" idx="1"/>
+          </p:nvPr>
+        </p:nvSpPr>
+        <p:spPr>
+          <a:xfrm>
+            <a:off x="3884613" y="0"/>
+            <a:ext cx="2971800" cy="458788"/>
+          </a:xfrm>
+          <a:prstGeom prst="rect">
+            <a:avLst/>
+          </a:prstGeom>
+        </p:spPr>
+        <p:txBody>
+          <a:bodyPr vert="horz" lIns="91440" tIns="45720" rIns="91440" bIns="45720" rtlCol="0"/>
+          <a:lstStyle>
+            <a:lvl1pPr algn="r">
+              <a:defRPr sz="1200"/>
+            </a:lvl1pPr>
+          </a:lstStyle>
+          <a:p>
+            <a:fld id="{D89B94C3-703A-4059-8E44-184C0F7343CA}" type="datetimeFigureOut">
+              <a:rPr lang="en-CA" smtClean="0"/>
+              <a:t>28/11/2018</a:t>
+            </a:fld>
+            <a:endParaRPr lang="en-CA"/>
+          </a:p>
+        </p:txBody>
+      </p:sp>
+      <p:sp>
+        <p:nvSpPr>
+          <p:cNvPr id="4" name="Slide Image Placeholder 3"/>
+          <p:cNvSpPr>
+            <a:spLocks noGrp="1" noRot="1" noChangeAspect="1"/>
+          </p:cNvSpPr>
+          <p:nvPr>
+            <p:ph type="sldImg" idx="2"/>
+          </p:nvPr>
+        </p:nvSpPr>
+        <p:spPr>
+          <a:xfrm>
+            <a:off x="685800" y="1143000"/>
+            <a:ext cx="5486400" cy="3086100"/>
+          </a:xfrm>
+          <a:prstGeom prst="rect">
+            <a:avLst/>
+          </a:prstGeom>
+          <a:noFill/>
+          <a:ln w="12700">
+            <a:solidFill>
+              <a:prstClr val="black"/>
+            </a:solidFill>
+          </a:ln>
+        </p:spPr>
+        <p:txBody>
+          <a:bodyPr vert="horz" lIns="91440" tIns="45720" rIns="91440" bIns="45720" rtlCol="0" anchor="ctr"/>
+          <a:lstStyle/>
+          <a:p>
+            <a:endParaRPr lang="en-CA"/>
+          </a:p>
+        </p:txBody>
+      </p:sp>
+      <p:sp>
+        <p:nvSpPr>
+          <p:cNvPr id="5" name="Notes Placeholder 4"/>
+          <p:cNvSpPr>
+            <a:spLocks noGrp="1"/>
+          </p:cNvSpPr>
+          <p:nvPr>
+            <p:ph type="body" sz="quarter" idx="3"/>
+          </p:nvPr>
+        </p:nvSpPr>
+        <p:spPr>
+          <a:xfrm>
+            <a:off x="685800" y="4400550"/>
+            <a:ext cx="5486400" cy="3600450"/>
+          </a:xfrm>
+          <a:prstGeom prst="rect">
+            <a:avLst/>
+          </a:prstGeom>
+        </p:spPr>
+        <p:txBody>
+          <a:bodyPr vert="horz" lIns="91440" tIns="45720" rIns="91440" bIns="45720" rtlCol="0"/>
+          <a:lstStyle/>
+          <a:p>
+            <a:pPr lvl="0"/>
+            <a:r>
+              <a:rPr lang="en-US"/>
+              <a:t>Edit Master text styles</a:t>
+            </a:r>
+          </a:p>
+          <a:p>
+            <a:pPr lvl="1"/>
+            <a:r>
+              <a:rPr lang="en-US"/>
+              <a:t>Second level</a:t>
+            </a:r>
+          </a:p>
+          <a:p>
+            <a:pPr lvl="2"/>
+            <a:r>
+              <a:rPr lang="en-US"/>
+              <a:t>Third level</a:t>
+            </a:r>
+          </a:p>
+          <a:p>
+            <a:pPr lvl="3"/>
+            <a:r>
+              <a:rPr lang="en-US"/>
+              <a:t>Fourth level</a:t>
+            </a:r>
+          </a:p>
+          <a:p>
+            <a:pPr lvl="4"/>
+            <a:r>
+              <a:rPr lang="en-US"/>
+              <a:t>Fifth level</a:t>
+            </a:r>
+            <a:endParaRPr lang="en-CA"/>
+          </a:p>
+        </p:txBody>
+      </p:sp>
+      <p:sp>
+        <p:nvSpPr>
+          <p:cNvPr id="6" name="Footer Placeholder 5"/>
+          <p:cNvSpPr>
+            <a:spLocks noGrp="1"/>
+          </p:cNvSpPr>
+          <p:nvPr>
+            <p:ph type="ftr" sz="quarter" idx="4"/>
+          </p:nvPr>
+        </p:nvSpPr>
+        <p:spPr>
+          <a:xfrm>
+            <a:off x="0" y="8685213"/>
+            <a:ext cx="2971800" cy="458787"/>
+          </a:xfrm>
+          <a:prstGeom prst="rect">
+            <a:avLst/>
+          </a:prstGeom>
+        </p:spPr>
+        <p:txBody>
+          <a:bodyPr vert="horz" lIns="91440" tIns="45720" rIns="91440" bIns="45720" rtlCol="0" anchor="b"/>
+          <a:lstStyle>
+            <a:lvl1pPr algn="l">
+              <a:defRPr sz="1200"/>
+            </a:lvl1pPr>
+          </a:lstStyle>
+          <a:p>
+            <a:endParaRPr lang="en-CA"/>
+          </a:p>
+        </p:txBody>
+      </p:sp>
+      <p:sp>
+        <p:nvSpPr>
+          <p:cNvPr id="7" name="Slide Number Placeholder 6"/>
+          <p:cNvSpPr>
+            <a:spLocks noGrp="1"/>
+          </p:cNvSpPr>
+          <p:nvPr>
+            <p:ph type="sldNum" sz="quarter" idx="5"/>
+          </p:nvPr>
+        </p:nvSpPr>
+        <p:spPr>
+          <a:xfrm>
+            <a:off x="3884613" y="8685213"/>
+            <a:ext cx="2971800" cy="458787"/>
+          </a:xfrm>
+          <a:prstGeom prst="rect">
+            <a:avLst/>
+          </a:prstGeom>
+        </p:spPr>
+        <p:txBody>
+          <a:bodyPr vert="horz" lIns="91440" tIns="45720" rIns="91440" bIns="45720" rtlCol="0" anchor="b"/>
+          <a:lstStyle>
+            <a:lvl1pPr algn="r">
+              <a:defRPr sz="1200"/>
+            </a:lvl1pPr>
+          </a:lstStyle>
+          <a:p>
+            <a:fld id="{E34E965B-D655-432C-A828-BC3C539A6861}" type="slidenum">
+              <a:rPr lang="en-CA" smtClean="0"/>
+              <a:t>‹#›</a:t>
+            </a:fld>
+            <a:endParaRPr lang="en-CA"/>
+          </a:p>
+        </p:txBody>
+      </p:sp>
+    </p:spTree>
+    <p:extLst>
+      <p:ext uri="{BB962C8B-B14F-4D97-AF65-F5344CB8AC3E}">
+        <p14:creationId xmlns:p14="http://schemas.microsoft.com/office/powerpoint/2010/main" val="3164730232"/>
+      </p:ext>
+    </p:extLst>
+  </p:cSld>
+  <p:clrMap bg1="lt1" tx1="dk1" bg2="lt2" tx2="dk2" accent1="accent1" accent2="accent2" accent3="accent3" accent4="accent4" accent5="accent5" accent6="accent6" hlink="hlink" folHlink="folHlink"/>
+  <p:notesStyle>
+    <a:lvl1pPr marL="0" algn="l" defTabSz="914400" rtl="0" eaLnBrk="1" latinLnBrk="0" hangingPunct="1">
+      <a:defRPr sz="1200" kern="1200">
+        <a:solidFill>
+          <a:schemeClr val="tx1"/>
+        </a:solidFill>
+        <a:latin typeface="+mn-lt"/>
+        <a:ea typeface="+mn-ea"/>
+        <a:cs typeface="+mn-cs"/>
+      </a:defRPr>
+    </a:lvl1pPr>
+    <a:lvl2pPr marL="457200" algn="l" defTabSz="914400" rtl="0" eaLnBrk="1" latinLnBrk="0" hangingPunct="1">
+      <a:defRPr sz="1200" kern="1200">
+        <a:solidFill>
+          <a:schemeClr val="tx1"/>
+        </a:solidFill>
+        <a:latin typeface="+mn-lt"/>
+        <a:ea typeface="+mn-ea"/>
+        <a:cs typeface="+mn-cs"/>
+      </a:defRPr>
+    </a:lvl2pPr>
+    <a:lvl3pPr marL="914400" algn="l" defTabSz="914400" rtl="0" eaLnBrk="1" latinLnBrk="0" hangingPunct="1">
+      <a:defRPr sz="1200" kern="1200">
+        <a:solidFill>
+          <a:schemeClr val="tx1"/>
+        </a:solidFill>
+        <a:latin typeface="+mn-lt"/>
+        <a:ea typeface="+mn-ea"/>
+        <a:cs typeface="+mn-cs"/>
+      </a:defRPr>
+    </a:lvl3pPr>
+    <a:lvl4pPr marL="1371600" algn="l" defTabSz="914400" rtl="0" eaLnBrk="1" latinLnBrk="0" hangingPunct="1">
+      <a:defRPr sz="1200" kern="1200">
+        <a:solidFill>
+          <a:schemeClr val="tx1"/>
+        </a:solidFill>
+        <a:latin typeface="+mn-lt"/>
+        <a:ea typeface="+mn-ea"/>
+        <a:cs typeface="+mn-cs"/>
+      </a:defRPr>
+    </a:lvl4pPr>
+    <a:lvl5pPr marL="1828800" algn="l" defTabSz="914400" rtl="0" eaLnBrk="1" latinLnBrk="0" hangingPunct="1">
+      <a:defRPr sz="1200" kern="1200">
+        <a:solidFill>
+          <a:schemeClr val="tx1"/>
+        </a:solidFill>
+        <a:latin typeface="+mn-lt"/>
+        <a:ea typeface="+mn-ea"/>
+        <a:cs typeface="+mn-cs"/>
+      </a:defRPr>
+    </a:lvl5pPr>
+    <a:lvl6pPr marL="2286000" algn="l" defTabSz="914400" rtl="0" eaLnBrk="1" latinLnBrk="0" hangingPunct="1">
+      <a:defRPr sz="1200" kern="1200">
+        <a:solidFill>
+          <a:schemeClr val="tx1"/>
+        </a:solidFill>
+        <a:latin typeface="+mn-lt"/>
+        <a:ea typeface="+mn-ea"/>
+        <a:cs typeface="+mn-cs"/>
+      </a:defRPr>
+    </a:lvl6pPr>
+    <a:lvl7pPr marL="2743200" algn="l" defTabSz="914400" rtl="0" eaLnBrk="1" latinLnBrk="0" hangingPunct="1">
+      <a:defRPr sz="1200" kern="1200">
+        <a:solidFill>
+          <a:schemeClr val="tx1"/>
+        </a:solidFill>
+        <a:latin typeface="+mn-lt"/>
+        <a:ea typeface="+mn-ea"/>
+        <a:cs typeface="+mn-cs"/>
+      </a:defRPr>
+    </a:lvl7pPr>
+    <a:lvl8pPr marL="3200400" algn="l" defTabSz="914400" rtl="0" eaLnBrk="1" latinLnBrk="0" hangingPunct="1">
+      <a:defRPr sz="1200" kern="1200">
+        <a:solidFill>
+          <a:schemeClr val="tx1"/>
+        </a:solidFill>
+        <a:latin typeface="+mn-lt"/>
+        <a:ea typeface="+mn-ea"/>
+        <a:cs typeface="+mn-cs"/>
+      </a:defRPr>
+    </a:lvl8pPr>
+    <a:lvl9pPr marL="3657600" algn="l" defTabSz="914400" rtl="0" eaLnBrk="1" latinLnBrk="0" hangingPunct="1">
+      <a:defRPr sz="1200" kern="1200">
+        <a:solidFill>
+          <a:schemeClr val="tx1"/>
+        </a:solidFill>
+        <a:latin typeface="+mn-lt"/>
+        <a:ea typeface="+mn-ea"/>
+        <a:cs typeface="+mn-cs"/>
+      </a:defRPr>
+    </a:lvl9pPr>
+  </p:notesStyle>
+</p:notesMaster>
+</file>
+
+<file path=ppt/notesSlides/notesSlide1.xml><?xml version="1.0" encoding="utf-8"?>
+<p:notes xmlns:a="http://schemas.openxmlformats.org/drawingml/2006/main" xmlns:r="http://schemas.openxmlformats.org/officeDocument/2006/relationships" xmlns:p="http://schemas.openxmlformats.org/presentationml/2006/main">
+  <p:cSld>
+    <p:spTree>
+      <p:nvGrpSpPr>
+        <p:cNvPr id="1" name=""/>
+        <p:cNvGrpSpPr/>
+        <p:nvPr/>
+      </p:nvGrpSpPr>
+      <p:grpSpPr>
+        <a:xfrm>
+          <a:off x="0" y="0"/>
+          <a:ext cx="0" cy="0"/>
+          <a:chOff x="0" y="0"/>
+          <a:chExt cx="0" cy="0"/>
+        </a:xfrm>
+      </p:grpSpPr>
+      <p:sp>
+        <p:nvSpPr>
+          <p:cNvPr id="2" name="Slide Image Placeholder 1"/>
+          <p:cNvSpPr>
+            <a:spLocks noGrp="1" noRot="1" noChangeAspect="1"/>
+          </p:cNvSpPr>
+          <p:nvPr>
+            <p:ph type="sldImg"/>
+          </p:nvPr>
+        </p:nvSpPr>
+        <p:spPr/>
+      </p:sp>
+      <p:sp>
+        <p:nvSpPr>
+          <p:cNvPr id="3" name="Notes Placeholder 2"/>
+          <p:cNvSpPr>
+            <a:spLocks noGrp="1"/>
+          </p:cNvSpPr>
+          <p:nvPr>
+            <p:ph type="body" idx="1"/>
+          </p:nvPr>
+        </p:nvSpPr>
+        <p:spPr/>
+        <p:txBody>
+          <a:bodyPr/>
+          <a:lstStyle/>
+          <a:p>
+            <a:r>
+              <a:rPr lang="en-CA" dirty="0"/>
+              <a:t>Quotation from </a:t>
+            </a:r>
+            <a:r>
+              <a:rPr lang="en-US" sz="1200" b="0" i="0" kern="1200" dirty="0" err="1">
+                <a:solidFill>
+                  <a:schemeClr val="tx1"/>
+                </a:solidFill>
+                <a:effectLst/>
+                <a:latin typeface="+mn-lt"/>
+                <a:ea typeface="+mn-ea"/>
+                <a:cs typeface="+mn-cs"/>
+              </a:rPr>
+              <a:t>Bordowitz</a:t>
+            </a:r>
+            <a:r>
+              <a:rPr lang="en-US" sz="1200" b="0" i="0" kern="1200" dirty="0">
+                <a:solidFill>
+                  <a:schemeClr val="tx1"/>
+                </a:solidFill>
+                <a:effectLst/>
+                <a:latin typeface="+mn-lt"/>
+                <a:ea typeface="+mn-ea"/>
+                <a:cs typeface="+mn-cs"/>
+              </a:rPr>
+              <a:t>, Hank (2007). </a:t>
+            </a:r>
+            <a:r>
+              <a:rPr lang="en-US" sz="1200" b="0" i="1" kern="1200" dirty="0">
+                <a:solidFill>
+                  <a:schemeClr val="tx1"/>
+                </a:solidFill>
+                <a:effectLst/>
+                <a:latin typeface="+mn-lt"/>
+                <a:ea typeface="+mn-ea"/>
+                <a:cs typeface="+mn-cs"/>
+              </a:rPr>
+              <a:t>Bad Moon Rising: The Unauthorized History of Creedence Clearwater Revival</a:t>
+            </a:r>
+            <a:r>
+              <a:rPr lang="en-US" sz="1200" b="0" i="0" kern="1200" dirty="0">
+                <a:solidFill>
+                  <a:schemeClr val="tx1"/>
+                </a:solidFill>
+                <a:effectLst/>
+                <a:latin typeface="+mn-lt"/>
+                <a:ea typeface="+mn-ea"/>
+                <a:cs typeface="+mn-cs"/>
+              </a:rPr>
+              <a:t>. Chicago: Chicago Review Press. p. 390. </a:t>
+            </a:r>
+            <a:r>
+              <a:rPr lang="en-US" sz="1200" b="0" i="0" u="none" strike="noStrike" kern="1200">
+                <a:solidFill>
+                  <a:schemeClr val="tx1"/>
+                </a:solidFill>
+                <a:effectLst/>
+                <a:latin typeface="+mn-lt"/>
+                <a:ea typeface="+mn-ea"/>
+                <a:cs typeface="+mn-cs"/>
+                <a:hlinkClick r:id="rId3" tooltip="International Standard Book Number"/>
+              </a:rPr>
+              <a:t>ISBN</a:t>
+            </a:r>
+            <a:r>
+              <a:rPr lang="en-US" sz="1200" b="0" i="0" kern="1200">
+                <a:solidFill>
+                  <a:schemeClr val="tx1"/>
+                </a:solidFill>
+                <a:effectLst/>
+                <a:latin typeface="+mn-lt"/>
+                <a:ea typeface="+mn-ea"/>
+                <a:cs typeface="+mn-cs"/>
+              </a:rPr>
+              <a:t> </a:t>
+            </a:r>
+            <a:r>
+              <a:rPr lang="en-US" sz="1200" b="0" i="0" u="none" strike="noStrike" kern="1200">
+                <a:solidFill>
+                  <a:schemeClr val="tx1"/>
+                </a:solidFill>
+                <a:effectLst/>
+                <a:latin typeface="+mn-lt"/>
+                <a:ea typeface="+mn-ea"/>
+                <a:cs typeface="+mn-cs"/>
+                <a:hlinkClick r:id="rId4" tooltip="Special:BookSources/1-55652-661-X"/>
+              </a:rPr>
+              <a:t>1-55652-661-X</a:t>
+            </a:r>
+            <a:r>
+              <a:rPr lang="en-US" sz="1200" b="0" i="0" kern="1200">
+                <a:solidFill>
+                  <a:schemeClr val="tx1"/>
+                </a:solidFill>
+                <a:effectLst/>
+                <a:latin typeface="+mn-lt"/>
+                <a:ea typeface="+mn-ea"/>
+                <a:cs typeface="+mn-cs"/>
+              </a:rPr>
+              <a:t>.</a:t>
+            </a:r>
+            <a:endParaRPr lang="en-CA" dirty="0"/>
+          </a:p>
+        </p:txBody>
+      </p:sp>
+      <p:sp>
+        <p:nvSpPr>
+          <p:cNvPr id="4" name="Slide Number Placeholder 3"/>
+          <p:cNvSpPr>
+            <a:spLocks noGrp="1"/>
+          </p:cNvSpPr>
+          <p:nvPr>
+            <p:ph type="sldNum" sz="quarter" idx="5"/>
+          </p:nvPr>
+        </p:nvSpPr>
+        <p:spPr/>
+        <p:txBody>
+          <a:bodyPr/>
+          <a:lstStyle/>
+          <a:p>
+            <a:fld id="{E34E965B-D655-432C-A828-BC3C539A6861}" type="slidenum">
+              <a:rPr lang="en-CA" smtClean="0"/>
+              <a:t>14</a:t>
+            </a:fld>
+            <a:endParaRPr lang="en-CA"/>
+          </a:p>
+        </p:txBody>
+      </p:sp>
+    </p:spTree>
+    <p:extLst>
+      <p:ext uri="{BB962C8B-B14F-4D97-AF65-F5344CB8AC3E}">
+        <p14:creationId xmlns:p14="http://schemas.microsoft.com/office/powerpoint/2010/main" val="1861012011"/>
+      </p:ext>
+    </p:extLst>
+  </p:cSld>
+  <p:clrMapOvr>
+    <a:masterClrMapping/>
+  </p:clrMapOvr>
+</p:notes>
 </file>
 
 <file path=ppt/slideLayouts/slideLayout1.xml><?xml version="1.0" encoding="utf-8"?>
@@ -455,7 +1003,7 @@
           <a:p>
             <a:fld id="{1570E9FD-0F47-4482-9939-5478A7A6E089}" type="datetimeFigureOut">
               <a:rPr lang="en-US" smtClean="0"/>
-              <a:t>2/26/18</a:t>
+              <a:t>11/28/2018</a:t>
             </a:fld>
             <a:endParaRPr lang="en-US"/>
           </a:p>
@@ -1543,7 +2091,7 @@
           <a:p>
             <a:fld id="{1570E9FD-0F47-4482-9939-5478A7A6E089}" type="datetimeFigureOut">
               <a:rPr lang="en-US" smtClean="0"/>
-              <a:t>2/26/18</a:t>
+              <a:t>11/28/2018</a:t>
             </a:fld>
             <a:endParaRPr lang="en-US"/>
           </a:p>
@@ -2523,7 +3071,7 @@
           <a:p>
             <a:fld id="{1570E9FD-0F47-4482-9939-5478A7A6E089}" type="datetimeFigureOut">
               <a:rPr lang="en-US" smtClean="0"/>
-              <a:t>2/26/18</a:t>
+              <a:t>11/28/2018</a:t>
             </a:fld>
             <a:endParaRPr lang="en-US"/>
           </a:p>
@@ -3657,7 +4205,7 @@
           <a:p>
             <a:fld id="{1570E9FD-0F47-4482-9939-5478A7A6E089}" type="datetimeFigureOut">
               <a:rPr lang="en-US" smtClean="0"/>
-              <a:t>2/26/18</a:t>
+              <a:t>11/28/2018</a:t>
             </a:fld>
             <a:endParaRPr lang="en-US"/>
           </a:p>
@@ -4690,7 +5238,7 @@
           <a:p>
             <a:fld id="{1570E9FD-0F47-4482-9939-5478A7A6E089}" type="datetimeFigureOut">
               <a:rPr lang="en-US" smtClean="0"/>
-              <a:t>2/26/18</a:t>
+              <a:t>11/28/2018</a:t>
             </a:fld>
             <a:endParaRPr lang="en-US"/>
           </a:p>
@@ -5350,7 +5898,7 @@
           <a:p>
             <a:fld id="{1570E9FD-0F47-4482-9939-5478A7A6E089}" type="datetimeFigureOut">
               <a:rPr lang="en-US" smtClean="0"/>
-              <a:t>2/26/18</a:t>
+              <a:t>11/28/2018</a:t>
             </a:fld>
             <a:endParaRPr lang="en-US"/>
           </a:p>
@@ -6211,7 +6759,7 @@
           <a:p>
             <a:fld id="{1570E9FD-0F47-4482-9939-5478A7A6E089}" type="datetimeFigureOut">
               <a:rPr lang="en-US" smtClean="0"/>
-              <a:t>2/26/18</a:t>
+              <a:t>11/28/2018</a:t>
             </a:fld>
             <a:endParaRPr lang="en-US"/>
           </a:p>
@@ -6401,7 +6949,7 @@
           <a:p>
             <a:fld id="{1570E9FD-0F47-4482-9939-5478A7A6E089}" type="datetimeFigureOut">
               <a:rPr lang="en-US" smtClean="0"/>
-              <a:t>2/26/18</a:t>
+              <a:t>11/28/2018</a:t>
             </a:fld>
             <a:endParaRPr lang="en-US"/>
           </a:p>
@@ -7373,7 +7921,7 @@
           <a:p>
             <a:fld id="{1570E9FD-0F47-4482-9939-5478A7A6E089}" type="datetimeFigureOut">
               <a:rPr lang="en-US" smtClean="0"/>
-              <a:t>2/26/18</a:t>
+              <a:t>11/28/2018</a:t>
             </a:fld>
             <a:endParaRPr lang="en-US"/>
           </a:p>
@@ -7584,7 +8132,7 @@
           <a:p>
             <a:fld id="{1570E9FD-0F47-4482-9939-5478A7A6E089}" type="datetimeFigureOut">
               <a:rPr lang="en-US" smtClean="0"/>
-              <a:t>2/26/18</a:t>
+              <a:t>11/28/2018</a:t>
             </a:fld>
             <a:endParaRPr lang="en-US"/>
           </a:p>
@@ -8618,7 +9166,7 @@
           <a:p>
             <a:fld id="{1570E9FD-0F47-4482-9939-5478A7A6E089}" type="datetimeFigureOut">
               <a:rPr lang="en-US" smtClean="0"/>
-              <a:t>2/26/18</a:t>
+              <a:t>11/28/2018</a:t>
             </a:fld>
             <a:endParaRPr lang="en-US"/>
           </a:p>
@@ -8890,7 +9438,7 @@
           <a:p>
             <a:fld id="{1570E9FD-0F47-4482-9939-5478A7A6E089}" type="datetimeFigureOut">
               <a:rPr lang="en-US" smtClean="0"/>
-              <a:t>2/26/18</a:t>
+              <a:t>11/28/2018</a:t>
             </a:fld>
             <a:endParaRPr lang="en-US"/>
           </a:p>
@@ -9300,7 +9848,7 @@
           <a:p>
             <a:fld id="{1570E9FD-0F47-4482-9939-5478A7A6E089}" type="datetimeFigureOut">
               <a:rPr lang="en-US" smtClean="0"/>
-              <a:t>2/26/18</a:t>
+              <a:t>11/28/2018</a:t>
             </a:fld>
             <a:endParaRPr lang="en-US"/>
           </a:p>
@@ -9427,7 +9975,7 @@
           <a:p>
             <a:fld id="{1570E9FD-0F47-4482-9939-5478A7A6E089}" type="datetimeFigureOut">
               <a:rPr lang="en-US" smtClean="0"/>
-              <a:t>2/26/18</a:t>
+              <a:t>11/28/2018</a:t>
             </a:fld>
             <a:endParaRPr lang="en-US"/>
           </a:p>
@@ -9522,7 +10070,7 @@
           <a:p>
             <a:fld id="{1570E9FD-0F47-4482-9939-5478A7A6E089}" type="datetimeFigureOut">
               <a:rPr lang="en-US" smtClean="0"/>
-              <a:t>2/26/18</a:t>
+              <a:t>11/28/2018</a:t>
             </a:fld>
             <a:endParaRPr lang="en-US"/>
           </a:p>
@@ -10603,7 +11151,7 @@
           <a:p>
             <a:fld id="{1570E9FD-0F47-4482-9939-5478A7A6E089}" type="datetimeFigureOut">
               <a:rPr lang="en-US" smtClean="0"/>
-              <a:t>2/26/18</a:t>
+              <a:t>11/28/2018</a:t>
             </a:fld>
             <a:endParaRPr lang="en-US"/>
           </a:p>
@@ -11711,7 +12259,7 @@
           <a:p>
             <a:fld id="{1570E9FD-0F47-4482-9939-5478A7A6E089}" type="datetimeFigureOut">
               <a:rPr lang="en-US" smtClean="0"/>
-              <a:t>2/26/18</a:t>
+              <a:t>11/28/2018</a:t>
             </a:fld>
             <a:endParaRPr lang="en-US"/>
           </a:p>
@@ -12708,7 +13256,7 @@
           <a:p>
             <a:fld id="{1570E9FD-0F47-4482-9939-5478A7A6E089}" type="datetimeFigureOut">
               <a:rPr lang="en-US" smtClean="0"/>
-              <a:t>2/26/18</a:t>
+              <a:t>11/28/2018</a:t>
             </a:fld>
             <a:endParaRPr lang="en-US"/>
           </a:p>
@@ -13328,6 +13876,7944 @@
 </p:sld>
 </file>
 
+<file path=ppt/slides/slide10.xml><?xml version="1.0" encoding="utf-8"?>
+<p:sld xmlns:a="http://schemas.openxmlformats.org/drawingml/2006/main" xmlns:r="http://schemas.openxmlformats.org/officeDocument/2006/relationships" xmlns:p="http://schemas.openxmlformats.org/presentationml/2006/main">
+  <p:cSld>
+    <p:spTree>
+      <p:nvGrpSpPr>
+        <p:cNvPr id="1" name=""/>
+        <p:cNvGrpSpPr/>
+        <p:nvPr/>
+      </p:nvGrpSpPr>
+      <p:grpSpPr>
+        <a:xfrm>
+          <a:off x="0" y="0"/>
+          <a:ext cx="0" cy="0"/>
+          <a:chOff x="0" y="0"/>
+          <a:chExt cx="0" cy="0"/>
+        </a:xfrm>
+      </p:grpSpPr>
+      <p:sp>
+        <p:nvSpPr>
+          <p:cNvPr id="2" name="Title 1"/>
+          <p:cNvSpPr>
+            <a:spLocks noGrp="1"/>
+          </p:cNvSpPr>
+          <p:nvPr>
+            <p:ph type="title"/>
+          </p:nvPr>
+        </p:nvSpPr>
+        <p:spPr/>
+        <p:txBody>
+          <a:bodyPr/>
+          <a:lstStyle/>
+          <a:p>
+            <a:r>
+              <a:rPr lang="en-US" dirty="0"/>
+              <a:t>Woodstock Music and Art Fair, </a:t>
+            </a:r>
+          </a:p>
+        </p:txBody>
+      </p:sp>
+      <p:sp>
+        <p:nvSpPr>
+          <p:cNvPr id="3" name="Content Placeholder 2"/>
+          <p:cNvSpPr>
+            <a:spLocks noGrp="1"/>
+          </p:cNvSpPr>
+          <p:nvPr>
+            <p:ph idx="1"/>
+          </p:nvPr>
+        </p:nvSpPr>
+        <p:spPr>
+          <a:xfrm>
+            <a:off x="683582" y="2343955"/>
+            <a:ext cx="7043744" cy="4158057"/>
+          </a:xfrm>
+        </p:spPr>
+        <p:txBody>
+          <a:bodyPr>
+            <a:noAutofit/>
+          </a:bodyPr>
+          <a:lstStyle/>
+          <a:p>
+            <a:r>
+              <a:rPr lang="en-US" sz="2800" dirty="0"/>
+              <a:t>White Lake/Bethel, NY, 15-18 August 1969: Three Days of Peace and Music</a:t>
+            </a:r>
+          </a:p>
+          <a:p>
+            <a:r>
+              <a:rPr lang="en-US" sz="2800" dirty="0"/>
+              <a:t>Mike Lang, Artie Kornfield, Joel </a:t>
+            </a:r>
+            <a:r>
+              <a:rPr lang="en-US" sz="2800" dirty="0" err="1"/>
+              <a:t>Rosenham</a:t>
+            </a:r>
+            <a:r>
+              <a:rPr lang="en-US" sz="2800" dirty="0"/>
+              <a:t>, John P. Roberts, formed Woodstock Ventures.</a:t>
+            </a:r>
+          </a:p>
+          <a:p>
+            <a:r>
+              <a:rPr lang="en-US" sz="2800" dirty="0"/>
+              <a:t>Woodstock, the setting was key.</a:t>
+            </a:r>
+          </a:p>
+          <a:p>
+            <a:r>
+              <a:rPr lang="en-US" sz="2800" dirty="0"/>
+              <a:t>186,000 advance tickets sold ($18 each).</a:t>
+            </a:r>
+          </a:p>
+        </p:txBody>
+      </p:sp>
+      <p:pic>
+        <p:nvPicPr>
+          <p:cNvPr id="4" name="Picture 3"/>
+          <p:cNvPicPr>
+            <a:picLocks noChangeAspect="1"/>
+          </p:cNvPicPr>
+          <p:nvPr/>
+        </p:nvPicPr>
+        <p:blipFill>
+          <a:blip r:embed="rId2">
+            <a:extLst>
+              <a:ext uri="{28A0092B-C50C-407E-A947-70E740481C1C}">
+                <a14:useLocalDpi xmlns:a14="http://schemas.microsoft.com/office/drawing/2010/main" val="0"/>
+              </a:ext>
+            </a:extLst>
+          </a:blip>
+          <a:stretch>
+            <a:fillRect/>
+          </a:stretch>
+        </p:blipFill>
+        <p:spPr>
+          <a:xfrm>
+            <a:off x="8223179" y="1680632"/>
+            <a:ext cx="3514867" cy="4821380"/>
+          </a:xfrm>
+          <a:prstGeom prst="rect">
+            <a:avLst/>
+          </a:prstGeom>
+        </p:spPr>
+      </p:pic>
+    </p:spTree>
+    <p:extLst>
+      <p:ext uri="{BB962C8B-B14F-4D97-AF65-F5344CB8AC3E}">
+        <p14:creationId xmlns:p14="http://schemas.microsoft.com/office/powerpoint/2010/main" val="1607922746"/>
+      </p:ext>
+    </p:extLst>
+  </p:cSld>
+  <p:clrMapOvr>
+    <a:masterClrMapping/>
+  </p:clrMapOvr>
+</p:sld>
+</file>
+
+<file path=ppt/slides/slide11.xml><?xml version="1.0" encoding="utf-8"?>
+<p:sld xmlns:a="http://schemas.openxmlformats.org/drawingml/2006/main" xmlns:r="http://schemas.openxmlformats.org/officeDocument/2006/relationships" xmlns:p="http://schemas.openxmlformats.org/presentationml/2006/main">
+  <p:cSld>
+    <p:spTree>
+      <p:nvGrpSpPr>
+        <p:cNvPr id="1" name=""/>
+        <p:cNvGrpSpPr/>
+        <p:nvPr/>
+      </p:nvGrpSpPr>
+      <p:grpSpPr>
+        <a:xfrm>
+          <a:off x="0" y="0"/>
+          <a:ext cx="0" cy="0"/>
+          <a:chOff x="0" y="0"/>
+          <a:chExt cx="0" cy="0"/>
+        </a:xfrm>
+      </p:grpSpPr>
+      <p:sp>
+        <p:nvSpPr>
+          <p:cNvPr id="2" name="Title 1"/>
+          <p:cNvSpPr>
+            <a:spLocks noGrp="1"/>
+          </p:cNvSpPr>
+          <p:nvPr>
+            <p:ph type="title"/>
+          </p:nvPr>
+        </p:nvSpPr>
+        <p:spPr/>
+        <p:txBody>
+          <a:bodyPr/>
+          <a:lstStyle/>
+          <a:p>
+            <a:r>
+              <a:rPr lang="en-US" dirty="0"/>
+              <a:t>Woodstock Music and Art Fair, </a:t>
+            </a:r>
+          </a:p>
+        </p:txBody>
+      </p:sp>
+      <p:sp>
+        <p:nvSpPr>
+          <p:cNvPr id="3" name="Content Placeholder 2"/>
+          <p:cNvSpPr>
+            <a:spLocks noGrp="1"/>
+          </p:cNvSpPr>
+          <p:nvPr>
+            <p:ph idx="1"/>
+          </p:nvPr>
+        </p:nvSpPr>
+        <p:spPr>
+          <a:xfrm>
+            <a:off x="978794" y="2343955"/>
+            <a:ext cx="6748531" cy="4158057"/>
+          </a:xfrm>
+        </p:spPr>
+        <p:txBody>
+          <a:bodyPr>
+            <a:normAutofit/>
+          </a:bodyPr>
+          <a:lstStyle/>
+          <a:p>
+            <a:r>
+              <a:rPr lang="en-US" sz="2400" dirty="0"/>
+              <a:t>Banned from initial site Wallkill, NY(toilets), which promoted festival.</a:t>
+            </a:r>
+          </a:p>
+          <a:p>
+            <a:r>
+              <a:rPr lang="en-US" sz="2400" dirty="0"/>
+              <a:t>Max </a:t>
+            </a:r>
+            <a:r>
+              <a:rPr lang="en-US" sz="2400" dirty="0" err="1"/>
+              <a:t>Yasgur’s</a:t>
+            </a:r>
+            <a:r>
+              <a:rPr lang="en-US" sz="2400" dirty="0"/>
+              <a:t> milk farm formed the bowl.</a:t>
+            </a:r>
+          </a:p>
+          <a:p>
+            <a:r>
+              <a:rPr lang="en-US" sz="2400" dirty="0"/>
+              <a:t>Late change of site left no time to prepare: stage or fence; chose stage.</a:t>
+            </a:r>
+          </a:p>
+          <a:p>
+            <a:r>
+              <a:rPr lang="en-US" sz="2400" dirty="0"/>
+              <a:t>About 500,000 showed up.</a:t>
+            </a:r>
+          </a:p>
+          <a:p>
+            <a:r>
+              <a:rPr lang="en-US" sz="2400" dirty="0"/>
+              <a:t>Two deaths, two births, lots of rain.</a:t>
+            </a:r>
+          </a:p>
+          <a:p>
+            <a:r>
+              <a:rPr lang="en-US" sz="2400" dirty="0"/>
+              <a:t>Very peaceful, but there was destruction and theft (40 cars!).</a:t>
+            </a:r>
+          </a:p>
+          <a:p>
+            <a:endParaRPr lang="en-US" sz="2400" dirty="0"/>
+          </a:p>
+          <a:p>
+            <a:endParaRPr lang="en-US" sz="2400" dirty="0"/>
+          </a:p>
+        </p:txBody>
+      </p:sp>
+      <p:pic>
+        <p:nvPicPr>
+          <p:cNvPr id="4" name="Picture 3"/>
+          <p:cNvPicPr>
+            <a:picLocks noChangeAspect="1"/>
+          </p:cNvPicPr>
+          <p:nvPr/>
+        </p:nvPicPr>
+        <p:blipFill>
+          <a:blip r:embed="rId2">
+            <a:extLst>
+              <a:ext uri="{28A0092B-C50C-407E-A947-70E740481C1C}">
+                <a14:useLocalDpi xmlns:a14="http://schemas.microsoft.com/office/drawing/2010/main" val="0"/>
+              </a:ext>
+            </a:extLst>
+          </a:blip>
+          <a:stretch>
+            <a:fillRect/>
+          </a:stretch>
+        </p:blipFill>
+        <p:spPr>
+          <a:xfrm>
+            <a:off x="8223179" y="1680632"/>
+            <a:ext cx="3514867" cy="4821380"/>
+          </a:xfrm>
+          <a:prstGeom prst="rect">
+            <a:avLst/>
+          </a:prstGeom>
+        </p:spPr>
+      </p:pic>
+    </p:spTree>
+    <p:extLst>
+      <p:ext uri="{BB962C8B-B14F-4D97-AF65-F5344CB8AC3E}">
+        <p14:creationId xmlns:p14="http://schemas.microsoft.com/office/powerpoint/2010/main" val="1641006859"/>
+      </p:ext>
+    </p:extLst>
+  </p:cSld>
+  <p:clrMapOvr>
+    <a:masterClrMapping/>
+  </p:clrMapOvr>
+</p:sld>
+</file>
+
+<file path=ppt/slides/slide12.xml><?xml version="1.0" encoding="utf-8"?>
+<p:sld xmlns:a="http://schemas.openxmlformats.org/drawingml/2006/main" xmlns:r="http://schemas.openxmlformats.org/officeDocument/2006/relationships" xmlns:p="http://schemas.openxmlformats.org/presentationml/2006/main">
+  <p:cSld>
+    <p:bg>
+      <p:bgPr>
+        <a:noFill/>
+        <a:effectLst/>
+      </p:bgPr>
+    </p:bg>
+    <p:spTree>
+      <p:nvGrpSpPr>
+        <p:cNvPr id="1" name=""/>
+        <p:cNvGrpSpPr/>
+        <p:nvPr/>
+      </p:nvGrpSpPr>
+      <p:grpSpPr>
+        <a:xfrm>
+          <a:off x="0" y="0"/>
+          <a:ext cx="0" cy="0"/>
+          <a:chOff x="0" y="0"/>
+          <a:chExt cx="0" cy="0"/>
+        </a:xfrm>
+      </p:grpSpPr>
+      <p:sp>
+        <p:nvSpPr>
+          <p:cNvPr id="2" name="Title 1">
+            <a:extLst>
+              <a:ext uri="{FF2B5EF4-FFF2-40B4-BE49-F238E27FC236}">
+                <a16:creationId xmlns:a16="http://schemas.microsoft.com/office/drawing/2014/main" id="{79F1826B-52FB-4DB5-A927-DBB97E254588}"/>
+              </a:ext>
+            </a:extLst>
+          </p:cNvPr>
+          <p:cNvSpPr>
+            <a:spLocks noGrp="1"/>
+          </p:cNvSpPr>
+          <p:nvPr>
+            <p:ph type="title"/>
+          </p:nvPr>
+        </p:nvSpPr>
+        <p:spPr>
+          <a:xfrm>
+            <a:off x="649224" y="493776"/>
+            <a:ext cx="10442448" cy="1435608"/>
+          </a:xfrm>
+        </p:spPr>
+        <p:txBody>
+          <a:bodyPr/>
+          <a:lstStyle/>
+          <a:p>
+            <a:r>
+              <a:rPr lang="en-CA" b="1" dirty="0"/>
+              <a:t>Woodstock,</a:t>
+            </a:r>
+            <a:r>
+              <a:rPr lang="en-US" b="1" dirty="0"/>
+              <a:t> August 15 –16, 1969</a:t>
+            </a:r>
+            <a:endParaRPr lang="en-CA" b="1" dirty="0"/>
+          </a:p>
+        </p:txBody>
+      </p:sp>
+      <p:graphicFrame>
+        <p:nvGraphicFramePr>
+          <p:cNvPr id="4" name="Content Placeholder 3">
+            <a:extLst>
+              <a:ext uri="{FF2B5EF4-FFF2-40B4-BE49-F238E27FC236}">
+                <a16:creationId xmlns:a16="http://schemas.microsoft.com/office/drawing/2014/main" id="{F5FCB92E-580C-4201-B67A-5D9726D19813}"/>
+              </a:ext>
+            </a:extLst>
+          </p:cNvPr>
+          <p:cNvGraphicFramePr>
+            <a:graphicFrameLocks noGrp="1"/>
+          </p:cNvGraphicFramePr>
+          <p:nvPr>
+            <p:ph idx="1"/>
+            <p:extLst>
+              <p:ext uri="{D42A27DB-BD31-4B8C-83A1-F6EECF244321}">
+                <p14:modId xmlns:p14="http://schemas.microsoft.com/office/powerpoint/2010/main" val="3140939114"/>
+              </p:ext>
+            </p:extLst>
+          </p:nvPr>
+        </p:nvGraphicFramePr>
+        <p:xfrm>
+          <a:off x="530352" y="2331720"/>
+          <a:ext cx="11109960" cy="4031623"/>
+        </p:xfrm>
+        <a:graphic>
+          <a:graphicData uri="http://schemas.openxmlformats.org/drawingml/2006/table">
+            <a:tbl>
+              <a:tblPr/>
+              <a:tblGrid>
+                <a:gridCol w="3703320">
+                  <a:extLst>
+                    <a:ext uri="{9D8B030D-6E8A-4147-A177-3AD203B41FA5}">
+                      <a16:colId xmlns:a16="http://schemas.microsoft.com/office/drawing/2014/main" val="1539957297"/>
+                    </a:ext>
+                  </a:extLst>
+                </a:gridCol>
+                <a:gridCol w="3703320">
+                  <a:extLst>
+                    <a:ext uri="{9D8B030D-6E8A-4147-A177-3AD203B41FA5}">
+                      <a16:colId xmlns:a16="http://schemas.microsoft.com/office/drawing/2014/main" val="815958796"/>
+                    </a:ext>
+                  </a:extLst>
+                </a:gridCol>
+                <a:gridCol w="3703320">
+                  <a:extLst>
+                    <a:ext uri="{9D8B030D-6E8A-4147-A177-3AD203B41FA5}">
+                      <a16:colId xmlns:a16="http://schemas.microsoft.com/office/drawing/2014/main" val="3397069166"/>
+                    </a:ext>
+                  </a:extLst>
+                </a:gridCol>
+              </a:tblGrid>
+              <a:tr h="362445">
+                <a:tc>
+                  <a:txBody>
+                    <a:bodyPr/>
+                    <a:lstStyle/>
+                    <a:p>
+                      <a:pPr algn="ctr"/>
+                      <a:r>
+                        <a:rPr lang="en-CA" sz="1400" b="1" dirty="0">
+                          <a:effectLst/>
+                        </a:rPr>
+                        <a:t>Artist</a:t>
+                      </a:r>
+                    </a:p>
+                  </a:txBody>
+                  <a:tcPr marL="69720" marR="69720" marT="34860" marB="34860" anchor="ctr">
+                    <a:lnL w="7620" cap="flat" cmpd="sng" algn="ctr">
+                      <a:solidFill>
+                        <a:srgbClr val="A2A9B1"/>
+                      </a:solidFill>
+                      <a:prstDash val="solid"/>
+                      <a:round/>
+                      <a:headEnd type="none" w="med" len="med"/>
+                      <a:tailEnd type="none" w="med" len="med"/>
+                    </a:lnL>
+                    <a:lnR w="7620" cap="flat" cmpd="sng" algn="ctr">
+                      <a:solidFill>
+                        <a:srgbClr val="A2A9B1"/>
+                      </a:solidFill>
+                      <a:prstDash val="solid"/>
+                      <a:round/>
+                      <a:headEnd type="none" w="med" len="med"/>
+                      <a:tailEnd type="none" w="med" len="med"/>
+                    </a:lnR>
+                    <a:lnT w="7620" cap="flat" cmpd="sng" algn="ctr">
+                      <a:solidFill>
+                        <a:srgbClr val="A2A9B1"/>
+                      </a:solidFill>
+                      <a:prstDash val="solid"/>
+                      <a:round/>
+                      <a:headEnd type="none" w="med" len="med"/>
+                      <a:tailEnd type="none" w="med" len="med"/>
+                    </a:lnT>
+                    <a:lnB w="7620" cap="flat" cmpd="sng" algn="ctr">
+                      <a:solidFill>
+                        <a:srgbClr val="A2A9B1"/>
+                      </a:solidFill>
+                      <a:prstDash val="solid"/>
+                      <a:round/>
+                      <a:headEnd type="none" w="med" len="med"/>
+                      <a:tailEnd type="none" w="med" len="med"/>
+                    </a:lnB>
+                    <a:solidFill>
+                      <a:srgbClr val="EAECF0"/>
+                    </a:solidFill>
+                  </a:tcPr>
+                </a:tc>
+                <a:tc>
+                  <a:txBody>
+                    <a:bodyPr/>
+                    <a:lstStyle/>
+                    <a:p>
+                      <a:pPr algn="ctr"/>
+                      <a:r>
+                        <a:rPr lang="en-CA" sz="1400" b="1">
+                          <a:effectLst/>
+                        </a:rPr>
+                        <a:t>Time</a:t>
+                      </a:r>
+                    </a:p>
+                  </a:txBody>
+                  <a:tcPr marL="69720" marR="69720" marT="34860" marB="34860" anchor="ctr">
+                    <a:lnL w="7620" cap="flat" cmpd="sng" algn="ctr">
+                      <a:solidFill>
+                        <a:srgbClr val="A2A9B1"/>
+                      </a:solidFill>
+                      <a:prstDash val="solid"/>
+                      <a:round/>
+                      <a:headEnd type="none" w="med" len="med"/>
+                      <a:tailEnd type="none" w="med" len="med"/>
+                    </a:lnL>
+                    <a:lnR w="7620" cap="flat" cmpd="sng" algn="ctr">
+                      <a:solidFill>
+                        <a:srgbClr val="A2A9B1"/>
+                      </a:solidFill>
+                      <a:prstDash val="solid"/>
+                      <a:round/>
+                      <a:headEnd type="none" w="med" len="med"/>
+                      <a:tailEnd type="none" w="med" len="med"/>
+                    </a:lnR>
+                    <a:lnT w="7620" cap="flat" cmpd="sng" algn="ctr">
+                      <a:solidFill>
+                        <a:srgbClr val="A2A9B1"/>
+                      </a:solidFill>
+                      <a:prstDash val="solid"/>
+                      <a:round/>
+                      <a:headEnd type="none" w="med" len="med"/>
+                      <a:tailEnd type="none" w="med" len="med"/>
+                    </a:lnT>
+                    <a:lnB w="7620" cap="flat" cmpd="sng" algn="ctr">
+                      <a:solidFill>
+                        <a:srgbClr val="A2A9B1"/>
+                      </a:solidFill>
+                      <a:prstDash val="solid"/>
+                      <a:round/>
+                      <a:headEnd type="none" w="med" len="med"/>
+                      <a:tailEnd type="none" w="med" len="med"/>
+                    </a:lnB>
+                    <a:solidFill>
+                      <a:srgbClr val="EAECF0"/>
+                    </a:solidFill>
+                  </a:tcPr>
+                </a:tc>
+                <a:tc>
+                  <a:txBody>
+                    <a:bodyPr/>
+                    <a:lstStyle/>
+                    <a:p>
+                      <a:pPr algn="ctr"/>
+                      <a:r>
+                        <a:rPr lang="en-CA" sz="1400" b="1">
+                          <a:effectLst/>
+                        </a:rPr>
+                        <a:t>Notes</a:t>
+                      </a:r>
+                    </a:p>
+                  </a:txBody>
+                  <a:tcPr marL="69720" marR="69720" marT="34860" marB="34860" anchor="ctr">
+                    <a:lnL w="7620" cap="flat" cmpd="sng" algn="ctr">
+                      <a:solidFill>
+                        <a:srgbClr val="A2A9B1"/>
+                      </a:solidFill>
+                      <a:prstDash val="solid"/>
+                      <a:round/>
+                      <a:headEnd type="none" w="med" len="med"/>
+                      <a:tailEnd type="none" w="med" len="med"/>
+                    </a:lnL>
+                    <a:lnR w="7620" cap="flat" cmpd="sng" algn="ctr">
+                      <a:solidFill>
+                        <a:srgbClr val="A2A9B1"/>
+                      </a:solidFill>
+                      <a:prstDash val="solid"/>
+                      <a:round/>
+                      <a:headEnd type="none" w="med" len="med"/>
+                      <a:tailEnd type="none" w="med" len="med"/>
+                    </a:lnR>
+                    <a:lnT w="7620" cap="flat" cmpd="sng" algn="ctr">
+                      <a:solidFill>
+                        <a:srgbClr val="A2A9B1"/>
+                      </a:solidFill>
+                      <a:prstDash val="solid"/>
+                      <a:round/>
+                      <a:headEnd type="none" w="med" len="med"/>
+                      <a:tailEnd type="none" w="med" len="med"/>
+                    </a:lnT>
+                    <a:lnB w="7620" cap="flat" cmpd="sng" algn="ctr">
+                      <a:solidFill>
+                        <a:srgbClr val="A2A9B1"/>
+                      </a:solidFill>
+                      <a:prstDash val="solid"/>
+                      <a:round/>
+                      <a:headEnd type="none" w="med" len="med"/>
+                      <a:tailEnd type="none" w="med" len="med"/>
+                    </a:lnB>
+                    <a:solidFill>
+                      <a:srgbClr val="EAECF0"/>
+                    </a:solidFill>
+                  </a:tcPr>
+                </a:tc>
+                <a:extLst>
+                  <a:ext uri="{0D108BD9-81ED-4DB2-BD59-A6C34878D82A}">
+                    <a16:rowId xmlns:a16="http://schemas.microsoft.com/office/drawing/2014/main" val="2606935788"/>
+                  </a:ext>
+                </a:extLst>
+              </a:tr>
+              <a:tr h="362445">
+                <a:tc>
+                  <a:txBody>
+                    <a:bodyPr/>
+                    <a:lstStyle/>
+                    <a:p>
+                      <a:r>
+                        <a:rPr lang="en-CA" sz="1400" b="1" u="none" strike="noStrike" dirty="0">
+                          <a:solidFill>
+                            <a:srgbClr val="0B0080"/>
+                          </a:solidFill>
+                          <a:effectLst/>
+                        </a:rPr>
+                        <a:t>Richie Havens</a:t>
+                      </a:r>
+                      <a:endParaRPr lang="en-CA" sz="1400" b="1" dirty="0">
+                        <a:effectLst/>
+                      </a:endParaRPr>
+                    </a:p>
+                  </a:txBody>
+                  <a:tcPr marL="69720" marR="69720" marT="34860" marB="34860" anchor="ctr">
+                    <a:lnL w="7620" cap="flat" cmpd="sng" algn="ctr">
+                      <a:solidFill>
+                        <a:srgbClr val="A2A9B1"/>
+                      </a:solidFill>
+                      <a:prstDash val="solid"/>
+                      <a:round/>
+                      <a:headEnd type="none" w="med" len="med"/>
+                      <a:tailEnd type="none" w="med" len="med"/>
+                    </a:lnL>
+                    <a:lnR w="7620" cap="flat" cmpd="sng" algn="ctr">
+                      <a:solidFill>
+                        <a:srgbClr val="A2A9B1"/>
+                      </a:solidFill>
+                      <a:prstDash val="solid"/>
+                      <a:round/>
+                      <a:headEnd type="none" w="med" len="med"/>
+                      <a:tailEnd type="none" w="med" len="med"/>
+                    </a:lnR>
+                    <a:lnT w="7620" cap="flat" cmpd="sng" algn="ctr">
+                      <a:solidFill>
+                        <a:srgbClr val="A2A9B1"/>
+                      </a:solidFill>
+                      <a:prstDash val="solid"/>
+                      <a:round/>
+                      <a:headEnd type="none" w="med" len="med"/>
+                      <a:tailEnd type="none" w="med" len="med"/>
+                    </a:lnT>
+                    <a:lnB w="7620" cap="flat" cmpd="sng" algn="ctr">
+                      <a:solidFill>
+                        <a:srgbClr val="A2A9B1"/>
+                      </a:solidFill>
+                      <a:prstDash val="solid"/>
+                      <a:round/>
+                      <a:headEnd type="none" w="med" len="med"/>
+                      <a:tailEnd type="none" w="med" len="med"/>
+                    </a:lnB>
+                  </a:tcPr>
+                </a:tc>
+                <a:tc>
+                  <a:txBody>
+                    <a:bodyPr/>
+                    <a:lstStyle/>
+                    <a:p>
+                      <a:r>
+                        <a:rPr lang="en-CA" sz="1400" b="1">
+                          <a:effectLst/>
+                        </a:rPr>
+                        <a:t>5:07 pm – 7:00 pm</a:t>
+                      </a:r>
+                    </a:p>
+                  </a:txBody>
+                  <a:tcPr marL="69720" marR="69720" marT="34860" marB="34860" anchor="ctr">
+                    <a:lnL w="7620" cap="flat" cmpd="sng" algn="ctr">
+                      <a:solidFill>
+                        <a:srgbClr val="A2A9B1"/>
+                      </a:solidFill>
+                      <a:prstDash val="solid"/>
+                      <a:round/>
+                      <a:headEnd type="none" w="med" len="med"/>
+                      <a:tailEnd type="none" w="med" len="med"/>
+                    </a:lnL>
+                    <a:lnR w="7620" cap="flat" cmpd="sng" algn="ctr">
+                      <a:solidFill>
+                        <a:srgbClr val="A2A9B1"/>
+                      </a:solidFill>
+                      <a:prstDash val="solid"/>
+                      <a:round/>
+                      <a:headEnd type="none" w="med" len="med"/>
+                      <a:tailEnd type="none" w="med" len="med"/>
+                    </a:lnR>
+                    <a:lnT w="7620" cap="flat" cmpd="sng" algn="ctr">
+                      <a:solidFill>
+                        <a:srgbClr val="A2A9B1"/>
+                      </a:solidFill>
+                      <a:prstDash val="solid"/>
+                      <a:round/>
+                      <a:headEnd type="none" w="med" len="med"/>
+                      <a:tailEnd type="none" w="med" len="med"/>
+                    </a:lnT>
+                    <a:lnB w="7620" cap="flat" cmpd="sng" algn="ctr">
+                      <a:solidFill>
+                        <a:srgbClr val="A2A9B1"/>
+                      </a:solidFill>
+                      <a:prstDash val="solid"/>
+                      <a:round/>
+                      <a:headEnd type="none" w="med" len="med"/>
+                      <a:tailEnd type="none" w="med" len="med"/>
+                    </a:lnB>
+                  </a:tcPr>
+                </a:tc>
+                <a:tc>
+                  <a:txBody>
+                    <a:bodyPr/>
+                    <a:lstStyle/>
+                    <a:p>
+                      <a:endParaRPr lang="en-CA" sz="1400" b="1">
+                        <a:effectLst/>
+                      </a:endParaRPr>
+                    </a:p>
+                  </a:txBody>
+                  <a:tcPr marL="69720" marR="69720" marT="34860" marB="34860" anchor="ctr">
+                    <a:lnL w="7620" cap="flat" cmpd="sng" algn="ctr">
+                      <a:solidFill>
+                        <a:srgbClr val="A2A9B1"/>
+                      </a:solidFill>
+                      <a:prstDash val="solid"/>
+                      <a:round/>
+                      <a:headEnd type="none" w="med" len="med"/>
+                      <a:tailEnd type="none" w="med" len="med"/>
+                    </a:lnL>
+                    <a:lnR w="7620" cap="flat" cmpd="sng" algn="ctr">
+                      <a:solidFill>
+                        <a:srgbClr val="A2A9B1"/>
+                      </a:solidFill>
+                      <a:prstDash val="solid"/>
+                      <a:round/>
+                      <a:headEnd type="none" w="med" len="med"/>
+                      <a:tailEnd type="none" w="med" len="med"/>
+                    </a:lnR>
+                    <a:lnT w="7620" cap="flat" cmpd="sng" algn="ctr">
+                      <a:solidFill>
+                        <a:srgbClr val="A2A9B1"/>
+                      </a:solidFill>
+                      <a:prstDash val="solid"/>
+                      <a:round/>
+                      <a:headEnd type="none" w="med" len="med"/>
+                      <a:tailEnd type="none" w="med" len="med"/>
+                    </a:lnT>
+                    <a:lnB w="7620" cap="flat" cmpd="sng" algn="ctr">
+                      <a:solidFill>
+                        <a:srgbClr val="A2A9B1"/>
+                      </a:solidFill>
+                      <a:prstDash val="solid"/>
+                      <a:round/>
+                      <a:headEnd type="none" w="med" len="med"/>
+                      <a:tailEnd type="none" w="med" len="med"/>
+                    </a:lnB>
+                  </a:tcPr>
+                </a:tc>
+                <a:extLst>
+                  <a:ext uri="{0D108BD9-81ED-4DB2-BD59-A6C34878D82A}">
+                    <a16:rowId xmlns:a16="http://schemas.microsoft.com/office/drawing/2014/main" val="965524606"/>
+                  </a:ext>
+                </a:extLst>
+              </a:tr>
+              <a:tr h="491262">
+                <a:tc>
+                  <a:txBody>
+                    <a:bodyPr/>
+                    <a:lstStyle/>
+                    <a:p>
+                      <a:r>
+                        <a:rPr lang="en-CA" sz="1400" b="1" u="none" strike="noStrike" dirty="0">
+                          <a:solidFill>
+                            <a:srgbClr val="0B0080"/>
+                          </a:solidFill>
+                          <a:effectLst/>
+                        </a:rPr>
+                        <a:t>Swami </a:t>
+                      </a:r>
+                      <a:r>
+                        <a:rPr lang="en-CA" sz="1400" b="1" u="none" strike="noStrike" dirty="0" err="1">
+                          <a:solidFill>
+                            <a:srgbClr val="0B0080"/>
+                          </a:solidFill>
+                          <a:effectLst/>
+                        </a:rPr>
+                        <a:t>Satchidananda</a:t>
+                      </a:r>
+                      <a:endParaRPr lang="en-CA" sz="1400" b="1" dirty="0">
+                        <a:effectLst/>
+                      </a:endParaRPr>
+                    </a:p>
+                  </a:txBody>
+                  <a:tcPr marL="69720" marR="69720" marT="34860" marB="34860" anchor="ctr">
+                    <a:lnL w="7620" cap="flat" cmpd="sng" algn="ctr">
+                      <a:solidFill>
+                        <a:srgbClr val="A2A9B1"/>
+                      </a:solidFill>
+                      <a:prstDash val="solid"/>
+                      <a:round/>
+                      <a:headEnd type="none" w="med" len="med"/>
+                      <a:tailEnd type="none" w="med" len="med"/>
+                    </a:lnL>
+                    <a:lnR w="7620" cap="flat" cmpd="sng" algn="ctr">
+                      <a:solidFill>
+                        <a:srgbClr val="A2A9B1"/>
+                      </a:solidFill>
+                      <a:prstDash val="solid"/>
+                      <a:round/>
+                      <a:headEnd type="none" w="med" len="med"/>
+                      <a:tailEnd type="none" w="med" len="med"/>
+                    </a:lnR>
+                    <a:lnT w="7620" cap="flat" cmpd="sng" algn="ctr">
+                      <a:solidFill>
+                        <a:srgbClr val="A2A9B1"/>
+                      </a:solidFill>
+                      <a:prstDash val="solid"/>
+                      <a:round/>
+                      <a:headEnd type="none" w="med" len="med"/>
+                      <a:tailEnd type="none" w="med" len="med"/>
+                    </a:lnT>
+                    <a:lnB w="7620" cap="flat" cmpd="sng" algn="ctr">
+                      <a:solidFill>
+                        <a:srgbClr val="A2A9B1"/>
+                      </a:solidFill>
+                      <a:prstDash val="solid"/>
+                      <a:round/>
+                      <a:headEnd type="none" w="med" len="med"/>
+                      <a:tailEnd type="none" w="med" len="med"/>
+                    </a:lnB>
+                  </a:tcPr>
+                </a:tc>
+                <a:tc>
+                  <a:txBody>
+                    <a:bodyPr/>
+                    <a:lstStyle/>
+                    <a:p>
+                      <a:r>
+                        <a:rPr lang="en-CA" sz="1400" b="1">
+                          <a:effectLst/>
+                        </a:rPr>
+                        <a:t>7:10 pm – 7:20 pm</a:t>
+                      </a:r>
+                    </a:p>
+                  </a:txBody>
+                  <a:tcPr marL="69720" marR="69720" marT="34860" marB="34860" anchor="ctr">
+                    <a:lnL w="7620" cap="flat" cmpd="sng" algn="ctr">
+                      <a:solidFill>
+                        <a:srgbClr val="A2A9B1"/>
+                      </a:solidFill>
+                      <a:prstDash val="solid"/>
+                      <a:round/>
+                      <a:headEnd type="none" w="med" len="med"/>
+                      <a:tailEnd type="none" w="med" len="med"/>
+                    </a:lnL>
+                    <a:lnR w="7620" cap="flat" cmpd="sng" algn="ctr">
+                      <a:solidFill>
+                        <a:srgbClr val="A2A9B1"/>
+                      </a:solidFill>
+                      <a:prstDash val="solid"/>
+                      <a:round/>
+                      <a:headEnd type="none" w="med" len="med"/>
+                      <a:tailEnd type="none" w="med" len="med"/>
+                    </a:lnR>
+                    <a:lnT w="7620" cap="flat" cmpd="sng" algn="ctr">
+                      <a:solidFill>
+                        <a:srgbClr val="A2A9B1"/>
+                      </a:solidFill>
+                      <a:prstDash val="solid"/>
+                      <a:round/>
+                      <a:headEnd type="none" w="med" len="med"/>
+                      <a:tailEnd type="none" w="med" len="med"/>
+                    </a:lnT>
+                    <a:lnB w="7620" cap="flat" cmpd="sng" algn="ctr">
+                      <a:solidFill>
+                        <a:srgbClr val="A2A9B1"/>
+                      </a:solidFill>
+                      <a:prstDash val="solid"/>
+                      <a:round/>
+                      <a:headEnd type="none" w="med" len="med"/>
+                      <a:tailEnd type="none" w="med" len="med"/>
+                    </a:lnB>
+                  </a:tcPr>
+                </a:tc>
+                <a:tc>
+                  <a:txBody>
+                    <a:bodyPr/>
+                    <a:lstStyle/>
+                    <a:p>
+                      <a:r>
+                        <a:rPr lang="en-US" sz="1400" b="1" dirty="0">
+                          <a:effectLst/>
+                        </a:rPr>
+                        <a:t>Gave the opening speech/invocation for the festival.</a:t>
+                      </a:r>
+                    </a:p>
+                  </a:txBody>
+                  <a:tcPr marL="69720" marR="69720" marT="34860" marB="34860" anchor="ctr">
+                    <a:lnL w="7620" cap="flat" cmpd="sng" algn="ctr">
+                      <a:solidFill>
+                        <a:srgbClr val="A2A9B1"/>
+                      </a:solidFill>
+                      <a:prstDash val="solid"/>
+                      <a:round/>
+                      <a:headEnd type="none" w="med" len="med"/>
+                      <a:tailEnd type="none" w="med" len="med"/>
+                    </a:lnL>
+                    <a:lnR w="7620" cap="flat" cmpd="sng" algn="ctr">
+                      <a:solidFill>
+                        <a:srgbClr val="A2A9B1"/>
+                      </a:solidFill>
+                      <a:prstDash val="solid"/>
+                      <a:round/>
+                      <a:headEnd type="none" w="med" len="med"/>
+                      <a:tailEnd type="none" w="med" len="med"/>
+                    </a:lnR>
+                    <a:lnT w="7620" cap="flat" cmpd="sng" algn="ctr">
+                      <a:solidFill>
+                        <a:srgbClr val="A2A9B1"/>
+                      </a:solidFill>
+                      <a:prstDash val="solid"/>
+                      <a:round/>
+                      <a:headEnd type="none" w="med" len="med"/>
+                      <a:tailEnd type="none" w="med" len="med"/>
+                    </a:lnT>
+                    <a:lnB w="7620" cap="flat" cmpd="sng" algn="ctr">
+                      <a:solidFill>
+                        <a:srgbClr val="A2A9B1"/>
+                      </a:solidFill>
+                      <a:prstDash val="solid"/>
+                      <a:round/>
+                      <a:headEnd type="none" w="med" len="med"/>
+                      <a:tailEnd type="none" w="med" len="med"/>
+                    </a:lnB>
+                  </a:tcPr>
+                </a:tc>
+                <a:extLst>
+                  <a:ext uri="{0D108BD9-81ED-4DB2-BD59-A6C34878D82A}">
+                    <a16:rowId xmlns:a16="http://schemas.microsoft.com/office/drawing/2014/main" val="585972042"/>
+                  </a:ext>
+                </a:extLst>
+              </a:tr>
+              <a:tr h="362445">
+                <a:tc>
+                  <a:txBody>
+                    <a:bodyPr/>
+                    <a:lstStyle/>
+                    <a:p>
+                      <a:r>
+                        <a:rPr lang="en-CA" sz="1400" b="1" u="none" strike="noStrike" dirty="0">
+                          <a:solidFill>
+                            <a:srgbClr val="0B0080"/>
+                          </a:solidFill>
+                          <a:effectLst/>
+                        </a:rPr>
+                        <a:t>Sweetwater</a:t>
+                      </a:r>
+                      <a:endParaRPr lang="en-CA" sz="1400" b="1" dirty="0">
+                        <a:effectLst/>
+                      </a:endParaRPr>
+                    </a:p>
+                  </a:txBody>
+                  <a:tcPr marL="69720" marR="69720" marT="34860" marB="34860" anchor="ctr">
+                    <a:lnL w="7620" cap="flat" cmpd="sng" algn="ctr">
+                      <a:solidFill>
+                        <a:srgbClr val="A2A9B1"/>
+                      </a:solidFill>
+                      <a:prstDash val="solid"/>
+                      <a:round/>
+                      <a:headEnd type="none" w="med" len="med"/>
+                      <a:tailEnd type="none" w="med" len="med"/>
+                    </a:lnL>
+                    <a:lnR w="7620" cap="flat" cmpd="sng" algn="ctr">
+                      <a:solidFill>
+                        <a:srgbClr val="A2A9B1"/>
+                      </a:solidFill>
+                      <a:prstDash val="solid"/>
+                      <a:round/>
+                      <a:headEnd type="none" w="med" len="med"/>
+                      <a:tailEnd type="none" w="med" len="med"/>
+                    </a:lnR>
+                    <a:lnT w="7620" cap="flat" cmpd="sng" algn="ctr">
+                      <a:solidFill>
+                        <a:srgbClr val="A2A9B1"/>
+                      </a:solidFill>
+                      <a:prstDash val="solid"/>
+                      <a:round/>
+                      <a:headEnd type="none" w="med" len="med"/>
+                      <a:tailEnd type="none" w="med" len="med"/>
+                    </a:lnT>
+                    <a:lnB w="7620" cap="flat" cmpd="sng" algn="ctr">
+                      <a:solidFill>
+                        <a:srgbClr val="A2A9B1"/>
+                      </a:solidFill>
+                      <a:prstDash val="solid"/>
+                      <a:round/>
+                      <a:headEnd type="none" w="med" len="med"/>
+                      <a:tailEnd type="none" w="med" len="med"/>
+                    </a:lnB>
+                  </a:tcPr>
+                </a:tc>
+                <a:tc>
+                  <a:txBody>
+                    <a:bodyPr/>
+                    <a:lstStyle/>
+                    <a:p>
+                      <a:r>
+                        <a:rPr lang="en-CA" sz="1400" b="1" dirty="0">
+                          <a:effectLst/>
+                        </a:rPr>
+                        <a:t>7:30 pm – 8:10 pm</a:t>
+                      </a:r>
+                    </a:p>
+                  </a:txBody>
+                  <a:tcPr marL="69720" marR="69720" marT="34860" marB="34860" anchor="ctr">
+                    <a:lnL w="7620" cap="flat" cmpd="sng" algn="ctr">
+                      <a:solidFill>
+                        <a:srgbClr val="A2A9B1"/>
+                      </a:solidFill>
+                      <a:prstDash val="solid"/>
+                      <a:round/>
+                      <a:headEnd type="none" w="med" len="med"/>
+                      <a:tailEnd type="none" w="med" len="med"/>
+                    </a:lnL>
+                    <a:lnR w="7620" cap="flat" cmpd="sng" algn="ctr">
+                      <a:solidFill>
+                        <a:srgbClr val="A2A9B1"/>
+                      </a:solidFill>
+                      <a:prstDash val="solid"/>
+                      <a:round/>
+                      <a:headEnd type="none" w="med" len="med"/>
+                      <a:tailEnd type="none" w="med" len="med"/>
+                    </a:lnR>
+                    <a:lnT w="7620" cap="flat" cmpd="sng" algn="ctr">
+                      <a:solidFill>
+                        <a:srgbClr val="A2A9B1"/>
+                      </a:solidFill>
+                      <a:prstDash val="solid"/>
+                      <a:round/>
+                      <a:headEnd type="none" w="med" len="med"/>
+                      <a:tailEnd type="none" w="med" len="med"/>
+                    </a:lnT>
+                    <a:lnB w="7620" cap="flat" cmpd="sng" algn="ctr">
+                      <a:solidFill>
+                        <a:srgbClr val="A2A9B1"/>
+                      </a:solidFill>
+                      <a:prstDash val="solid"/>
+                      <a:round/>
+                      <a:headEnd type="none" w="med" len="med"/>
+                      <a:tailEnd type="none" w="med" len="med"/>
+                    </a:lnB>
+                  </a:tcPr>
+                </a:tc>
+                <a:tc>
+                  <a:txBody>
+                    <a:bodyPr/>
+                    <a:lstStyle/>
+                    <a:p>
+                      <a:endParaRPr lang="en-CA" sz="1400" b="1">
+                        <a:effectLst/>
+                      </a:endParaRPr>
+                    </a:p>
+                  </a:txBody>
+                  <a:tcPr marL="69720" marR="69720" marT="34860" marB="34860" anchor="ctr">
+                    <a:lnL w="7620" cap="flat" cmpd="sng" algn="ctr">
+                      <a:solidFill>
+                        <a:srgbClr val="A2A9B1"/>
+                      </a:solidFill>
+                      <a:prstDash val="solid"/>
+                      <a:round/>
+                      <a:headEnd type="none" w="med" len="med"/>
+                      <a:tailEnd type="none" w="med" len="med"/>
+                    </a:lnL>
+                    <a:lnR w="7620" cap="flat" cmpd="sng" algn="ctr">
+                      <a:solidFill>
+                        <a:srgbClr val="A2A9B1"/>
+                      </a:solidFill>
+                      <a:prstDash val="solid"/>
+                      <a:round/>
+                      <a:headEnd type="none" w="med" len="med"/>
+                      <a:tailEnd type="none" w="med" len="med"/>
+                    </a:lnR>
+                    <a:lnT w="7620" cap="flat" cmpd="sng" algn="ctr">
+                      <a:solidFill>
+                        <a:srgbClr val="A2A9B1"/>
+                      </a:solidFill>
+                      <a:prstDash val="solid"/>
+                      <a:round/>
+                      <a:headEnd type="none" w="med" len="med"/>
+                      <a:tailEnd type="none" w="med" len="med"/>
+                    </a:lnT>
+                    <a:lnB w="7620" cap="flat" cmpd="sng" algn="ctr">
+                      <a:solidFill>
+                        <a:srgbClr val="A2A9B1"/>
+                      </a:solidFill>
+                      <a:prstDash val="solid"/>
+                      <a:round/>
+                      <a:headEnd type="none" w="med" len="med"/>
+                      <a:tailEnd type="none" w="med" len="med"/>
+                    </a:lnB>
+                  </a:tcPr>
+                </a:tc>
+                <a:extLst>
+                  <a:ext uri="{0D108BD9-81ED-4DB2-BD59-A6C34878D82A}">
+                    <a16:rowId xmlns:a16="http://schemas.microsoft.com/office/drawing/2014/main" val="2826755769"/>
+                  </a:ext>
+                </a:extLst>
+              </a:tr>
+              <a:tr h="362445">
+                <a:tc>
+                  <a:txBody>
+                    <a:bodyPr/>
+                    <a:lstStyle/>
+                    <a:p>
+                      <a:r>
+                        <a:rPr lang="en-CA" sz="1400" b="1" u="none" strike="noStrike" dirty="0">
+                          <a:solidFill>
+                            <a:srgbClr val="0B0080"/>
+                          </a:solidFill>
+                          <a:effectLst/>
+                        </a:rPr>
+                        <a:t>Bert Sommer</a:t>
+                      </a:r>
+                      <a:endParaRPr lang="en-CA" sz="1400" b="1" dirty="0">
+                        <a:effectLst/>
+                      </a:endParaRPr>
+                    </a:p>
+                  </a:txBody>
+                  <a:tcPr marL="69720" marR="69720" marT="34860" marB="34860" anchor="ctr">
+                    <a:lnL w="7620" cap="flat" cmpd="sng" algn="ctr">
+                      <a:solidFill>
+                        <a:srgbClr val="A2A9B1"/>
+                      </a:solidFill>
+                      <a:prstDash val="solid"/>
+                      <a:round/>
+                      <a:headEnd type="none" w="med" len="med"/>
+                      <a:tailEnd type="none" w="med" len="med"/>
+                    </a:lnL>
+                    <a:lnR w="7620" cap="flat" cmpd="sng" algn="ctr">
+                      <a:solidFill>
+                        <a:srgbClr val="A2A9B1"/>
+                      </a:solidFill>
+                      <a:prstDash val="solid"/>
+                      <a:round/>
+                      <a:headEnd type="none" w="med" len="med"/>
+                      <a:tailEnd type="none" w="med" len="med"/>
+                    </a:lnR>
+                    <a:lnT w="7620" cap="flat" cmpd="sng" algn="ctr">
+                      <a:solidFill>
+                        <a:srgbClr val="A2A9B1"/>
+                      </a:solidFill>
+                      <a:prstDash val="solid"/>
+                      <a:round/>
+                      <a:headEnd type="none" w="med" len="med"/>
+                      <a:tailEnd type="none" w="med" len="med"/>
+                    </a:lnT>
+                    <a:lnB w="7620" cap="flat" cmpd="sng" algn="ctr">
+                      <a:solidFill>
+                        <a:srgbClr val="A2A9B1"/>
+                      </a:solidFill>
+                      <a:prstDash val="solid"/>
+                      <a:round/>
+                      <a:headEnd type="none" w="med" len="med"/>
+                      <a:tailEnd type="none" w="med" len="med"/>
+                    </a:lnB>
+                  </a:tcPr>
+                </a:tc>
+                <a:tc>
+                  <a:txBody>
+                    <a:bodyPr/>
+                    <a:lstStyle/>
+                    <a:p>
+                      <a:r>
+                        <a:rPr lang="en-CA" sz="1400" b="1" dirty="0">
+                          <a:effectLst/>
+                        </a:rPr>
+                        <a:t>8:20 pm – 9:15 pm</a:t>
+                      </a:r>
+                    </a:p>
+                  </a:txBody>
+                  <a:tcPr marL="69720" marR="69720" marT="34860" marB="34860" anchor="ctr">
+                    <a:lnL w="7620" cap="flat" cmpd="sng" algn="ctr">
+                      <a:solidFill>
+                        <a:srgbClr val="A2A9B1"/>
+                      </a:solidFill>
+                      <a:prstDash val="solid"/>
+                      <a:round/>
+                      <a:headEnd type="none" w="med" len="med"/>
+                      <a:tailEnd type="none" w="med" len="med"/>
+                    </a:lnL>
+                    <a:lnR w="7620" cap="flat" cmpd="sng" algn="ctr">
+                      <a:solidFill>
+                        <a:srgbClr val="A2A9B1"/>
+                      </a:solidFill>
+                      <a:prstDash val="solid"/>
+                      <a:round/>
+                      <a:headEnd type="none" w="med" len="med"/>
+                      <a:tailEnd type="none" w="med" len="med"/>
+                    </a:lnR>
+                    <a:lnT w="7620" cap="flat" cmpd="sng" algn="ctr">
+                      <a:solidFill>
+                        <a:srgbClr val="A2A9B1"/>
+                      </a:solidFill>
+                      <a:prstDash val="solid"/>
+                      <a:round/>
+                      <a:headEnd type="none" w="med" len="med"/>
+                      <a:tailEnd type="none" w="med" len="med"/>
+                    </a:lnT>
+                    <a:lnB w="7620" cap="flat" cmpd="sng" algn="ctr">
+                      <a:solidFill>
+                        <a:srgbClr val="A2A9B1"/>
+                      </a:solidFill>
+                      <a:prstDash val="solid"/>
+                      <a:round/>
+                      <a:headEnd type="none" w="med" len="med"/>
+                      <a:tailEnd type="none" w="med" len="med"/>
+                    </a:lnB>
+                  </a:tcPr>
+                </a:tc>
+                <a:tc>
+                  <a:txBody>
+                    <a:bodyPr/>
+                    <a:lstStyle/>
+                    <a:p>
+                      <a:endParaRPr lang="en-CA" sz="1400" b="1">
+                        <a:effectLst/>
+                      </a:endParaRPr>
+                    </a:p>
+                  </a:txBody>
+                  <a:tcPr marL="69720" marR="69720" marT="34860" marB="34860" anchor="ctr">
+                    <a:lnL w="7620" cap="flat" cmpd="sng" algn="ctr">
+                      <a:solidFill>
+                        <a:srgbClr val="A2A9B1"/>
+                      </a:solidFill>
+                      <a:prstDash val="solid"/>
+                      <a:round/>
+                      <a:headEnd type="none" w="med" len="med"/>
+                      <a:tailEnd type="none" w="med" len="med"/>
+                    </a:lnL>
+                    <a:lnR w="7620" cap="flat" cmpd="sng" algn="ctr">
+                      <a:solidFill>
+                        <a:srgbClr val="A2A9B1"/>
+                      </a:solidFill>
+                      <a:prstDash val="solid"/>
+                      <a:round/>
+                      <a:headEnd type="none" w="med" len="med"/>
+                      <a:tailEnd type="none" w="med" len="med"/>
+                    </a:lnR>
+                    <a:lnT w="7620" cap="flat" cmpd="sng" algn="ctr">
+                      <a:solidFill>
+                        <a:srgbClr val="A2A9B1"/>
+                      </a:solidFill>
+                      <a:prstDash val="solid"/>
+                      <a:round/>
+                      <a:headEnd type="none" w="med" len="med"/>
+                      <a:tailEnd type="none" w="med" len="med"/>
+                    </a:lnT>
+                    <a:lnB w="7620" cap="flat" cmpd="sng" algn="ctr">
+                      <a:solidFill>
+                        <a:srgbClr val="A2A9B1"/>
+                      </a:solidFill>
+                      <a:prstDash val="solid"/>
+                      <a:round/>
+                      <a:headEnd type="none" w="med" len="med"/>
+                      <a:tailEnd type="none" w="med" len="med"/>
+                    </a:lnB>
+                  </a:tcPr>
+                </a:tc>
+                <a:extLst>
+                  <a:ext uri="{0D108BD9-81ED-4DB2-BD59-A6C34878D82A}">
+                    <a16:rowId xmlns:a16="http://schemas.microsoft.com/office/drawing/2014/main" val="2361853408"/>
+                  </a:ext>
+                </a:extLst>
+              </a:tr>
+              <a:tr h="362445">
+                <a:tc>
+                  <a:txBody>
+                    <a:bodyPr/>
+                    <a:lstStyle/>
+                    <a:p>
+                      <a:r>
+                        <a:rPr lang="en-CA" sz="1400" b="1" u="none" strike="noStrike" dirty="0">
+                          <a:solidFill>
+                            <a:srgbClr val="0B0080"/>
+                          </a:solidFill>
+                          <a:effectLst/>
+                        </a:rPr>
+                        <a:t>Tim Hardin</a:t>
+                      </a:r>
+                      <a:endParaRPr lang="en-CA" sz="1400" b="1" dirty="0">
+                        <a:effectLst/>
+                      </a:endParaRPr>
+                    </a:p>
+                  </a:txBody>
+                  <a:tcPr marL="69720" marR="69720" marT="34860" marB="34860" anchor="ctr">
+                    <a:lnL w="7620" cap="flat" cmpd="sng" algn="ctr">
+                      <a:solidFill>
+                        <a:srgbClr val="A2A9B1"/>
+                      </a:solidFill>
+                      <a:prstDash val="solid"/>
+                      <a:round/>
+                      <a:headEnd type="none" w="med" len="med"/>
+                      <a:tailEnd type="none" w="med" len="med"/>
+                    </a:lnL>
+                    <a:lnR w="7620" cap="flat" cmpd="sng" algn="ctr">
+                      <a:solidFill>
+                        <a:srgbClr val="A2A9B1"/>
+                      </a:solidFill>
+                      <a:prstDash val="solid"/>
+                      <a:round/>
+                      <a:headEnd type="none" w="med" len="med"/>
+                      <a:tailEnd type="none" w="med" len="med"/>
+                    </a:lnR>
+                    <a:lnT w="7620" cap="flat" cmpd="sng" algn="ctr">
+                      <a:solidFill>
+                        <a:srgbClr val="A2A9B1"/>
+                      </a:solidFill>
+                      <a:prstDash val="solid"/>
+                      <a:round/>
+                      <a:headEnd type="none" w="med" len="med"/>
+                      <a:tailEnd type="none" w="med" len="med"/>
+                    </a:lnT>
+                    <a:lnB w="7620" cap="flat" cmpd="sng" algn="ctr">
+                      <a:solidFill>
+                        <a:srgbClr val="A2A9B1"/>
+                      </a:solidFill>
+                      <a:prstDash val="solid"/>
+                      <a:round/>
+                      <a:headEnd type="none" w="med" len="med"/>
+                      <a:tailEnd type="none" w="med" len="med"/>
+                    </a:lnB>
+                  </a:tcPr>
+                </a:tc>
+                <a:tc>
+                  <a:txBody>
+                    <a:bodyPr/>
+                    <a:lstStyle/>
+                    <a:p>
+                      <a:r>
+                        <a:rPr lang="en-CA" sz="1400" b="1">
+                          <a:effectLst/>
+                        </a:rPr>
+                        <a:t>9:20 pm – 9:45 pm</a:t>
+                      </a:r>
+                    </a:p>
+                  </a:txBody>
+                  <a:tcPr marL="69720" marR="69720" marT="34860" marB="34860" anchor="ctr">
+                    <a:lnL w="7620" cap="flat" cmpd="sng" algn="ctr">
+                      <a:solidFill>
+                        <a:srgbClr val="A2A9B1"/>
+                      </a:solidFill>
+                      <a:prstDash val="solid"/>
+                      <a:round/>
+                      <a:headEnd type="none" w="med" len="med"/>
+                      <a:tailEnd type="none" w="med" len="med"/>
+                    </a:lnL>
+                    <a:lnR w="7620" cap="flat" cmpd="sng" algn="ctr">
+                      <a:solidFill>
+                        <a:srgbClr val="A2A9B1"/>
+                      </a:solidFill>
+                      <a:prstDash val="solid"/>
+                      <a:round/>
+                      <a:headEnd type="none" w="med" len="med"/>
+                      <a:tailEnd type="none" w="med" len="med"/>
+                    </a:lnR>
+                    <a:lnT w="7620" cap="flat" cmpd="sng" algn="ctr">
+                      <a:solidFill>
+                        <a:srgbClr val="A2A9B1"/>
+                      </a:solidFill>
+                      <a:prstDash val="solid"/>
+                      <a:round/>
+                      <a:headEnd type="none" w="med" len="med"/>
+                      <a:tailEnd type="none" w="med" len="med"/>
+                    </a:lnT>
+                    <a:lnB w="7620" cap="flat" cmpd="sng" algn="ctr">
+                      <a:solidFill>
+                        <a:srgbClr val="A2A9B1"/>
+                      </a:solidFill>
+                      <a:prstDash val="solid"/>
+                      <a:round/>
+                      <a:headEnd type="none" w="med" len="med"/>
+                      <a:tailEnd type="none" w="med" len="med"/>
+                    </a:lnB>
+                  </a:tcPr>
+                </a:tc>
+                <a:tc>
+                  <a:txBody>
+                    <a:bodyPr/>
+                    <a:lstStyle/>
+                    <a:p>
+                      <a:endParaRPr lang="en-CA" sz="1400" b="1">
+                        <a:effectLst/>
+                      </a:endParaRPr>
+                    </a:p>
+                  </a:txBody>
+                  <a:tcPr marL="69720" marR="69720" marT="34860" marB="34860" anchor="ctr">
+                    <a:lnL w="7620" cap="flat" cmpd="sng" algn="ctr">
+                      <a:solidFill>
+                        <a:srgbClr val="A2A9B1"/>
+                      </a:solidFill>
+                      <a:prstDash val="solid"/>
+                      <a:round/>
+                      <a:headEnd type="none" w="med" len="med"/>
+                      <a:tailEnd type="none" w="med" len="med"/>
+                    </a:lnL>
+                    <a:lnR w="7620" cap="flat" cmpd="sng" algn="ctr">
+                      <a:solidFill>
+                        <a:srgbClr val="A2A9B1"/>
+                      </a:solidFill>
+                      <a:prstDash val="solid"/>
+                      <a:round/>
+                      <a:headEnd type="none" w="med" len="med"/>
+                      <a:tailEnd type="none" w="med" len="med"/>
+                    </a:lnR>
+                    <a:lnT w="7620" cap="flat" cmpd="sng" algn="ctr">
+                      <a:solidFill>
+                        <a:srgbClr val="A2A9B1"/>
+                      </a:solidFill>
+                      <a:prstDash val="solid"/>
+                      <a:round/>
+                      <a:headEnd type="none" w="med" len="med"/>
+                      <a:tailEnd type="none" w="med" len="med"/>
+                    </a:lnT>
+                    <a:lnB w="7620" cap="flat" cmpd="sng" algn="ctr">
+                      <a:solidFill>
+                        <a:srgbClr val="A2A9B1"/>
+                      </a:solidFill>
+                      <a:prstDash val="solid"/>
+                      <a:round/>
+                      <a:headEnd type="none" w="med" len="med"/>
+                      <a:tailEnd type="none" w="med" len="med"/>
+                    </a:lnB>
+                  </a:tcPr>
+                </a:tc>
+                <a:extLst>
+                  <a:ext uri="{0D108BD9-81ED-4DB2-BD59-A6C34878D82A}">
+                    <a16:rowId xmlns:a16="http://schemas.microsoft.com/office/drawing/2014/main" val="898202550"/>
+                  </a:ext>
+                </a:extLst>
+              </a:tr>
+              <a:tr h="362445">
+                <a:tc>
+                  <a:txBody>
+                    <a:bodyPr/>
+                    <a:lstStyle/>
+                    <a:p>
+                      <a:r>
+                        <a:rPr lang="en-CA" sz="1400" b="1" u="none" strike="noStrike" dirty="0">
+                          <a:solidFill>
+                            <a:srgbClr val="0B0080"/>
+                          </a:solidFill>
+                          <a:effectLst/>
+                        </a:rPr>
+                        <a:t>Ravi Shankar</a:t>
+                      </a:r>
+                      <a:endParaRPr lang="en-CA" sz="1400" b="1" dirty="0">
+                        <a:effectLst/>
+                      </a:endParaRPr>
+                    </a:p>
+                  </a:txBody>
+                  <a:tcPr marL="69720" marR="69720" marT="34860" marB="34860" anchor="ctr">
+                    <a:lnL w="7620" cap="flat" cmpd="sng" algn="ctr">
+                      <a:solidFill>
+                        <a:srgbClr val="A2A9B1"/>
+                      </a:solidFill>
+                      <a:prstDash val="solid"/>
+                      <a:round/>
+                      <a:headEnd type="none" w="med" len="med"/>
+                      <a:tailEnd type="none" w="med" len="med"/>
+                    </a:lnL>
+                    <a:lnR w="7620" cap="flat" cmpd="sng" algn="ctr">
+                      <a:solidFill>
+                        <a:srgbClr val="A2A9B1"/>
+                      </a:solidFill>
+                      <a:prstDash val="solid"/>
+                      <a:round/>
+                      <a:headEnd type="none" w="med" len="med"/>
+                      <a:tailEnd type="none" w="med" len="med"/>
+                    </a:lnR>
+                    <a:lnT w="7620" cap="flat" cmpd="sng" algn="ctr">
+                      <a:solidFill>
+                        <a:srgbClr val="A2A9B1"/>
+                      </a:solidFill>
+                      <a:prstDash val="solid"/>
+                      <a:round/>
+                      <a:headEnd type="none" w="med" len="med"/>
+                      <a:tailEnd type="none" w="med" len="med"/>
+                    </a:lnT>
+                    <a:lnB w="7620" cap="flat" cmpd="sng" algn="ctr">
+                      <a:solidFill>
+                        <a:srgbClr val="A2A9B1"/>
+                      </a:solidFill>
+                      <a:prstDash val="solid"/>
+                      <a:round/>
+                      <a:headEnd type="none" w="med" len="med"/>
+                      <a:tailEnd type="none" w="med" len="med"/>
+                    </a:lnB>
+                  </a:tcPr>
+                </a:tc>
+                <a:tc>
+                  <a:txBody>
+                    <a:bodyPr/>
+                    <a:lstStyle/>
+                    <a:p>
+                      <a:r>
+                        <a:rPr lang="en-CA" sz="1400" b="1">
+                          <a:effectLst/>
+                        </a:rPr>
+                        <a:t>10:00 pm – 10:35 pm</a:t>
+                      </a:r>
+                    </a:p>
+                  </a:txBody>
+                  <a:tcPr marL="69720" marR="69720" marT="34860" marB="34860" anchor="ctr">
+                    <a:lnL w="7620" cap="flat" cmpd="sng" algn="ctr">
+                      <a:solidFill>
+                        <a:srgbClr val="A2A9B1"/>
+                      </a:solidFill>
+                      <a:prstDash val="solid"/>
+                      <a:round/>
+                      <a:headEnd type="none" w="med" len="med"/>
+                      <a:tailEnd type="none" w="med" len="med"/>
+                    </a:lnL>
+                    <a:lnR w="7620" cap="flat" cmpd="sng" algn="ctr">
+                      <a:solidFill>
+                        <a:srgbClr val="A2A9B1"/>
+                      </a:solidFill>
+                      <a:prstDash val="solid"/>
+                      <a:round/>
+                      <a:headEnd type="none" w="med" len="med"/>
+                      <a:tailEnd type="none" w="med" len="med"/>
+                    </a:lnR>
+                    <a:lnT w="7620" cap="flat" cmpd="sng" algn="ctr">
+                      <a:solidFill>
+                        <a:srgbClr val="A2A9B1"/>
+                      </a:solidFill>
+                      <a:prstDash val="solid"/>
+                      <a:round/>
+                      <a:headEnd type="none" w="med" len="med"/>
+                      <a:tailEnd type="none" w="med" len="med"/>
+                    </a:lnT>
+                    <a:lnB w="7620" cap="flat" cmpd="sng" algn="ctr">
+                      <a:solidFill>
+                        <a:srgbClr val="A2A9B1"/>
+                      </a:solidFill>
+                      <a:prstDash val="solid"/>
+                      <a:round/>
+                      <a:headEnd type="none" w="med" len="med"/>
+                      <a:tailEnd type="none" w="med" len="med"/>
+                    </a:lnB>
+                  </a:tcPr>
+                </a:tc>
+                <a:tc>
+                  <a:txBody>
+                    <a:bodyPr/>
+                    <a:lstStyle/>
+                    <a:p>
+                      <a:r>
+                        <a:rPr lang="en-CA" sz="1400" b="1">
+                          <a:effectLst/>
+                        </a:rPr>
+                        <a:t>Played through the rain.</a:t>
+                      </a:r>
+                    </a:p>
+                  </a:txBody>
+                  <a:tcPr marL="69720" marR="69720" marT="34860" marB="34860" anchor="ctr">
+                    <a:lnL w="7620" cap="flat" cmpd="sng" algn="ctr">
+                      <a:solidFill>
+                        <a:srgbClr val="A2A9B1"/>
+                      </a:solidFill>
+                      <a:prstDash val="solid"/>
+                      <a:round/>
+                      <a:headEnd type="none" w="med" len="med"/>
+                      <a:tailEnd type="none" w="med" len="med"/>
+                    </a:lnL>
+                    <a:lnR w="7620" cap="flat" cmpd="sng" algn="ctr">
+                      <a:solidFill>
+                        <a:srgbClr val="A2A9B1"/>
+                      </a:solidFill>
+                      <a:prstDash val="solid"/>
+                      <a:round/>
+                      <a:headEnd type="none" w="med" len="med"/>
+                      <a:tailEnd type="none" w="med" len="med"/>
+                    </a:lnR>
+                    <a:lnT w="7620" cap="flat" cmpd="sng" algn="ctr">
+                      <a:solidFill>
+                        <a:srgbClr val="A2A9B1"/>
+                      </a:solidFill>
+                      <a:prstDash val="solid"/>
+                      <a:round/>
+                      <a:headEnd type="none" w="med" len="med"/>
+                      <a:tailEnd type="none" w="med" len="med"/>
+                    </a:lnT>
+                    <a:lnB w="7620" cap="flat" cmpd="sng" algn="ctr">
+                      <a:solidFill>
+                        <a:srgbClr val="A2A9B1"/>
+                      </a:solidFill>
+                      <a:prstDash val="solid"/>
+                      <a:round/>
+                      <a:headEnd type="none" w="med" len="med"/>
+                      <a:tailEnd type="none" w="med" len="med"/>
+                    </a:lnB>
+                  </a:tcPr>
+                </a:tc>
+                <a:extLst>
+                  <a:ext uri="{0D108BD9-81ED-4DB2-BD59-A6C34878D82A}">
+                    <a16:rowId xmlns:a16="http://schemas.microsoft.com/office/drawing/2014/main" val="37445733"/>
+                  </a:ext>
+                </a:extLst>
+              </a:tr>
+              <a:tr h="362445">
+                <a:tc>
+                  <a:txBody>
+                    <a:bodyPr/>
+                    <a:lstStyle/>
+                    <a:p>
+                      <a:r>
+                        <a:rPr lang="en-CA" sz="1400" b="1" u="none" strike="noStrike" dirty="0">
+                          <a:solidFill>
+                            <a:srgbClr val="0B0080"/>
+                          </a:solidFill>
+                          <a:effectLst/>
+                        </a:rPr>
+                        <a:t>Melanie</a:t>
+                      </a:r>
+                      <a:endParaRPr lang="en-CA" sz="1400" b="1" dirty="0">
+                        <a:effectLst/>
+                      </a:endParaRPr>
+                    </a:p>
+                  </a:txBody>
+                  <a:tcPr marL="69720" marR="69720" marT="34860" marB="34860" anchor="ctr">
+                    <a:lnL w="7620" cap="flat" cmpd="sng" algn="ctr">
+                      <a:solidFill>
+                        <a:srgbClr val="A2A9B1"/>
+                      </a:solidFill>
+                      <a:prstDash val="solid"/>
+                      <a:round/>
+                      <a:headEnd type="none" w="med" len="med"/>
+                      <a:tailEnd type="none" w="med" len="med"/>
+                    </a:lnL>
+                    <a:lnR w="7620" cap="flat" cmpd="sng" algn="ctr">
+                      <a:solidFill>
+                        <a:srgbClr val="A2A9B1"/>
+                      </a:solidFill>
+                      <a:prstDash val="solid"/>
+                      <a:round/>
+                      <a:headEnd type="none" w="med" len="med"/>
+                      <a:tailEnd type="none" w="med" len="med"/>
+                    </a:lnR>
+                    <a:lnT w="7620" cap="flat" cmpd="sng" algn="ctr">
+                      <a:solidFill>
+                        <a:srgbClr val="A2A9B1"/>
+                      </a:solidFill>
+                      <a:prstDash val="solid"/>
+                      <a:round/>
+                      <a:headEnd type="none" w="med" len="med"/>
+                      <a:tailEnd type="none" w="med" len="med"/>
+                    </a:lnT>
+                    <a:lnB w="7620" cap="flat" cmpd="sng" algn="ctr">
+                      <a:solidFill>
+                        <a:srgbClr val="A2A9B1"/>
+                      </a:solidFill>
+                      <a:prstDash val="solid"/>
+                      <a:round/>
+                      <a:headEnd type="none" w="med" len="med"/>
+                      <a:tailEnd type="none" w="med" len="med"/>
+                    </a:lnB>
+                  </a:tcPr>
+                </a:tc>
+                <a:tc>
+                  <a:txBody>
+                    <a:bodyPr/>
+                    <a:lstStyle/>
+                    <a:p>
+                      <a:r>
+                        <a:rPr lang="en-CA" sz="1400" b="1">
+                          <a:effectLst/>
+                        </a:rPr>
+                        <a:t>10:50 pm – 11:20 pm</a:t>
+                      </a:r>
+                    </a:p>
+                  </a:txBody>
+                  <a:tcPr marL="69720" marR="69720" marT="34860" marB="34860" anchor="ctr">
+                    <a:lnL w="7620" cap="flat" cmpd="sng" algn="ctr">
+                      <a:solidFill>
+                        <a:srgbClr val="A2A9B1"/>
+                      </a:solidFill>
+                      <a:prstDash val="solid"/>
+                      <a:round/>
+                      <a:headEnd type="none" w="med" len="med"/>
+                      <a:tailEnd type="none" w="med" len="med"/>
+                    </a:lnL>
+                    <a:lnR w="7620" cap="flat" cmpd="sng" algn="ctr">
+                      <a:solidFill>
+                        <a:srgbClr val="A2A9B1"/>
+                      </a:solidFill>
+                      <a:prstDash val="solid"/>
+                      <a:round/>
+                      <a:headEnd type="none" w="med" len="med"/>
+                      <a:tailEnd type="none" w="med" len="med"/>
+                    </a:lnR>
+                    <a:lnT w="7620" cap="flat" cmpd="sng" algn="ctr">
+                      <a:solidFill>
+                        <a:srgbClr val="A2A9B1"/>
+                      </a:solidFill>
+                      <a:prstDash val="solid"/>
+                      <a:round/>
+                      <a:headEnd type="none" w="med" len="med"/>
+                      <a:tailEnd type="none" w="med" len="med"/>
+                    </a:lnT>
+                    <a:lnB w="7620" cap="flat" cmpd="sng" algn="ctr">
+                      <a:solidFill>
+                        <a:srgbClr val="A2A9B1"/>
+                      </a:solidFill>
+                      <a:prstDash val="solid"/>
+                      <a:round/>
+                      <a:headEnd type="none" w="med" len="med"/>
+                      <a:tailEnd type="none" w="med" len="med"/>
+                    </a:lnB>
+                  </a:tcPr>
+                </a:tc>
+                <a:tc>
+                  <a:txBody>
+                    <a:bodyPr/>
+                    <a:lstStyle/>
+                    <a:p>
+                      <a:endParaRPr lang="en-CA" sz="1400" b="1">
+                        <a:effectLst/>
+                      </a:endParaRPr>
+                    </a:p>
+                  </a:txBody>
+                  <a:tcPr marL="69720" marR="69720" marT="34860" marB="34860" anchor="ctr">
+                    <a:lnL w="7620" cap="flat" cmpd="sng" algn="ctr">
+                      <a:solidFill>
+                        <a:srgbClr val="A2A9B1"/>
+                      </a:solidFill>
+                      <a:prstDash val="solid"/>
+                      <a:round/>
+                      <a:headEnd type="none" w="med" len="med"/>
+                      <a:tailEnd type="none" w="med" len="med"/>
+                    </a:lnL>
+                    <a:lnR w="7620" cap="flat" cmpd="sng" algn="ctr">
+                      <a:solidFill>
+                        <a:srgbClr val="A2A9B1"/>
+                      </a:solidFill>
+                      <a:prstDash val="solid"/>
+                      <a:round/>
+                      <a:headEnd type="none" w="med" len="med"/>
+                      <a:tailEnd type="none" w="med" len="med"/>
+                    </a:lnR>
+                    <a:lnT w="7620" cap="flat" cmpd="sng" algn="ctr">
+                      <a:solidFill>
+                        <a:srgbClr val="A2A9B1"/>
+                      </a:solidFill>
+                      <a:prstDash val="solid"/>
+                      <a:round/>
+                      <a:headEnd type="none" w="med" len="med"/>
+                      <a:tailEnd type="none" w="med" len="med"/>
+                    </a:lnT>
+                    <a:lnB w="7620" cap="flat" cmpd="sng" algn="ctr">
+                      <a:solidFill>
+                        <a:srgbClr val="A2A9B1"/>
+                      </a:solidFill>
+                      <a:prstDash val="solid"/>
+                      <a:round/>
+                      <a:headEnd type="none" w="med" len="med"/>
+                      <a:tailEnd type="none" w="med" len="med"/>
+                    </a:lnB>
+                  </a:tcPr>
+                </a:tc>
+                <a:extLst>
+                  <a:ext uri="{0D108BD9-81ED-4DB2-BD59-A6C34878D82A}">
+                    <a16:rowId xmlns:a16="http://schemas.microsoft.com/office/drawing/2014/main" val="332760024"/>
+                  </a:ext>
+                </a:extLst>
+              </a:tr>
+              <a:tr h="362445">
+                <a:tc>
+                  <a:txBody>
+                    <a:bodyPr/>
+                    <a:lstStyle/>
+                    <a:p>
+                      <a:r>
+                        <a:rPr lang="en-CA" sz="1400" b="1" u="none" strike="noStrike" dirty="0">
+                          <a:solidFill>
+                            <a:srgbClr val="0B0080"/>
+                          </a:solidFill>
+                          <a:effectLst/>
+                        </a:rPr>
+                        <a:t>Arlo Guthrie</a:t>
+                      </a:r>
+                      <a:endParaRPr lang="en-CA" sz="1400" b="1" dirty="0">
+                        <a:effectLst/>
+                      </a:endParaRPr>
+                    </a:p>
+                  </a:txBody>
+                  <a:tcPr marL="69720" marR="69720" marT="34860" marB="34860" anchor="ctr">
+                    <a:lnL w="7620" cap="flat" cmpd="sng" algn="ctr">
+                      <a:solidFill>
+                        <a:srgbClr val="A2A9B1"/>
+                      </a:solidFill>
+                      <a:prstDash val="solid"/>
+                      <a:round/>
+                      <a:headEnd type="none" w="med" len="med"/>
+                      <a:tailEnd type="none" w="med" len="med"/>
+                    </a:lnL>
+                    <a:lnR w="7620" cap="flat" cmpd="sng" algn="ctr">
+                      <a:solidFill>
+                        <a:srgbClr val="A2A9B1"/>
+                      </a:solidFill>
+                      <a:prstDash val="solid"/>
+                      <a:round/>
+                      <a:headEnd type="none" w="med" len="med"/>
+                      <a:tailEnd type="none" w="med" len="med"/>
+                    </a:lnR>
+                    <a:lnT w="7620" cap="flat" cmpd="sng" algn="ctr">
+                      <a:solidFill>
+                        <a:srgbClr val="A2A9B1"/>
+                      </a:solidFill>
+                      <a:prstDash val="solid"/>
+                      <a:round/>
+                      <a:headEnd type="none" w="med" len="med"/>
+                      <a:tailEnd type="none" w="med" len="med"/>
+                    </a:lnT>
+                    <a:lnB w="7620" cap="flat" cmpd="sng" algn="ctr">
+                      <a:solidFill>
+                        <a:srgbClr val="A2A9B1"/>
+                      </a:solidFill>
+                      <a:prstDash val="solid"/>
+                      <a:round/>
+                      <a:headEnd type="none" w="med" len="med"/>
+                      <a:tailEnd type="none" w="med" len="med"/>
+                    </a:lnB>
+                  </a:tcPr>
+                </a:tc>
+                <a:tc>
+                  <a:txBody>
+                    <a:bodyPr/>
+                    <a:lstStyle/>
+                    <a:p>
+                      <a:r>
+                        <a:rPr lang="en-CA" sz="1400" b="1">
+                          <a:effectLst/>
+                        </a:rPr>
+                        <a:t>11:55 pm – 12:25 am</a:t>
+                      </a:r>
+                    </a:p>
+                  </a:txBody>
+                  <a:tcPr marL="69720" marR="69720" marT="34860" marB="34860" anchor="ctr">
+                    <a:lnL w="7620" cap="flat" cmpd="sng" algn="ctr">
+                      <a:solidFill>
+                        <a:srgbClr val="A2A9B1"/>
+                      </a:solidFill>
+                      <a:prstDash val="solid"/>
+                      <a:round/>
+                      <a:headEnd type="none" w="med" len="med"/>
+                      <a:tailEnd type="none" w="med" len="med"/>
+                    </a:lnL>
+                    <a:lnR w="7620" cap="flat" cmpd="sng" algn="ctr">
+                      <a:solidFill>
+                        <a:srgbClr val="A2A9B1"/>
+                      </a:solidFill>
+                      <a:prstDash val="solid"/>
+                      <a:round/>
+                      <a:headEnd type="none" w="med" len="med"/>
+                      <a:tailEnd type="none" w="med" len="med"/>
+                    </a:lnR>
+                    <a:lnT w="7620" cap="flat" cmpd="sng" algn="ctr">
+                      <a:solidFill>
+                        <a:srgbClr val="A2A9B1"/>
+                      </a:solidFill>
+                      <a:prstDash val="solid"/>
+                      <a:round/>
+                      <a:headEnd type="none" w="med" len="med"/>
+                      <a:tailEnd type="none" w="med" len="med"/>
+                    </a:lnT>
+                    <a:lnB w="7620" cap="flat" cmpd="sng" algn="ctr">
+                      <a:solidFill>
+                        <a:srgbClr val="A2A9B1"/>
+                      </a:solidFill>
+                      <a:prstDash val="solid"/>
+                      <a:round/>
+                      <a:headEnd type="none" w="med" len="med"/>
+                      <a:tailEnd type="none" w="med" len="med"/>
+                    </a:lnB>
+                  </a:tcPr>
+                </a:tc>
+                <a:tc>
+                  <a:txBody>
+                    <a:bodyPr/>
+                    <a:lstStyle/>
+                    <a:p>
+                      <a:endParaRPr lang="en-CA" sz="1400" b="1">
+                        <a:effectLst/>
+                      </a:endParaRPr>
+                    </a:p>
+                  </a:txBody>
+                  <a:tcPr marL="69720" marR="69720" marT="34860" marB="34860" anchor="ctr">
+                    <a:lnL w="7620" cap="flat" cmpd="sng" algn="ctr">
+                      <a:solidFill>
+                        <a:srgbClr val="A2A9B1"/>
+                      </a:solidFill>
+                      <a:prstDash val="solid"/>
+                      <a:round/>
+                      <a:headEnd type="none" w="med" len="med"/>
+                      <a:tailEnd type="none" w="med" len="med"/>
+                    </a:lnL>
+                    <a:lnR w="7620" cap="flat" cmpd="sng" algn="ctr">
+                      <a:solidFill>
+                        <a:srgbClr val="A2A9B1"/>
+                      </a:solidFill>
+                      <a:prstDash val="solid"/>
+                      <a:round/>
+                      <a:headEnd type="none" w="med" len="med"/>
+                      <a:tailEnd type="none" w="med" len="med"/>
+                    </a:lnR>
+                    <a:lnT w="7620" cap="flat" cmpd="sng" algn="ctr">
+                      <a:solidFill>
+                        <a:srgbClr val="A2A9B1"/>
+                      </a:solidFill>
+                      <a:prstDash val="solid"/>
+                      <a:round/>
+                      <a:headEnd type="none" w="med" len="med"/>
+                      <a:tailEnd type="none" w="med" len="med"/>
+                    </a:lnT>
+                    <a:lnB w="7620" cap="flat" cmpd="sng" algn="ctr">
+                      <a:solidFill>
+                        <a:srgbClr val="A2A9B1"/>
+                      </a:solidFill>
+                      <a:prstDash val="solid"/>
+                      <a:round/>
+                      <a:headEnd type="none" w="med" len="med"/>
+                      <a:tailEnd type="none" w="med" len="med"/>
+                    </a:lnB>
+                  </a:tcPr>
+                </a:tc>
+                <a:extLst>
+                  <a:ext uri="{0D108BD9-81ED-4DB2-BD59-A6C34878D82A}">
+                    <a16:rowId xmlns:a16="http://schemas.microsoft.com/office/drawing/2014/main" val="3102585626"/>
+                  </a:ext>
+                </a:extLst>
+              </a:tr>
+              <a:tr h="635623">
+                <a:tc>
+                  <a:txBody>
+                    <a:bodyPr/>
+                    <a:lstStyle/>
+                    <a:p>
+                      <a:r>
+                        <a:rPr lang="en-CA" sz="1400" b="1" u="none" strike="noStrike" dirty="0">
+                          <a:solidFill>
+                            <a:srgbClr val="0B0080"/>
+                          </a:solidFill>
+                          <a:effectLst/>
+                        </a:rPr>
+                        <a:t>Joan Baez</a:t>
+                      </a:r>
+                      <a:endParaRPr lang="en-CA" sz="1400" b="1" dirty="0">
+                        <a:effectLst/>
+                      </a:endParaRPr>
+                    </a:p>
+                  </a:txBody>
+                  <a:tcPr marL="69720" marR="69720" marT="34860" marB="34860" anchor="ctr">
+                    <a:lnL w="7620" cap="flat" cmpd="sng" algn="ctr">
+                      <a:solidFill>
+                        <a:srgbClr val="A2A9B1"/>
+                      </a:solidFill>
+                      <a:prstDash val="solid"/>
+                      <a:round/>
+                      <a:headEnd type="none" w="med" len="med"/>
+                      <a:tailEnd type="none" w="med" len="med"/>
+                    </a:lnL>
+                    <a:lnR w="7620" cap="flat" cmpd="sng" algn="ctr">
+                      <a:solidFill>
+                        <a:srgbClr val="A2A9B1"/>
+                      </a:solidFill>
+                      <a:prstDash val="solid"/>
+                      <a:round/>
+                      <a:headEnd type="none" w="med" len="med"/>
+                      <a:tailEnd type="none" w="med" len="med"/>
+                    </a:lnR>
+                    <a:lnT w="7620" cap="flat" cmpd="sng" algn="ctr">
+                      <a:solidFill>
+                        <a:srgbClr val="A2A9B1"/>
+                      </a:solidFill>
+                      <a:prstDash val="solid"/>
+                      <a:round/>
+                      <a:headEnd type="none" w="med" len="med"/>
+                      <a:tailEnd type="none" w="med" len="med"/>
+                    </a:lnT>
+                    <a:lnB w="7620" cap="flat" cmpd="sng" algn="ctr">
+                      <a:solidFill>
+                        <a:srgbClr val="A2A9B1"/>
+                      </a:solidFill>
+                      <a:prstDash val="solid"/>
+                      <a:round/>
+                      <a:headEnd type="none" w="med" len="med"/>
+                      <a:tailEnd type="none" w="med" len="med"/>
+                    </a:lnB>
+                  </a:tcPr>
+                </a:tc>
+                <a:tc>
+                  <a:txBody>
+                    <a:bodyPr/>
+                    <a:lstStyle/>
+                    <a:p>
+                      <a:r>
+                        <a:rPr lang="en-CA" sz="1400" b="1">
+                          <a:effectLst/>
+                        </a:rPr>
+                        <a:t>12:55 am – 2:00 am</a:t>
+                      </a:r>
+                    </a:p>
+                  </a:txBody>
+                  <a:tcPr marL="69720" marR="69720" marT="34860" marB="34860" anchor="ctr">
+                    <a:lnL w="7620" cap="flat" cmpd="sng" algn="ctr">
+                      <a:solidFill>
+                        <a:srgbClr val="A2A9B1"/>
+                      </a:solidFill>
+                      <a:prstDash val="solid"/>
+                      <a:round/>
+                      <a:headEnd type="none" w="med" len="med"/>
+                      <a:tailEnd type="none" w="med" len="med"/>
+                    </a:lnL>
+                    <a:lnR w="7620" cap="flat" cmpd="sng" algn="ctr">
+                      <a:solidFill>
+                        <a:srgbClr val="A2A9B1"/>
+                      </a:solidFill>
+                      <a:prstDash val="solid"/>
+                      <a:round/>
+                      <a:headEnd type="none" w="med" len="med"/>
+                      <a:tailEnd type="none" w="med" len="med"/>
+                    </a:lnR>
+                    <a:lnT w="7620" cap="flat" cmpd="sng" algn="ctr">
+                      <a:solidFill>
+                        <a:srgbClr val="A2A9B1"/>
+                      </a:solidFill>
+                      <a:prstDash val="solid"/>
+                      <a:round/>
+                      <a:headEnd type="none" w="med" len="med"/>
+                      <a:tailEnd type="none" w="med" len="med"/>
+                    </a:lnT>
+                    <a:lnB w="7620" cap="flat" cmpd="sng" algn="ctr">
+                      <a:solidFill>
+                        <a:srgbClr val="A2A9B1"/>
+                      </a:solidFill>
+                      <a:prstDash val="solid"/>
+                      <a:round/>
+                      <a:headEnd type="none" w="med" len="med"/>
+                      <a:tailEnd type="none" w="med" len="med"/>
+                    </a:lnB>
+                  </a:tcPr>
+                </a:tc>
+                <a:tc>
+                  <a:txBody>
+                    <a:bodyPr/>
+                    <a:lstStyle/>
+                    <a:p>
+                      <a:r>
+                        <a:rPr lang="en-US" sz="1400" b="1" dirty="0">
+                          <a:effectLst/>
+                        </a:rPr>
+                        <a:t>Was six months pregnant at the time.</a:t>
+                      </a:r>
+                    </a:p>
+                  </a:txBody>
+                  <a:tcPr marL="69720" marR="69720" marT="34860" marB="34860" anchor="ctr">
+                    <a:lnL w="7620" cap="flat" cmpd="sng" algn="ctr">
+                      <a:solidFill>
+                        <a:srgbClr val="A2A9B1"/>
+                      </a:solidFill>
+                      <a:prstDash val="solid"/>
+                      <a:round/>
+                      <a:headEnd type="none" w="med" len="med"/>
+                      <a:tailEnd type="none" w="med" len="med"/>
+                    </a:lnL>
+                    <a:lnR w="7620" cap="flat" cmpd="sng" algn="ctr">
+                      <a:solidFill>
+                        <a:srgbClr val="A2A9B1"/>
+                      </a:solidFill>
+                      <a:prstDash val="solid"/>
+                      <a:round/>
+                      <a:headEnd type="none" w="med" len="med"/>
+                      <a:tailEnd type="none" w="med" len="med"/>
+                    </a:lnR>
+                    <a:lnT w="7620" cap="flat" cmpd="sng" algn="ctr">
+                      <a:solidFill>
+                        <a:srgbClr val="A2A9B1"/>
+                      </a:solidFill>
+                      <a:prstDash val="solid"/>
+                      <a:round/>
+                      <a:headEnd type="none" w="med" len="med"/>
+                      <a:tailEnd type="none" w="med" len="med"/>
+                    </a:lnT>
+                    <a:lnB w="7620" cap="flat" cmpd="sng" algn="ctr">
+                      <a:solidFill>
+                        <a:srgbClr val="A2A9B1"/>
+                      </a:solidFill>
+                      <a:prstDash val="solid"/>
+                      <a:round/>
+                      <a:headEnd type="none" w="med" len="med"/>
+                      <a:tailEnd type="none" w="med" len="med"/>
+                    </a:lnB>
+                  </a:tcPr>
+                </a:tc>
+                <a:extLst>
+                  <a:ext uri="{0D108BD9-81ED-4DB2-BD59-A6C34878D82A}">
+                    <a16:rowId xmlns:a16="http://schemas.microsoft.com/office/drawing/2014/main" val="923282173"/>
+                  </a:ext>
+                </a:extLst>
+              </a:tr>
+            </a:tbl>
+          </a:graphicData>
+        </a:graphic>
+      </p:graphicFrame>
+      <p:sp>
+        <p:nvSpPr>
+          <p:cNvPr id="5" name="Rectangle 2">
+            <a:extLst>
+              <a:ext uri="{FF2B5EF4-FFF2-40B4-BE49-F238E27FC236}">
+                <a16:creationId xmlns:a16="http://schemas.microsoft.com/office/drawing/2014/main" id="{DA153121-15A8-4464-A5E1-9DD9C1FD259D}"/>
+              </a:ext>
+            </a:extLst>
+          </p:cNvPr>
+          <p:cNvSpPr>
+            <a:spLocks noChangeArrowheads="1"/>
+          </p:cNvSpPr>
+          <p:nvPr/>
+        </p:nvSpPr>
+        <p:spPr bwMode="auto">
+          <a:xfrm>
+            <a:off x="-3207497" y="-142285"/>
+            <a:ext cx="20385546" cy="369332"/>
+          </a:xfrm>
+          <a:prstGeom prst="rect">
+            <a:avLst/>
+          </a:prstGeom>
+          <a:noFill/>
+          <a:ln>
+            <a:noFill/>
+          </a:ln>
+          <a:effectLst/>
+          <a:extLst>
+            <a:ext uri="{909E8E84-426E-40DD-AFC4-6F175D3DCCD1}">
+              <a14:hiddenFill xmlns:a14="http://schemas.microsoft.com/office/drawing/2010/main">
+                <a:solidFill>
+                  <a:schemeClr val="accent1"/>
+                </a:solidFill>
+              </a14:hiddenFill>
+            </a:ext>
+            <a:ext uri="{91240B29-F687-4F45-9708-019B960494DF}">
+              <a14:hiddenLine xmlns:a14="http://schemas.microsoft.com/office/drawing/2010/main" w="9525">
+                <a:solidFill>
+                  <a:schemeClr val="tx1"/>
+                </a:solidFill>
+                <a:miter lim="800000"/>
+                <a:headEnd/>
+                <a:tailEnd/>
+              </a14:hiddenLine>
+            </a:ext>
+            <a:ext uri="{AF507438-7753-43E0-B8FC-AC1667EBCBE1}">
+              <a14:hiddenEffects xmlns:a14="http://schemas.microsoft.com/office/drawing/2010/main">
+                <a:effectLst>
+                  <a:outerShdw dist="35921" dir="2700000" algn="ctr" rotWithShape="0">
+                    <a:schemeClr val="bg2"/>
+                  </a:outerShdw>
+                </a:effectLst>
+              </a14:hiddenEffects>
+            </a:ext>
+          </a:extLst>
+        </p:spPr>
+        <p:txBody>
+          <a:bodyPr vert="horz" wrap="square" lIns="91440" tIns="45720" rIns="91440" bIns="45720" numCol="1" anchor="ctr" anchorCtr="0" compatLnSpc="1">
+            <a:prstTxWarp prst="textNoShape">
+              <a:avLst/>
+            </a:prstTxWarp>
+            <a:spAutoFit/>
+          </a:bodyPr>
+          <a:lstStyle/>
+          <a:p>
+            <a:pPr marL="0" marR="0" lvl="0" indent="0" algn="l" defTabSz="914400" rtl="0" eaLnBrk="0" fontAlgn="base" latinLnBrk="0" hangingPunct="0">
+              <a:lnSpc>
+                <a:spcPct val="100000"/>
+              </a:lnSpc>
+              <a:spcBef>
+                <a:spcPct val="0"/>
+              </a:spcBef>
+              <a:spcAft>
+                <a:spcPct val="0"/>
+              </a:spcAft>
+              <a:buClrTx/>
+              <a:buSzTx/>
+              <a:buFontTx/>
+              <a:buNone/>
+              <a:tabLst/>
+            </a:pPr>
+            <a:r>
+              <a:rPr kumimoji="0" lang="en-US" altLang="en-US" sz="1800" b="0" i="0" u="none" strike="noStrike" cap="none" normalizeH="0" baseline="0">
+                <a:ln>
+                  <a:noFill/>
+                </a:ln>
+                <a:solidFill>
+                  <a:schemeClr val="tx1"/>
+                </a:solidFill>
+                <a:effectLst/>
+                <a:latin typeface="Arial" panose="020B0604020202020204" pitchFamily="34" charset="0"/>
+              </a:rPr>
+              <a:t>Friday, August 15 – Saturday, August 16</a:t>
+            </a:r>
+          </a:p>
+        </p:txBody>
+      </p:sp>
+    </p:spTree>
+    <p:extLst>
+      <p:ext uri="{BB962C8B-B14F-4D97-AF65-F5344CB8AC3E}">
+        <p14:creationId xmlns:p14="http://schemas.microsoft.com/office/powerpoint/2010/main" val="4135517606"/>
+      </p:ext>
+    </p:extLst>
+  </p:cSld>
+  <p:clrMapOvr>
+    <a:masterClrMapping/>
+  </p:clrMapOvr>
+</p:sld>
+</file>
+
+<file path=ppt/slides/slide13.xml><?xml version="1.0" encoding="utf-8"?>
+<p:sld xmlns:a="http://schemas.openxmlformats.org/drawingml/2006/main" xmlns:r="http://schemas.openxmlformats.org/officeDocument/2006/relationships" xmlns:p="http://schemas.openxmlformats.org/presentationml/2006/main">
+  <p:cSld>
+    <p:bg>
+      <p:bgPr>
+        <a:noFill/>
+        <a:effectLst/>
+      </p:bgPr>
+    </p:bg>
+    <p:spTree>
+      <p:nvGrpSpPr>
+        <p:cNvPr id="1" name=""/>
+        <p:cNvGrpSpPr/>
+        <p:nvPr/>
+      </p:nvGrpSpPr>
+      <p:grpSpPr>
+        <a:xfrm>
+          <a:off x="0" y="0"/>
+          <a:ext cx="0" cy="0"/>
+          <a:chOff x="0" y="0"/>
+          <a:chExt cx="0" cy="0"/>
+        </a:xfrm>
+      </p:grpSpPr>
+      <p:sp>
+        <p:nvSpPr>
+          <p:cNvPr id="2" name="Title 1">
+            <a:extLst>
+              <a:ext uri="{FF2B5EF4-FFF2-40B4-BE49-F238E27FC236}">
+                <a16:creationId xmlns:a16="http://schemas.microsoft.com/office/drawing/2014/main" id="{79F1826B-52FB-4DB5-A927-DBB97E254588}"/>
+              </a:ext>
+            </a:extLst>
+          </p:cNvPr>
+          <p:cNvSpPr>
+            <a:spLocks noGrp="1"/>
+          </p:cNvSpPr>
+          <p:nvPr>
+            <p:ph type="title"/>
+          </p:nvPr>
+        </p:nvSpPr>
+        <p:spPr>
+          <a:xfrm>
+            <a:off x="649224" y="493776"/>
+            <a:ext cx="10442448" cy="1435608"/>
+          </a:xfrm>
+        </p:spPr>
+        <p:txBody>
+          <a:bodyPr/>
+          <a:lstStyle/>
+          <a:p>
+            <a:r>
+              <a:rPr lang="en-CA" b="1" dirty="0"/>
+              <a:t>Woodstock,</a:t>
+            </a:r>
+            <a:r>
+              <a:rPr lang="en-US" b="1" dirty="0"/>
+              <a:t> August 16 –17, 1969</a:t>
+            </a:r>
+            <a:endParaRPr lang="en-CA" b="1" dirty="0"/>
+          </a:p>
+        </p:txBody>
+      </p:sp>
+      <p:sp>
+        <p:nvSpPr>
+          <p:cNvPr id="5" name="Rectangle 2">
+            <a:extLst>
+              <a:ext uri="{FF2B5EF4-FFF2-40B4-BE49-F238E27FC236}">
+                <a16:creationId xmlns:a16="http://schemas.microsoft.com/office/drawing/2014/main" id="{DA153121-15A8-4464-A5E1-9DD9C1FD259D}"/>
+              </a:ext>
+            </a:extLst>
+          </p:cNvPr>
+          <p:cNvSpPr>
+            <a:spLocks noChangeArrowheads="1"/>
+          </p:cNvSpPr>
+          <p:nvPr/>
+        </p:nvSpPr>
+        <p:spPr bwMode="auto">
+          <a:xfrm>
+            <a:off x="-3207497" y="-142285"/>
+            <a:ext cx="20385546" cy="369332"/>
+          </a:xfrm>
+          <a:prstGeom prst="rect">
+            <a:avLst/>
+          </a:prstGeom>
+          <a:noFill/>
+          <a:ln>
+            <a:noFill/>
+          </a:ln>
+          <a:effectLst/>
+          <a:extLst>
+            <a:ext uri="{909E8E84-426E-40DD-AFC4-6F175D3DCCD1}">
+              <a14:hiddenFill xmlns:a14="http://schemas.microsoft.com/office/drawing/2010/main">
+                <a:solidFill>
+                  <a:schemeClr val="accent1"/>
+                </a:solidFill>
+              </a14:hiddenFill>
+            </a:ext>
+            <a:ext uri="{91240B29-F687-4F45-9708-019B960494DF}">
+              <a14:hiddenLine xmlns:a14="http://schemas.microsoft.com/office/drawing/2010/main" w="9525">
+                <a:solidFill>
+                  <a:schemeClr val="tx1"/>
+                </a:solidFill>
+                <a:miter lim="800000"/>
+                <a:headEnd/>
+                <a:tailEnd/>
+              </a14:hiddenLine>
+            </a:ext>
+            <a:ext uri="{AF507438-7753-43E0-B8FC-AC1667EBCBE1}">
+              <a14:hiddenEffects xmlns:a14="http://schemas.microsoft.com/office/drawing/2010/main">
+                <a:effectLst>
+                  <a:outerShdw dist="35921" dir="2700000" algn="ctr" rotWithShape="0">
+                    <a:schemeClr val="bg2"/>
+                  </a:outerShdw>
+                </a:effectLst>
+              </a14:hiddenEffects>
+            </a:ext>
+          </a:extLst>
+        </p:spPr>
+        <p:txBody>
+          <a:bodyPr vert="horz" wrap="square" lIns="91440" tIns="45720" rIns="91440" bIns="45720" numCol="1" anchor="ctr" anchorCtr="0" compatLnSpc="1">
+            <a:prstTxWarp prst="textNoShape">
+              <a:avLst/>
+            </a:prstTxWarp>
+            <a:spAutoFit/>
+          </a:bodyPr>
+          <a:lstStyle/>
+          <a:p>
+            <a:pPr marL="0" marR="0" lvl="0" indent="0" algn="l" defTabSz="914400" rtl="0" eaLnBrk="0" fontAlgn="base" latinLnBrk="0" hangingPunct="0">
+              <a:lnSpc>
+                <a:spcPct val="100000"/>
+              </a:lnSpc>
+              <a:spcBef>
+                <a:spcPct val="0"/>
+              </a:spcBef>
+              <a:spcAft>
+                <a:spcPct val="0"/>
+              </a:spcAft>
+              <a:buClrTx/>
+              <a:buSzTx/>
+              <a:buFontTx/>
+              <a:buNone/>
+              <a:tabLst/>
+            </a:pPr>
+            <a:r>
+              <a:rPr kumimoji="0" lang="en-US" altLang="en-US" sz="1800" b="0" i="0" u="none" strike="noStrike" cap="none" normalizeH="0" baseline="0">
+                <a:ln>
+                  <a:noFill/>
+                </a:ln>
+                <a:solidFill>
+                  <a:schemeClr val="tx1"/>
+                </a:solidFill>
+                <a:effectLst/>
+                <a:latin typeface="Arial" panose="020B0604020202020204" pitchFamily="34" charset="0"/>
+              </a:rPr>
+              <a:t>Friday, August 15 – Saturday, August 16</a:t>
+            </a:r>
+          </a:p>
+        </p:txBody>
+      </p:sp>
+      <p:graphicFrame>
+        <p:nvGraphicFramePr>
+          <p:cNvPr id="7" name="Content Placeholder 6">
+            <a:extLst>
+              <a:ext uri="{FF2B5EF4-FFF2-40B4-BE49-F238E27FC236}">
+                <a16:creationId xmlns:a16="http://schemas.microsoft.com/office/drawing/2014/main" id="{FC663034-3D76-41C5-9D6B-59F01092EA4D}"/>
+              </a:ext>
+            </a:extLst>
+          </p:cNvPr>
+          <p:cNvGraphicFramePr>
+            <a:graphicFrameLocks noGrp="1"/>
+          </p:cNvGraphicFramePr>
+          <p:nvPr>
+            <p:ph idx="1"/>
+            <p:extLst>
+              <p:ext uri="{D42A27DB-BD31-4B8C-83A1-F6EECF244321}">
+                <p14:modId xmlns:p14="http://schemas.microsoft.com/office/powerpoint/2010/main" val="2626957505"/>
+              </p:ext>
+            </p:extLst>
+          </p:nvPr>
+        </p:nvGraphicFramePr>
+        <p:xfrm>
+          <a:off x="303276" y="2196113"/>
+          <a:ext cx="11585448" cy="4218434"/>
+        </p:xfrm>
+        <a:graphic>
+          <a:graphicData uri="http://schemas.openxmlformats.org/drawingml/2006/table">
+            <a:tbl>
+              <a:tblPr/>
+              <a:tblGrid>
+                <a:gridCol w="3765804">
+                  <a:extLst>
+                    <a:ext uri="{9D8B030D-6E8A-4147-A177-3AD203B41FA5}">
+                      <a16:colId xmlns:a16="http://schemas.microsoft.com/office/drawing/2014/main" val="26254530"/>
+                    </a:ext>
+                  </a:extLst>
+                </a:gridCol>
+                <a:gridCol w="2020824">
+                  <a:extLst>
+                    <a:ext uri="{9D8B030D-6E8A-4147-A177-3AD203B41FA5}">
+                      <a16:colId xmlns:a16="http://schemas.microsoft.com/office/drawing/2014/main" val="1893964792"/>
+                    </a:ext>
+                  </a:extLst>
+                </a:gridCol>
+                <a:gridCol w="5798820">
+                  <a:extLst>
+                    <a:ext uri="{9D8B030D-6E8A-4147-A177-3AD203B41FA5}">
+                      <a16:colId xmlns:a16="http://schemas.microsoft.com/office/drawing/2014/main" val="1767519618"/>
+                    </a:ext>
+                  </a:extLst>
+                </a:gridCol>
+              </a:tblGrid>
+              <a:tr h="236030">
+                <a:tc>
+                  <a:txBody>
+                    <a:bodyPr/>
+                    <a:lstStyle/>
+                    <a:p>
+                      <a:pPr algn="ctr"/>
+                      <a:r>
+                        <a:rPr lang="en-CA" sz="1400" b="1">
+                          <a:effectLst/>
+                        </a:rPr>
+                        <a:t>Artist</a:t>
+                      </a:r>
+                    </a:p>
+                  </a:txBody>
+                  <a:tcPr marL="9817" marR="9817" marT="4908" marB="4908" anchor="ctr">
+                    <a:lnL w="7620" cap="flat" cmpd="sng" algn="ctr">
+                      <a:solidFill>
+                        <a:srgbClr val="A2A9B1"/>
+                      </a:solidFill>
+                      <a:prstDash val="solid"/>
+                      <a:round/>
+                      <a:headEnd type="none" w="med" len="med"/>
+                      <a:tailEnd type="none" w="med" len="med"/>
+                    </a:lnL>
+                    <a:lnR w="7620" cap="flat" cmpd="sng" algn="ctr">
+                      <a:solidFill>
+                        <a:srgbClr val="A2A9B1"/>
+                      </a:solidFill>
+                      <a:prstDash val="solid"/>
+                      <a:round/>
+                      <a:headEnd type="none" w="med" len="med"/>
+                      <a:tailEnd type="none" w="med" len="med"/>
+                    </a:lnR>
+                    <a:lnT w="7620" cap="flat" cmpd="sng" algn="ctr">
+                      <a:solidFill>
+                        <a:srgbClr val="A2A9B1"/>
+                      </a:solidFill>
+                      <a:prstDash val="solid"/>
+                      <a:round/>
+                      <a:headEnd type="none" w="med" len="med"/>
+                      <a:tailEnd type="none" w="med" len="med"/>
+                    </a:lnT>
+                    <a:lnB w="7620" cap="flat" cmpd="sng" algn="ctr">
+                      <a:solidFill>
+                        <a:srgbClr val="A2A9B1"/>
+                      </a:solidFill>
+                      <a:prstDash val="solid"/>
+                      <a:round/>
+                      <a:headEnd type="none" w="med" len="med"/>
+                      <a:tailEnd type="none" w="med" len="med"/>
+                    </a:lnB>
+                    <a:solidFill>
+                      <a:srgbClr val="EAECF0"/>
+                    </a:solidFill>
+                  </a:tcPr>
+                </a:tc>
+                <a:tc>
+                  <a:txBody>
+                    <a:bodyPr/>
+                    <a:lstStyle/>
+                    <a:p>
+                      <a:pPr algn="ctr"/>
+                      <a:r>
+                        <a:rPr lang="en-CA" sz="1400" b="1">
+                          <a:effectLst/>
+                        </a:rPr>
+                        <a:t>Time</a:t>
+                      </a:r>
+                    </a:p>
+                  </a:txBody>
+                  <a:tcPr marL="9817" marR="9817" marT="4908" marB="4908" anchor="ctr">
+                    <a:lnL w="7620" cap="flat" cmpd="sng" algn="ctr">
+                      <a:solidFill>
+                        <a:srgbClr val="A2A9B1"/>
+                      </a:solidFill>
+                      <a:prstDash val="solid"/>
+                      <a:round/>
+                      <a:headEnd type="none" w="med" len="med"/>
+                      <a:tailEnd type="none" w="med" len="med"/>
+                    </a:lnL>
+                    <a:lnR w="7620" cap="flat" cmpd="sng" algn="ctr">
+                      <a:solidFill>
+                        <a:srgbClr val="A2A9B1"/>
+                      </a:solidFill>
+                      <a:prstDash val="solid"/>
+                      <a:round/>
+                      <a:headEnd type="none" w="med" len="med"/>
+                      <a:tailEnd type="none" w="med" len="med"/>
+                    </a:lnR>
+                    <a:lnT w="7620" cap="flat" cmpd="sng" algn="ctr">
+                      <a:solidFill>
+                        <a:srgbClr val="A2A9B1"/>
+                      </a:solidFill>
+                      <a:prstDash val="solid"/>
+                      <a:round/>
+                      <a:headEnd type="none" w="med" len="med"/>
+                      <a:tailEnd type="none" w="med" len="med"/>
+                    </a:lnT>
+                    <a:lnB w="7620" cap="flat" cmpd="sng" algn="ctr">
+                      <a:solidFill>
+                        <a:srgbClr val="A2A9B1"/>
+                      </a:solidFill>
+                      <a:prstDash val="solid"/>
+                      <a:round/>
+                      <a:headEnd type="none" w="med" len="med"/>
+                      <a:tailEnd type="none" w="med" len="med"/>
+                    </a:lnB>
+                    <a:solidFill>
+                      <a:srgbClr val="EAECF0"/>
+                    </a:solidFill>
+                  </a:tcPr>
+                </a:tc>
+                <a:tc>
+                  <a:txBody>
+                    <a:bodyPr/>
+                    <a:lstStyle/>
+                    <a:p>
+                      <a:pPr algn="ctr"/>
+                      <a:r>
+                        <a:rPr lang="en-CA" sz="1400" b="1">
+                          <a:effectLst/>
+                        </a:rPr>
+                        <a:t>Notes</a:t>
+                      </a:r>
+                    </a:p>
+                  </a:txBody>
+                  <a:tcPr marL="9817" marR="9817" marT="4908" marB="4908" anchor="ctr">
+                    <a:lnL w="7620" cap="flat" cmpd="sng" algn="ctr">
+                      <a:solidFill>
+                        <a:srgbClr val="A2A9B1"/>
+                      </a:solidFill>
+                      <a:prstDash val="solid"/>
+                      <a:round/>
+                      <a:headEnd type="none" w="med" len="med"/>
+                      <a:tailEnd type="none" w="med" len="med"/>
+                    </a:lnL>
+                    <a:lnR w="7620" cap="flat" cmpd="sng" algn="ctr">
+                      <a:solidFill>
+                        <a:srgbClr val="A2A9B1"/>
+                      </a:solidFill>
+                      <a:prstDash val="solid"/>
+                      <a:round/>
+                      <a:headEnd type="none" w="med" len="med"/>
+                      <a:tailEnd type="none" w="med" len="med"/>
+                    </a:lnR>
+                    <a:lnT w="7620" cap="flat" cmpd="sng" algn="ctr">
+                      <a:solidFill>
+                        <a:srgbClr val="A2A9B1"/>
+                      </a:solidFill>
+                      <a:prstDash val="solid"/>
+                      <a:round/>
+                      <a:headEnd type="none" w="med" len="med"/>
+                      <a:tailEnd type="none" w="med" len="med"/>
+                    </a:lnT>
+                    <a:lnB w="7620" cap="flat" cmpd="sng" algn="ctr">
+                      <a:solidFill>
+                        <a:srgbClr val="A2A9B1"/>
+                      </a:solidFill>
+                      <a:prstDash val="solid"/>
+                      <a:round/>
+                      <a:headEnd type="none" w="med" len="med"/>
+                      <a:tailEnd type="none" w="med" len="med"/>
+                    </a:lnB>
+                    <a:solidFill>
+                      <a:srgbClr val="EAECF0"/>
+                    </a:solidFill>
+                  </a:tcPr>
+                </a:tc>
+                <a:extLst>
+                  <a:ext uri="{0D108BD9-81ED-4DB2-BD59-A6C34878D82A}">
+                    <a16:rowId xmlns:a16="http://schemas.microsoft.com/office/drawing/2014/main" val="1358104512"/>
+                  </a:ext>
+                </a:extLst>
+              </a:tr>
+              <a:tr h="154529">
+                <a:tc>
+                  <a:txBody>
+                    <a:bodyPr/>
+                    <a:lstStyle/>
+                    <a:p>
+                      <a:r>
+                        <a:rPr lang="en-CA" sz="1400" b="1" u="none" strike="noStrike" dirty="0">
+                          <a:solidFill>
+                            <a:srgbClr val="0B0080"/>
+                          </a:solidFill>
+                          <a:effectLst/>
+                        </a:rPr>
+                        <a:t>Quill</a:t>
+                      </a:r>
+                      <a:endParaRPr lang="en-CA" sz="1400" b="1" dirty="0">
+                        <a:effectLst/>
+                      </a:endParaRPr>
+                    </a:p>
+                  </a:txBody>
+                  <a:tcPr marL="9817" marR="9817" marT="4908" marB="4908" anchor="ctr">
+                    <a:lnL w="7620" cap="flat" cmpd="sng" algn="ctr">
+                      <a:solidFill>
+                        <a:srgbClr val="A2A9B1"/>
+                      </a:solidFill>
+                      <a:prstDash val="solid"/>
+                      <a:round/>
+                      <a:headEnd type="none" w="med" len="med"/>
+                      <a:tailEnd type="none" w="med" len="med"/>
+                    </a:lnL>
+                    <a:lnR w="7620" cap="flat" cmpd="sng" algn="ctr">
+                      <a:solidFill>
+                        <a:srgbClr val="A2A9B1"/>
+                      </a:solidFill>
+                      <a:prstDash val="solid"/>
+                      <a:round/>
+                      <a:headEnd type="none" w="med" len="med"/>
+                      <a:tailEnd type="none" w="med" len="med"/>
+                    </a:lnR>
+                    <a:lnT w="7620" cap="flat" cmpd="sng" algn="ctr">
+                      <a:solidFill>
+                        <a:srgbClr val="A2A9B1"/>
+                      </a:solidFill>
+                      <a:prstDash val="solid"/>
+                      <a:round/>
+                      <a:headEnd type="none" w="med" len="med"/>
+                      <a:tailEnd type="none" w="med" len="med"/>
+                    </a:lnT>
+                    <a:lnB w="7620" cap="flat" cmpd="sng" algn="ctr">
+                      <a:solidFill>
+                        <a:srgbClr val="A2A9B1"/>
+                      </a:solidFill>
+                      <a:prstDash val="solid"/>
+                      <a:round/>
+                      <a:headEnd type="none" w="med" len="med"/>
+                      <a:tailEnd type="none" w="med" len="med"/>
+                    </a:lnB>
+                    <a:solidFill>
+                      <a:srgbClr val="F8F9FA"/>
+                    </a:solidFill>
+                  </a:tcPr>
+                </a:tc>
+                <a:tc>
+                  <a:txBody>
+                    <a:bodyPr/>
+                    <a:lstStyle/>
+                    <a:p>
+                      <a:r>
+                        <a:rPr lang="en-CA" sz="1400" b="1">
+                          <a:effectLst/>
+                        </a:rPr>
+                        <a:t>12:15 pm – 12:45 pm</a:t>
+                      </a:r>
+                    </a:p>
+                  </a:txBody>
+                  <a:tcPr marL="9817" marR="9817" marT="4908" marB="4908" anchor="ctr">
+                    <a:lnL w="7620" cap="flat" cmpd="sng" algn="ctr">
+                      <a:solidFill>
+                        <a:srgbClr val="A2A9B1"/>
+                      </a:solidFill>
+                      <a:prstDash val="solid"/>
+                      <a:round/>
+                      <a:headEnd type="none" w="med" len="med"/>
+                      <a:tailEnd type="none" w="med" len="med"/>
+                    </a:lnL>
+                    <a:lnR w="7620" cap="flat" cmpd="sng" algn="ctr">
+                      <a:solidFill>
+                        <a:srgbClr val="A2A9B1"/>
+                      </a:solidFill>
+                      <a:prstDash val="solid"/>
+                      <a:round/>
+                      <a:headEnd type="none" w="med" len="med"/>
+                      <a:tailEnd type="none" w="med" len="med"/>
+                    </a:lnR>
+                    <a:lnT w="7620" cap="flat" cmpd="sng" algn="ctr">
+                      <a:solidFill>
+                        <a:srgbClr val="A2A9B1"/>
+                      </a:solidFill>
+                      <a:prstDash val="solid"/>
+                      <a:round/>
+                      <a:headEnd type="none" w="med" len="med"/>
+                      <a:tailEnd type="none" w="med" len="med"/>
+                    </a:lnT>
+                    <a:lnB w="7620" cap="flat" cmpd="sng" algn="ctr">
+                      <a:solidFill>
+                        <a:srgbClr val="A2A9B1"/>
+                      </a:solidFill>
+                      <a:prstDash val="solid"/>
+                      <a:round/>
+                      <a:headEnd type="none" w="med" len="med"/>
+                      <a:tailEnd type="none" w="med" len="med"/>
+                    </a:lnB>
+                    <a:solidFill>
+                      <a:srgbClr val="F8F9FA"/>
+                    </a:solidFill>
+                  </a:tcPr>
+                </a:tc>
+                <a:tc>
+                  <a:txBody>
+                    <a:bodyPr/>
+                    <a:lstStyle/>
+                    <a:p>
+                      <a:endParaRPr lang="en-CA" sz="1400" b="1">
+                        <a:effectLst/>
+                      </a:endParaRPr>
+                    </a:p>
+                  </a:txBody>
+                  <a:tcPr marL="9817" marR="9817" marT="4908" marB="4908" anchor="ctr">
+                    <a:lnL w="7620" cap="flat" cmpd="sng" algn="ctr">
+                      <a:solidFill>
+                        <a:srgbClr val="A2A9B1"/>
+                      </a:solidFill>
+                      <a:prstDash val="solid"/>
+                      <a:round/>
+                      <a:headEnd type="none" w="med" len="med"/>
+                      <a:tailEnd type="none" w="med" len="med"/>
+                    </a:lnL>
+                    <a:lnR w="7620" cap="flat" cmpd="sng" algn="ctr">
+                      <a:solidFill>
+                        <a:srgbClr val="A2A9B1"/>
+                      </a:solidFill>
+                      <a:prstDash val="solid"/>
+                      <a:round/>
+                      <a:headEnd type="none" w="med" len="med"/>
+                      <a:tailEnd type="none" w="med" len="med"/>
+                    </a:lnR>
+                    <a:lnT w="7620" cap="flat" cmpd="sng" algn="ctr">
+                      <a:solidFill>
+                        <a:srgbClr val="A2A9B1"/>
+                      </a:solidFill>
+                      <a:prstDash val="solid"/>
+                      <a:round/>
+                      <a:headEnd type="none" w="med" len="med"/>
+                      <a:tailEnd type="none" w="med" len="med"/>
+                    </a:lnT>
+                    <a:lnB w="7620" cap="flat" cmpd="sng" algn="ctr">
+                      <a:solidFill>
+                        <a:srgbClr val="A2A9B1"/>
+                      </a:solidFill>
+                      <a:prstDash val="solid"/>
+                      <a:round/>
+                      <a:headEnd type="none" w="med" len="med"/>
+                      <a:tailEnd type="none" w="med" len="med"/>
+                    </a:lnB>
+                    <a:solidFill>
+                      <a:srgbClr val="F8F9FA"/>
+                    </a:solidFill>
+                  </a:tcPr>
+                </a:tc>
+                <a:extLst>
+                  <a:ext uri="{0D108BD9-81ED-4DB2-BD59-A6C34878D82A}">
+                    <a16:rowId xmlns:a16="http://schemas.microsoft.com/office/drawing/2014/main" val="2043930677"/>
+                  </a:ext>
+                </a:extLst>
+              </a:tr>
+              <a:tr h="225850">
+                <a:tc>
+                  <a:txBody>
+                    <a:bodyPr/>
+                    <a:lstStyle/>
+                    <a:p>
+                      <a:r>
+                        <a:rPr lang="en-CA" sz="1400" b="1" u="none" strike="noStrike" dirty="0">
+                          <a:solidFill>
+                            <a:srgbClr val="0B0080"/>
+                          </a:solidFill>
+                          <a:effectLst/>
+                        </a:rPr>
+                        <a:t>Country Joe McDonald</a:t>
+                      </a:r>
+                      <a:endParaRPr lang="en-CA" sz="1400" b="1" dirty="0">
+                        <a:effectLst/>
+                      </a:endParaRPr>
+                    </a:p>
+                  </a:txBody>
+                  <a:tcPr marL="9817" marR="9817" marT="4908" marB="4908" anchor="ctr">
+                    <a:lnL w="7620" cap="flat" cmpd="sng" algn="ctr">
+                      <a:solidFill>
+                        <a:srgbClr val="A2A9B1"/>
+                      </a:solidFill>
+                      <a:prstDash val="solid"/>
+                      <a:round/>
+                      <a:headEnd type="none" w="med" len="med"/>
+                      <a:tailEnd type="none" w="med" len="med"/>
+                    </a:lnL>
+                    <a:lnR w="7620" cap="flat" cmpd="sng" algn="ctr">
+                      <a:solidFill>
+                        <a:srgbClr val="A2A9B1"/>
+                      </a:solidFill>
+                      <a:prstDash val="solid"/>
+                      <a:round/>
+                      <a:headEnd type="none" w="med" len="med"/>
+                      <a:tailEnd type="none" w="med" len="med"/>
+                    </a:lnR>
+                    <a:lnT w="7620" cap="flat" cmpd="sng" algn="ctr">
+                      <a:solidFill>
+                        <a:srgbClr val="A2A9B1"/>
+                      </a:solidFill>
+                      <a:prstDash val="solid"/>
+                      <a:round/>
+                      <a:headEnd type="none" w="med" len="med"/>
+                      <a:tailEnd type="none" w="med" len="med"/>
+                    </a:lnT>
+                    <a:lnB w="7620" cap="flat" cmpd="sng" algn="ctr">
+                      <a:solidFill>
+                        <a:srgbClr val="A2A9B1"/>
+                      </a:solidFill>
+                      <a:prstDash val="solid"/>
+                      <a:round/>
+                      <a:headEnd type="none" w="med" len="med"/>
+                      <a:tailEnd type="none" w="med" len="med"/>
+                    </a:lnB>
+                    <a:solidFill>
+                      <a:srgbClr val="F8F9FA"/>
+                    </a:solidFill>
+                  </a:tcPr>
+                </a:tc>
+                <a:tc>
+                  <a:txBody>
+                    <a:bodyPr/>
+                    <a:lstStyle/>
+                    <a:p>
+                      <a:r>
+                        <a:rPr lang="en-CA" sz="1400" b="1">
+                          <a:effectLst/>
+                        </a:rPr>
+                        <a:t>1:00 pm – 1:30 pm</a:t>
+                      </a:r>
+                    </a:p>
+                  </a:txBody>
+                  <a:tcPr marL="9817" marR="9817" marT="4908" marB="4908" anchor="ctr">
+                    <a:lnL w="7620" cap="flat" cmpd="sng" algn="ctr">
+                      <a:solidFill>
+                        <a:srgbClr val="A2A9B1"/>
+                      </a:solidFill>
+                      <a:prstDash val="solid"/>
+                      <a:round/>
+                      <a:headEnd type="none" w="med" len="med"/>
+                      <a:tailEnd type="none" w="med" len="med"/>
+                    </a:lnL>
+                    <a:lnR w="7620" cap="flat" cmpd="sng" algn="ctr">
+                      <a:solidFill>
+                        <a:srgbClr val="A2A9B1"/>
+                      </a:solidFill>
+                      <a:prstDash val="solid"/>
+                      <a:round/>
+                      <a:headEnd type="none" w="med" len="med"/>
+                      <a:tailEnd type="none" w="med" len="med"/>
+                    </a:lnR>
+                    <a:lnT w="7620" cap="flat" cmpd="sng" algn="ctr">
+                      <a:solidFill>
+                        <a:srgbClr val="A2A9B1"/>
+                      </a:solidFill>
+                      <a:prstDash val="solid"/>
+                      <a:round/>
+                      <a:headEnd type="none" w="med" len="med"/>
+                      <a:tailEnd type="none" w="med" len="med"/>
+                    </a:lnT>
+                    <a:lnB w="7620" cap="flat" cmpd="sng" algn="ctr">
+                      <a:solidFill>
+                        <a:srgbClr val="A2A9B1"/>
+                      </a:solidFill>
+                      <a:prstDash val="solid"/>
+                      <a:round/>
+                      <a:headEnd type="none" w="med" len="med"/>
+                      <a:tailEnd type="none" w="med" len="med"/>
+                    </a:lnB>
+                    <a:solidFill>
+                      <a:srgbClr val="F8F9FA"/>
+                    </a:solidFill>
+                  </a:tcPr>
+                </a:tc>
+                <a:tc>
+                  <a:txBody>
+                    <a:bodyPr/>
+                    <a:lstStyle/>
+                    <a:p>
+                      <a:r>
+                        <a:rPr lang="en-US" sz="1400" b="1">
+                          <a:effectLst/>
+                        </a:rPr>
+                        <a:t>Joe later performed together with The Fish.</a:t>
+                      </a:r>
+                    </a:p>
+                  </a:txBody>
+                  <a:tcPr marL="9817" marR="9817" marT="4908" marB="4908" anchor="ctr">
+                    <a:lnL w="7620" cap="flat" cmpd="sng" algn="ctr">
+                      <a:solidFill>
+                        <a:srgbClr val="A2A9B1"/>
+                      </a:solidFill>
+                      <a:prstDash val="solid"/>
+                      <a:round/>
+                      <a:headEnd type="none" w="med" len="med"/>
+                      <a:tailEnd type="none" w="med" len="med"/>
+                    </a:lnL>
+                    <a:lnR w="7620" cap="flat" cmpd="sng" algn="ctr">
+                      <a:solidFill>
+                        <a:srgbClr val="A2A9B1"/>
+                      </a:solidFill>
+                      <a:prstDash val="solid"/>
+                      <a:round/>
+                      <a:headEnd type="none" w="med" len="med"/>
+                      <a:tailEnd type="none" w="med" len="med"/>
+                    </a:lnR>
+                    <a:lnT w="7620" cap="flat" cmpd="sng" algn="ctr">
+                      <a:solidFill>
+                        <a:srgbClr val="A2A9B1"/>
+                      </a:solidFill>
+                      <a:prstDash val="solid"/>
+                      <a:round/>
+                      <a:headEnd type="none" w="med" len="med"/>
+                      <a:tailEnd type="none" w="med" len="med"/>
+                    </a:lnT>
+                    <a:lnB w="7620" cap="flat" cmpd="sng" algn="ctr">
+                      <a:solidFill>
+                        <a:srgbClr val="A2A9B1"/>
+                      </a:solidFill>
+                      <a:prstDash val="solid"/>
+                      <a:round/>
+                      <a:headEnd type="none" w="med" len="med"/>
+                      <a:tailEnd type="none" w="med" len="med"/>
+                    </a:lnB>
+                    <a:solidFill>
+                      <a:srgbClr val="F8F9FA"/>
+                    </a:solidFill>
+                  </a:tcPr>
+                </a:tc>
+                <a:extLst>
+                  <a:ext uri="{0D108BD9-81ED-4DB2-BD59-A6C34878D82A}">
+                    <a16:rowId xmlns:a16="http://schemas.microsoft.com/office/drawing/2014/main" val="520109142"/>
+                  </a:ext>
+                </a:extLst>
+              </a:tr>
+              <a:tr h="582457">
+                <a:tc>
+                  <a:txBody>
+                    <a:bodyPr/>
+                    <a:lstStyle/>
+                    <a:p>
+                      <a:r>
+                        <a:rPr lang="en-CA" sz="1400" b="1" u="none" strike="noStrike" dirty="0">
+                          <a:solidFill>
+                            <a:srgbClr val="0B0080"/>
+                          </a:solidFill>
+                          <a:effectLst/>
+                        </a:rPr>
+                        <a:t>Santana</a:t>
+                      </a:r>
+                      <a:endParaRPr lang="en-CA" sz="1400" b="1" dirty="0">
+                        <a:effectLst/>
+                      </a:endParaRPr>
+                    </a:p>
+                  </a:txBody>
+                  <a:tcPr marL="9817" marR="9817" marT="4908" marB="4908" anchor="ctr">
+                    <a:lnL w="7620" cap="flat" cmpd="sng" algn="ctr">
+                      <a:solidFill>
+                        <a:srgbClr val="A2A9B1"/>
+                      </a:solidFill>
+                      <a:prstDash val="solid"/>
+                      <a:round/>
+                      <a:headEnd type="none" w="med" len="med"/>
+                      <a:tailEnd type="none" w="med" len="med"/>
+                    </a:lnL>
+                    <a:lnR w="7620" cap="flat" cmpd="sng" algn="ctr">
+                      <a:solidFill>
+                        <a:srgbClr val="A2A9B1"/>
+                      </a:solidFill>
+                      <a:prstDash val="solid"/>
+                      <a:round/>
+                      <a:headEnd type="none" w="med" len="med"/>
+                      <a:tailEnd type="none" w="med" len="med"/>
+                    </a:lnR>
+                    <a:lnT w="7620" cap="flat" cmpd="sng" algn="ctr">
+                      <a:solidFill>
+                        <a:srgbClr val="A2A9B1"/>
+                      </a:solidFill>
+                      <a:prstDash val="solid"/>
+                      <a:round/>
+                      <a:headEnd type="none" w="med" len="med"/>
+                      <a:tailEnd type="none" w="med" len="med"/>
+                    </a:lnT>
+                    <a:lnB w="7620" cap="flat" cmpd="sng" algn="ctr">
+                      <a:solidFill>
+                        <a:srgbClr val="A2A9B1"/>
+                      </a:solidFill>
+                      <a:prstDash val="solid"/>
+                      <a:round/>
+                      <a:headEnd type="none" w="med" len="med"/>
+                      <a:tailEnd type="none" w="med" len="med"/>
+                    </a:lnB>
+                    <a:solidFill>
+                      <a:srgbClr val="F8F9FA"/>
+                    </a:solidFill>
+                  </a:tcPr>
+                </a:tc>
+                <a:tc>
+                  <a:txBody>
+                    <a:bodyPr/>
+                    <a:lstStyle/>
+                    <a:p>
+                      <a:r>
+                        <a:rPr lang="en-CA" sz="1400" b="1">
+                          <a:effectLst/>
+                        </a:rPr>
+                        <a:t>2:00 pm – 2:45 pm</a:t>
+                      </a:r>
+                    </a:p>
+                  </a:txBody>
+                  <a:tcPr marL="9817" marR="9817" marT="4908" marB="4908" anchor="ctr">
+                    <a:lnL w="7620" cap="flat" cmpd="sng" algn="ctr">
+                      <a:solidFill>
+                        <a:srgbClr val="A2A9B1"/>
+                      </a:solidFill>
+                      <a:prstDash val="solid"/>
+                      <a:round/>
+                      <a:headEnd type="none" w="med" len="med"/>
+                      <a:tailEnd type="none" w="med" len="med"/>
+                    </a:lnL>
+                    <a:lnR w="7620" cap="flat" cmpd="sng" algn="ctr">
+                      <a:solidFill>
+                        <a:srgbClr val="A2A9B1"/>
+                      </a:solidFill>
+                      <a:prstDash val="solid"/>
+                      <a:round/>
+                      <a:headEnd type="none" w="med" len="med"/>
+                      <a:tailEnd type="none" w="med" len="med"/>
+                    </a:lnR>
+                    <a:lnT w="7620" cap="flat" cmpd="sng" algn="ctr">
+                      <a:solidFill>
+                        <a:srgbClr val="A2A9B1"/>
+                      </a:solidFill>
+                      <a:prstDash val="solid"/>
+                      <a:round/>
+                      <a:headEnd type="none" w="med" len="med"/>
+                      <a:tailEnd type="none" w="med" len="med"/>
+                    </a:lnT>
+                    <a:lnB w="7620" cap="flat" cmpd="sng" algn="ctr">
+                      <a:solidFill>
+                        <a:srgbClr val="A2A9B1"/>
+                      </a:solidFill>
+                      <a:prstDash val="solid"/>
+                      <a:round/>
+                      <a:headEnd type="none" w="med" len="med"/>
+                      <a:tailEnd type="none" w="med" len="med"/>
+                    </a:lnB>
+                    <a:solidFill>
+                      <a:srgbClr val="F8F9FA"/>
+                    </a:solidFill>
+                  </a:tcPr>
+                </a:tc>
+                <a:tc>
+                  <a:txBody>
+                    <a:bodyPr/>
+                    <a:lstStyle/>
+                    <a:p>
+                      <a:r>
+                        <a:rPr lang="en-US" sz="1400" b="1" dirty="0">
+                          <a:effectLst/>
+                        </a:rPr>
+                        <a:t>Aged 20, </a:t>
+                      </a:r>
+                      <a:r>
+                        <a:rPr lang="en-US" sz="1400" b="1" u="none" strike="noStrike" dirty="0">
+                          <a:solidFill>
+                            <a:srgbClr val="0B0080"/>
+                          </a:solidFill>
+                          <a:effectLst/>
+                        </a:rPr>
+                        <a:t>Michael </a:t>
+                      </a:r>
+                      <a:r>
+                        <a:rPr lang="en-US" sz="1400" b="1" u="none" strike="noStrike" dirty="0" err="1">
+                          <a:solidFill>
+                            <a:srgbClr val="0B0080"/>
+                          </a:solidFill>
+                          <a:effectLst/>
+                        </a:rPr>
+                        <a:t>Shrieve</a:t>
+                      </a:r>
+                      <a:r>
+                        <a:rPr lang="en-US" sz="1400" b="1" dirty="0">
+                          <a:effectLst/>
+                        </a:rPr>
+                        <a:t>, the band's drummer, was the youngest musician to play at the festival.</a:t>
+                      </a:r>
+                    </a:p>
+                  </a:txBody>
+                  <a:tcPr marL="9817" marR="9817" marT="4908" marB="4908" anchor="ctr">
+                    <a:lnL w="7620" cap="flat" cmpd="sng" algn="ctr">
+                      <a:solidFill>
+                        <a:srgbClr val="A2A9B1"/>
+                      </a:solidFill>
+                      <a:prstDash val="solid"/>
+                      <a:round/>
+                      <a:headEnd type="none" w="med" len="med"/>
+                      <a:tailEnd type="none" w="med" len="med"/>
+                    </a:lnL>
+                    <a:lnR w="7620" cap="flat" cmpd="sng" algn="ctr">
+                      <a:solidFill>
+                        <a:srgbClr val="A2A9B1"/>
+                      </a:solidFill>
+                      <a:prstDash val="solid"/>
+                      <a:round/>
+                      <a:headEnd type="none" w="med" len="med"/>
+                      <a:tailEnd type="none" w="med" len="med"/>
+                    </a:lnR>
+                    <a:lnT w="7620" cap="flat" cmpd="sng" algn="ctr">
+                      <a:solidFill>
+                        <a:srgbClr val="A2A9B1"/>
+                      </a:solidFill>
+                      <a:prstDash val="solid"/>
+                      <a:round/>
+                      <a:headEnd type="none" w="med" len="med"/>
+                      <a:tailEnd type="none" w="med" len="med"/>
+                    </a:lnT>
+                    <a:lnB w="7620" cap="flat" cmpd="sng" algn="ctr">
+                      <a:solidFill>
+                        <a:srgbClr val="A2A9B1"/>
+                      </a:solidFill>
+                      <a:prstDash val="solid"/>
+                      <a:round/>
+                      <a:headEnd type="none" w="med" len="med"/>
+                      <a:tailEnd type="none" w="med" len="med"/>
+                    </a:lnB>
+                    <a:solidFill>
+                      <a:srgbClr val="F8F9FA"/>
+                    </a:solidFill>
+                  </a:tcPr>
+                </a:tc>
+                <a:extLst>
+                  <a:ext uri="{0D108BD9-81ED-4DB2-BD59-A6C34878D82A}">
+                    <a16:rowId xmlns:a16="http://schemas.microsoft.com/office/drawing/2014/main" val="1874434825"/>
+                  </a:ext>
+                </a:extLst>
+              </a:tr>
+              <a:tr h="355135">
+                <a:tc>
+                  <a:txBody>
+                    <a:bodyPr/>
+                    <a:lstStyle/>
+                    <a:p>
+                      <a:r>
+                        <a:rPr lang="en-CA" sz="1400" b="1" u="none" strike="noStrike" dirty="0">
+                          <a:solidFill>
+                            <a:srgbClr val="0B0080"/>
+                          </a:solidFill>
+                          <a:effectLst/>
+                        </a:rPr>
+                        <a:t>John Sebastian</a:t>
+                      </a:r>
+                      <a:endParaRPr lang="en-CA" sz="1400" b="1" dirty="0">
+                        <a:effectLst/>
+                      </a:endParaRPr>
+                    </a:p>
+                  </a:txBody>
+                  <a:tcPr marL="9817" marR="9817" marT="4908" marB="4908" anchor="ctr">
+                    <a:lnL w="7620" cap="flat" cmpd="sng" algn="ctr">
+                      <a:solidFill>
+                        <a:srgbClr val="A2A9B1"/>
+                      </a:solidFill>
+                      <a:prstDash val="solid"/>
+                      <a:round/>
+                      <a:headEnd type="none" w="med" len="med"/>
+                      <a:tailEnd type="none" w="med" len="med"/>
+                    </a:lnL>
+                    <a:lnR w="7620" cap="flat" cmpd="sng" algn="ctr">
+                      <a:solidFill>
+                        <a:srgbClr val="A2A9B1"/>
+                      </a:solidFill>
+                      <a:prstDash val="solid"/>
+                      <a:round/>
+                      <a:headEnd type="none" w="med" len="med"/>
+                      <a:tailEnd type="none" w="med" len="med"/>
+                    </a:lnR>
+                    <a:lnT w="7620" cap="flat" cmpd="sng" algn="ctr">
+                      <a:solidFill>
+                        <a:srgbClr val="A2A9B1"/>
+                      </a:solidFill>
+                      <a:prstDash val="solid"/>
+                      <a:round/>
+                      <a:headEnd type="none" w="med" len="med"/>
+                      <a:tailEnd type="none" w="med" len="med"/>
+                    </a:lnT>
+                    <a:lnB w="7620" cap="flat" cmpd="sng" algn="ctr">
+                      <a:solidFill>
+                        <a:srgbClr val="A2A9B1"/>
+                      </a:solidFill>
+                      <a:prstDash val="solid"/>
+                      <a:round/>
+                      <a:headEnd type="none" w="med" len="med"/>
+                      <a:tailEnd type="none" w="med" len="med"/>
+                    </a:lnB>
+                    <a:solidFill>
+                      <a:srgbClr val="F8F9FA"/>
+                    </a:solidFill>
+                  </a:tcPr>
+                </a:tc>
+                <a:tc>
+                  <a:txBody>
+                    <a:bodyPr/>
+                    <a:lstStyle/>
+                    <a:p>
+                      <a:r>
+                        <a:rPr lang="en-CA" sz="1400" b="1" dirty="0">
+                          <a:effectLst/>
+                        </a:rPr>
+                        <a:t>3:30 pm – 3:55 pm</a:t>
+                      </a:r>
+                    </a:p>
+                  </a:txBody>
+                  <a:tcPr marL="9817" marR="9817" marT="4908" marB="4908" anchor="ctr">
+                    <a:lnL w="7620" cap="flat" cmpd="sng" algn="ctr">
+                      <a:solidFill>
+                        <a:srgbClr val="A2A9B1"/>
+                      </a:solidFill>
+                      <a:prstDash val="solid"/>
+                      <a:round/>
+                      <a:headEnd type="none" w="med" len="med"/>
+                      <a:tailEnd type="none" w="med" len="med"/>
+                    </a:lnL>
+                    <a:lnR w="7620" cap="flat" cmpd="sng" algn="ctr">
+                      <a:solidFill>
+                        <a:srgbClr val="A2A9B1"/>
+                      </a:solidFill>
+                      <a:prstDash val="solid"/>
+                      <a:round/>
+                      <a:headEnd type="none" w="med" len="med"/>
+                      <a:tailEnd type="none" w="med" len="med"/>
+                    </a:lnR>
+                    <a:lnT w="7620" cap="flat" cmpd="sng" algn="ctr">
+                      <a:solidFill>
+                        <a:srgbClr val="A2A9B1"/>
+                      </a:solidFill>
+                      <a:prstDash val="solid"/>
+                      <a:round/>
+                      <a:headEnd type="none" w="med" len="med"/>
+                      <a:tailEnd type="none" w="med" len="med"/>
+                    </a:lnT>
+                    <a:lnB w="7620" cap="flat" cmpd="sng" algn="ctr">
+                      <a:solidFill>
+                        <a:srgbClr val="A2A9B1"/>
+                      </a:solidFill>
+                      <a:prstDash val="solid"/>
+                      <a:round/>
+                      <a:headEnd type="none" w="med" len="med"/>
+                      <a:tailEnd type="none" w="med" len="med"/>
+                    </a:lnB>
+                    <a:solidFill>
+                      <a:srgbClr val="F8F9FA"/>
+                    </a:solidFill>
+                  </a:tcPr>
+                </a:tc>
+                <a:tc>
+                  <a:txBody>
+                    <a:bodyPr/>
+                    <a:lstStyle/>
+                    <a:p>
+                      <a:endParaRPr lang="en-US" sz="1400" b="1" dirty="0">
+                        <a:effectLst/>
+                      </a:endParaRPr>
+                    </a:p>
+                  </a:txBody>
+                  <a:tcPr marL="9817" marR="9817" marT="4908" marB="4908" anchor="ctr">
+                    <a:lnL w="7620" cap="flat" cmpd="sng" algn="ctr">
+                      <a:solidFill>
+                        <a:srgbClr val="A2A9B1"/>
+                      </a:solidFill>
+                      <a:prstDash val="solid"/>
+                      <a:round/>
+                      <a:headEnd type="none" w="med" len="med"/>
+                      <a:tailEnd type="none" w="med" len="med"/>
+                    </a:lnL>
+                    <a:lnR w="7620" cap="flat" cmpd="sng" algn="ctr">
+                      <a:solidFill>
+                        <a:srgbClr val="A2A9B1"/>
+                      </a:solidFill>
+                      <a:prstDash val="solid"/>
+                      <a:round/>
+                      <a:headEnd type="none" w="med" len="med"/>
+                      <a:tailEnd type="none" w="med" len="med"/>
+                    </a:lnR>
+                    <a:lnT w="7620" cap="flat" cmpd="sng" algn="ctr">
+                      <a:solidFill>
+                        <a:srgbClr val="A2A9B1"/>
+                      </a:solidFill>
+                      <a:prstDash val="solid"/>
+                      <a:round/>
+                      <a:headEnd type="none" w="med" len="med"/>
+                      <a:tailEnd type="none" w="med" len="med"/>
+                    </a:lnT>
+                    <a:lnB w="7620" cap="flat" cmpd="sng" algn="ctr">
+                      <a:solidFill>
+                        <a:srgbClr val="A2A9B1"/>
+                      </a:solidFill>
+                      <a:prstDash val="solid"/>
+                      <a:round/>
+                      <a:headEnd type="none" w="med" len="med"/>
+                      <a:tailEnd type="none" w="med" len="med"/>
+                    </a:lnB>
+                    <a:solidFill>
+                      <a:srgbClr val="F8F9FA"/>
+                    </a:solidFill>
+                  </a:tcPr>
+                </a:tc>
+                <a:extLst>
+                  <a:ext uri="{0D108BD9-81ED-4DB2-BD59-A6C34878D82A}">
+                    <a16:rowId xmlns:a16="http://schemas.microsoft.com/office/drawing/2014/main" val="502077709"/>
+                  </a:ext>
+                </a:extLst>
+              </a:tr>
+              <a:tr h="118869">
+                <a:tc>
+                  <a:txBody>
+                    <a:bodyPr/>
+                    <a:lstStyle/>
+                    <a:p>
+                      <a:r>
+                        <a:rPr lang="en-CA" sz="1400" b="1" u="none" strike="noStrike" dirty="0" err="1">
+                          <a:solidFill>
+                            <a:srgbClr val="0B0080"/>
+                          </a:solidFill>
+                          <a:effectLst/>
+                        </a:rPr>
+                        <a:t>Keef</a:t>
+                      </a:r>
+                      <a:r>
+                        <a:rPr lang="en-CA" sz="1400" b="1" u="none" strike="noStrike" dirty="0">
+                          <a:solidFill>
+                            <a:srgbClr val="0B0080"/>
+                          </a:solidFill>
+                          <a:effectLst/>
+                        </a:rPr>
+                        <a:t> Hartley Band</a:t>
+                      </a:r>
+                      <a:endParaRPr lang="en-CA" sz="1400" b="1" dirty="0">
+                        <a:effectLst/>
+                      </a:endParaRPr>
+                    </a:p>
+                  </a:txBody>
+                  <a:tcPr marL="9817" marR="9817" marT="4908" marB="4908" anchor="ctr">
+                    <a:lnL w="7620" cap="flat" cmpd="sng" algn="ctr">
+                      <a:solidFill>
+                        <a:srgbClr val="A2A9B1"/>
+                      </a:solidFill>
+                      <a:prstDash val="solid"/>
+                      <a:round/>
+                      <a:headEnd type="none" w="med" len="med"/>
+                      <a:tailEnd type="none" w="med" len="med"/>
+                    </a:lnL>
+                    <a:lnR w="7620" cap="flat" cmpd="sng" algn="ctr">
+                      <a:solidFill>
+                        <a:srgbClr val="A2A9B1"/>
+                      </a:solidFill>
+                      <a:prstDash val="solid"/>
+                      <a:round/>
+                      <a:headEnd type="none" w="med" len="med"/>
+                      <a:tailEnd type="none" w="med" len="med"/>
+                    </a:lnR>
+                    <a:lnT w="7620" cap="flat" cmpd="sng" algn="ctr">
+                      <a:solidFill>
+                        <a:srgbClr val="A2A9B1"/>
+                      </a:solidFill>
+                      <a:prstDash val="solid"/>
+                      <a:round/>
+                      <a:headEnd type="none" w="med" len="med"/>
+                      <a:tailEnd type="none" w="med" len="med"/>
+                    </a:lnT>
+                    <a:lnB w="7620" cap="flat" cmpd="sng" algn="ctr">
+                      <a:solidFill>
+                        <a:srgbClr val="A2A9B1"/>
+                      </a:solidFill>
+                      <a:prstDash val="solid"/>
+                      <a:round/>
+                      <a:headEnd type="none" w="med" len="med"/>
+                      <a:tailEnd type="none" w="med" len="med"/>
+                    </a:lnB>
+                    <a:solidFill>
+                      <a:srgbClr val="F8F9FA"/>
+                    </a:solidFill>
+                  </a:tcPr>
+                </a:tc>
+                <a:tc>
+                  <a:txBody>
+                    <a:bodyPr/>
+                    <a:lstStyle/>
+                    <a:p>
+                      <a:r>
+                        <a:rPr lang="en-CA" sz="1400" b="1" dirty="0">
+                          <a:effectLst/>
+                        </a:rPr>
+                        <a:t>4:45 pm – 5:30 pm</a:t>
+                      </a:r>
+                    </a:p>
+                  </a:txBody>
+                  <a:tcPr marL="9817" marR="9817" marT="4908" marB="4908" anchor="ctr">
+                    <a:lnL w="7620" cap="flat" cmpd="sng" algn="ctr">
+                      <a:solidFill>
+                        <a:srgbClr val="A2A9B1"/>
+                      </a:solidFill>
+                      <a:prstDash val="solid"/>
+                      <a:round/>
+                      <a:headEnd type="none" w="med" len="med"/>
+                      <a:tailEnd type="none" w="med" len="med"/>
+                    </a:lnL>
+                    <a:lnR w="7620" cap="flat" cmpd="sng" algn="ctr">
+                      <a:solidFill>
+                        <a:srgbClr val="A2A9B1"/>
+                      </a:solidFill>
+                      <a:prstDash val="solid"/>
+                      <a:round/>
+                      <a:headEnd type="none" w="med" len="med"/>
+                      <a:tailEnd type="none" w="med" len="med"/>
+                    </a:lnR>
+                    <a:lnT w="7620" cap="flat" cmpd="sng" algn="ctr">
+                      <a:solidFill>
+                        <a:srgbClr val="A2A9B1"/>
+                      </a:solidFill>
+                      <a:prstDash val="solid"/>
+                      <a:round/>
+                      <a:headEnd type="none" w="med" len="med"/>
+                      <a:tailEnd type="none" w="med" len="med"/>
+                    </a:lnT>
+                    <a:lnB w="7620" cap="flat" cmpd="sng" algn="ctr">
+                      <a:solidFill>
+                        <a:srgbClr val="A2A9B1"/>
+                      </a:solidFill>
+                      <a:prstDash val="solid"/>
+                      <a:round/>
+                      <a:headEnd type="none" w="med" len="med"/>
+                      <a:tailEnd type="none" w="med" len="med"/>
+                    </a:lnB>
+                    <a:solidFill>
+                      <a:srgbClr val="F8F9FA"/>
+                    </a:solidFill>
+                  </a:tcPr>
+                </a:tc>
+                <a:tc>
+                  <a:txBody>
+                    <a:bodyPr/>
+                    <a:lstStyle/>
+                    <a:p>
+                      <a:endParaRPr lang="en-CA" sz="1400" b="1">
+                        <a:effectLst/>
+                      </a:endParaRPr>
+                    </a:p>
+                  </a:txBody>
+                  <a:tcPr marL="9817" marR="9817" marT="4908" marB="4908" anchor="ctr">
+                    <a:lnL w="7620" cap="flat" cmpd="sng" algn="ctr">
+                      <a:solidFill>
+                        <a:srgbClr val="A2A9B1"/>
+                      </a:solidFill>
+                      <a:prstDash val="solid"/>
+                      <a:round/>
+                      <a:headEnd type="none" w="med" len="med"/>
+                      <a:tailEnd type="none" w="med" len="med"/>
+                    </a:lnL>
+                    <a:lnR w="7620" cap="flat" cmpd="sng" algn="ctr">
+                      <a:solidFill>
+                        <a:srgbClr val="A2A9B1"/>
+                      </a:solidFill>
+                      <a:prstDash val="solid"/>
+                      <a:round/>
+                      <a:headEnd type="none" w="med" len="med"/>
+                      <a:tailEnd type="none" w="med" len="med"/>
+                    </a:lnR>
+                    <a:lnT w="7620" cap="flat" cmpd="sng" algn="ctr">
+                      <a:solidFill>
+                        <a:srgbClr val="A2A9B1"/>
+                      </a:solidFill>
+                      <a:prstDash val="solid"/>
+                      <a:round/>
+                      <a:headEnd type="none" w="med" len="med"/>
+                      <a:tailEnd type="none" w="med" len="med"/>
+                    </a:lnT>
+                    <a:lnB w="7620" cap="flat" cmpd="sng" algn="ctr">
+                      <a:solidFill>
+                        <a:srgbClr val="A2A9B1"/>
+                      </a:solidFill>
+                      <a:prstDash val="solid"/>
+                      <a:round/>
+                      <a:headEnd type="none" w="med" len="med"/>
+                      <a:tailEnd type="none" w="med" len="med"/>
+                    </a:lnB>
+                    <a:solidFill>
+                      <a:srgbClr val="F8F9FA"/>
+                    </a:solidFill>
+                  </a:tcPr>
+                </a:tc>
+                <a:extLst>
+                  <a:ext uri="{0D108BD9-81ED-4DB2-BD59-A6C34878D82A}">
+                    <a16:rowId xmlns:a16="http://schemas.microsoft.com/office/drawing/2014/main" val="1145489239"/>
+                  </a:ext>
+                </a:extLst>
+              </a:tr>
+              <a:tr h="154529">
+                <a:tc>
+                  <a:txBody>
+                    <a:bodyPr/>
+                    <a:lstStyle/>
+                    <a:p>
+                      <a:r>
+                        <a:rPr lang="en-CA" sz="1400" b="1" u="none" strike="noStrike" dirty="0">
+                          <a:solidFill>
+                            <a:srgbClr val="0B0080"/>
+                          </a:solidFill>
+                          <a:effectLst/>
+                        </a:rPr>
+                        <a:t>The Incredible String Band</a:t>
+                      </a:r>
+                      <a:endParaRPr lang="en-CA" sz="1400" b="1" dirty="0">
+                        <a:effectLst/>
+                      </a:endParaRPr>
+                    </a:p>
+                  </a:txBody>
+                  <a:tcPr marL="9817" marR="9817" marT="4908" marB="4908" anchor="ctr">
+                    <a:lnL w="7620" cap="flat" cmpd="sng" algn="ctr">
+                      <a:solidFill>
+                        <a:srgbClr val="A2A9B1"/>
+                      </a:solidFill>
+                      <a:prstDash val="solid"/>
+                      <a:round/>
+                      <a:headEnd type="none" w="med" len="med"/>
+                      <a:tailEnd type="none" w="med" len="med"/>
+                    </a:lnL>
+                    <a:lnR w="7620" cap="flat" cmpd="sng" algn="ctr">
+                      <a:solidFill>
+                        <a:srgbClr val="A2A9B1"/>
+                      </a:solidFill>
+                      <a:prstDash val="solid"/>
+                      <a:round/>
+                      <a:headEnd type="none" w="med" len="med"/>
+                      <a:tailEnd type="none" w="med" len="med"/>
+                    </a:lnR>
+                    <a:lnT w="7620" cap="flat" cmpd="sng" algn="ctr">
+                      <a:solidFill>
+                        <a:srgbClr val="A2A9B1"/>
+                      </a:solidFill>
+                      <a:prstDash val="solid"/>
+                      <a:round/>
+                      <a:headEnd type="none" w="med" len="med"/>
+                      <a:tailEnd type="none" w="med" len="med"/>
+                    </a:lnT>
+                    <a:lnB w="7620" cap="flat" cmpd="sng" algn="ctr">
+                      <a:solidFill>
+                        <a:srgbClr val="A2A9B1"/>
+                      </a:solidFill>
+                      <a:prstDash val="solid"/>
+                      <a:round/>
+                      <a:headEnd type="none" w="med" len="med"/>
+                      <a:tailEnd type="none" w="med" len="med"/>
+                    </a:lnB>
+                    <a:solidFill>
+                      <a:srgbClr val="F8F9FA"/>
+                    </a:solidFill>
+                  </a:tcPr>
+                </a:tc>
+                <a:tc>
+                  <a:txBody>
+                    <a:bodyPr/>
+                    <a:lstStyle/>
+                    <a:p>
+                      <a:r>
+                        <a:rPr lang="en-CA" sz="1400" b="1">
+                          <a:effectLst/>
+                        </a:rPr>
+                        <a:t>6:00 pm – 6:30 pm</a:t>
+                      </a:r>
+                    </a:p>
+                  </a:txBody>
+                  <a:tcPr marL="9817" marR="9817" marT="4908" marB="4908" anchor="ctr">
+                    <a:lnL w="7620" cap="flat" cmpd="sng" algn="ctr">
+                      <a:solidFill>
+                        <a:srgbClr val="A2A9B1"/>
+                      </a:solidFill>
+                      <a:prstDash val="solid"/>
+                      <a:round/>
+                      <a:headEnd type="none" w="med" len="med"/>
+                      <a:tailEnd type="none" w="med" len="med"/>
+                    </a:lnL>
+                    <a:lnR w="7620" cap="flat" cmpd="sng" algn="ctr">
+                      <a:solidFill>
+                        <a:srgbClr val="A2A9B1"/>
+                      </a:solidFill>
+                      <a:prstDash val="solid"/>
+                      <a:round/>
+                      <a:headEnd type="none" w="med" len="med"/>
+                      <a:tailEnd type="none" w="med" len="med"/>
+                    </a:lnR>
+                    <a:lnT w="7620" cap="flat" cmpd="sng" algn="ctr">
+                      <a:solidFill>
+                        <a:srgbClr val="A2A9B1"/>
+                      </a:solidFill>
+                      <a:prstDash val="solid"/>
+                      <a:round/>
+                      <a:headEnd type="none" w="med" len="med"/>
+                      <a:tailEnd type="none" w="med" len="med"/>
+                    </a:lnT>
+                    <a:lnB w="7620" cap="flat" cmpd="sng" algn="ctr">
+                      <a:solidFill>
+                        <a:srgbClr val="A2A9B1"/>
+                      </a:solidFill>
+                      <a:prstDash val="solid"/>
+                      <a:round/>
+                      <a:headEnd type="none" w="med" len="med"/>
+                      <a:tailEnd type="none" w="med" len="med"/>
+                    </a:lnB>
+                    <a:solidFill>
+                      <a:srgbClr val="F8F9FA"/>
+                    </a:solidFill>
+                  </a:tcPr>
+                </a:tc>
+                <a:tc>
+                  <a:txBody>
+                    <a:bodyPr/>
+                    <a:lstStyle/>
+                    <a:p>
+                      <a:endParaRPr lang="en-CA" sz="1400" b="1">
+                        <a:effectLst/>
+                      </a:endParaRPr>
+                    </a:p>
+                  </a:txBody>
+                  <a:tcPr marL="9817" marR="9817" marT="4908" marB="4908" anchor="ctr">
+                    <a:lnL w="7620" cap="flat" cmpd="sng" algn="ctr">
+                      <a:solidFill>
+                        <a:srgbClr val="A2A9B1"/>
+                      </a:solidFill>
+                      <a:prstDash val="solid"/>
+                      <a:round/>
+                      <a:headEnd type="none" w="med" len="med"/>
+                      <a:tailEnd type="none" w="med" len="med"/>
+                    </a:lnL>
+                    <a:lnR w="7620" cap="flat" cmpd="sng" algn="ctr">
+                      <a:solidFill>
+                        <a:srgbClr val="A2A9B1"/>
+                      </a:solidFill>
+                      <a:prstDash val="solid"/>
+                      <a:round/>
+                      <a:headEnd type="none" w="med" len="med"/>
+                      <a:tailEnd type="none" w="med" len="med"/>
+                    </a:lnR>
+                    <a:lnT w="7620" cap="flat" cmpd="sng" algn="ctr">
+                      <a:solidFill>
+                        <a:srgbClr val="A2A9B1"/>
+                      </a:solidFill>
+                      <a:prstDash val="solid"/>
+                      <a:round/>
+                      <a:headEnd type="none" w="med" len="med"/>
+                      <a:tailEnd type="none" w="med" len="med"/>
+                    </a:lnT>
+                    <a:lnB w="7620" cap="flat" cmpd="sng" algn="ctr">
+                      <a:solidFill>
+                        <a:srgbClr val="A2A9B1"/>
+                      </a:solidFill>
+                      <a:prstDash val="solid"/>
+                      <a:round/>
+                      <a:headEnd type="none" w="med" len="med"/>
+                      <a:tailEnd type="none" w="med" len="med"/>
+                    </a:lnB>
+                    <a:solidFill>
+                      <a:srgbClr val="F8F9FA"/>
+                    </a:solidFill>
+                  </a:tcPr>
+                </a:tc>
+                <a:extLst>
+                  <a:ext uri="{0D108BD9-81ED-4DB2-BD59-A6C34878D82A}">
+                    <a16:rowId xmlns:a16="http://schemas.microsoft.com/office/drawing/2014/main" val="4033867035"/>
+                  </a:ext>
+                </a:extLst>
+              </a:tr>
+              <a:tr h="118869">
+                <a:tc>
+                  <a:txBody>
+                    <a:bodyPr/>
+                    <a:lstStyle/>
+                    <a:p>
+                      <a:r>
+                        <a:rPr lang="en-CA" sz="1400" b="1" u="none" strike="noStrike" dirty="0">
+                          <a:solidFill>
+                            <a:srgbClr val="0B0080"/>
+                          </a:solidFill>
+                          <a:effectLst/>
+                        </a:rPr>
+                        <a:t>Canned Heat</a:t>
+                      </a:r>
+                      <a:endParaRPr lang="en-CA" sz="1400" b="1" dirty="0">
+                        <a:effectLst/>
+                      </a:endParaRPr>
+                    </a:p>
+                  </a:txBody>
+                  <a:tcPr marL="9817" marR="9817" marT="4908" marB="4908" anchor="ctr">
+                    <a:lnL w="7620" cap="flat" cmpd="sng" algn="ctr">
+                      <a:solidFill>
+                        <a:srgbClr val="A2A9B1"/>
+                      </a:solidFill>
+                      <a:prstDash val="solid"/>
+                      <a:round/>
+                      <a:headEnd type="none" w="med" len="med"/>
+                      <a:tailEnd type="none" w="med" len="med"/>
+                    </a:lnL>
+                    <a:lnR w="7620" cap="flat" cmpd="sng" algn="ctr">
+                      <a:solidFill>
+                        <a:srgbClr val="A2A9B1"/>
+                      </a:solidFill>
+                      <a:prstDash val="solid"/>
+                      <a:round/>
+                      <a:headEnd type="none" w="med" len="med"/>
+                      <a:tailEnd type="none" w="med" len="med"/>
+                    </a:lnR>
+                    <a:lnT w="7620" cap="flat" cmpd="sng" algn="ctr">
+                      <a:solidFill>
+                        <a:srgbClr val="A2A9B1"/>
+                      </a:solidFill>
+                      <a:prstDash val="solid"/>
+                      <a:round/>
+                      <a:headEnd type="none" w="med" len="med"/>
+                      <a:tailEnd type="none" w="med" len="med"/>
+                    </a:lnT>
+                    <a:lnB w="7620" cap="flat" cmpd="sng" algn="ctr">
+                      <a:solidFill>
+                        <a:srgbClr val="A2A9B1"/>
+                      </a:solidFill>
+                      <a:prstDash val="solid"/>
+                      <a:round/>
+                      <a:headEnd type="none" w="med" len="med"/>
+                      <a:tailEnd type="none" w="med" len="med"/>
+                    </a:lnB>
+                    <a:solidFill>
+                      <a:srgbClr val="F8F9FA"/>
+                    </a:solidFill>
+                  </a:tcPr>
+                </a:tc>
+                <a:tc>
+                  <a:txBody>
+                    <a:bodyPr/>
+                    <a:lstStyle/>
+                    <a:p>
+                      <a:r>
+                        <a:rPr lang="en-CA" sz="1400" b="1">
+                          <a:effectLst/>
+                        </a:rPr>
+                        <a:t>7:30 pm – 8:30 pm</a:t>
+                      </a:r>
+                    </a:p>
+                  </a:txBody>
+                  <a:tcPr marL="9817" marR="9817" marT="4908" marB="4908" anchor="ctr">
+                    <a:lnL w="7620" cap="flat" cmpd="sng" algn="ctr">
+                      <a:solidFill>
+                        <a:srgbClr val="A2A9B1"/>
+                      </a:solidFill>
+                      <a:prstDash val="solid"/>
+                      <a:round/>
+                      <a:headEnd type="none" w="med" len="med"/>
+                      <a:tailEnd type="none" w="med" len="med"/>
+                    </a:lnL>
+                    <a:lnR w="7620" cap="flat" cmpd="sng" algn="ctr">
+                      <a:solidFill>
+                        <a:srgbClr val="A2A9B1"/>
+                      </a:solidFill>
+                      <a:prstDash val="solid"/>
+                      <a:round/>
+                      <a:headEnd type="none" w="med" len="med"/>
+                      <a:tailEnd type="none" w="med" len="med"/>
+                    </a:lnR>
+                    <a:lnT w="7620" cap="flat" cmpd="sng" algn="ctr">
+                      <a:solidFill>
+                        <a:srgbClr val="A2A9B1"/>
+                      </a:solidFill>
+                      <a:prstDash val="solid"/>
+                      <a:round/>
+                      <a:headEnd type="none" w="med" len="med"/>
+                      <a:tailEnd type="none" w="med" len="med"/>
+                    </a:lnT>
+                    <a:lnB w="7620" cap="flat" cmpd="sng" algn="ctr">
+                      <a:solidFill>
+                        <a:srgbClr val="A2A9B1"/>
+                      </a:solidFill>
+                      <a:prstDash val="solid"/>
+                      <a:round/>
+                      <a:headEnd type="none" w="med" len="med"/>
+                      <a:tailEnd type="none" w="med" len="med"/>
+                    </a:lnB>
+                    <a:solidFill>
+                      <a:srgbClr val="F8F9FA"/>
+                    </a:solidFill>
+                  </a:tcPr>
+                </a:tc>
+                <a:tc>
+                  <a:txBody>
+                    <a:bodyPr/>
+                    <a:lstStyle/>
+                    <a:p>
+                      <a:endParaRPr lang="en-CA" sz="1400" b="1">
+                        <a:effectLst/>
+                      </a:endParaRPr>
+                    </a:p>
+                  </a:txBody>
+                  <a:tcPr marL="9817" marR="9817" marT="4908" marB="4908" anchor="ctr">
+                    <a:lnL w="7620" cap="flat" cmpd="sng" algn="ctr">
+                      <a:solidFill>
+                        <a:srgbClr val="A2A9B1"/>
+                      </a:solidFill>
+                      <a:prstDash val="solid"/>
+                      <a:round/>
+                      <a:headEnd type="none" w="med" len="med"/>
+                      <a:tailEnd type="none" w="med" len="med"/>
+                    </a:lnL>
+                    <a:lnR w="7620" cap="flat" cmpd="sng" algn="ctr">
+                      <a:solidFill>
+                        <a:srgbClr val="A2A9B1"/>
+                      </a:solidFill>
+                      <a:prstDash val="solid"/>
+                      <a:round/>
+                      <a:headEnd type="none" w="med" len="med"/>
+                      <a:tailEnd type="none" w="med" len="med"/>
+                    </a:lnR>
+                    <a:lnT w="7620" cap="flat" cmpd="sng" algn="ctr">
+                      <a:solidFill>
+                        <a:srgbClr val="A2A9B1"/>
+                      </a:solidFill>
+                      <a:prstDash val="solid"/>
+                      <a:round/>
+                      <a:headEnd type="none" w="med" len="med"/>
+                      <a:tailEnd type="none" w="med" len="med"/>
+                    </a:lnT>
+                    <a:lnB w="7620" cap="flat" cmpd="sng" algn="ctr">
+                      <a:solidFill>
+                        <a:srgbClr val="A2A9B1"/>
+                      </a:solidFill>
+                      <a:prstDash val="solid"/>
+                      <a:round/>
+                      <a:headEnd type="none" w="med" len="med"/>
+                      <a:tailEnd type="none" w="med" len="med"/>
+                    </a:lnB>
+                    <a:solidFill>
+                      <a:srgbClr val="F8F9FA"/>
+                    </a:solidFill>
+                  </a:tcPr>
+                </a:tc>
+                <a:extLst>
+                  <a:ext uri="{0D108BD9-81ED-4DB2-BD59-A6C34878D82A}">
+                    <a16:rowId xmlns:a16="http://schemas.microsoft.com/office/drawing/2014/main" val="1738261617"/>
+                  </a:ext>
+                </a:extLst>
+              </a:tr>
+              <a:tr h="297172">
+                <a:tc>
+                  <a:txBody>
+                    <a:bodyPr/>
+                    <a:lstStyle/>
+                    <a:p>
+                      <a:r>
+                        <a:rPr lang="en-CA" sz="1400" b="1" u="none" strike="noStrike" dirty="0">
+                          <a:solidFill>
+                            <a:srgbClr val="0B0080"/>
+                          </a:solidFill>
+                          <a:effectLst/>
+                        </a:rPr>
+                        <a:t>Mountain</a:t>
+                      </a:r>
+                      <a:endParaRPr lang="en-CA" sz="1400" b="1" dirty="0">
+                        <a:effectLst/>
+                      </a:endParaRPr>
+                    </a:p>
+                  </a:txBody>
+                  <a:tcPr marL="9817" marR="9817" marT="4908" marB="4908" anchor="ctr">
+                    <a:lnL w="7620" cap="flat" cmpd="sng" algn="ctr">
+                      <a:solidFill>
+                        <a:srgbClr val="A2A9B1"/>
+                      </a:solidFill>
+                      <a:prstDash val="solid"/>
+                      <a:round/>
+                      <a:headEnd type="none" w="med" len="med"/>
+                      <a:tailEnd type="none" w="med" len="med"/>
+                    </a:lnL>
+                    <a:lnR w="7620" cap="flat" cmpd="sng" algn="ctr">
+                      <a:solidFill>
+                        <a:srgbClr val="A2A9B1"/>
+                      </a:solidFill>
+                      <a:prstDash val="solid"/>
+                      <a:round/>
+                      <a:headEnd type="none" w="med" len="med"/>
+                      <a:tailEnd type="none" w="med" len="med"/>
+                    </a:lnR>
+                    <a:lnT w="7620" cap="flat" cmpd="sng" algn="ctr">
+                      <a:solidFill>
+                        <a:srgbClr val="A2A9B1"/>
+                      </a:solidFill>
+                      <a:prstDash val="solid"/>
+                      <a:round/>
+                      <a:headEnd type="none" w="med" len="med"/>
+                      <a:tailEnd type="none" w="med" len="med"/>
+                    </a:lnT>
+                    <a:lnB w="7620" cap="flat" cmpd="sng" algn="ctr">
+                      <a:solidFill>
+                        <a:srgbClr val="A2A9B1"/>
+                      </a:solidFill>
+                      <a:prstDash val="solid"/>
+                      <a:round/>
+                      <a:headEnd type="none" w="med" len="med"/>
+                      <a:tailEnd type="none" w="med" len="med"/>
+                    </a:lnB>
+                    <a:solidFill>
+                      <a:srgbClr val="F8F9FA"/>
+                    </a:solidFill>
+                  </a:tcPr>
+                </a:tc>
+                <a:tc>
+                  <a:txBody>
+                    <a:bodyPr/>
+                    <a:lstStyle/>
+                    <a:p>
+                      <a:r>
+                        <a:rPr lang="en-CA" sz="1400" b="1">
+                          <a:effectLst/>
+                        </a:rPr>
+                        <a:t>9:00 pm – 10:00 pm</a:t>
+                      </a:r>
+                    </a:p>
+                  </a:txBody>
+                  <a:tcPr marL="9817" marR="9817" marT="4908" marB="4908" anchor="ctr">
+                    <a:lnL w="7620" cap="flat" cmpd="sng" algn="ctr">
+                      <a:solidFill>
+                        <a:srgbClr val="A2A9B1"/>
+                      </a:solidFill>
+                      <a:prstDash val="solid"/>
+                      <a:round/>
+                      <a:headEnd type="none" w="med" len="med"/>
+                      <a:tailEnd type="none" w="med" len="med"/>
+                    </a:lnL>
+                    <a:lnR w="7620" cap="flat" cmpd="sng" algn="ctr">
+                      <a:solidFill>
+                        <a:srgbClr val="A2A9B1"/>
+                      </a:solidFill>
+                      <a:prstDash val="solid"/>
+                      <a:round/>
+                      <a:headEnd type="none" w="med" len="med"/>
+                      <a:tailEnd type="none" w="med" len="med"/>
+                    </a:lnR>
+                    <a:lnT w="7620" cap="flat" cmpd="sng" algn="ctr">
+                      <a:solidFill>
+                        <a:srgbClr val="A2A9B1"/>
+                      </a:solidFill>
+                      <a:prstDash val="solid"/>
+                      <a:round/>
+                      <a:headEnd type="none" w="med" len="med"/>
+                      <a:tailEnd type="none" w="med" len="med"/>
+                    </a:lnT>
+                    <a:lnB w="7620" cap="flat" cmpd="sng" algn="ctr">
+                      <a:solidFill>
+                        <a:srgbClr val="A2A9B1"/>
+                      </a:solidFill>
+                      <a:prstDash val="solid"/>
+                      <a:round/>
+                      <a:headEnd type="none" w="med" len="med"/>
+                      <a:tailEnd type="none" w="med" len="med"/>
+                    </a:lnB>
+                    <a:solidFill>
+                      <a:srgbClr val="F8F9FA"/>
+                    </a:solidFill>
+                  </a:tcPr>
+                </a:tc>
+                <a:tc>
+                  <a:txBody>
+                    <a:bodyPr/>
+                    <a:lstStyle/>
+                    <a:p>
+                      <a:r>
+                        <a:rPr lang="en-US" sz="1400" b="1" dirty="0">
+                          <a:effectLst/>
+                        </a:rPr>
+                        <a:t>This performance was only their third gig as a band</a:t>
+                      </a:r>
+                    </a:p>
+                  </a:txBody>
+                  <a:tcPr marL="9817" marR="9817" marT="4908" marB="4908" anchor="ctr">
+                    <a:lnL w="7620" cap="flat" cmpd="sng" algn="ctr">
+                      <a:solidFill>
+                        <a:srgbClr val="A2A9B1"/>
+                      </a:solidFill>
+                      <a:prstDash val="solid"/>
+                      <a:round/>
+                      <a:headEnd type="none" w="med" len="med"/>
+                      <a:tailEnd type="none" w="med" len="med"/>
+                    </a:lnL>
+                    <a:lnR w="7620" cap="flat" cmpd="sng" algn="ctr">
+                      <a:solidFill>
+                        <a:srgbClr val="A2A9B1"/>
+                      </a:solidFill>
+                      <a:prstDash val="solid"/>
+                      <a:round/>
+                      <a:headEnd type="none" w="med" len="med"/>
+                      <a:tailEnd type="none" w="med" len="med"/>
+                    </a:lnR>
+                    <a:lnT w="7620" cap="flat" cmpd="sng" algn="ctr">
+                      <a:solidFill>
+                        <a:srgbClr val="A2A9B1"/>
+                      </a:solidFill>
+                      <a:prstDash val="solid"/>
+                      <a:round/>
+                      <a:headEnd type="none" w="med" len="med"/>
+                      <a:tailEnd type="none" w="med" len="med"/>
+                    </a:lnT>
+                    <a:lnB w="7620" cap="flat" cmpd="sng" algn="ctr">
+                      <a:solidFill>
+                        <a:srgbClr val="A2A9B1"/>
+                      </a:solidFill>
+                      <a:prstDash val="solid"/>
+                      <a:round/>
+                      <a:headEnd type="none" w="med" len="med"/>
+                      <a:tailEnd type="none" w="med" len="med"/>
+                    </a:lnB>
+                    <a:solidFill>
+                      <a:srgbClr val="F8F9FA"/>
+                    </a:solidFill>
+                  </a:tcPr>
+                </a:tc>
+                <a:extLst>
+                  <a:ext uri="{0D108BD9-81ED-4DB2-BD59-A6C34878D82A}">
+                    <a16:rowId xmlns:a16="http://schemas.microsoft.com/office/drawing/2014/main" val="3509853104"/>
+                  </a:ext>
+                </a:extLst>
+              </a:tr>
+              <a:tr h="249984">
+                <a:tc>
+                  <a:txBody>
+                    <a:bodyPr/>
+                    <a:lstStyle/>
+                    <a:p>
+                      <a:r>
+                        <a:rPr lang="en-CA" sz="1400" b="1" u="none" strike="noStrike" dirty="0">
+                          <a:solidFill>
+                            <a:srgbClr val="0B0080"/>
+                          </a:solidFill>
+                          <a:effectLst/>
+                        </a:rPr>
+                        <a:t>Grateful Dead</a:t>
+                      </a:r>
+                      <a:endParaRPr lang="en-CA" sz="1400" b="1" dirty="0">
+                        <a:effectLst/>
+                      </a:endParaRPr>
+                    </a:p>
+                  </a:txBody>
+                  <a:tcPr marL="9817" marR="9817" marT="4908" marB="4908" anchor="ctr">
+                    <a:lnL w="7620" cap="flat" cmpd="sng" algn="ctr">
+                      <a:solidFill>
+                        <a:srgbClr val="A2A9B1"/>
+                      </a:solidFill>
+                      <a:prstDash val="solid"/>
+                      <a:round/>
+                      <a:headEnd type="none" w="med" len="med"/>
+                      <a:tailEnd type="none" w="med" len="med"/>
+                    </a:lnL>
+                    <a:lnR w="7620" cap="flat" cmpd="sng" algn="ctr">
+                      <a:solidFill>
+                        <a:srgbClr val="A2A9B1"/>
+                      </a:solidFill>
+                      <a:prstDash val="solid"/>
+                      <a:round/>
+                      <a:headEnd type="none" w="med" len="med"/>
+                      <a:tailEnd type="none" w="med" len="med"/>
+                    </a:lnR>
+                    <a:lnT w="7620" cap="flat" cmpd="sng" algn="ctr">
+                      <a:solidFill>
+                        <a:srgbClr val="A2A9B1"/>
+                      </a:solidFill>
+                      <a:prstDash val="solid"/>
+                      <a:round/>
+                      <a:headEnd type="none" w="med" len="med"/>
+                      <a:tailEnd type="none" w="med" len="med"/>
+                    </a:lnT>
+                    <a:lnB w="7620" cap="flat" cmpd="sng" algn="ctr">
+                      <a:solidFill>
+                        <a:srgbClr val="A2A9B1"/>
+                      </a:solidFill>
+                      <a:prstDash val="solid"/>
+                      <a:round/>
+                      <a:headEnd type="none" w="med" len="med"/>
+                      <a:tailEnd type="none" w="med" len="med"/>
+                    </a:lnB>
+                    <a:solidFill>
+                      <a:srgbClr val="F8F9FA"/>
+                    </a:solidFill>
+                  </a:tcPr>
+                </a:tc>
+                <a:tc>
+                  <a:txBody>
+                    <a:bodyPr/>
+                    <a:lstStyle/>
+                    <a:p>
+                      <a:r>
+                        <a:rPr lang="en-CA" sz="1400" b="1">
+                          <a:effectLst/>
+                        </a:rPr>
+                        <a:t>10:30 pm – 12:05 am</a:t>
+                      </a:r>
+                    </a:p>
+                  </a:txBody>
+                  <a:tcPr marL="9817" marR="9817" marT="4908" marB="4908" anchor="ctr">
+                    <a:lnL w="7620" cap="flat" cmpd="sng" algn="ctr">
+                      <a:solidFill>
+                        <a:srgbClr val="A2A9B1"/>
+                      </a:solidFill>
+                      <a:prstDash val="solid"/>
+                      <a:round/>
+                      <a:headEnd type="none" w="med" len="med"/>
+                      <a:tailEnd type="none" w="med" len="med"/>
+                    </a:lnL>
+                    <a:lnR w="7620" cap="flat" cmpd="sng" algn="ctr">
+                      <a:solidFill>
+                        <a:srgbClr val="A2A9B1"/>
+                      </a:solidFill>
+                      <a:prstDash val="solid"/>
+                      <a:round/>
+                      <a:headEnd type="none" w="med" len="med"/>
+                      <a:tailEnd type="none" w="med" len="med"/>
+                    </a:lnR>
+                    <a:lnT w="7620" cap="flat" cmpd="sng" algn="ctr">
+                      <a:solidFill>
+                        <a:srgbClr val="A2A9B1"/>
+                      </a:solidFill>
+                      <a:prstDash val="solid"/>
+                      <a:round/>
+                      <a:headEnd type="none" w="med" len="med"/>
+                      <a:tailEnd type="none" w="med" len="med"/>
+                    </a:lnT>
+                    <a:lnB w="7620" cap="flat" cmpd="sng" algn="ctr">
+                      <a:solidFill>
+                        <a:srgbClr val="A2A9B1"/>
+                      </a:solidFill>
+                      <a:prstDash val="solid"/>
+                      <a:round/>
+                      <a:headEnd type="none" w="med" len="med"/>
+                      <a:tailEnd type="none" w="med" len="med"/>
+                    </a:lnB>
+                    <a:solidFill>
+                      <a:srgbClr val="F8F9FA"/>
+                    </a:solidFill>
+                  </a:tcPr>
+                </a:tc>
+                <a:tc>
+                  <a:txBody>
+                    <a:bodyPr/>
+                    <a:lstStyle/>
+                    <a:p>
+                      <a:r>
+                        <a:rPr lang="en-US" sz="1400" b="1">
+                          <a:effectLst/>
+                        </a:rPr>
+                        <a:t>Their set was cut short after the stage amps overloaded during "Turn On Your Love Light".</a:t>
+                      </a:r>
+                    </a:p>
+                  </a:txBody>
+                  <a:tcPr marL="9817" marR="9817" marT="4908" marB="4908" anchor="ctr">
+                    <a:lnL w="7620" cap="flat" cmpd="sng" algn="ctr">
+                      <a:solidFill>
+                        <a:srgbClr val="A2A9B1"/>
+                      </a:solidFill>
+                      <a:prstDash val="solid"/>
+                      <a:round/>
+                      <a:headEnd type="none" w="med" len="med"/>
+                      <a:tailEnd type="none" w="med" len="med"/>
+                    </a:lnL>
+                    <a:lnR w="7620" cap="flat" cmpd="sng" algn="ctr">
+                      <a:solidFill>
+                        <a:srgbClr val="A2A9B1"/>
+                      </a:solidFill>
+                      <a:prstDash val="solid"/>
+                      <a:round/>
+                      <a:headEnd type="none" w="med" len="med"/>
+                      <a:tailEnd type="none" w="med" len="med"/>
+                    </a:lnR>
+                    <a:lnT w="7620" cap="flat" cmpd="sng" algn="ctr">
+                      <a:solidFill>
+                        <a:srgbClr val="A2A9B1"/>
+                      </a:solidFill>
+                      <a:prstDash val="solid"/>
+                      <a:round/>
+                      <a:headEnd type="none" w="med" len="med"/>
+                      <a:tailEnd type="none" w="med" len="med"/>
+                    </a:lnT>
+                    <a:lnB w="7620" cap="flat" cmpd="sng" algn="ctr">
+                      <a:solidFill>
+                        <a:srgbClr val="A2A9B1"/>
+                      </a:solidFill>
+                      <a:prstDash val="solid"/>
+                      <a:round/>
+                      <a:headEnd type="none" w="med" len="med"/>
+                      <a:tailEnd type="none" w="med" len="med"/>
+                    </a:lnB>
+                    <a:solidFill>
+                      <a:srgbClr val="F8F9FA"/>
+                    </a:solidFill>
+                  </a:tcPr>
+                </a:tc>
+                <a:extLst>
+                  <a:ext uri="{0D108BD9-81ED-4DB2-BD59-A6C34878D82A}">
+                    <a16:rowId xmlns:a16="http://schemas.microsoft.com/office/drawing/2014/main" val="2767557527"/>
+                  </a:ext>
+                </a:extLst>
+              </a:tr>
+              <a:tr h="190190">
+                <a:tc>
+                  <a:txBody>
+                    <a:bodyPr/>
+                    <a:lstStyle/>
+                    <a:p>
+                      <a:r>
+                        <a:rPr lang="en-CA" sz="1400" b="1" u="none" strike="noStrike" dirty="0">
+                          <a:solidFill>
+                            <a:srgbClr val="0B0080"/>
+                          </a:solidFill>
+                          <a:effectLst/>
+                        </a:rPr>
+                        <a:t>Creedence Clearwater Revival</a:t>
+                      </a:r>
+                      <a:endParaRPr lang="en-CA" sz="1400" b="1" dirty="0">
+                        <a:effectLst/>
+                      </a:endParaRPr>
+                    </a:p>
+                  </a:txBody>
+                  <a:tcPr marL="9817" marR="9817" marT="4908" marB="4908" anchor="ctr">
+                    <a:lnL w="7620" cap="flat" cmpd="sng" algn="ctr">
+                      <a:solidFill>
+                        <a:srgbClr val="A2A9B1"/>
+                      </a:solidFill>
+                      <a:prstDash val="solid"/>
+                      <a:round/>
+                      <a:headEnd type="none" w="med" len="med"/>
+                      <a:tailEnd type="none" w="med" len="med"/>
+                    </a:lnL>
+                    <a:lnR w="7620" cap="flat" cmpd="sng" algn="ctr">
+                      <a:solidFill>
+                        <a:srgbClr val="A2A9B1"/>
+                      </a:solidFill>
+                      <a:prstDash val="solid"/>
+                      <a:round/>
+                      <a:headEnd type="none" w="med" len="med"/>
+                      <a:tailEnd type="none" w="med" len="med"/>
+                    </a:lnR>
+                    <a:lnT w="7620" cap="flat" cmpd="sng" algn="ctr">
+                      <a:solidFill>
+                        <a:srgbClr val="A2A9B1"/>
+                      </a:solidFill>
+                      <a:prstDash val="solid"/>
+                      <a:round/>
+                      <a:headEnd type="none" w="med" len="med"/>
+                      <a:tailEnd type="none" w="med" len="med"/>
+                    </a:lnT>
+                    <a:lnB w="7620" cap="flat" cmpd="sng" algn="ctr">
+                      <a:solidFill>
+                        <a:srgbClr val="A2A9B1"/>
+                      </a:solidFill>
+                      <a:prstDash val="solid"/>
+                      <a:round/>
+                      <a:headEnd type="none" w="med" len="med"/>
+                      <a:tailEnd type="none" w="med" len="med"/>
+                    </a:lnB>
+                    <a:solidFill>
+                      <a:srgbClr val="F8F9FA"/>
+                    </a:solidFill>
+                  </a:tcPr>
+                </a:tc>
+                <a:tc>
+                  <a:txBody>
+                    <a:bodyPr/>
+                    <a:lstStyle/>
+                    <a:p>
+                      <a:r>
+                        <a:rPr lang="en-CA" sz="1400" b="1">
+                          <a:effectLst/>
+                        </a:rPr>
+                        <a:t>12:30 am – 1:20 am</a:t>
+                      </a:r>
+                    </a:p>
+                  </a:txBody>
+                  <a:tcPr marL="9817" marR="9817" marT="4908" marB="4908" anchor="ctr">
+                    <a:lnL w="7620" cap="flat" cmpd="sng" algn="ctr">
+                      <a:solidFill>
+                        <a:srgbClr val="A2A9B1"/>
+                      </a:solidFill>
+                      <a:prstDash val="solid"/>
+                      <a:round/>
+                      <a:headEnd type="none" w="med" len="med"/>
+                      <a:tailEnd type="none" w="med" len="med"/>
+                    </a:lnL>
+                    <a:lnR w="7620" cap="flat" cmpd="sng" algn="ctr">
+                      <a:solidFill>
+                        <a:srgbClr val="A2A9B1"/>
+                      </a:solidFill>
+                      <a:prstDash val="solid"/>
+                      <a:round/>
+                      <a:headEnd type="none" w="med" len="med"/>
+                      <a:tailEnd type="none" w="med" len="med"/>
+                    </a:lnR>
+                    <a:lnT w="7620" cap="flat" cmpd="sng" algn="ctr">
+                      <a:solidFill>
+                        <a:srgbClr val="A2A9B1"/>
+                      </a:solidFill>
+                      <a:prstDash val="solid"/>
+                      <a:round/>
+                      <a:headEnd type="none" w="med" len="med"/>
+                      <a:tailEnd type="none" w="med" len="med"/>
+                    </a:lnT>
+                    <a:lnB w="7620" cap="flat" cmpd="sng" algn="ctr">
+                      <a:solidFill>
+                        <a:srgbClr val="A2A9B1"/>
+                      </a:solidFill>
+                      <a:prstDash val="solid"/>
+                      <a:round/>
+                      <a:headEnd type="none" w="med" len="med"/>
+                      <a:tailEnd type="none" w="med" len="med"/>
+                    </a:lnB>
+                    <a:solidFill>
+                      <a:srgbClr val="F8F9FA"/>
+                    </a:solidFill>
+                  </a:tcPr>
+                </a:tc>
+                <a:tc>
+                  <a:txBody>
+                    <a:bodyPr/>
+                    <a:lstStyle/>
+                    <a:p>
+                      <a:endParaRPr lang="en-CA" sz="1400" b="1">
+                        <a:effectLst/>
+                      </a:endParaRPr>
+                    </a:p>
+                  </a:txBody>
+                  <a:tcPr marL="9817" marR="9817" marT="4908" marB="4908" anchor="ctr">
+                    <a:lnL w="7620" cap="flat" cmpd="sng" algn="ctr">
+                      <a:solidFill>
+                        <a:srgbClr val="A2A9B1"/>
+                      </a:solidFill>
+                      <a:prstDash val="solid"/>
+                      <a:round/>
+                      <a:headEnd type="none" w="med" len="med"/>
+                      <a:tailEnd type="none" w="med" len="med"/>
+                    </a:lnL>
+                    <a:lnR w="7620" cap="flat" cmpd="sng" algn="ctr">
+                      <a:solidFill>
+                        <a:srgbClr val="A2A9B1"/>
+                      </a:solidFill>
+                      <a:prstDash val="solid"/>
+                      <a:round/>
+                      <a:headEnd type="none" w="med" len="med"/>
+                      <a:tailEnd type="none" w="med" len="med"/>
+                    </a:lnR>
+                    <a:lnT w="7620" cap="flat" cmpd="sng" algn="ctr">
+                      <a:solidFill>
+                        <a:srgbClr val="A2A9B1"/>
+                      </a:solidFill>
+                      <a:prstDash val="solid"/>
+                      <a:round/>
+                      <a:headEnd type="none" w="med" len="med"/>
+                      <a:tailEnd type="none" w="med" len="med"/>
+                    </a:lnT>
+                    <a:lnB w="7620" cap="flat" cmpd="sng" algn="ctr">
+                      <a:solidFill>
+                        <a:srgbClr val="A2A9B1"/>
+                      </a:solidFill>
+                      <a:prstDash val="solid"/>
+                      <a:round/>
+                      <a:headEnd type="none" w="med" len="med"/>
+                      <a:tailEnd type="none" w="med" len="med"/>
+                    </a:lnB>
+                    <a:solidFill>
+                      <a:srgbClr val="F8F9FA"/>
+                    </a:solidFill>
+                  </a:tcPr>
+                </a:tc>
+                <a:extLst>
+                  <a:ext uri="{0D108BD9-81ED-4DB2-BD59-A6C34878D82A}">
+                    <a16:rowId xmlns:a16="http://schemas.microsoft.com/office/drawing/2014/main" val="3920960790"/>
+                  </a:ext>
+                </a:extLst>
+              </a:tr>
+              <a:tr h="261511">
+                <a:tc>
+                  <a:txBody>
+                    <a:bodyPr/>
+                    <a:lstStyle/>
+                    <a:p>
+                      <a:r>
+                        <a:rPr lang="en-US" sz="1400" b="1" u="none" strike="noStrike" dirty="0">
+                          <a:solidFill>
+                            <a:srgbClr val="0B0080"/>
+                          </a:solidFill>
+                          <a:effectLst/>
+                        </a:rPr>
+                        <a:t>Janis Joplin</a:t>
+                      </a:r>
+                      <a:r>
+                        <a:rPr lang="en-US" sz="1400" b="1" dirty="0">
+                          <a:effectLst/>
+                        </a:rPr>
+                        <a:t> with The </a:t>
+                      </a:r>
+                      <a:r>
+                        <a:rPr lang="en-US" sz="1400" b="1" u="none" strike="noStrike" dirty="0" err="1">
+                          <a:solidFill>
+                            <a:srgbClr val="0B0080"/>
+                          </a:solidFill>
+                          <a:effectLst/>
+                        </a:rPr>
+                        <a:t>Kozmic</a:t>
+                      </a:r>
+                      <a:r>
+                        <a:rPr lang="en-US" sz="1400" b="1" u="none" strike="noStrike" dirty="0">
+                          <a:solidFill>
+                            <a:srgbClr val="0B0080"/>
+                          </a:solidFill>
+                          <a:effectLst/>
+                        </a:rPr>
+                        <a:t> Blues Band</a:t>
+                      </a:r>
+                      <a:endParaRPr lang="en-US" sz="1400" b="1" dirty="0">
+                        <a:effectLst/>
+                      </a:endParaRPr>
+                    </a:p>
+                  </a:txBody>
+                  <a:tcPr marL="9817" marR="9817" marT="4908" marB="4908" anchor="ctr">
+                    <a:lnL w="7620" cap="flat" cmpd="sng" algn="ctr">
+                      <a:solidFill>
+                        <a:srgbClr val="A2A9B1"/>
+                      </a:solidFill>
+                      <a:prstDash val="solid"/>
+                      <a:round/>
+                      <a:headEnd type="none" w="med" len="med"/>
+                      <a:tailEnd type="none" w="med" len="med"/>
+                    </a:lnL>
+                    <a:lnR w="7620" cap="flat" cmpd="sng" algn="ctr">
+                      <a:solidFill>
+                        <a:srgbClr val="A2A9B1"/>
+                      </a:solidFill>
+                      <a:prstDash val="solid"/>
+                      <a:round/>
+                      <a:headEnd type="none" w="med" len="med"/>
+                      <a:tailEnd type="none" w="med" len="med"/>
+                    </a:lnR>
+                    <a:lnT w="7620" cap="flat" cmpd="sng" algn="ctr">
+                      <a:solidFill>
+                        <a:srgbClr val="A2A9B1"/>
+                      </a:solidFill>
+                      <a:prstDash val="solid"/>
+                      <a:round/>
+                      <a:headEnd type="none" w="med" len="med"/>
+                      <a:tailEnd type="none" w="med" len="med"/>
+                    </a:lnT>
+                    <a:lnB w="7620" cap="flat" cmpd="sng" algn="ctr">
+                      <a:solidFill>
+                        <a:srgbClr val="A2A9B1"/>
+                      </a:solidFill>
+                      <a:prstDash val="solid"/>
+                      <a:round/>
+                      <a:headEnd type="none" w="med" len="med"/>
+                      <a:tailEnd type="none" w="med" len="med"/>
+                    </a:lnB>
+                    <a:solidFill>
+                      <a:srgbClr val="F8F9FA"/>
+                    </a:solidFill>
+                  </a:tcPr>
+                </a:tc>
+                <a:tc>
+                  <a:txBody>
+                    <a:bodyPr/>
+                    <a:lstStyle/>
+                    <a:p>
+                      <a:r>
+                        <a:rPr lang="en-CA" sz="1400" b="1">
+                          <a:effectLst/>
+                        </a:rPr>
+                        <a:t>2:00 am – 3:00 am</a:t>
+                      </a:r>
+                    </a:p>
+                  </a:txBody>
+                  <a:tcPr marL="9817" marR="9817" marT="4908" marB="4908" anchor="ctr">
+                    <a:lnL w="7620" cap="flat" cmpd="sng" algn="ctr">
+                      <a:solidFill>
+                        <a:srgbClr val="A2A9B1"/>
+                      </a:solidFill>
+                      <a:prstDash val="solid"/>
+                      <a:round/>
+                      <a:headEnd type="none" w="med" len="med"/>
+                      <a:tailEnd type="none" w="med" len="med"/>
+                    </a:lnL>
+                    <a:lnR w="7620" cap="flat" cmpd="sng" algn="ctr">
+                      <a:solidFill>
+                        <a:srgbClr val="A2A9B1"/>
+                      </a:solidFill>
+                      <a:prstDash val="solid"/>
+                      <a:round/>
+                      <a:headEnd type="none" w="med" len="med"/>
+                      <a:tailEnd type="none" w="med" len="med"/>
+                    </a:lnR>
+                    <a:lnT w="7620" cap="flat" cmpd="sng" algn="ctr">
+                      <a:solidFill>
+                        <a:srgbClr val="A2A9B1"/>
+                      </a:solidFill>
+                      <a:prstDash val="solid"/>
+                      <a:round/>
+                      <a:headEnd type="none" w="med" len="med"/>
+                      <a:tailEnd type="none" w="med" len="med"/>
+                    </a:lnT>
+                    <a:lnB w="7620" cap="flat" cmpd="sng" algn="ctr">
+                      <a:solidFill>
+                        <a:srgbClr val="A2A9B1"/>
+                      </a:solidFill>
+                      <a:prstDash val="solid"/>
+                      <a:round/>
+                      <a:headEnd type="none" w="med" len="med"/>
+                      <a:tailEnd type="none" w="med" len="med"/>
+                    </a:lnB>
+                    <a:solidFill>
+                      <a:srgbClr val="F8F9FA"/>
+                    </a:solidFill>
+                  </a:tcPr>
+                </a:tc>
+                <a:tc>
+                  <a:txBody>
+                    <a:bodyPr/>
+                    <a:lstStyle/>
+                    <a:p>
+                      <a:endParaRPr lang="en-CA" sz="1400" b="1">
+                        <a:effectLst/>
+                      </a:endParaRPr>
+                    </a:p>
+                  </a:txBody>
+                  <a:tcPr marL="9817" marR="9817" marT="4908" marB="4908" anchor="ctr">
+                    <a:lnL w="7620" cap="flat" cmpd="sng" algn="ctr">
+                      <a:solidFill>
+                        <a:srgbClr val="A2A9B1"/>
+                      </a:solidFill>
+                      <a:prstDash val="solid"/>
+                      <a:round/>
+                      <a:headEnd type="none" w="med" len="med"/>
+                      <a:tailEnd type="none" w="med" len="med"/>
+                    </a:lnL>
+                    <a:lnR w="7620" cap="flat" cmpd="sng" algn="ctr">
+                      <a:solidFill>
+                        <a:srgbClr val="A2A9B1"/>
+                      </a:solidFill>
+                      <a:prstDash val="solid"/>
+                      <a:round/>
+                      <a:headEnd type="none" w="med" len="med"/>
+                      <a:tailEnd type="none" w="med" len="med"/>
+                    </a:lnR>
+                    <a:lnT w="7620" cap="flat" cmpd="sng" algn="ctr">
+                      <a:solidFill>
+                        <a:srgbClr val="A2A9B1"/>
+                      </a:solidFill>
+                      <a:prstDash val="solid"/>
+                      <a:round/>
+                      <a:headEnd type="none" w="med" len="med"/>
+                      <a:tailEnd type="none" w="med" len="med"/>
+                    </a:lnT>
+                    <a:lnB w="7620" cap="flat" cmpd="sng" algn="ctr">
+                      <a:solidFill>
+                        <a:srgbClr val="A2A9B1"/>
+                      </a:solidFill>
+                      <a:prstDash val="solid"/>
+                      <a:round/>
+                      <a:headEnd type="none" w="med" len="med"/>
+                      <a:tailEnd type="none" w="med" len="med"/>
+                    </a:lnB>
+                    <a:solidFill>
+                      <a:srgbClr val="F8F9FA"/>
+                    </a:solidFill>
+                  </a:tcPr>
+                </a:tc>
+                <a:extLst>
+                  <a:ext uri="{0D108BD9-81ED-4DB2-BD59-A6C34878D82A}">
+                    <a16:rowId xmlns:a16="http://schemas.microsoft.com/office/drawing/2014/main" val="852773177"/>
+                  </a:ext>
+                </a:extLst>
+              </a:tr>
+              <a:tr h="154529">
+                <a:tc>
+                  <a:txBody>
+                    <a:bodyPr/>
+                    <a:lstStyle/>
+                    <a:p>
+                      <a:r>
+                        <a:rPr lang="en-US" sz="1400" b="1" u="none" strike="noStrike" dirty="0">
+                          <a:solidFill>
+                            <a:srgbClr val="0B0080"/>
+                          </a:solidFill>
+                          <a:effectLst/>
+                        </a:rPr>
+                        <a:t>Sly and the Family Stone</a:t>
+                      </a:r>
+                      <a:endParaRPr lang="en-US" sz="1400" b="1" dirty="0">
+                        <a:effectLst/>
+                      </a:endParaRPr>
+                    </a:p>
+                  </a:txBody>
+                  <a:tcPr marL="9817" marR="9817" marT="4908" marB="4908" anchor="ctr">
+                    <a:lnL w="7620" cap="flat" cmpd="sng" algn="ctr">
+                      <a:solidFill>
+                        <a:srgbClr val="A2A9B1"/>
+                      </a:solidFill>
+                      <a:prstDash val="solid"/>
+                      <a:round/>
+                      <a:headEnd type="none" w="med" len="med"/>
+                      <a:tailEnd type="none" w="med" len="med"/>
+                    </a:lnL>
+                    <a:lnR w="7620" cap="flat" cmpd="sng" algn="ctr">
+                      <a:solidFill>
+                        <a:srgbClr val="A2A9B1"/>
+                      </a:solidFill>
+                      <a:prstDash val="solid"/>
+                      <a:round/>
+                      <a:headEnd type="none" w="med" len="med"/>
+                      <a:tailEnd type="none" w="med" len="med"/>
+                    </a:lnR>
+                    <a:lnT w="7620" cap="flat" cmpd="sng" algn="ctr">
+                      <a:solidFill>
+                        <a:srgbClr val="A2A9B1"/>
+                      </a:solidFill>
+                      <a:prstDash val="solid"/>
+                      <a:round/>
+                      <a:headEnd type="none" w="med" len="med"/>
+                      <a:tailEnd type="none" w="med" len="med"/>
+                    </a:lnT>
+                    <a:lnB w="7620" cap="flat" cmpd="sng" algn="ctr">
+                      <a:solidFill>
+                        <a:srgbClr val="A2A9B1"/>
+                      </a:solidFill>
+                      <a:prstDash val="solid"/>
+                      <a:round/>
+                      <a:headEnd type="none" w="med" len="med"/>
+                      <a:tailEnd type="none" w="med" len="med"/>
+                    </a:lnB>
+                    <a:solidFill>
+                      <a:srgbClr val="F8F9FA"/>
+                    </a:solidFill>
+                  </a:tcPr>
+                </a:tc>
+                <a:tc>
+                  <a:txBody>
+                    <a:bodyPr/>
+                    <a:lstStyle/>
+                    <a:p>
+                      <a:r>
+                        <a:rPr lang="en-CA" sz="1400" b="1">
+                          <a:effectLst/>
+                        </a:rPr>
+                        <a:t>3:30 am – 4:20 am</a:t>
+                      </a:r>
+                    </a:p>
+                  </a:txBody>
+                  <a:tcPr marL="9817" marR="9817" marT="4908" marB="4908" anchor="ctr">
+                    <a:lnL w="7620" cap="flat" cmpd="sng" algn="ctr">
+                      <a:solidFill>
+                        <a:srgbClr val="A2A9B1"/>
+                      </a:solidFill>
+                      <a:prstDash val="solid"/>
+                      <a:round/>
+                      <a:headEnd type="none" w="med" len="med"/>
+                      <a:tailEnd type="none" w="med" len="med"/>
+                    </a:lnL>
+                    <a:lnR w="7620" cap="flat" cmpd="sng" algn="ctr">
+                      <a:solidFill>
+                        <a:srgbClr val="A2A9B1"/>
+                      </a:solidFill>
+                      <a:prstDash val="solid"/>
+                      <a:round/>
+                      <a:headEnd type="none" w="med" len="med"/>
+                      <a:tailEnd type="none" w="med" len="med"/>
+                    </a:lnR>
+                    <a:lnT w="7620" cap="flat" cmpd="sng" algn="ctr">
+                      <a:solidFill>
+                        <a:srgbClr val="A2A9B1"/>
+                      </a:solidFill>
+                      <a:prstDash val="solid"/>
+                      <a:round/>
+                      <a:headEnd type="none" w="med" len="med"/>
+                      <a:tailEnd type="none" w="med" len="med"/>
+                    </a:lnT>
+                    <a:lnB w="7620" cap="flat" cmpd="sng" algn="ctr">
+                      <a:solidFill>
+                        <a:srgbClr val="A2A9B1"/>
+                      </a:solidFill>
+                      <a:prstDash val="solid"/>
+                      <a:round/>
+                      <a:headEnd type="none" w="med" len="med"/>
+                      <a:tailEnd type="none" w="med" len="med"/>
+                    </a:lnB>
+                    <a:solidFill>
+                      <a:srgbClr val="F8F9FA"/>
+                    </a:solidFill>
+                  </a:tcPr>
+                </a:tc>
+                <a:tc>
+                  <a:txBody>
+                    <a:bodyPr/>
+                    <a:lstStyle/>
+                    <a:p>
+                      <a:endParaRPr lang="en-CA" sz="1400" b="1">
+                        <a:effectLst/>
+                      </a:endParaRPr>
+                    </a:p>
+                  </a:txBody>
+                  <a:tcPr marL="9817" marR="9817" marT="4908" marB="4908" anchor="ctr">
+                    <a:lnL w="7620" cap="flat" cmpd="sng" algn="ctr">
+                      <a:solidFill>
+                        <a:srgbClr val="A2A9B1"/>
+                      </a:solidFill>
+                      <a:prstDash val="solid"/>
+                      <a:round/>
+                      <a:headEnd type="none" w="med" len="med"/>
+                      <a:tailEnd type="none" w="med" len="med"/>
+                    </a:lnL>
+                    <a:lnR w="7620" cap="flat" cmpd="sng" algn="ctr">
+                      <a:solidFill>
+                        <a:srgbClr val="A2A9B1"/>
+                      </a:solidFill>
+                      <a:prstDash val="solid"/>
+                      <a:round/>
+                      <a:headEnd type="none" w="med" len="med"/>
+                      <a:tailEnd type="none" w="med" len="med"/>
+                    </a:lnR>
+                    <a:lnT w="7620" cap="flat" cmpd="sng" algn="ctr">
+                      <a:solidFill>
+                        <a:srgbClr val="A2A9B1"/>
+                      </a:solidFill>
+                      <a:prstDash val="solid"/>
+                      <a:round/>
+                      <a:headEnd type="none" w="med" len="med"/>
+                      <a:tailEnd type="none" w="med" len="med"/>
+                    </a:lnT>
+                    <a:lnB w="7620" cap="flat" cmpd="sng" algn="ctr">
+                      <a:solidFill>
+                        <a:srgbClr val="A2A9B1"/>
+                      </a:solidFill>
+                      <a:prstDash val="solid"/>
+                      <a:round/>
+                      <a:headEnd type="none" w="med" len="med"/>
+                      <a:tailEnd type="none" w="med" len="med"/>
+                    </a:lnB>
+                    <a:solidFill>
+                      <a:srgbClr val="F8F9FA"/>
+                    </a:solidFill>
+                  </a:tcPr>
+                </a:tc>
+                <a:extLst>
+                  <a:ext uri="{0D108BD9-81ED-4DB2-BD59-A6C34878D82A}">
+                    <a16:rowId xmlns:a16="http://schemas.microsoft.com/office/drawing/2014/main" val="959989267"/>
+                  </a:ext>
+                </a:extLst>
+              </a:tr>
+              <a:tr h="261511">
+                <a:tc>
+                  <a:txBody>
+                    <a:bodyPr/>
+                    <a:lstStyle/>
+                    <a:p>
+                      <a:r>
+                        <a:rPr lang="en-CA" sz="1400" b="1" u="none" strike="noStrike" dirty="0">
+                          <a:solidFill>
+                            <a:srgbClr val="0B0080"/>
+                          </a:solidFill>
+                          <a:effectLst/>
+                        </a:rPr>
+                        <a:t>The Who</a:t>
+                      </a:r>
+                      <a:endParaRPr lang="en-CA" sz="1400" b="1" dirty="0">
+                        <a:effectLst/>
+                      </a:endParaRPr>
+                    </a:p>
+                  </a:txBody>
+                  <a:tcPr marL="9817" marR="9817" marT="4908" marB="4908" anchor="ctr">
+                    <a:lnL w="7620" cap="flat" cmpd="sng" algn="ctr">
+                      <a:solidFill>
+                        <a:srgbClr val="A2A9B1"/>
+                      </a:solidFill>
+                      <a:prstDash val="solid"/>
+                      <a:round/>
+                      <a:headEnd type="none" w="med" len="med"/>
+                      <a:tailEnd type="none" w="med" len="med"/>
+                    </a:lnL>
+                    <a:lnR w="7620" cap="flat" cmpd="sng" algn="ctr">
+                      <a:solidFill>
+                        <a:srgbClr val="A2A9B1"/>
+                      </a:solidFill>
+                      <a:prstDash val="solid"/>
+                      <a:round/>
+                      <a:headEnd type="none" w="med" len="med"/>
+                      <a:tailEnd type="none" w="med" len="med"/>
+                    </a:lnR>
+                    <a:lnT w="7620" cap="flat" cmpd="sng" algn="ctr">
+                      <a:solidFill>
+                        <a:srgbClr val="A2A9B1"/>
+                      </a:solidFill>
+                      <a:prstDash val="solid"/>
+                      <a:round/>
+                      <a:headEnd type="none" w="med" len="med"/>
+                      <a:tailEnd type="none" w="med" len="med"/>
+                    </a:lnT>
+                    <a:lnB w="7620" cap="flat" cmpd="sng" algn="ctr">
+                      <a:solidFill>
+                        <a:srgbClr val="A2A9B1"/>
+                      </a:solidFill>
+                      <a:prstDash val="solid"/>
+                      <a:round/>
+                      <a:headEnd type="none" w="med" len="med"/>
+                      <a:tailEnd type="none" w="med" len="med"/>
+                    </a:lnB>
+                    <a:solidFill>
+                      <a:srgbClr val="F8F9FA"/>
+                    </a:solidFill>
+                  </a:tcPr>
+                </a:tc>
+                <a:tc>
+                  <a:txBody>
+                    <a:bodyPr/>
+                    <a:lstStyle/>
+                    <a:p>
+                      <a:r>
+                        <a:rPr lang="en-CA" sz="1400" b="1">
+                          <a:effectLst/>
+                        </a:rPr>
+                        <a:t>5:00 am – 6:05 am</a:t>
+                      </a:r>
+                    </a:p>
+                  </a:txBody>
+                  <a:tcPr marL="9817" marR="9817" marT="4908" marB="4908" anchor="ctr">
+                    <a:lnL w="7620" cap="flat" cmpd="sng" algn="ctr">
+                      <a:solidFill>
+                        <a:srgbClr val="A2A9B1"/>
+                      </a:solidFill>
+                      <a:prstDash val="solid"/>
+                      <a:round/>
+                      <a:headEnd type="none" w="med" len="med"/>
+                      <a:tailEnd type="none" w="med" len="med"/>
+                    </a:lnL>
+                    <a:lnR w="7620" cap="flat" cmpd="sng" algn="ctr">
+                      <a:solidFill>
+                        <a:srgbClr val="A2A9B1"/>
+                      </a:solidFill>
+                      <a:prstDash val="solid"/>
+                      <a:round/>
+                      <a:headEnd type="none" w="med" len="med"/>
+                      <a:tailEnd type="none" w="med" len="med"/>
+                    </a:lnR>
+                    <a:lnT w="7620" cap="flat" cmpd="sng" algn="ctr">
+                      <a:solidFill>
+                        <a:srgbClr val="A2A9B1"/>
+                      </a:solidFill>
+                      <a:prstDash val="solid"/>
+                      <a:round/>
+                      <a:headEnd type="none" w="med" len="med"/>
+                      <a:tailEnd type="none" w="med" len="med"/>
+                    </a:lnT>
+                    <a:lnB w="7620" cap="flat" cmpd="sng" algn="ctr">
+                      <a:solidFill>
+                        <a:srgbClr val="A2A9B1"/>
+                      </a:solidFill>
+                      <a:prstDash val="solid"/>
+                      <a:round/>
+                      <a:headEnd type="none" w="med" len="med"/>
+                      <a:tailEnd type="none" w="med" len="med"/>
+                    </a:lnB>
+                    <a:solidFill>
+                      <a:srgbClr val="F8F9FA"/>
+                    </a:solidFill>
+                  </a:tcPr>
+                </a:tc>
+                <a:tc>
+                  <a:txBody>
+                    <a:bodyPr/>
+                    <a:lstStyle/>
+                    <a:p>
+                      <a:r>
+                        <a:rPr lang="en-US" sz="1400" b="1" dirty="0">
+                          <a:effectLst/>
+                        </a:rPr>
+                        <a:t>Briefly interrupted by </a:t>
+                      </a:r>
+                      <a:r>
+                        <a:rPr lang="en-US" sz="1400" b="1" u="none" strike="noStrike" dirty="0">
+                          <a:solidFill>
+                            <a:srgbClr val="0B0080"/>
+                          </a:solidFill>
+                          <a:effectLst/>
+                        </a:rPr>
+                        <a:t>Abbie Hoffman</a:t>
+                      </a:r>
+                      <a:r>
+                        <a:rPr lang="en-US" sz="1400" b="1" dirty="0">
+                          <a:effectLst/>
+                        </a:rPr>
+                        <a:t>.</a:t>
+                      </a:r>
+                    </a:p>
+                  </a:txBody>
+                  <a:tcPr marL="9817" marR="9817" marT="4908" marB="4908" anchor="ctr">
+                    <a:lnL w="7620" cap="flat" cmpd="sng" algn="ctr">
+                      <a:solidFill>
+                        <a:srgbClr val="A2A9B1"/>
+                      </a:solidFill>
+                      <a:prstDash val="solid"/>
+                      <a:round/>
+                      <a:headEnd type="none" w="med" len="med"/>
+                      <a:tailEnd type="none" w="med" len="med"/>
+                    </a:lnL>
+                    <a:lnR w="7620" cap="flat" cmpd="sng" algn="ctr">
+                      <a:solidFill>
+                        <a:srgbClr val="A2A9B1"/>
+                      </a:solidFill>
+                      <a:prstDash val="solid"/>
+                      <a:round/>
+                      <a:headEnd type="none" w="med" len="med"/>
+                      <a:tailEnd type="none" w="med" len="med"/>
+                    </a:lnR>
+                    <a:lnT w="7620" cap="flat" cmpd="sng" algn="ctr">
+                      <a:solidFill>
+                        <a:srgbClr val="A2A9B1"/>
+                      </a:solidFill>
+                      <a:prstDash val="solid"/>
+                      <a:round/>
+                      <a:headEnd type="none" w="med" len="med"/>
+                      <a:tailEnd type="none" w="med" len="med"/>
+                    </a:lnT>
+                    <a:lnB w="7620" cap="flat" cmpd="sng" algn="ctr">
+                      <a:solidFill>
+                        <a:srgbClr val="A2A9B1"/>
+                      </a:solidFill>
+                      <a:prstDash val="solid"/>
+                      <a:round/>
+                      <a:headEnd type="none" w="med" len="med"/>
+                      <a:tailEnd type="none" w="med" len="med"/>
+                    </a:lnB>
+                    <a:solidFill>
+                      <a:srgbClr val="F8F9FA"/>
+                    </a:solidFill>
+                  </a:tcPr>
+                </a:tc>
+                <a:extLst>
+                  <a:ext uri="{0D108BD9-81ED-4DB2-BD59-A6C34878D82A}">
+                    <a16:rowId xmlns:a16="http://schemas.microsoft.com/office/drawing/2014/main" val="2023914310"/>
+                  </a:ext>
+                </a:extLst>
+              </a:tr>
+              <a:tr h="190190">
+                <a:tc>
+                  <a:txBody>
+                    <a:bodyPr/>
+                    <a:lstStyle/>
+                    <a:p>
+                      <a:r>
+                        <a:rPr lang="en-CA" sz="1400" b="1" u="none" strike="noStrike" dirty="0">
+                          <a:solidFill>
+                            <a:srgbClr val="0B0080"/>
+                          </a:solidFill>
+                          <a:effectLst/>
+                        </a:rPr>
+                        <a:t>Jefferson Airplane</a:t>
+                      </a:r>
+                      <a:endParaRPr lang="en-CA" sz="1400" b="1" dirty="0">
+                        <a:effectLst/>
+                      </a:endParaRPr>
+                    </a:p>
+                  </a:txBody>
+                  <a:tcPr marL="9817" marR="9817" marT="4908" marB="4908" anchor="ctr">
+                    <a:lnL w="7620" cap="flat" cmpd="sng" algn="ctr">
+                      <a:solidFill>
+                        <a:srgbClr val="A2A9B1"/>
+                      </a:solidFill>
+                      <a:prstDash val="solid"/>
+                      <a:round/>
+                      <a:headEnd type="none" w="med" len="med"/>
+                      <a:tailEnd type="none" w="med" len="med"/>
+                    </a:lnL>
+                    <a:lnR w="7620" cap="flat" cmpd="sng" algn="ctr">
+                      <a:solidFill>
+                        <a:srgbClr val="A2A9B1"/>
+                      </a:solidFill>
+                      <a:prstDash val="solid"/>
+                      <a:round/>
+                      <a:headEnd type="none" w="med" len="med"/>
+                      <a:tailEnd type="none" w="med" len="med"/>
+                    </a:lnR>
+                    <a:lnT w="7620" cap="flat" cmpd="sng" algn="ctr">
+                      <a:solidFill>
+                        <a:srgbClr val="A2A9B1"/>
+                      </a:solidFill>
+                      <a:prstDash val="solid"/>
+                      <a:round/>
+                      <a:headEnd type="none" w="med" len="med"/>
+                      <a:tailEnd type="none" w="med" len="med"/>
+                    </a:lnT>
+                    <a:lnB w="7620" cap="flat" cmpd="sng" algn="ctr">
+                      <a:solidFill>
+                        <a:srgbClr val="A2A9B1"/>
+                      </a:solidFill>
+                      <a:prstDash val="solid"/>
+                      <a:round/>
+                      <a:headEnd type="none" w="med" len="med"/>
+                      <a:tailEnd type="none" w="med" len="med"/>
+                    </a:lnB>
+                    <a:solidFill>
+                      <a:srgbClr val="F8F9FA"/>
+                    </a:solidFill>
+                  </a:tcPr>
+                </a:tc>
+                <a:tc>
+                  <a:txBody>
+                    <a:bodyPr/>
+                    <a:lstStyle/>
+                    <a:p>
+                      <a:r>
+                        <a:rPr lang="en-CA" sz="1400" b="1">
+                          <a:effectLst/>
+                        </a:rPr>
+                        <a:t>8:00 am – 9:40 am</a:t>
+                      </a:r>
+                    </a:p>
+                  </a:txBody>
+                  <a:tcPr marL="9817" marR="9817" marT="4908" marB="4908" anchor="ctr">
+                    <a:lnL w="7620" cap="flat" cmpd="sng" algn="ctr">
+                      <a:solidFill>
+                        <a:srgbClr val="A2A9B1"/>
+                      </a:solidFill>
+                      <a:prstDash val="solid"/>
+                      <a:round/>
+                      <a:headEnd type="none" w="med" len="med"/>
+                      <a:tailEnd type="none" w="med" len="med"/>
+                    </a:lnL>
+                    <a:lnR w="7620" cap="flat" cmpd="sng" algn="ctr">
+                      <a:solidFill>
+                        <a:srgbClr val="A2A9B1"/>
+                      </a:solidFill>
+                      <a:prstDash val="solid"/>
+                      <a:round/>
+                      <a:headEnd type="none" w="med" len="med"/>
+                      <a:tailEnd type="none" w="med" len="med"/>
+                    </a:lnR>
+                    <a:lnT w="7620" cap="flat" cmpd="sng" algn="ctr">
+                      <a:solidFill>
+                        <a:srgbClr val="A2A9B1"/>
+                      </a:solidFill>
+                      <a:prstDash val="solid"/>
+                      <a:round/>
+                      <a:headEnd type="none" w="med" len="med"/>
+                      <a:tailEnd type="none" w="med" len="med"/>
+                    </a:lnT>
+                    <a:lnB w="7620" cap="flat" cmpd="sng" algn="ctr">
+                      <a:solidFill>
+                        <a:srgbClr val="A2A9B1"/>
+                      </a:solidFill>
+                      <a:prstDash val="solid"/>
+                      <a:round/>
+                      <a:headEnd type="none" w="med" len="med"/>
+                      <a:tailEnd type="none" w="med" len="med"/>
+                    </a:lnB>
+                    <a:solidFill>
+                      <a:srgbClr val="F8F9FA"/>
+                    </a:solidFill>
+                  </a:tcPr>
+                </a:tc>
+                <a:tc>
+                  <a:txBody>
+                    <a:bodyPr/>
+                    <a:lstStyle/>
+                    <a:p>
+                      <a:r>
+                        <a:rPr lang="en-US" sz="1400" b="1" dirty="0">
+                          <a:effectLst/>
+                        </a:rPr>
+                        <a:t>Joined onstage on piano by </a:t>
+                      </a:r>
+                      <a:r>
+                        <a:rPr lang="en-US" sz="1400" b="1" u="none" strike="noStrike" dirty="0">
+                          <a:solidFill>
+                            <a:srgbClr val="0B0080"/>
+                          </a:solidFill>
+                          <a:effectLst/>
+                          <a:hlinkClick r:id="rId2" tooltip="Nicky Hopkins"/>
+                        </a:rPr>
+                        <a:t>Nicky Hopkins</a:t>
+                      </a:r>
+                      <a:r>
+                        <a:rPr lang="en-US" sz="1400" b="1" dirty="0">
+                          <a:effectLst/>
+                        </a:rPr>
+                        <a:t>.</a:t>
+                      </a:r>
+                    </a:p>
+                  </a:txBody>
+                  <a:tcPr marL="9817" marR="9817" marT="4908" marB="4908" anchor="ctr">
+                    <a:lnL w="7620" cap="flat" cmpd="sng" algn="ctr">
+                      <a:solidFill>
+                        <a:srgbClr val="A2A9B1"/>
+                      </a:solidFill>
+                      <a:prstDash val="solid"/>
+                      <a:round/>
+                      <a:headEnd type="none" w="med" len="med"/>
+                      <a:tailEnd type="none" w="med" len="med"/>
+                    </a:lnL>
+                    <a:lnR w="7620" cap="flat" cmpd="sng" algn="ctr">
+                      <a:solidFill>
+                        <a:srgbClr val="A2A9B1"/>
+                      </a:solidFill>
+                      <a:prstDash val="solid"/>
+                      <a:round/>
+                      <a:headEnd type="none" w="med" len="med"/>
+                      <a:tailEnd type="none" w="med" len="med"/>
+                    </a:lnR>
+                    <a:lnT w="7620" cap="flat" cmpd="sng" algn="ctr">
+                      <a:solidFill>
+                        <a:srgbClr val="A2A9B1"/>
+                      </a:solidFill>
+                      <a:prstDash val="solid"/>
+                      <a:round/>
+                      <a:headEnd type="none" w="med" len="med"/>
+                      <a:tailEnd type="none" w="med" len="med"/>
+                    </a:lnT>
+                    <a:lnB w="7620" cap="flat" cmpd="sng" algn="ctr">
+                      <a:solidFill>
+                        <a:srgbClr val="A2A9B1"/>
+                      </a:solidFill>
+                      <a:prstDash val="solid"/>
+                      <a:round/>
+                      <a:headEnd type="none" w="med" len="med"/>
+                      <a:tailEnd type="none" w="med" len="med"/>
+                    </a:lnB>
+                    <a:solidFill>
+                      <a:srgbClr val="F8F9FA"/>
+                    </a:solidFill>
+                  </a:tcPr>
+                </a:tc>
+                <a:extLst>
+                  <a:ext uri="{0D108BD9-81ED-4DB2-BD59-A6C34878D82A}">
+                    <a16:rowId xmlns:a16="http://schemas.microsoft.com/office/drawing/2014/main" val="1003953501"/>
+                  </a:ext>
+                </a:extLst>
+              </a:tr>
+            </a:tbl>
+          </a:graphicData>
+        </a:graphic>
+      </p:graphicFrame>
+    </p:spTree>
+    <p:extLst>
+      <p:ext uri="{BB962C8B-B14F-4D97-AF65-F5344CB8AC3E}">
+        <p14:creationId xmlns:p14="http://schemas.microsoft.com/office/powerpoint/2010/main" val="3782100984"/>
+      </p:ext>
+    </p:extLst>
+  </p:cSld>
+  <p:clrMapOvr>
+    <a:masterClrMapping/>
+  </p:clrMapOvr>
+</p:sld>
+</file>
+
+<file path=ppt/slides/slide14.xml><?xml version="1.0" encoding="utf-8"?>
+<p:sld xmlns:a="http://schemas.openxmlformats.org/drawingml/2006/main" xmlns:r="http://schemas.openxmlformats.org/officeDocument/2006/relationships" xmlns:p="http://schemas.openxmlformats.org/presentationml/2006/main">
+  <p:cSld>
+    <p:spTree>
+      <p:nvGrpSpPr>
+        <p:cNvPr id="1" name=""/>
+        <p:cNvGrpSpPr/>
+        <p:nvPr/>
+      </p:nvGrpSpPr>
+      <p:grpSpPr>
+        <a:xfrm>
+          <a:off x="0" y="0"/>
+          <a:ext cx="0" cy="0"/>
+          <a:chOff x="0" y="0"/>
+          <a:chExt cx="0" cy="0"/>
+        </a:xfrm>
+      </p:grpSpPr>
+      <p:sp>
+        <p:nvSpPr>
+          <p:cNvPr id="2" name="Title 1">
+            <a:extLst>
+              <a:ext uri="{FF2B5EF4-FFF2-40B4-BE49-F238E27FC236}">
+                <a16:creationId xmlns:a16="http://schemas.microsoft.com/office/drawing/2014/main" id="{34F4D0EA-1270-4029-B3DE-530319918E84}"/>
+              </a:ext>
+            </a:extLst>
+          </p:cNvPr>
+          <p:cNvSpPr>
+            <a:spLocks noGrp="1"/>
+          </p:cNvSpPr>
+          <p:nvPr>
+            <p:ph type="title"/>
+          </p:nvPr>
+        </p:nvSpPr>
+        <p:spPr/>
+        <p:txBody>
+          <a:bodyPr/>
+          <a:lstStyle/>
+          <a:p>
+            <a:r>
+              <a:rPr lang="en-CA" dirty="0"/>
+              <a:t>Woodstock</a:t>
+            </a:r>
+          </a:p>
+        </p:txBody>
+      </p:sp>
+      <p:sp>
+        <p:nvSpPr>
+          <p:cNvPr id="3" name="Content Placeholder 2">
+            <a:extLst>
+              <a:ext uri="{FF2B5EF4-FFF2-40B4-BE49-F238E27FC236}">
+                <a16:creationId xmlns:a16="http://schemas.microsoft.com/office/drawing/2014/main" id="{0C560BD2-B848-410A-825B-06A23669C9EA}"/>
+              </a:ext>
+            </a:extLst>
+          </p:cNvPr>
+          <p:cNvSpPr>
+            <a:spLocks noGrp="1"/>
+          </p:cNvSpPr>
+          <p:nvPr>
+            <p:ph idx="1"/>
+          </p:nvPr>
+        </p:nvSpPr>
+        <p:spPr>
+          <a:xfrm>
+            <a:off x="594804" y="2388093"/>
+            <a:ext cx="11105965" cy="4083728"/>
+          </a:xfrm>
+        </p:spPr>
+        <p:txBody>
+          <a:bodyPr>
+            <a:noAutofit/>
+          </a:bodyPr>
+          <a:lstStyle/>
+          <a:p>
+            <a:r>
+              <a:rPr lang="en-US" sz="2400" dirty="0"/>
+              <a:t>“We were ready to rock out and we waited and waited and finally it was our turn ... there were a half million people asleep. These people were out. It was sort of like a painting of a Dante scene, just bodies from hell, all intertwined and asleep, covered with mud. And this is the moment I will never forget as long as I live: A quarter mile away in the darkness, on the other edge of this bowl, there was some guy flicking his Bic, and in the night I hear, 'Don't worry about it, John. We're with you.' I played the rest of the show for that guy.”</a:t>
+            </a:r>
+          </a:p>
+          <a:p>
+            <a:r>
+              <a:rPr lang="en-US" sz="2400" dirty="0"/>
+              <a:t>—John </a:t>
+            </a:r>
+            <a:r>
+              <a:rPr lang="en-US" sz="2400" dirty="0" err="1"/>
+              <a:t>Fogerty</a:t>
+            </a:r>
+            <a:r>
+              <a:rPr lang="en-US" sz="2400" dirty="0"/>
+              <a:t>, Creedence Clearwater Revival</a:t>
+            </a:r>
+            <a:endParaRPr lang="en-CA" sz="2400" dirty="0"/>
+          </a:p>
+        </p:txBody>
+      </p:sp>
+    </p:spTree>
+    <p:extLst>
+      <p:ext uri="{BB962C8B-B14F-4D97-AF65-F5344CB8AC3E}">
+        <p14:creationId xmlns:p14="http://schemas.microsoft.com/office/powerpoint/2010/main" val="2444646194"/>
+      </p:ext>
+    </p:extLst>
+  </p:cSld>
+  <p:clrMapOvr>
+    <a:masterClrMapping/>
+  </p:clrMapOvr>
+</p:sld>
+</file>
+
+<file path=ppt/slides/slide15.xml><?xml version="1.0" encoding="utf-8"?>
+<p:sld xmlns:a="http://schemas.openxmlformats.org/drawingml/2006/main" xmlns:r="http://schemas.openxmlformats.org/officeDocument/2006/relationships" xmlns:p="http://schemas.openxmlformats.org/presentationml/2006/main">
+  <p:cSld>
+    <p:bg>
+      <p:bgPr>
+        <a:noFill/>
+        <a:effectLst/>
+      </p:bgPr>
+    </p:bg>
+    <p:spTree>
+      <p:nvGrpSpPr>
+        <p:cNvPr id="1" name=""/>
+        <p:cNvGrpSpPr/>
+        <p:nvPr/>
+      </p:nvGrpSpPr>
+      <p:grpSpPr>
+        <a:xfrm>
+          <a:off x="0" y="0"/>
+          <a:ext cx="0" cy="0"/>
+          <a:chOff x="0" y="0"/>
+          <a:chExt cx="0" cy="0"/>
+        </a:xfrm>
+      </p:grpSpPr>
+      <p:sp>
+        <p:nvSpPr>
+          <p:cNvPr id="2" name="Title 1">
+            <a:extLst>
+              <a:ext uri="{FF2B5EF4-FFF2-40B4-BE49-F238E27FC236}">
+                <a16:creationId xmlns:a16="http://schemas.microsoft.com/office/drawing/2014/main" id="{DEBA4DD4-FFD9-47B7-9F19-8BB7F454EE39}"/>
+              </a:ext>
+            </a:extLst>
+          </p:cNvPr>
+          <p:cNvSpPr>
+            <a:spLocks noGrp="1"/>
+          </p:cNvSpPr>
+          <p:nvPr>
+            <p:ph type="title"/>
+          </p:nvPr>
+        </p:nvSpPr>
+        <p:spPr/>
+        <p:txBody>
+          <a:bodyPr/>
+          <a:lstStyle/>
+          <a:p>
+            <a:r>
+              <a:rPr lang="en-CA" b="1" dirty="0"/>
+              <a:t>Woodstock,</a:t>
+            </a:r>
+            <a:r>
+              <a:rPr lang="en-US" b="1" dirty="0"/>
+              <a:t> August 17 –18, 1969</a:t>
+            </a:r>
+            <a:endParaRPr lang="en-CA" dirty="0"/>
+          </a:p>
+        </p:txBody>
+      </p:sp>
+      <p:graphicFrame>
+        <p:nvGraphicFramePr>
+          <p:cNvPr id="4" name="Content Placeholder 3">
+            <a:extLst>
+              <a:ext uri="{FF2B5EF4-FFF2-40B4-BE49-F238E27FC236}">
+                <a16:creationId xmlns:a16="http://schemas.microsoft.com/office/drawing/2014/main" id="{2558921E-D58B-45D2-9F4F-B670618BD2E1}"/>
+              </a:ext>
+            </a:extLst>
+          </p:cNvPr>
+          <p:cNvGraphicFramePr>
+            <a:graphicFrameLocks noGrp="1"/>
+          </p:cNvGraphicFramePr>
+          <p:nvPr>
+            <p:ph idx="1"/>
+            <p:extLst>
+              <p:ext uri="{D42A27DB-BD31-4B8C-83A1-F6EECF244321}">
+                <p14:modId xmlns:p14="http://schemas.microsoft.com/office/powerpoint/2010/main" val="2665913954"/>
+              </p:ext>
+            </p:extLst>
+          </p:nvPr>
+        </p:nvGraphicFramePr>
+        <p:xfrm>
+          <a:off x="452761" y="2264355"/>
+          <a:ext cx="11301273" cy="4531804"/>
+        </p:xfrm>
+        <a:graphic>
+          <a:graphicData uri="http://schemas.openxmlformats.org/drawingml/2006/table">
+            <a:tbl>
+              <a:tblPr/>
+              <a:tblGrid>
+                <a:gridCol w="3462291">
+                  <a:extLst>
+                    <a:ext uri="{9D8B030D-6E8A-4147-A177-3AD203B41FA5}">
+                      <a16:colId xmlns:a16="http://schemas.microsoft.com/office/drawing/2014/main" val="159780482"/>
+                    </a:ext>
+                  </a:extLst>
+                </a:gridCol>
+                <a:gridCol w="1926455">
+                  <a:extLst>
+                    <a:ext uri="{9D8B030D-6E8A-4147-A177-3AD203B41FA5}">
+                      <a16:colId xmlns:a16="http://schemas.microsoft.com/office/drawing/2014/main" val="2907646698"/>
+                    </a:ext>
+                  </a:extLst>
+                </a:gridCol>
+                <a:gridCol w="5912527">
+                  <a:extLst>
+                    <a:ext uri="{9D8B030D-6E8A-4147-A177-3AD203B41FA5}">
+                      <a16:colId xmlns:a16="http://schemas.microsoft.com/office/drawing/2014/main" val="2388101041"/>
+                    </a:ext>
+                  </a:extLst>
+                </a:gridCol>
+              </a:tblGrid>
+              <a:tr h="182185">
+                <a:tc>
+                  <a:txBody>
+                    <a:bodyPr/>
+                    <a:lstStyle/>
+                    <a:p>
+                      <a:pPr algn="ctr"/>
+                      <a:r>
+                        <a:rPr lang="en-CA" sz="1400" b="1">
+                          <a:effectLst/>
+                        </a:rPr>
+                        <a:t>Artist</a:t>
+                      </a:r>
+                    </a:p>
+                  </a:txBody>
+                  <a:tcPr marL="37134" marR="37134" marT="18567" marB="18567" anchor="ctr">
+                    <a:lnL w="7620" cap="flat" cmpd="sng" algn="ctr">
+                      <a:solidFill>
+                        <a:srgbClr val="A2A9B1"/>
+                      </a:solidFill>
+                      <a:prstDash val="solid"/>
+                      <a:round/>
+                      <a:headEnd type="none" w="med" len="med"/>
+                      <a:tailEnd type="none" w="med" len="med"/>
+                    </a:lnL>
+                    <a:lnR w="7620" cap="flat" cmpd="sng" algn="ctr">
+                      <a:solidFill>
+                        <a:srgbClr val="A2A9B1"/>
+                      </a:solidFill>
+                      <a:prstDash val="solid"/>
+                      <a:round/>
+                      <a:headEnd type="none" w="med" len="med"/>
+                      <a:tailEnd type="none" w="med" len="med"/>
+                    </a:lnR>
+                    <a:lnT w="7620" cap="flat" cmpd="sng" algn="ctr">
+                      <a:solidFill>
+                        <a:srgbClr val="A2A9B1"/>
+                      </a:solidFill>
+                      <a:prstDash val="solid"/>
+                      <a:round/>
+                      <a:headEnd type="none" w="med" len="med"/>
+                      <a:tailEnd type="none" w="med" len="med"/>
+                    </a:lnT>
+                    <a:lnB w="7620" cap="flat" cmpd="sng" algn="ctr">
+                      <a:solidFill>
+                        <a:srgbClr val="A2A9B1"/>
+                      </a:solidFill>
+                      <a:prstDash val="solid"/>
+                      <a:round/>
+                      <a:headEnd type="none" w="med" len="med"/>
+                      <a:tailEnd type="none" w="med" len="med"/>
+                    </a:lnB>
+                    <a:solidFill>
+                      <a:srgbClr val="EAECF0"/>
+                    </a:solidFill>
+                  </a:tcPr>
+                </a:tc>
+                <a:tc>
+                  <a:txBody>
+                    <a:bodyPr/>
+                    <a:lstStyle/>
+                    <a:p>
+                      <a:pPr algn="ctr"/>
+                      <a:r>
+                        <a:rPr lang="en-CA" sz="1400" b="1">
+                          <a:effectLst/>
+                        </a:rPr>
+                        <a:t>Time</a:t>
+                      </a:r>
+                    </a:p>
+                  </a:txBody>
+                  <a:tcPr marL="37134" marR="37134" marT="18567" marB="18567" anchor="ctr">
+                    <a:lnL w="7620" cap="flat" cmpd="sng" algn="ctr">
+                      <a:solidFill>
+                        <a:srgbClr val="A2A9B1"/>
+                      </a:solidFill>
+                      <a:prstDash val="solid"/>
+                      <a:round/>
+                      <a:headEnd type="none" w="med" len="med"/>
+                      <a:tailEnd type="none" w="med" len="med"/>
+                    </a:lnL>
+                    <a:lnR w="7620" cap="flat" cmpd="sng" algn="ctr">
+                      <a:solidFill>
+                        <a:srgbClr val="A2A9B1"/>
+                      </a:solidFill>
+                      <a:prstDash val="solid"/>
+                      <a:round/>
+                      <a:headEnd type="none" w="med" len="med"/>
+                      <a:tailEnd type="none" w="med" len="med"/>
+                    </a:lnR>
+                    <a:lnT w="7620" cap="flat" cmpd="sng" algn="ctr">
+                      <a:solidFill>
+                        <a:srgbClr val="A2A9B1"/>
+                      </a:solidFill>
+                      <a:prstDash val="solid"/>
+                      <a:round/>
+                      <a:headEnd type="none" w="med" len="med"/>
+                      <a:tailEnd type="none" w="med" len="med"/>
+                    </a:lnT>
+                    <a:lnB w="7620" cap="flat" cmpd="sng" algn="ctr">
+                      <a:solidFill>
+                        <a:srgbClr val="A2A9B1"/>
+                      </a:solidFill>
+                      <a:prstDash val="solid"/>
+                      <a:round/>
+                      <a:headEnd type="none" w="med" len="med"/>
+                      <a:tailEnd type="none" w="med" len="med"/>
+                    </a:lnB>
+                    <a:solidFill>
+                      <a:srgbClr val="EAECF0"/>
+                    </a:solidFill>
+                  </a:tcPr>
+                </a:tc>
+                <a:tc>
+                  <a:txBody>
+                    <a:bodyPr/>
+                    <a:lstStyle/>
+                    <a:p>
+                      <a:pPr algn="ctr"/>
+                      <a:r>
+                        <a:rPr lang="en-CA" sz="1400" b="1">
+                          <a:effectLst/>
+                        </a:rPr>
+                        <a:t>Notes</a:t>
+                      </a:r>
+                    </a:p>
+                  </a:txBody>
+                  <a:tcPr marL="37134" marR="37134" marT="18567" marB="18567" anchor="ctr">
+                    <a:lnL w="7620" cap="flat" cmpd="sng" algn="ctr">
+                      <a:solidFill>
+                        <a:srgbClr val="A2A9B1"/>
+                      </a:solidFill>
+                      <a:prstDash val="solid"/>
+                      <a:round/>
+                      <a:headEnd type="none" w="med" len="med"/>
+                      <a:tailEnd type="none" w="med" len="med"/>
+                    </a:lnL>
+                    <a:lnR w="7620" cap="flat" cmpd="sng" algn="ctr">
+                      <a:solidFill>
+                        <a:srgbClr val="A2A9B1"/>
+                      </a:solidFill>
+                      <a:prstDash val="solid"/>
+                      <a:round/>
+                      <a:headEnd type="none" w="med" len="med"/>
+                      <a:tailEnd type="none" w="med" len="med"/>
+                    </a:lnR>
+                    <a:lnT w="7620" cap="flat" cmpd="sng" algn="ctr">
+                      <a:solidFill>
+                        <a:srgbClr val="A2A9B1"/>
+                      </a:solidFill>
+                      <a:prstDash val="solid"/>
+                      <a:round/>
+                      <a:headEnd type="none" w="med" len="med"/>
+                      <a:tailEnd type="none" w="med" len="med"/>
+                    </a:lnT>
+                    <a:lnB w="7620" cap="flat" cmpd="sng" algn="ctr">
+                      <a:solidFill>
+                        <a:srgbClr val="A2A9B1"/>
+                      </a:solidFill>
+                      <a:prstDash val="solid"/>
+                      <a:round/>
+                      <a:headEnd type="none" w="med" len="med"/>
+                      <a:tailEnd type="none" w="med" len="med"/>
+                    </a:lnB>
+                    <a:solidFill>
+                      <a:srgbClr val="EAECF0"/>
+                    </a:solidFill>
+                  </a:tcPr>
+                </a:tc>
+                <a:extLst>
+                  <a:ext uri="{0D108BD9-81ED-4DB2-BD59-A6C34878D82A}">
+                    <a16:rowId xmlns:a16="http://schemas.microsoft.com/office/drawing/2014/main" val="2174380974"/>
+                  </a:ext>
+                </a:extLst>
+              </a:tr>
+              <a:tr h="1002018">
+                <a:tc>
+                  <a:txBody>
+                    <a:bodyPr/>
+                    <a:lstStyle/>
+                    <a:p>
+                      <a:r>
+                        <a:rPr lang="en-US" sz="1400" b="1" u="none" strike="noStrike" dirty="0">
+                          <a:solidFill>
+                            <a:srgbClr val="0B0080"/>
+                          </a:solidFill>
+                          <a:effectLst/>
+                        </a:rPr>
+                        <a:t>Joe Cocker</a:t>
+                      </a:r>
+                      <a:r>
+                        <a:rPr lang="en-US" sz="1400" b="1" dirty="0">
+                          <a:effectLst/>
+                        </a:rPr>
+                        <a:t> and </a:t>
+                      </a:r>
+                      <a:r>
+                        <a:rPr lang="en-US" sz="1400" b="1" u="none" strike="noStrike" dirty="0">
+                          <a:solidFill>
+                            <a:srgbClr val="0B0080"/>
+                          </a:solidFill>
+                          <a:effectLst/>
+                        </a:rPr>
+                        <a:t>The Grease Band</a:t>
+                      </a:r>
+                      <a:endParaRPr lang="en-US" sz="1400" b="1" dirty="0">
+                        <a:effectLst/>
+                      </a:endParaRPr>
+                    </a:p>
+                  </a:txBody>
+                  <a:tcPr marL="37134" marR="37134" marT="18567" marB="18567" anchor="ctr">
+                    <a:lnL w="7620" cap="flat" cmpd="sng" algn="ctr">
+                      <a:solidFill>
+                        <a:srgbClr val="A2A9B1"/>
+                      </a:solidFill>
+                      <a:prstDash val="solid"/>
+                      <a:round/>
+                      <a:headEnd type="none" w="med" len="med"/>
+                      <a:tailEnd type="none" w="med" len="med"/>
+                    </a:lnL>
+                    <a:lnR w="7620" cap="flat" cmpd="sng" algn="ctr">
+                      <a:solidFill>
+                        <a:srgbClr val="A2A9B1"/>
+                      </a:solidFill>
+                      <a:prstDash val="solid"/>
+                      <a:round/>
+                      <a:headEnd type="none" w="med" len="med"/>
+                      <a:tailEnd type="none" w="med" len="med"/>
+                    </a:lnR>
+                    <a:lnT w="7620" cap="flat" cmpd="sng" algn="ctr">
+                      <a:solidFill>
+                        <a:srgbClr val="A2A9B1"/>
+                      </a:solidFill>
+                      <a:prstDash val="solid"/>
+                      <a:round/>
+                      <a:headEnd type="none" w="med" len="med"/>
+                      <a:tailEnd type="none" w="med" len="med"/>
+                    </a:lnT>
+                    <a:lnB w="7620" cap="flat" cmpd="sng" algn="ctr">
+                      <a:solidFill>
+                        <a:srgbClr val="A2A9B1"/>
+                      </a:solidFill>
+                      <a:prstDash val="solid"/>
+                      <a:round/>
+                      <a:headEnd type="none" w="med" len="med"/>
+                      <a:tailEnd type="none" w="med" len="med"/>
+                    </a:lnB>
+                    <a:solidFill>
+                      <a:srgbClr val="F8F9FA"/>
+                    </a:solidFill>
+                  </a:tcPr>
+                </a:tc>
+                <a:tc>
+                  <a:txBody>
+                    <a:bodyPr/>
+                    <a:lstStyle/>
+                    <a:p>
+                      <a:r>
+                        <a:rPr lang="en-CA" sz="1400" b="1">
+                          <a:effectLst/>
+                        </a:rPr>
+                        <a:t>2:00 pm – 3:25 pm</a:t>
+                      </a:r>
+                    </a:p>
+                  </a:txBody>
+                  <a:tcPr marL="37134" marR="37134" marT="18567" marB="18567" anchor="ctr">
+                    <a:lnL w="7620" cap="flat" cmpd="sng" algn="ctr">
+                      <a:solidFill>
+                        <a:srgbClr val="A2A9B1"/>
+                      </a:solidFill>
+                      <a:prstDash val="solid"/>
+                      <a:round/>
+                      <a:headEnd type="none" w="med" len="med"/>
+                      <a:tailEnd type="none" w="med" len="med"/>
+                    </a:lnL>
+                    <a:lnR w="7620" cap="flat" cmpd="sng" algn="ctr">
+                      <a:solidFill>
+                        <a:srgbClr val="A2A9B1"/>
+                      </a:solidFill>
+                      <a:prstDash val="solid"/>
+                      <a:round/>
+                      <a:headEnd type="none" w="med" len="med"/>
+                      <a:tailEnd type="none" w="med" len="med"/>
+                    </a:lnR>
+                    <a:lnT w="7620" cap="flat" cmpd="sng" algn="ctr">
+                      <a:solidFill>
+                        <a:srgbClr val="A2A9B1"/>
+                      </a:solidFill>
+                      <a:prstDash val="solid"/>
+                      <a:round/>
+                      <a:headEnd type="none" w="med" len="med"/>
+                      <a:tailEnd type="none" w="med" len="med"/>
+                    </a:lnT>
+                    <a:lnB w="7620" cap="flat" cmpd="sng" algn="ctr">
+                      <a:solidFill>
+                        <a:srgbClr val="A2A9B1"/>
+                      </a:solidFill>
+                      <a:prstDash val="solid"/>
+                      <a:round/>
+                      <a:headEnd type="none" w="med" len="med"/>
+                      <a:tailEnd type="none" w="med" len="med"/>
+                    </a:lnB>
+                    <a:solidFill>
+                      <a:srgbClr val="F8F9FA"/>
+                    </a:solidFill>
+                  </a:tcPr>
+                </a:tc>
+                <a:tc>
+                  <a:txBody>
+                    <a:bodyPr/>
+                    <a:lstStyle/>
+                    <a:p>
+                      <a:r>
+                        <a:rPr lang="en-US" sz="1400" b="1" dirty="0">
+                          <a:effectLst/>
+                        </a:rPr>
+                        <a:t>Played "With A Little Help From My Friends." After Joe Cocker's set, a thunderstorm disrupted the events for several hours.</a:t>
+                      </a:r>
+                    </a:p>
+                  </a:txBody>
+                  <a:tcPr marL="37134" marR="37134" marT="18567" marB="18567" anchor="ctr">
+                    <a:lnL w="7620" cap="flat" cmpd="sng" algn="ctr">
+                      <a:solidFill>
+                        <a:srgbClr val="A2A9B1"/>
+                      </a:solidFill>
+                      <a:prstDash val="solid"/>
+                      <a:round/>
+                      <a:headEnd type="none" w="med" len="med"/>
+                      <a:tailEnd type="none" w="med" len="med"/>
+                    </a:lnL>
+                    <a:lnR w="7620" cap="flat" cmpd="sng" algn="ctr">
+                      <a:solidFill>
+                        <a:srgbClr val="A2A9B1"/>
+                      </a:solidFill>
+                      <a:prstDash val="solid"/>
+                      <a:round/>
+                      <a:headEnd type="none" w="med" len="med"/>
+                      <a:tailEnd type="none" w="med" len="med"/>
+                    </a:lnR>
+                    <a:lnT w="7620" cap="flat" cmpd="sng" algn="ctr">
+                      <a:solidFill>
+                        <a:srgbClr val="A2A9B1"/>
+                      </a:solidFill>
+                      <a:prstDash val="solid"/>
+                      <a:round/>
+                      <a:headEnd type="none" w="med" len="med"/>
+                      <a:tailEnd type="none" w="med" len="med"/>
+                    </a:lnT>
+                    <a:lnB w="7620" cap="flat" cmpd="sng" algn="ctr">
+                      <a:solidFill>
+                        <a:srgbClr val="A2A9B1"/>
+                      </a:solidFill>
+                      <a:prstDash val="solid"/>
+                      <a:round/>
+                      <a:headEnd type="none" w="med" len="med"/>
+                      <a:tailEnd type="none" w="med" len="med"/>
+                    </a:lnB>
+                    <a:solidFill>
+                      <a:srgbClr val="F8F9FA"/>
+                    </a:solidFill>
+                  </a:tcPr>
+                </a:tc>
+                <a:extLst>
+                  <a:ext uri="{0D108BD9-81ED-4DB2-BD59-A6C34878D82A}">
+                    <a16:rowId xmlns:a16="http://schemas.microsoft.com/office/drawing/2014/main" val="2628530810"/>
+                  </a:ext>
+                </a:extLst>
+              </a:tr>
+              <a:tr h="318825">
+                <a:tc>
+                  <a:txBody>
+                    <a:bodyPr/>
+                    <a:lstStyle/>
+                    <a:p>
+                      <a:r>
+                        <a:rPr lang="en-US" sz="1400" b="1" u="none" strike="noStrike" dirty="0">
+                          <a:solidFill>
+                            <a:srgbClr val="0B0080"/>
+                          </a:solidFill>
+                          <a:effectLst/>
+                        </a:rPr>
+                        <a:t>Country Joe and the Fish</a:t>
+                      </a:r>
+                      <a:endParaRPr lang="en-US" sz="1400" b="1" dirty="0">
+                        <a:effectLst/>
+                      </a:endParaRPr>
+                    </a:p>
+                  </a:txBody>
+                  <a:tcPr marL="37134" marR="37134" marT="18567" marB="18567" anchor="ctr">
+                    <a:lnL w="7620" cap="flat" cmpd="sng" algn="ctr">
+                      <a:solidFill>
+                        <a:srgbClr val="A2A9B1"/>
+                      </a:solidFill>
+                      <a:prstDash val="solid"/>
+                      <a:round/>
+                      <a:headEnd type="none" w="med" len="med"/>
+                      <a:tailEnd type="none" w="med" len="med"/>
+                    </a:lnL>
+                    <a:lnR w="7620" cap="flat" cmpd="sng" algn="ctr">
+                      <a:solidFill>
+                        <a:srgbClr val="A2A9B1"/>
+                      </a:solidFill>
+                      <a:prstDash val="solid"/>
+                      <a:round/>
+                      <a:headEnd type="none" w="med" len="med"/>
+                      <a:tailEnd type="none" w="med" len="med"/>
+                    </a:lnR>
+                    <a:lnT w="7620" cap="flat" cmpd="sng" algn="ctr">
+                      <a:solidFill>
+                        <a:srgbClr val="A2A9B1"/>
+                      </a:solidFill>
+                      <a:prstDash val="solid"/>
+                      <a:round/>
+                      <a:headEnd type="none" w="med" len="med"/>
+                      <a:tailEnd type="none" w="med" len="med"/>
+                    </a:lnT>
+                    <a:lnB w="7620" cap="flat" cmpd="sng" algn="ctr">
+                      <a:solidFill>
+                        <a:srgbClr val="A2A9B1"/>
+                      </a:solidFill>
+                      <a:prstDash val="solid"/>
+                      <a:round/>
+                      <a:headEnd type="none" w="med" len="med"/>
+                      <a:tailEnd type="none" w="med" len="med"/>
+                    </a:lnB>
+                    <a:solidFill>
+                      <a:srgbClr val="F8F9FA"/>
+                    </a:solidFill>
+                  </a:tcPr>
+                </a:tc>
+                <a:tc>
+                  <a:txBody>
+                    <a:bodyPr/>
+                    <a:lstStyle/>
+                    <a:p>
+                      <a:r>
+                        <a:rPr lang="en-CA" sz="1400" b="1">
+                          <a:effectLst/>
+                        </a:rPr>
+                        <a:t>6:30 pm – 8:00 pm</a:t>
+                      </a:r>
+                    </a:p>
+                  </a:txBody>
+                  <a:tcPr marL="37134" marR="37134" marT="18567" marB="18567" anchor="ctr">
+                    <a:lnL w="7620" cap="flat" cmpd="sng" algn="ctr">
+                      <a:solidFill>
+                        <a:srgbClr val="A2A9B1"/>
+                      </a:solidFill>
+                      <a:prstDash val="solid"/>
+                      <a:round/>
+                      <a:headEnd type="none" w="med" len="med"/>
+                      <a:tailEnd type="none" w="med" len="med"/>
+                    </a:lnL>
+                    <a:lnR w="7620" cap="flat" cmpd="sng" algn="ctr">
+                      <a:solidFill>
+                        <a:srgbClr val="A2A9B1"/>
+                      </a:solidFill>
+                      <a:prstDash val="solid"/>
+                      <a:round/>
+                      <a:headEnd type="none" w="med" len="med"/>
+                      <a:tailEnd type="none" w="med" len="med"/>
+                    </a:lnR>
+                    <a:lnT w="7620" cap="flat" cmpd="sng" algn="ctr">
+                      <a:solidFill>
+                        <a:srgbClr val="A2A9B1"/>
+                      </a:solidFill>
+                      <a:prstDash val="solid"/>
+                      <a:round/>
+                      <a:headEnd type="none" w="med" len="med"/>
+                      <a:tailEnd type="none" w="med" len="med"/>
+                    </a:lnT>
+                    <a:lnB w="7620" cap="flat" cmpd="sng" algn="ctr">
+                      <a:solidFill>
+                        <a:srgbClr val="A2A9B1"/>
+                      </a:solidFill>
+                      <a:prstDash val="solid"/>
+                      <a:round/>
+                      <a:headEnd type="none" w="med" len="med"/>
+                      <a:tailEnd type="none" w="med" len="med"/>
+                    </a:lnB>
+                    <a:solidFill>
+                      <a:srgbClr val="F8F9FA"/>
+                    </a:solidFill>
+                  </a:tcPr>
+                </a:tc>
+                <a:tc>
+                  <a:txBody>
+                    <a:bodyPr/>
+                    <a:lstStyle/>
+                    <a:p>
+                      <a:r>
+                        <a:rPr lang="en-US" sz="1400" b="1">
+                          <a:effectLst/>
+                        </a:rPr>
+                        <a:t>Country Joe McDonald's second performance.</a:t>
+                      </a:r>
+                    </a:p>
+                  </a:txBody>
+                  <a:tcPr marL="37134" marR="37134" marT="18567" marB="18567" anchor="ctr">
+                    <a:lnL w="7620" cap="flat" cmpd="sng" algn="ctr">
+                      <a:solidFill>
+                        <a:srgbClr val="A2A9B1"/>
+                      </a:solidFill>
+                      <a:prstDash val="solid"/>
+                      <a:round/>
+                      <a:headEnd type="none" w="med" len="med"/>
+                      <a:tailEnd type="none" w="med" len="med"/>
+                    </a:lnL>
+                    <a:lnR w="7620" cap="flat" cmpd="sng" algn="ctr">
+                      <a:solidFill>
+                        <a:srgbClr val="A2A9B1"/>
+                      </a:solidFill>
+                      <a:prstDash val="solid"/>
+                      <a:round/>
+                      <a:headEnd type="none" w="med" len="med"/>
+                      <a:tailEnd type="none" w="med" len="med"/>
+                    </a:lnR>
+                    <a:lnT w="7620" cap="flat" cmpd="sng" algn="ctr">
+                      <a:solidFill>
+                        <a:srgbClr val="A2A9B1"/>
+                      </a:solidFill>
+                      <a:prstDash val="solid"/>
+                      <a:round/>
+                      <a:headEnd type="none" w="med" len="med"/>
+                      <a:tailEnd type="none" w="med" len="med"/>
+                    </a:lnT>
+                    <a:lnB w="7620" cap="flat" cmpd="sng" algn="ctr">
+                      <a:solidFill>
+                        <a:srgbClr val="A2A9B1"/>
+                      </a:solidFill>
+                      <a:prstDash val="solid"/>
+                      <a:round/>
+                      <a:headEnd type="none" w="med" len="med"/>
+                      <a:tailEnd type="none" w="med" len="med"/>
+                    </a:lnB>
+                    <a:solidFill>
+                      <a:srgbClr val="F8F9FA"/>
+                    </a:solidFill>
+                  </a:tcPr>
+                </a:tc>
+                <a:extLst>
+                  <a:ext uri="{0D108BD9-81ED-4DB2-BD59-A6C34878D82A}">
+                    <a16:rowId xmlns:a16="http://schemas.microsoft.com/office/drawing/2014/main" val="22773178"/>
+                  </a:ext>
+                </a:extLst>
+              </a:tr>
+              <a:tr h="182185">
+                <a:tc>
+                  <a:txBody>
+                    <a:bodyPr/>
+                    <a:lstStyle/>
+                    <a:p>
+                      <a:r>
+                        <a:rPr lang="en-CA" sz="1400" b="1" u="none" strike="noStrike" dirty="0">
+                          <a:solidFill>
+                            <a:srgbClr val="0B0080"/>
+                          </a:solidFill>
+                          <a:effectLst/>
+                        </a:rPr>
+                        <a:t>Ten Years After</a:t>
+                      </a:r>
+                      <a:endParaRPr lang="en-CA" sz="1400" b="1" dirty="0">
+                        <a:effectLst/>
+                      </a:endParaRPr>
+                    </a:p>
+                  </a:txBody>
+                  <a:tcPr marL="37134" marR="37134" marT="18567" marB="18567" anchor="ctr">
+                    <a:lnL w="7620" cap="flat" cmpd="sng" algn="ctr">
+                      <a:solidFill>
+                        <a:srgbClr val="A2A9B1"/>
+                      </a:solidFill>
+                      <a:prstDash val="solid"/>
+                      <a:round/>
+                      <a:headEnd type="none" w="med" len="med"/>
+                      <a:tailEnd type="none" w="med" len="med"/>
+                    </a:lnL>
+                    <a:lnR w="7620" cap="flat" cmpd="sng" algn="ctr">
+                      <a:solidFill>
+                        <a:srgbClr val="A2A9B1"/>
+                      </a:solidFill>
+                      <a:prstDash val="solid"/>
+                      <a:round/>
+                      <a:headEnd type="none" w="med" len="med"/>
+                      <a:tailEnd type="none" w="med" len="med"/>
+                    </a:lnR>
+                    <a:lnT w="7620" cap="flat" cmpd="sng" algn="ctr">
+                      <a:solidFill>
+                        <a:srgbClr val="A2A9B1"/>
+                      </a:solidFill>
+                      <a:prstDash val="solid"/>
+                      <a:round/>
+                      <a:headEnd type="none" w="med" len="med"/>
+                      <a:tailEnd type="none" w="med" len="med"/>
+                    </a:lnT>
+                    <a:lnB w="7620" cap="flat" cmpd="sng" algn="ctr">
+                      <a:solidFill>
+                        <a:srgbClr val="A2A9B1"/>
+                      </a:solidFill>
+                      <a:prstDash val="solid"/>
+                      <a:round/>
+                      <a:headEnd type="none" w="med" len="med"/>
+                      <a:tailEnd type="none" w="med" len="med"/>
+                    </a:lnB>
+                    <a:solidFill>
+                      <a:srgbClr val="F8F9FA"/>
+                    </a:solidFill>
+                  </a:tcPr>
+                </a:tc>
+                <a:tc>
+                  <a:txBody>
+                    <a:bodyPr/>
+                    <a:lstStyle/>
+                    <a:p>
+                      <a:r>
+                        <a:rPr lang="en-CA" sz="1400" b="1">
+                          <a:effectLst/>
+                        </a:rPr>
+                        <a:t>8:15 pm – 9:15 pm</a:t>
+                      </a:r>
+                    </a:p>
+                  </a:txBody>
+                  <a:tcPr marL="37134" marR="37134" marT="18567" marB="18567" anchor="ctr">
+                    <a:lnL w="7620" cap="flat" cmpd="sng" algn="ctr">
+                      <a:solidFill>
+                        <a:srgbClr val="A2A9B1"/>
+                      </a:solidFill>
+                      <a:prstDash val="solid"/>
+                      <a:round/>
+                      <a:headEnd type="none" w="med" len="med"/>
+                      <a:tailEnd type="none" w="med" len="med"/>
+                    </a:lnL>
+                    <a:lnR w="7620" cap="flat" cmpd="sng" algn="ctr">
+                      <a:solidFill>
+                        <a:srgbClr val="A2A9B1"/>
+                      </a:solidFill>
+                      <a:prstDash val="solid"/>
+                      <a:round/>
+                      <a:headEnd type="none" w="med" len="med"/>
+                      <a:tailEnd type="none" w="med" len="med"/>
+                    </a:lnR>
+                    <a:lnT w="7620" cap="flat" cmpd="sng" algn="ctr">
+                      <a:solidFill>
+                        <a:srgbClr val="A2A9B1"/>
+                      </a:solidFill>
+                      <a:prstDash val="solid"/>
+                      <a:round/>
+                      <a:headEnd type="none" w="med" len="med"/>
+                      <a:tailEnd type="none" w="med" len="med"/>
+                    </a:lnT>
+                    <a:lnB w="7620" cap="flat" cmpd="sng" algn="ctr">
+                      <a:solidFill>
+                        <a:srgbClr val="A2A9B1"/>
+                      </a:solidFill>
+                      <a:prstDash val="solid"/>
+                      <a:round/>
+                      <a:headEnd type="none" w="med" len="med"/>
+                      <a:tailEnd type="none" w="med" len="med"/>
+                    </a:lnB>
+                    <a:solidFill>
+                      <a:srgbClr val="F8F9FA"/>
+                    </a:solidFill>
+                  </a:tcPr>
+                </a:tc>
+                <a:tc>
+                  <a:txBody>
+                    <a:bodyPr/>
+                    <a:lstStyle/>
+                    <a:p>
+                      <a:endParaRPr lang="en-CA" sz="1400" b="1" dirty="0">
+                        <a:effectLst/>
+                      </a:endParaRPr>
+                    </a:p>
+                  </a:txBody>
+                  <a:tcPr marL="37134" marR="37134" marT="18567" marB="18567" anchor="ctr">
+                    <a:lnL w="7620" cap="flat" cmpd="sng" algn="ctr">
+                      <a:solidFill>
+                        <a:srgbClr val="A2A9B1"/>
+                      </a:solidFill>
+                      <a:prstDash val="solid"/>
+                      <a:round/>
+                      <a:headEnd type="none" w="med" len="med"/>
+                      <a:tailEnd type="none" w="med" len="med"/>
+                    </a:lnL>
+                    <a:lnR w="7620" cap="flat" cmpd="sng" algn="ctr">
+                      <a:solidFill>
+                        <a:srgbClr val="A2A9B1"/>
+                      </a:solidFill>
+                      <a:prstDash val="solid"/>
+                      <a:round/>
+                      <a:headEnd type="none" w="med" len="med"/>
+                      <a:tailEnd type="none" w="med" len="med"/>
+                    </a:lnR>
+                    <a:lnT w="7620" cap="flat" cmpd="sng" algn="ctr">
+                      <a:solidFill>
+                        <a:srgbClr val="A2A9B1"/>
+                      </a:solidFill>
+                      <a:prstDash val="solid"/>
+                      <a:round/>
+                      <a:headEnd type="none" w="med" len="med"/>
+                      <a:tailEnd type="none" w="med" len="med"/>
+                    </a:lnT>
+                    <a:lnB w="7620" cap="flat" cmpd="sng" algn="ctr">
+                      <a:solidFill>
+                        <a:srgbClr val="A2A9B1"/>
+                      </a:solidFill>
+                      <a:prstDash val="solid"/>
+                      <a:round/>
+                      <a:headEnd type="none" w="med" len="med"/>
+                      <a:tailEnd type="none" w="med" len="med"/>
+                    </a:lnB>
+                    <a:solidFill>
+                      <a:srgbClr val="F8F9FA"/>
+                    </a:solidFill>
+                  </a:tcPr>
+                </a:tc>
+                <a:extLst>
+                  <a:ext uri="{0D108BD9-81ED-4DB2-BD59-A6C34878D82A}">
+                    <a16:rowId xmlns:a16="http://schemas.microsoft.com/office/drawing/2014/main" val="731051831"/>
+                  </a:ext>
+                </a:extLst>
+              </a:tr>
+              <a:tr h="182185">
+                <a:tc>
+                  <a:txBody>
+                    <a:bodyPr/>
+                    <a:lstStyle/>
+                    <a:p>
+                      <a:r>
+                        <a:rPr lang="en-CA" sz="1400" b="1" u="none" strike="noStrike" dirty="0">
+                          <a:solidFill>
+                            <a:srgbClr val="0B0080"/>
+                          </a:solidFill>
+                          <a:effectLst/>
+                        </a:rPr>
+                        <a:t>The Band</a:t>
+                      </a:r>
+                      <a:endParaRPr lang="en-CA" sz="1400" b="1" dirty="0">
+                        <a:effectLst/>
+                      </a:endParaRPr>
+                    </a:p>
+                  </a:txBody>
+                  <a:tcPr marL="37134" marR="37134" marT="18567" marB="18567" anchor="ctr">
+                    <a:lnL w="7620" cap="flat" cmpd="sng" algn="ctr">
+                      <a:solidFill>
+                        <a:srgbClr val="A2A9B1"/>
+                      </a:solidFill>
+                      <a:prstDash val="solid"/>
+                      <a:round/>
+                      <a:headEnd type="none" w="med" len="med"/>
+                      <a:tailEnd type="none" w="med" len="med"/>
+                    </a:lnL>
+                    <a:lnR w="7620" cap="flat" cmpd="sng" algn="ctr">
+                      <a:solidFill>
+                        <a:srgbClr val="A2A9B1"/>
+                      </a:solidFill>
+                      <a:prstDash val="solid"/>
+                      <a:round/>
+                      <a:headEnd type="none" w="med" len="med"/>
+                      <a:tailEnd type="none" w="med" len="med"/>
+                    </a:lnR>
+                    <a:lnT w="7620" cap="flat" cmpd="sng" algn="ctr">
+                      <a:solidFill>
+                        <a:srgbClr val="A2A9B1"/>
+                      </a:solidFill>
+                      <a:prstDash val="solid"/>
+                      <a:round/>
+                      <a:headEnd type="none" w="med" len="med"/>
+                      <a:tailEnd type="none" w="med" len="med"/>
+                    </a:lnT>
+                    <a:lnB w="7620" cap="flat" cmpd="sng" algn="ctr">
+                      <a:solidFill>
+                        <a:srgbClr val="A2A9B1"/>
+                      </a:solidFill>
+                      <a:prstDash val="solid"/>
+                      <a:round/>
+                      <a:headEnd type="none" w="med" len="med"/>
+                      <a:tailEnd type="none" w="med" len="med"/>
+                    </a:lnB>
+                    <a:solidFill>
+                      <a:srgbClr val="F8F9FA"/>
+                    </a:solidFill>
+                  </a:tcPr>
+                </a:tc>
+                <a:tc>
+                  <a:txBody>
+                    <a:bodyPr/>
+                    <a:lstStyle/>
+                    <a:p>
+                      <a:r>
+                        <a:rPr lang="en-CA" sz="1400" b="1" dirty="0">
+                          <a:effectLst/>
+                        </a:rPr>
+                        <a:t>10:00 pm – 10:50 pm</a:t>
+                      </a:r>
+                    </a:p>
+                  </a:txBody>
+                  <a:tcPr marL="37134" marR="37134" marT="18567" marB="18567" anchor="ctr">
+                    <a:lnL w="7620" cap="flat" cmpd="sng" algn="ctr">
+                      <a:solidFill>
+                        <a:srgbClr val="A2A9B1"/>
+                      </a:solidFill>
+                      <a:prstDash val="solid"/>
+                      <a:round/>
+                      <a:headEnd type="none" w="med" len="med"/>
+                      <a:tailEnd type="none" w="med" len="med"/>
+                    </a:lnL>
+                    <a:lnR w="7620" cap="flat" cmpd="sng" algn="ctr">
+                      <a:solidFill>
+                        <a:srgbClr val="A2A9B1"/>
+                      </a:solidFill>
+                      <a:prstDash val="solid"/>
+                      <a:round/>
+                      <a:headEnd type="none" w="med" len="med"/>
+                      <a:tailEnd type="none" w="med" len="med"/>
+                    </a:lnR>
+                    <a:lnT w="7620" cap="flat" cmpd="sng" algn="ctr">
+                      <a:solidFill>
+                        <a:srgbClr val="A2A9B1"/>
+                      </a:solidFill>
+                      <a:prstDash val="solid"/>
+                      <a:round/>
+                      <a:headEnd type="none" w="med" len="med"/>
+                      <a:tailEnd type="none" w="med" len="med"/>
+                    </a:lnT>
+                    <a:lnB w="7620" cap="flat" cmpd="sng" algn="ctr">
+                      <a:solidFill>
+                        <a:srgbClr val="A2A9B1"/>
+                      </a:solidFill>
+                      <a:prstDash val="solid"/>
+                      <a:round/>
+                      <a:headEnd type="none" w="med" len="med"/>
+                      <a:tailEnd type="none" w="med" len="med"/>
+                    </a:lnB>
+                    <a:solidFill>
+                      <a:srgbClr val="F8F9FA"/>
+                    </a:solidFill>
+                  </a:tcPr>
+                </a:tc>
+                <a:tc>
+                  <a:txBody>
+                    <a:bodyPr/>
+                    <a:lstStyle/>
+                    <a:p>
+                      <a:endParaRPr lang="en-CA" sz="1400" b="1">
+                        <a:effectLst/>
+                      </a:endParaRPr>
+                    </a:p>
+                  </a:txBody>
+                  <a:tcPr marL="37134" marR="37134" marT="18567" marB="18567" anchor="ctr">
+                    <a:lnL w="7620" cap="flat" cmpd="sng" algn="ctr">
+                      <a:solidFill>
+                        <a:srgbClr val="A2A9B1"/>
+                      </a:solidFill>
+                      <a:prstDash val="solid"/>
+                      <a:round/>
+                      <a:headEnd type="none" w="med" len="med"/>
+                      <a:tailEnd type="none" w="med" len="med"/>
+                    </a:lnL>
+                    <a:lnR w="7620" cap="flat" cmpd="sng" algn="ctr">
+                      <a:solidFill>
+                        <a:srgbClr val="A2A9B1"/>
+                      </a:solidFill>
+                      <a:prstDash val="solid"/>
+                      <a:round/>
+                      <a:headEnd type="none" w="med" len="med"/>
+                      <a:tailEnd type="none" w="med" len="med"/>
+                    </a:lnR>
+                    <a:lnT w="7620" cap="flat" cmpd="sng" algn="ctr">
+                      <a:solidFill>
+                        <a:srgbClr val="A2A9B1"/>
+                      </a:solidFill>
+                      <a:prstDash val="solid"/>
+                      <a:round/>
+                      <a:headEnd type="none" w="med" len="med"/>
+                      <a:tailEnd type="none" w="med" len="med"/>
+                    </a:lnT>
+                    <a:lnB w="7620" cap="flat" cmpd="sng" algn="ctr">
+                      <a:solidFill>
+                        <a:srgbClr val="A2A9B1"/>
+                      </a:solidFill>
+                      <a:prstDash val="solid"/>
+                      <a:round/>
+                      <a:headEnd type="none" w="med" len="med"/>
+                      <a:tailEnd type="none" w="med" len="med"/>
+                    </a:lnB>
+                    <a:solidFill>
+                      <a:srgbClr val="F8F9FA"/>
+                    </a:solidFill>
+                  </a:tcPr>
+                </a:tc>
+                <a:extLst>
+                  <a:ext uri="{0D108BD9-81ED-4DB2-BD59-A6C34878D82A}">
+                    <a16:rowId xmlns:a16="http://schemas.microsoft.com/office/drawing/2014/main" val="663242033"/>
+                  </a:ext>
+                </a:extLst>
+              </a:tr>
+              <a:tr h="455462">
+                <a:tc>
+                  <a:txBody>
+                    <a:bodyPr/>
+                    <a:lstStyle/>
+                    <a:p>
+                      <a:r>
+                        <a:rPr lang="en-CA" sz="1400" b="1" u="none" strike="noStrike" dirty="0">
+                          <a:solidFill>
+                            <a:srgbClr val="0B0080"/>
+                          </a:solidFill>
+                          <a:effectLst/>
+                        </a:rPr>
+                        <a:t>Johnny Winter</a:t>
+                      </a:r>
+                      <a:endParaRPr lang="en-CA" sz="1400" b="1" dirty="0">
+                        <a:effectLst/>
+                      </a:endParaRPr>
+                    </a:p>
+                  </a:txBody>
+                  <a:tcPr marL="37134" marR="37134" marT="18567" marB="18567" anchor="ctr">
+                    <a:lnL w="7620" cap="flat" cmpd="sng" algn="ctr">
+                      <a:solidFill>
+                        <a:srgbClr val="A2A9B1"/>
+                      </a:solidFill>
+                      <a:prstDash val="solid"/>
+                      <a:round/>
+                      <a:headEnd type="none" w="med" len="med"/>
+                      <a:tailEnd type="none" w="med" len="med"/>
+                    </a:lnL>
+                    <a:lnR w="7620" cap="flat" cmpd="sng" algn="ctr">
+                      <a:solidFill>
+                        <a:srgbClr val="A2A9B1"/>
+                      </a:solidFill>
+                      <a:prstDash val="solid"/>
+                      <a:round/>
+                      <a:headEnd type="none" w="med" len="med"/>
+                      <a:tailEnd type="none" w="med" len="med"/>
+                    </a:lnR>
+                    <a:lnT w="7620" cap="flat" cmpd="sng" algn="ctr">
+                      <a:solidFill>
+                        <a:srgbClr val="A2A9B1"/>
+                      </a:solidFill>
+                      <a:prstDash val="solid"/>
+                      <a:round/>
+                      <a:headEnd type="none" w="med" len="med"/>
+                      <a:tailEnd type="none" w="med" len="med"/>
+                    </a:lnT>
+                    <a:lnB w="7620" cap="flat" cmpd="sng" algn="ctr">
+                      <a:solidFill>
+                        <a:srgbClr val="A2A9B1"/>
+                      </a:solidFill>
+                      <a:prstDash val="solid"/>
+                      <a:round/>
+                      <a:headEnd type="none" w="med" len="med"/>
+                      <a:tailEnd type="none" w="med" len="med"/>
+                    </a:lnB>
+                    <a:solidFill>
+                      <a:srgbClr val="F8F9FA"/>
+                    </a:solidFill>
+                  </a:tcPr>
+                </a:tc>
+                <a:tc>
+                  <a:txBody>
+                    <a:bodyPr/>
+                    <a:lstStyle/>
+                    <a:p>
+                      <a:r>
+                        <a:rPr lang="en-CA" sz="1400" b="1">
+                          <a:effectLst/>
+                        </a:rPr>
+                        <a:t>12:00 am – 1:05 am</a:t>
+                      </a:r>
+                    </a:p>
+                  </a:txBody>
+                  <a:tcPr marL="37134" marR="37134" marT="18567" marB="18567" anchor="ctr">
+                    <a:lnL w="7620" cap="flat" cmpd="sng" algn="ctr">
+                      <a:solidFill>
+                        <a:srgbClr val="A2A9B1"/>
+                      </a:solidFill>
+                      <a:prstDash val="solid"/>
+                      <a:round/>
+                      <a:headEnd type="none" w="med" len="med"/>
+                      <a:tailEnd type="none" w="med" len="med"/>
+                    </a:lnL>
+                    <a:lnR w="7620" cap="flat" cmpd="sng" algn="ctr">
+                      <a:solidFill>
+                        <a:srgbClr val="A2A9B1"/>
+                      </a:solidFill>
+                      <a:prstDash val="solid"/>
+                      <a:round/>
+                      <a:headEnd type="none" w="med" len="med"/>
+                      <a:tailEnd type="none" w="med" len="med"/>
+                    </a:lnR>
+                    <a:lnT w="7620" cap="flat" cmpd="sng" algn="ctr">
+                      <a:solidFill>
+                        <a:srgbClr val="A2A9B1"/>
+                      </a:solidFill>
+                      <a:prstDash val="solid"/>
+                      <a:round/>
+                      <a:headEnd type="none" w="med" len="med"/>
+                      <a:tailEnd type="none" w="med" len="med"/>
+                    </a:lnT>
+                    <a:lnB w="7620" cap="flat" cmpd="sng" algn="ctr">
+                      <a:solidFill>
+                        <a:srgbClr val="A2A9B1"/>
+                      </a:solidFill>
+                      <a:prstDash val="solid"/>
+                      <a:round/>
+                      <a:headEnd type="none" w="med" len="med"/>
+                      <a:tailEnd type="none" w="med" len="med"/>
+                    </a:lnB>
+                    <a:solidFill>
+                      <a:srgbClr val="F8F9FA"/>
+                    </a:solidFill>
+                  </a:tcPr>
+                </a:tc>
+                <a:tc>
+                  <a:txBody>
+                    <a:bodyPr/>
+                    <a:lstStyle/>
+                    <a:p>
+                      <a:r>
+                        <a:rPr lang="en-US" sz="1400" b="1" dirty="0">
+                          <a:effectLst/>
+                        </a:rPr>
+                        <a:t>Winter's brother, </a:t>
+                      </a:r>
+                      <a:r>
+                        <a:rPr lang="en-US" sz="1400" b="1" u="none" strike="noStrike" dirty="0">
+                          <a:solidFill>
+                            <a:srgbClr val="0B0080"/>
+                          </a:solidFill>
+                          <a:effectLst/>
+                        </a:rPr>
+                        <a:t>Edgar Winter</a:t>
+                      </a:r>
+                      <a:r>
+                        <a:rPr lang="en-US" sz="1400" b="1" dirty="0">
+                          <a:effectLst/>
+                        </a:rPr>
+                        <a:t>, is featured on three songs.</a:t>
+                      </a:r>
+                    </a:p>
+                  </a:txBody>
+                  <a:tcPr marL="37134" marR="37134" marT="18567" marB="18567" anchor="ctr">
+                    <a:lnL w="7620" cap="flat" cmpd="sng" algn="ctr">
+                      <a:solidFill>
+                        <a:srgbClr val="A2A9B1"/>
+                      </a:solidFill>
+                      <a:prstDash val="solid"/>
+                      <a:round/>
+                      <a:headEnd type="none" w="med" len="med"/>
+                      <a:tailEnd type="none" w="med" len="med"/>
+                    </a:lnL>
+                    <a:lnR w="7620" cap="flat" cmpd="sng" algn="ctr">
+                      <a:solidFill>
+                        <a:srgbClr val="A2A9B1"/>
+                      </a:solidFill>
+                      <a:prstDash val="solid"/>
+                      <a:round/>
+                      <a:headEnd type="none" w="med" len="med"/>
+                      <a:tailEnd type="none" w="med" len="med"/>
+                    </a:lnR>
+                    <a:lnT w="7620" cap="flat" cmpd="sng" algn="ctr">
+                      <a:solidFill>
+                        <a:srgbClr val="A2A9B1"/>
+                      </a:solidFill>
+                      <a:prstDash val="solid"/>
+                      <a:round/>
+                      <a:headEnd type="none" w="med" len="med"/>
+                      <a:tailEnd type="none" w="med" len="med"/>
+                    </a:lnT>
+                    <a:lnB w="7620" cap="flat" cmpd="sng" algn="ctr">
+                      <a:solidFill>
+                        <a:srgbClr val="A2A9B1"/>
+                      </a:solidFill>
+                      <a:prstDash val="solid"/>
+                      <a:round/>
+                      <a:headEnd type="none" w="med" len="med"/>
+                      <a:tailEnd type="none" w="med" len="med"/>
+                    </a:lnB>
+                    <a:solidFill>
+                      <a:srgbClr val="F8F9FA"/>
+                    </a:solidFill>
+                  </a:tcPr>
+                </a:tc>
+                <a:extLst>
+                  <a:ext uri="{0D108BD9-81ED-4DB2-BD59-A6C34878D82A}">
+                    <a16:rowId xmlns:a16="http://schemas.microsoft.com/office/drawing/2014/main" val="390260032"/>
+                  </a:ext>
+                </a:extLst>
+              </a:tr>
+              <a:tr h="182185">
+                <a:tc>
+                  <a:txBody>
+                    <a:bodyPr/>
+                    <a:lstStyle/>
+                    <a:p>
+                      <a:r>
+                        <a:rPr lang="en-CA" sz="1400" b="1" u="none" strike="noStrike" dirty="0">
+                          <a:solidFill>
+                            <a:srgbClr val="0B0080"/>
+                          </a:solidFill>
+                          <a:effectLst/>
+                        </a:rPr>
+                        <a:t>Blood, Sweat &amp; Tears</a:t>
+                      </a:r>
+                      <a:endParaRPr lang="en-CA" sz="1400" b="1" dirty="0">
+                        <a:effectLst/>
+                      </a:endParaRPr>
+                    </a:p>
+                  </a:txBody>
+                  <a:tcPr marL="37134" marR="37134" marT="18567" marB="18567" anchor="ctr">
+                    <a:lnL w="7620" cap="flat" cmpd="sng" algn="ctr">
+                      <a:solidFill>
+                        <a:srgbClr val="A2A9B1"/>
+                      </a:solidFill>
+                      <a:prstDash val="solid"/>
+                      <a:round/>
+                      <a:headEnd type="none" w="med" len="med"/>
+                      <a:tailEnd type="none" w="med" len="med"/>
+                    </a:lnL>
+                    <a:lnR w="7620" cap="flat" cmpd="sng" algn="ctr">
+                      <a:solidFill>
+                        <a:srgbClr val="A2A9B1"/>
+                      </a:solidFill>
+                      <a:prstDash val="solid"/>
+                      <a:round/>
+                      <a:headEnd type="none" w="med" len="med"/>
+                      <a:tailEnd type="none" w="med" len="med"/>
+                    </a:lnR>
+                    <a:lnT w="7620" cap="flat" cmpd="sng" algn="ctr">
+                      <a:solidFill>
+                        <a:srgbClr val="A2A9B1"/>
+                      </a:solidFill>
+                      <a:prstDash val="solid"/>
+                      <a:round/>
+                      <a:headEnd type="none" w="med" len="med"/>
+                      <a:tailEnd type="none" w="med" len="med"/>
+                    </a:lnT>
+                    <a:lnB w="7620" cap="flat" cmpd="sng" algn="ctr">
+                      <a:solidFill>
+                        <a:srgbClr val="A2A9B1"/>
+                      </a:solidFill>
+                      <a:prstDash val="solid"/>
+                      <a:round/>
+                      <a:headEnd type="none" w="med" len="med"/>
+                      <a:tailEnd type="none" w="med" len="med"/>
+                    </a:lnB>
+                    <a:solidFill>
+                      <a:srgbClr val="F8F9FA"/>
+                    </a:solidFill>
+                  </a:tcPr>
+                </a:tc>
+                <a:tc>
+                  <a:txBody>
+                    <a:bodyPr/>
+                    <a:lstStyle/>
+                    <a:p>
+                      <a:r>
+                        <a:rPr lang="en-CA" sz="1400" b="1">
+                          <a:effectLst/>
+                        </a:rPr>
+                        <a:t>1:30 am – 2:30 am</a:t>
+                      </a:r>
+                    </a:p>
+                  </a:txBody>
+                  <a:tcPr marL="37134" marR="37134" marT="18567" marB="18567" anchor="ctr">
+                    <a:lnL w="7620" cap="flat" cmpd="sng" algn="ctr">
+                      <a:solidFill>
+                        <a:srgbClr val="A2A9B1"/>
+                      </a:solidFill>
+                      <a:prstDash val="solid"/>
+                      <a:round/>
+                      <a:headEnd type="none" w="med" len="med"/>
+                      <a:tailEnd type="none" w="med" len="med"/>
+                    </a:lnL>
+                    <a:lnR w="7620" cap="flat" cmpd="sng" algn="ctr">
+                      <a:solidFill>
+                        <a:srgbClr val="A2A9B1"/>
+                      </a:solidFill>
+                      <a:prstDash val="solid"/>
+                      <a:round/>
+                      <a:headEnd type="none" w="med" len="med"/>
+                      <a:tailEnd type="none" w="med" len="med"/>
+                    </a:lnR>
+                    <a:lnT w="7620" cap="flat" cmpd="sng" algn="ctr">
+                      <a:solidFill>
+                        <a:srgbClr val="A2A9B1"/>
+                      </a:solidFill>
+                      <a:prstDash val="solid"/>
+                      <a:round/>
+                      <a:headEnd type="none" w="med" len="med"/>
+                      <a:tailEnd type="none" w="med" len="med"/>
+                    </a:lnT>
+                    <a:lnB w="7620" cap="flat" cmpd="sng" algn="ctr">
+                      <a:solidFill>
+                        <a:srgbClr val="A2A9B1"/>
+                      </a:solidFill>
+                      <a:prstDash val="solid"/>
+                      <a:round/>
+                      <a:headEnd type="none" w="med" len="med"/>
+                      <a:tailEnd type="none" w="med" len="med"/>
+                    </a:lnB>
+                    <a:solidFill>
+                      <a:srgbClr val="F8F9FA"/>
+                    </a:solidFill>
+                  </a:tcPr>
+                </a:tc>
+                <a:tc>
+                  <a:txBody>
+                    <a:bodyPr/>
+                    <a:lstStyle/>
+                    <a:p>
+                      <a:endParaRPr lang="en-CA" sz="1400" b="1">
+                        <a:effectLst/>
+                      </a:endParaRPr>
+                    </a:p>
+                  </a:txBody>
+                  <a:tcPr marL="37134" marR="37134" marT="18567" marB="18567" anchor="ctr">
+                    <a:lnL w="7620" cap="flat" cmpd="sng" algn="ctr">
+                      <a:solidFill>
+                        <a:srgbClr val="A2A9B1"/>
+                      </a:solidFill>
+                      <a:prstDash val="solid"/>
+                      <a:round/>
+                      <a:headEnd type="none" w="med" len="med"/>
+                      <a:tailEnd type="none" w="med" len="med"/>
+                    </a:lnL>
+                    <a:lnR w="7620" cap="flat" cmpd="sng" algn="ctr">
+                      <a:solidFill>
+                        <a:srgbClr val="A2A9B1"/>
+                      </a:solidFill>
+                      <a:prstDash val="solid"/>
+                      <a:round/>
+                      <a:headEnd type="none" w="med" len="med"/>
+                      <a:tailEnd type="none" w="med" len="med"/>
+                    </a:lnR>
+                    <a:lnT w="7620" cap="flat" cmpd="sng" algn="ctr">
+                      <a:solidFill>
+                        <a:srgbClr val="A2A9B1"/>
+                      </a:solidFill>
+                      <a:prstDash val="solid"/>
+                      <a:round/>
+                      <a:headEnd type="none" w="med" len="med"/>
+                      <a:tailEnd type="none" w="med" len="med"/>
+                    </a:lnT>
+                    <a:lnB w="7620" cap="flat" cmpd="sng" algn="ctr">
+                      <a:solidFill>
+                        <a:srgbClr val="A2A9B1"/>
+                      </a:solidFill>
+                      <a:prstDash val="solid"/>
+                      <a:round/>
+                      <a:headEnd type="none" w="med" len="med"/>
+                      <a:tailEnd type="none" w="med" len="med"/>
+                    </a:lnB>
+                    <a:solidFill>
+                      <a:srgbClr val="F8F9FA"/>
+                    </a:solidFill>
+                  </a:tcPr>
+                </a:tc>
+                <a:extLst>
+                  <a:ext uri="{0D108BD9-81ED-4DB2-BD59-A6C34878D82A}">
+                    <a16:rowId xmlns:a16="http://schemas.microsoft.com/office/drawing/2014/main" val="1763002224"/>
+                  </a:ext>
+                </a:extLst>
+              </a:tr>
+              <a:tr h="592102">
+                <a:tc>
+                  <a:txBody>
+                    <a:bodyPr/>
+                    <a:lstStyle/>
+                    <a:p>
+                      <a:r>
+                        <a:rPr lang="en-CA" sz="1400" b="1" u="none" strike="noStrike" dirty="0">
+                          <a:solidFill>
+                            <a:srgbClr val="0B0080"/>
+                          </a:solidFill>
+                          <a:effectLst/>
+                        </a:rPr>
+                        <a:t>Crosby, Stills, Nash &amp; Young</a:t>
+                      </a:r>
+                      <a:endParaRPr lang="en-CA" sz="1400" b="1" dirty="0">
+                        <a:effectLst/>
+                      </a:endParaRPr>
+                    </a:p>
+                  </a:txBody>
+                  <a:tcPr marL="37134" marR="37134" marT="18567" marB="18567" anchor="ctr">
+                    <a:lnL w="7620" cap="flat" cmpd="sng" algn="ctr">
+                      <a:solidFill>
+                        <a:srgbClr val="A2A9B1"/>
+                      </a:solidFill>
+                      <a:prstDash val="solid"/>
+                      <a:round/>
+                      <a:headEnd type="none" w="med" len="med"/>
+                      <a:tailEnd type="none" w="med" len="med"/>
+                    </a:lnL>
+                    <a:lnR w="7620" cap="flat" cmpd="sng" algn="ctr">
+                      <a:solidFill>
+                        <a:srgbClr val="A2A9B1"/>
+                      </a:solidFill>
+                      <a:prstDash val="solid"/>
+                      <a:round/>
+                      <a:headEnd type="none" w="med" len="med"/>
+                      <a:tailEnd type="none" w="med" len="med"/>
+                    </a:lnR>
+                    <a:lnT w="7620" cap="flat" cmpd="sng" algn="ctr">
+                      <a:solidFill>
+                        <a:srgbClr val="A2A9B1"/>
+                      </a:solidFill>
+                      <a:prstDash val="solid"/>
+                      <a:round/>
+                      <a:headEnd type="none" w="med" len="med"/>
+                      <a:tailEnd type="none" w="med" len="med"/>
+                    </a:lnT>
+                    <a:lnB w="7620" cap="flat" cmpd="sng" algn="ctr">
+                      <a:solidFill>
+                        <a:srgbClr val="A2A9B1"/>
+                      </a:solidFill>
+                      <a:prstDash val="solid"/>
+                      <a:round/>
+                      <a:headEnd type="none" w="med" len="med"/>
+                      <a:tailEnd type="none" w="med" len="med"/>
+                    </a:lnB>
+                    <a:solidFill>
+                      <a:srgbClr val="F8F9FA"/>
+                    </a:solidFill>
+                  </a:tcPr>
+                </a:tc>
+                <a:tc>
+                  <a:txBody>
+                    <a:bodyPr/>
+                    <a:lstStyle/>
+                    <a:p>
+                      <a:r>
+                        <a:rPr lang="en-CA" sz="1400" b="1">
+                          <a:effectLst/>
+                        </a:rPr>
+                        <a:t>3:00 am – 4:00 am</a:t>
+                      </a:r>
+                    </a:p>
+                  </a:txBody>
+                  <a:tcPr marL="37134" marR="37134" marT="18567" marB="18567" anchor="ctr">
+                    <a:lnL w="7620" cap="flat" cmpd="sng" algn="ctr">
+                      <a:solidFill>
+                        <a:srgbClr val="A2A9B1"/>
+                      </a:solidFill>
+                      <a:prstDash val="solid"/>
+                      <a:round/>
+                      <a:headEnd type="none" w="med" len="med"/>
+                      <a:tailEnd type="none" w="med" len="med"/>
+                    </a:lnL>
+                    <a:lnR w="7620" cap="flat" cmpd="sng" algn="ctr">
+                      <a:solidFill>
+                        <a:srgbClr val="A2A9B1"/>
+                      </a:solidFill>
+                      <a:prstDash val="solid"/>
+                      <a:round/>
+                      <a:headEnd type="none" w="med" len="med"/>
+                      <a:tailEnd type="none" w="med" len="med"/>
+                    </a:lnR>
+                    <a:lnT w="7620" cap="flat" cmpd="sng" algn="ctr">
+                      <a:solidFill>
+                        <a:srgbClr val="A2A9B1"/>
+                      </a:solidFill>
+                      <a:prstDash val="solid"/>
+                      <a:round/>
+                      <a:headEnd type="none" w="med" len="med"/>
+                      <a:tailEnd type="none" w="med" len="med"/>
+                    </a:lnT>
+                    <a:lnB w="7620" cap="flat" cmpd="sng" algn="ctr">
+                      <a:solidFill>
+                        <a:srgbClr val="A2A9B1"/>
+                      </a:solidFill>
+                      <a:prstDash val="solid"/>
+                      <a:round/>
+                      <a:headEnd type="none" w="med" len="med"/>
+                      <a:tailEnd type="none" w="med" len="med"/>
+                    </a:lnB>
+                    <a:solidFill>
+                      <a:srgbClr val="F8F9FA"/>
+                    </a:solidFill>
+                  </a:tcPr>
+                </a:tc>
+                <a:tc>
+                  <a:txBody>
+                    <a:bodyPr/>
+                    <a:lstStyle/>
+                    <a:p>
+                      <a:r>
+                        <a:rPr lang="en-US" sz="1400" b="1" dirty="0">
+                          <a:effectLst/>
+                        </a:rPr>
+                        <a:t>An acoustic and electric set were played. </a:t>
+                      </a:r>
+                      <a:r>
+                        <a:rPr lang="en-US" sz="1400" b="1" u="none" strike="noStrike" dirty="0">
+                          <a:solidFill>
+                            <a:srgbClr val="0B0080"/>
+                          </a:solidFill>
+                          <a:effectLst/>
+                        </a:rPr>
+                        <a:t>Neil Young</a:t>
+                      </a:r>
+                      <a:r>
+                        <a:rPr lang="en-US" sz="1400" b="1" dirty="0">
+                          <a:effectLst/>
+                        </a:rPr>
+                        <a:t> skipped most of the acoustic set.</a:t>
+                      </a:r>
+                    </a:p>
+                  </a:txBody>
+                  <a:tcPr marL="37134" marR="37134" marT="18567" marB="18567" anchor="ctr">
+                    <a:lnL w="7620" cap="flat" cmpd="sng" algn="ctr">
+                      <a:solidFill>
+                        <a:srgbClr val="A2A9B1"/>
+                      </a:solidFill>
+                      <a:prstDash val="solid"/>
+                      <a:round/>
+                      <a:headEnd type="none" w="med" len="med"/>
+                      <a:tailEnd type="none" w="med" len="med"/>
+                    </a:lnL>
+                    <a:lnR w="7620" cap="flat" cmpd="sng" algn="ctr">
+                      <a:solidFill>
+                        <a:srgbClr val="A2A9B1"/>
+                      </a:solidFill>
+                      <a:prstDash val="solid"/>
+                      <a:round/>
+                      <a:headEnd type="none" w="med" len="med"/>
+                      <a:tailEnd type="none" w="med" len="med"/>
+                    </a:lnR>
+                    <a:lnT w="7620" cap="flat" cmpd="sng" algn="ctr">
+                      <a:solidFill>
+                        <a:srgbClr val="A2A9B1"/>
+                      </a:solidFill>
+                      <a:prstDash val="solid"/>
+                      <a:round/>
+                      <a:headEnd type="none" w="med" len="med"/>
+                      <a:tailEnd type="none" w="med" len="med"/>
+                    </a:lnT>
+                    <a:lnB w="7620" cap="flat" cmpd="sng" algn="ctr">
+                      <a:solidFill>
+                        <a:srgbClr val="A2A9B1"/>
+                      </a:solidFill>
+                      <a:prstDash val="solid"/>
+                      <a:round/>
+                      <a:headEnd type="none" w="med" len="med"/>
+                      <a:tailEnd type="none" w="med" len="med"/>
+                    </a:lnB>
+                    <a:solidFill>
+                      <a:srgbClr val="F8F9FA"/>
+                    </a:solidFill>
+                  </a:tcPr>
+                </a:tc>
+                <a:extLst>
+                  <a:ext uri="{0D108BD9-81ED-4DB2-BD59-A6C34878D82A}">
+                    <a16:rowId xmlns:a16="http://schemas.microsoft.com/office/drawing/2014/main" val="616264858"/>
+                  </a:ext>
+                </a:extLst>
+              </a:tr>
+              <a:tr h="318825">
+                <a:tc>
+                  <a:txBody>
+                    <a:bodyPr/>
+                    <a:lstStyle/>
+                    <a:p>
+                      <a:r>
+                        <a:rPr lang="en-CA" sz="1400" b="1" u="none" strike="noStrike" dirty="0">
+                          <a:solidFill>
+                            <a:srgbClr val="0B0080"/>
+                          </a:solidFill>
+                          <a:effectLst/>
+                        </a:rPr>
+                        <a:t>Paul Butterfield Blues Band</a:t>
+                      </a:r>
+                      <a:endParaRPr lang="en-CA" sz="1400" b="1" dirty="0">
+                        <a:effectLst/>
+                      </a:endParaRPr>
+                    </a:p>
+                  </a:txBody>
+                  <a:tcPr marL="37134" marR="37134" marT="18567" marB="18567" anchor="ctr">
+                    <a:lnL w="7620" cap="flat" cmpd="sng" algn="ctr">
+                      <a:solidFill>
+                        <a:srgbClr val="A2A9B1"/>
+                      </a:solidFill>
+                      <a:prstDash val="solid"/>
+                      <a:round/>
+                      <a:headEnd type="none" w="med" len="med"/>
+                      <a:tailEnd type="none" w="med" len="med"/>
+                    </a:lnL>
+                    <a:lnR w="7620" cap="flat" cmpd="sng" algn="ctr">
+                      <a:solidFill>
+                        <a:srgbClr val="A2A9B1"/>
+                      </a:solidFill>
+                      <a:prstDash val="solid"/>
+                      <a:round/>
+                      <a:headEnd type="none" w="med" len="med"/>
+                      <a:tailEnd type="none" w="med" len="med"/>
+                    </a:lnR>
+                    <a:lnT w="7620" cap="flat" cmpd="sng" algn="ctr">
+                      <a:solidFill>
+                        <a:srgbClr val="A2A9B1"/>
+                      </a:solidFill>
+                      <a:prstDash val="solid"/>
+                      <a:round/>
+                      <a:headEnd type="none" w="med" len="med"/>
+                      <a:tailEnd type="none" w="med" len="med"/>
+                    </a:lnT>
+                    <a:lnB w="7620" cap="flat" cmpd="sng" algn="ctr">
+                      <a:solidFill>
+                        <a:srgbClr val="A2A9B1"/>
+                      </a:solidFill>
+                      <a:prstDash val="solid"/>
+                      <a:round/>
+                      <a:headEnd type="none" w="med" len="med"/>
+                      <a:tailEnd type="none" w="med" len="med"/>
+                    </a:lnB>
+                    <a:solidFill>
+                      <a:srgbClr val="F8F9FA"/>
+                    </a:solidFill>
+                  </a:tcPr>
+                </a:tc>
+                <a:tc>
+                  <a:txBody>
+                    <a:bodyPr/>
+                    <a:lstStyle/>
+                    <a:p>
+                      <a:r>
+                        <a:rPr lang="en-CA" sz="1400" b="1">
+                          <a:effectLst/>
+                        </a:rPr>
+                        <a:t>6:00 am – 6:45 am</a:t>
+                      </a:r>
+                    </a:p>
+                  </a:txBody>
+                  <a:tcPr marL="37134" marR="37134" marT="18567" marB="18567" anchor="ctr">
+                    <a:lnL w="7620" cap="flat" cmpd="sng" algn="ctr">
+                      <a:solidFill>
+                        <a:srgbClr val="A2A9B1"/>
+                      </a:solidFill>
+                      <a:prstDash val="solid"/>
+                      <a:round/>
+                      <a:headEnd type="none" w="med" len="med"/>
+                      <a:tailEnd type="none" w="med" len="med"/>
+                    </a:lnL>
+                    <a:lnR w="7620" cap="flat" cmpd="sng" algn="ctr">
+                      <a:solidFill>
+                        <a:srgbClr val="A2A9B1"/>
+                      </a:solidFill>
+                      <a:prstDash val="solid"/>
+                      <a:round/>
+                      <a:headEnd type="none" w="med" len="med"/>
+                      <a:tailEnd type="none" w="med" len="med"/>
+                    </a:lnR>
+                    <a:lnT w="7620" cap="flat" cmpd="sng" algn="ctr">
+                      <a:solidFill>
+                        <a:srgbClr val="A2A9B1"/>
+                      </a:solidFill>
+                      <a:prstDash val="solid"/>
+                      <a:round/>
+                      <a:headEnd type="none" w="med" len="med"/>
+                      <a:tailEnd type="none" w="med" len="med"/>
+                    </a:lnT>
+                    <a:lnB w="7620" cap="flat" cmpd="sng" algn="ctr">
+                      <a:solidFill>
+                        <a:srgbClr val="A2A9B1"/>
+                      </a:solidFill>
+                      <a:prstDash val="solid"/>
+                      <a:round/>
+                      <a:headEnd type="none" w="med" len="med"/>
+                      <a:tailEnd type="none" w="med" len="med"/>
+                    </a:lnB>
+                    <a:solidFill>
+                      <a:srgbClr val="F8F9FA"/>
+                    </a:solidFill>
+                  </a:tcPr>
+                </a:tc>
+                <a:tc>
+                  <a:txBody>
+                    <a:bodyPr/>
+                    <a:lstStyle/>
+                    <a:p>
+                      <a:endParaRPr lang="en-CA" sz="1400" b="1">
+                        <a:effectLst/>
+                      </a:endParaRPr>
+                    </a:p>
+                  </a:txBody>
+                  <a:tcPr marL="37134" marR="37134" marT="18567" marB="18567" anchor="ctr">
+                    <a:lnL w="7620" cap="flat" cmpd="sng" algn="ctr">
+                      <a:solidFill>
+                        <a:srgbClr val="A2A9B1"/>
+                      </a:solidFill>
+                      <a:prstDash val="solid"/>
+                      <a:round/>
+                      <a:headEnd type="none" w="med" len="med"/>
+                      <a:tailEnd type="none" w="med" len="med"/>
+                    </a:lnL>
+                    <a:lnR w="7620" cap="flat" cmpd="sng" algn="ctr">
+                      <a:solidFill>
+                        <a:srgbClr val="A2A9B1"/>
+                      </a:solidFill>
+                      <a:prstDash val="solid"/>
+                      <a:round/>
+                      <a:headEnd type="none" w="med" len="med"/>
+                      <a:tailEnd type="none" w="med" len="med"/>
+                    </a:lnR>
+                    <a:lnT w="7620" cap="flat" cmpd="sng" algn="ctr">
+                      <a:solidFill>
+                        <a:srgbClr val="A2A9B1"/>
+                      </a:solidFill>
+                      <a:prstDash val="solid"/>
+                      <a:round/>
+                      <a:headEnd type="none" w="med" len="med"/>
+                      <a:tailEnd type="none" w="med" len="med"/>
+                    </a:lnT>
+                    <a:lnB w="7620" cap="flat" cmpd="sng" algn="ctr">
+                      <a:solidFill>
+                        <a:srgbClr val="A2A9B1"/>
+                      </a:solidFill>
+                      <a:prstDash val="solid"/>
+                      <a:round/>
+                      <a:headEnd type="none" w="med" len="med"/>
+                      <a:tailEnd type="none" w="med" len="med"/>
+                    </a:lnB>
+                    <a:solidFill>
+                      <a:srgbClr val="F8F9FA"/>
+                    </a:solidFill>
+                  </a:tcPr>
+                </a:tc>
+                <a:extLst>
+                  <a:ext uri="{0D108BD9-81ED-4DB2-BD59-A6C34878D82A}">
+                    <a16:rowId xmlns:a16="http://schemas.microsoft.com/office/drawing/2014/main" val="2407537398"/>
+                  </a:ext>
+                </a:extLst>
+              </a:tr>
+              <a:tr h="182185">
+                <a:tc>
+                  <a:txBody>
+                    <a:bodyPr/>
+                    <a:lstStyle/>
+                    <a:p>
+                      <a:r>
+                        <a:rPr lang="en-CA" sz="1400" b="1" u="none" strike="noStrike" dirty="0">
+                          <a:solidFill>
+                            <a:srgbClr val="0B0080"/>
+                          </a:solidFill>
+                          <a:effectLst/>
+                        </a:rPr>
+                        <a:t>Sha Na </a:t>
+                      </a:r>
+                      <a:r>
+                        <a:rPr lang="en-CA" sz="1400" b="1" u="none" strike="noStrike" dirty="0" err="1">
+                          <a:solidFill>
+                            <a:srgbClr val="0B0080"/>
+                          </a:solidFill>
+                          <a:effectLst/>
+                        </a:rPr>
+                        <a:t>Na</a:t>
+                      </a:r>
+                      <a:endParaRPr lang="en-CA" sz="1400" b="1" dirty="0">
+                        <a:effectLst/>
+                      </a:endParaRPr>
+                    </a:p>
+                  </a:txBody>
+                  <a:tcPr marL="37134" marR="37134" marT="18567" marB="18567" anchor="ctr">
+                    <a:lnL w="7620" cap="flat" cmpd="sng" algn="ctr">
+                      <a:solidFill>
+                        <a:srgbClr val="A2A9B1"/>
+                      </a:solidFill>
+                      <a:prstDash val="solid"/>
+                      <a:round/>
+                      <a:headEnd type="none" w="med" len="med"/>
+                      <a:tailEnd type="none" w="med" len="med"/>
+                    </a:lnL>
+                    <a:lnR w="7620" cap="flat" cmpd="sng" algn="ctr">
+                      <a:solidFill>
+                        <a:srgbClr val="A2A9B1"/>
+                      </a:solidFill>
+                      <a:prstDash val="solid"/>
+                      <a:round/>
+                      <a:headEnd type="none" w="med" len="med"/>
+                      <a:tailEnd type="none" w="med" len="med"/>
+                    </a:lnR>
+                    <a:lnT w="7620" cap="flat" cmpd="sng" algn="ctr">
+                      <a:solidFill>
+                        <a:srgbClr val="A2A9B1"/>
+                      </a:solidFill>
+                      <a:prstDash val="solid"/>
+                      <a:round/>
+                      <a:headEnd type="none" w="med" len="med"/>
+                      <a:tailEnd type="none" w="med" len="med"/>
+                    </a:lnT>
+                    <a:lnB w="7620" cap="flat" cmpd="sng" algn="ctr">
+                      <a:solidFill>
+                        <a:srgbClr val="A2A9B1"/>
+                      </a:solidFill>
+                      <a:prstDash val="solid"/>
+                      <a:round/>
+                      <a:headEnd type="none" w="med" len="med"/>
+                      <a:tailEnd type="none" w="med" len="med"/>
+                    </a:lnB>
+                    <a:solidFill>
+                      <a:srgbClr val="F8F9FA"/>
+                    </a:solidFill>
+                  </a:tcPr>
+                </a:tc>
+                <a:tc>
+                  <a:txBody>
+                    <a:bodyPr/>
+                    <a:lstStyle/>
+                    <a:p>
+                      <a:r>
+                        <a:rPr lang="en-CA" sz="1400" b="1">
+                          <a:effectLst/>
+                        </a:rPr>
+                        <a:t>7:30 am – 8:00 am</a:t>
+                      </a:r>
+                    </a:p>
+                  </a:txBody>
+                  <a:tcPr marL="37134" marR="37134" marT="18567" marB="18567" anchor="ctr">
+                    <a:lnL w="7620" cap="flat" cmpd="sng" algn="ctr">
+                      <a:solidFill>
+                        <a:srgbClr val="A2A9B1"/>
+                      </a:solidFill>
+                      <a:prstDash val="solid"/>
+                      <a:round/>
+                      <a:headEnd type="none" w="med" len="med"/>
+                      <a:tailEnd type="none" w="med" len="med"/>
+                    </a:lnL>
+                    <a:lnR w="7620" cap="flat" cmpd="sng" algn="ctr">
+                      <a:solidFill>
+                        <a:srgbClr val="A2A9B1"/>
+                      </a:solidFill>
+                      <a:prstDash val="solid"/>
+                      <a:round/>
+                      <a:headEnd type="none" w="med" len="med"/>
+                      <a:tailEnd type="none" w="med" len="med"/>
+                    </a:lnR>
+                    <a:lnT w="7620" cap="flat" cmpd="sng" algn="ctr">
+                      <a:solidFill>
+                        <a:srgbClr val="A2A9B1"/>
+                      </a:solidFill>
+                      <a:prstDash val="solid"/>
+                      <a:round/>
+                      <a:headEnd type="none" w="med" len="med"/>
+                      <a:tailEnd type="none" w="med" len="med"/>
+                    </a:lnT>
+                    <a:lnB w="7620" cap="flat" cmpd="sng" algn="ctr">
+                      <a:solidFill>
+                        <a:srgbClr val="A2A9B1"/>
+                      </a:solidFill>
+                      <a:prstDash val="solid"/>
+                      <a:round/>
+                      <a:headEnd type="none" w="med" len="med"/>
+                      <a:tailEnd type="none" w="med" len="med"/>
+                    </a:lnB>
+                    <a:solidFill>
+                      <a:srgbClr val="F8F9FA"/>
+                    </a:solidFill>
+                  </a:tcPr>
+                </a:tc>
+                <a:tc>
+                  <a:txBody>
+                    <a:bodyPr/>
+                    <a:lstStyle/>
+                    <a:p>
+                      <a:endParaRPr lang="en-CA" sz="1400" b="1">
+                        <a:effectLst/>
+                      </a:endParaRPr>
+                    </a:p>
+                  </a:txBody>
+                  <a:tcPr marL="37134" marR="37134" marT="18567" marB="18567" anchor="ctr">
+                    <a:lnL w="7620" cap="flat" cmpd="sng" algn="ctr">
+                      <a:solidFill>
+                        <a:srgbClr val="A2A9B1"/>
+                      </a:solidFill>
+                      <a:prstDash val="solid"/>
+                      <a:round/>
+                      <a:headEnd type="none" w="med" len="med"/>
+                      <a:tailEnd type="none" w="med" len="med"/>
+                    </a:lnL>
+                    <a:lnR w="7620" cap="flat" cmpd="sng" algn="ctr">
+                      <a:solidFill>
+                        <a:srgbClr val="A2A9B1"/>
+                      </a:solidFill>
+                      <a:prstDash val="solid"/>
+                      <a:round/>
+                      <a:headEnd type="none" w="med" len="med"/>
+                      <a:tailEnd type="none" w="med" len="med"/>
+                    </a:lnR>
+                    <a:lnT w="7620" cap="flat" cmpd="sng" algn="ctr">
+                      <a:solidFill>
+                        <a:srgbClr val="A2A9B1"/>
+                      </a:solidFill>
+                      <a:prstDash val="solid"/>
+                      <a:round/>
+                      <a:headEnd type="none" w="med" len="med"/>
+                      <a:tailEnd type="none" w="med" len="med"/>
+                    </a:lnT>
+                    <a:lnB w="7620" cap="flat" cmpd="sng" algn="ctr">
+                      <a:solidFill>
+                        <a:srgbClr val="A2A9B1"/>
+                      </a:solidFill>
+                      <a:prstDash val="solid"/>
+                      <a:round/>
+                      <a:headEnd type="none" w="med" len="med"/>
+                      <a:tailEnd type="none" w="med" len="med"/>
+                    </a:lnB>
+                    <a:solidFill>
+                      <a:srgbClr val="F8F9FA"/>
+                    </a:solidFill>
+                  </a:tcPr>
+                </a:tc>
+                <a:extLst>
+                  <a:ext uri="{0D108BD9-81ED-4DB2-BD59-A6C34878D82A}">
+                    <a16:rowId xmlns:a16="http://schemas.microsoft.com/office/drawing/2014/main" val="1435670610"/>
+                  </a:ext>
+                </a:extLst>
+              </a:tr>
+              <a:tr h="592102">
+                <a:tc>
+                  <a:txBody>
+                    <a:bodyPr/>
+                    <a:lstStyle/>
+                    <a:p>
+                      <a:r>
+                        <a:rPr lang="en-CA" sz="1400" b="1" u="none" strike="noStrike" dirty="0">
+                          <a:solidFill>
+                            <a:srgbClr val="0B0080"/>
+                          </a:solidFill>
+                          <a:effectLst/>
+                        </a:rPr>
+                        <a:t>Jimi Hendrix</a:t>
+                      </a:r>
+                      <a:r>
+                        <a:rPr lang="en-CA" sz="1400" b="1" dirty="0">
+                          <a:effectLst/>
+                        </a:rPr>
+                        <a:t> / Gypsy Sun &amp; Rainbows</a:t>
+                      </a:r>
+                    </a:p>
+                  </a:txBody>
+                  <a:tcPr marL="37134" marR="37134" marT="18567" marB="18567" anchor="ctr">
+                    <a:lnL w="7620" cap="flat" cmpd="sng" algn="ctr">
+                      <a:solidFill>
+                        <a:srgbClr val="A2A9B1"/>
+                      </a:solidFill>
+                      <a:prstDash val="solid"/>
+                      <a:round/>
+                      <a:headEnd type="none" w="med" len="med"/>
+                      <a:tailEnd type="none" w="med" len="med"/>
+                    </a:lnL>
+                    <a:lnR w="7620" cap="flat" cmpd="sng" algn="ctr">
+                      <a:solidFill>
+                        <a:srgbClr val="A2A9B1"/>
+                      </a:solidFill>
+                      <a:prstDash val="solid"/>
+                      <a:round/>
+                      <a:headEnd type="none" w="med" len="med"/>
+                      <a:tailEnd type="none" w="med" len="med"/>
+                    </a:lnR>
+                    <a:lnT w="7620" cap="flat" cmpd="sng" algn="ctr">
+                      <a:solidFill>
+                        <a:srgbClr val="A2A9B1"/>
+                      </a:solidFill>
+                      <a:prstDash val="solid"/>
+                      <a:round/>
+                      <a:headEnd type="none" w="med" len="med"/>
+                      <a:tailEnd type="none" w="med" len="med"/>
+                    </a:lnT>
+                    <a:lnB w="7620" cap="flat" cmpd="sng" algn="ctr">
+                      <a:solidFill>
+                        <a:srgbClr val="A2A9B1"/>
+                      </a:solidFill>
+                      <a:prstDash val="solid"/>
+                      <a:round/>
+                      <a:headEnd type="none" w="med" len="med"/>
+                      <a:tailEnd type="none" w="med" len="med"/>
+                    </a:lnB>
+                    <a:solidFill>
+                      <a:srgbClr val="F8F9FA"/>
+                    </a:solidFill>
+                  </a:tcPr>
+                </a:tc>
+                <a:tc>
+                  <a:txBody>
+                    <a:bodyPr/>
+                    <a:lstStyle/>
+                    <a:p>
+                      <a:r>
+                        <a:rPr lang="en-CA" sz="1400" b="1">
+                          <a:effectLst/>
+                        </a:rPr>
+                        <a:t>9:00 am – 11:10 am</a:t>
+                      </a:r>
+                    </a:p>
+                  </a:txBody>
+                  <a:tcPr marL="37134" marR="37134" marT="18567" marB="18567" anchor="ctr">
+                    <a:lnL w="7620" cap="flat" cmpd="sng" algn="ctr">
+                      <a:solidFill>
+                        <a:srgbClr val="A2A9B1"/>
+                      </a:solidFill>
+                      <a:prstDash val="solid"/>
+                      <a:round/>
+                      <a:headEnd type="none" w="med" len="med"/>
+                      <a:tailEnd type="none" w="med" len="med"/>
+                    </a:lnL>
+                    <a:lnR w="7620" cap="flat" cmpd="sng" algn="ctr">
+                      <a:solidFill>
+                        <a:srgbClr val="A2A9B1"/>
+                      </a:solidFill>
+                      <a:prstDash val="solid"/>
+                      <a:round/>
+                      <a:headEnd type="none" w="med" len="med"/>
+                      <a:tailEnd type="none" w="med" len="med"/>
+                    </a:lnR>
+                    <a:lnT w="7620" cap="flat" cmpd="sng" algn="ctr">
+                      <a:solidFill>
+                        <a:srgbClr val="A2A9B1"/>
+                      </a:solidFill>
+                      <a:prstDash val="solid"/>
+                      <a:round/>
+                      <a:headEnd type="none" w="med" len="med"/>
+                      <a:tailEnd type="none" w="med" len="med"/>
+                    </a:lnT>
+                    <a:lnB w="7620" cap="flat" cmpd="sng" algn="ctr">
+                      <a:solidFill>
+                        <a:srgbClr val="A2A9B1"/>
+                      </a:solidFill>
+                      <a:prstDash val="solid"/>
+                      <a:round/>
+                      <a:headEnd type="none" w="med" len="med"/>
+                      <a:tailEnd type="none" w="med" len="med"/>
+                    </a:lnB>
+                    <a:solidFill>
+                      <a:srgbClr val="F8F9FA"/>
+                    </a:solidFill>
+                  </a:tcPr>
+                </a:tc>
+                <a:tc>
+                  <a:txBody>
+                    <a:bodyPr/>
+                    <a:lstStyle/>
+                    <a:p>
+                      <a:r>
+                        <a:rPr lang="en-US" sz="1400" b="1" dirty="0">
+                          <a:effectLst/>
+                        </a:rPr>
+                        <a:t>Performed to a considerably smaller crowd of fewer than 200,000 people.</a:t>
+                      </a:r>
+                    </a:p>
+                  </a:txBody>
+                  <a:tcPr marL="37134" marR="37134" marT="18567" marB="18567" anchor="ctr">
+                    <a:lnL w="7620" cap="flat" cmpd="sng" algn="ctr">
+                      <a:solidFill>
+                        <a:srgbClr val="A2A9B1"/>
+                      </a:solidFill>
+                      <a:prstDash val="solid"/>
+                      <a:round/>
+                      <a:headEnd type="none" w="med" len="med"/>
+                      <a:tailEnd type="none" w="med" len="med"/>
+                    </a:lnL>
+                    <a:lnR w="7620" cap="flat" cmpd="sng" algn="ctr">
+                      <a:solidFill>
+                        <a:srgbClr val="A2A9B1"/>
+                      </a:solidFill>
+                      <a:prstDash val="solid"/>
+                      <a:round/>
+                      <a:headEnd type="none" w="med" len="med"/>
+                      <a:tailEnd type="none" w="med" len="med"/>
+                    </a:lnR>
+                    <a:lnT w="7620" cap="flat" cmpd="sng" algn="ctr">
+                      <a:solidFill>
+                        <a:srgbClr val="A2A9B1"/>
+                      </a:solidFill>
+                      <a:prstDash val="solid"/>
+                      <a:round/>
+                      <a:headEnd type="none" w="med" len="med"/>
+                      <a:tailEnd type="none" w="med" len="med"/>
+                    </a:lnT>
+                    <a:lnB w="7620" cap="flat" cmpd="sng" algn="ctr">
+                      <a:solidFill>
+                        <a:srgbClr val="A2A9B1"/>
+                      </a:solidFill>
+                      <a:prstDash val="solid"/>
+                      <a:round/>
+                      <a:headEnd type="none" w="med" len="med"/>
+                      <a:tailEnd type="none" w="med" len="med"/>
+                    </a:lnB>
+                    <a:solidFill>
+                      <a:srgbClr val="F8F9FA"/>
+                    </a:solidFill>
+                  </a:tcPr>
+                </a:tc>
+                <a:extLst>
+                  <a:ext uri="{0D108BD9-81ED-4DB2-BD59-A6C34878D82A}">
+                    <a16:rowId xmlns:a16="http://schemas.microsoft.com/office/drawing/2014/main" val="646104217"/>
+                  </a:ext>
+                </a:extLst>
+              </a:tr>
+            </a:tbl>
+          </a:graphicData>
+        </a:graphic>
+      </p:graphicFrame>
+    </p:spTree>
+    <p:extLst>
+      <p:ext uri="{BB962C8B-B14F-4D97-AF65-F5344CB8AC3E}">
+        <p14:creationId xmlns:p14="http://schemas.microsoft.com/office/powerpoint/2010/main" val="4114053619"/>
+      </p:ext>
+    </p:extLst>
+  </p:cSld>
+  <p:clrMapOvr>
+    <a:masterClrMapping/>
+  </p:clrMapOvr>
+</p:sld>
+</file>
+
+<file path=ppt/slides/slide16.xml><?xml version="1.0" encoding="utf-8"?>
+<p:sld xmlns:a="http://schemas.openxmlformats.org/drawingml/2006/main" xmlns:r="http://schemas.openxmlformats.org/officeDocument/2006/relationships" xmlns:p="http://schemas.openxmlformats.org/presentationml/2006/main">
+  <p:cSld>
+    <p:spTree>
+      <p:nvGrpSpPr>
+        <p:cNvPr id="1" name=""/>
+        <p:cNvGrpSpPr/>
+        <p:nvPr/>
+      </p:nvGrpSpPr>
+      <p:grpSpPr>
+        <a:xfrm>
+          <a:off x="0" y="0"/>
+          <a:ext cx="0" cy="0"/>
+          <a:chOff x="0" y="0"/>
+          <a:chExt cx="0" cy="0"/>
+        </a:xfrm>
+      </p:grpSpPr>
+      <p:sp>
+        <p:nvSpPr>
+          <p:cNvPr id="2" name="Title 1"/>
+          <p:cNvSpPr>
+            <a:spLocks noGrp="1"/>
+          </p:cNvSpPr>
+          <p:nvPr>
+            <p:ph type="title"/>
+          </p:nvPr>
+        </p:nvSpPr>
+        <p:spPr/>
+        <p:txBody>
+          <a:bodyPr/>
+          <a:lstStyle/>
+          <a:p>
+            <a:r>
+              <a:rPr lang="en-US" dirty="0"/>
+              <a:t>Performers’ paychecks!</a:t>
+            </a:r>
+          </a:p>
+        </p:txBody>
+      </p:sp>
+      <p:sp>
+        <p:nvSpPr>
+          <p:cNvPr id="3" name="Content Placeholder 2"/>
+          <p:cNvSpPr>
+            <a:spLocks noGrp="1"/>
+          </p:cNvSpPr>
+          <p:nvPr>
+            <p:ph idx="1"/>
+          </p:nvPr>
+        </p:nvSpPr>
+        <p:spPr>
+          <a:xfrm>
+            <a:off x="167426" y="2385392"/>
+            <a:ext cx="6009638" cy="4404514"/>
+          </a:xfrm>
+        </p:spPr>
+        <p:txBody>
+          <a:bodyPr>
+            <a:noAutofit/>
+          </a:bodyPr>
+          <a:lstStyle/>
+          <a:p>
+            <a:r>
+              <a:rPr lang="en-US" sz="2000" dirty="0"/>
+              <a:t>Jimi Hendrix: $30,000 for two sets (plus $2,000 for expenses) (today: </a:t>
+            </a:r>
+            <a:r>
+              <a:rPr lang="en-CA" dirty="0"/>
+              <a:t>$208,330)</a:t>
+            </a:r>
+            <a:endParaRPr lang="en-US" sz="2000" dirty="0"/>
+          </a:p>
+          <a:p>
+            <a:r>
+              <a:rPr lang="en-US" sz="2000" dirty="0"/>
+              <a:t>Blood, Sweat &amp; Tears: $15,000 (today: </a:t>
+            </a:r>
+            <a:r>
+              <a:rPr lang="en-CA" dirty="0"/>
+              <a:t> $104,165)</a:t>
+            </a:r>
+            <a:endParaRPr lang="en-US" sz="2000" dirty="0"/>
+          </a:p>
+          <a:p>
+            <a:r>
+              <a:rPr lang="en-US" sz="2000" dirty="0"/>
+              <a:t>Joan Baez: $10,000 (today: $</a:t>
+            </a:r>
+            <a:r>
+              <a:rPr lang="en-CA" sz="2000" dirty="0"/>
+              <a:t>69,443)</a:t>
+            </a:r>
+            <a:endParaRPr lang="en-US" sz="2000" dirty="0"/>
+          </a:p>
+          <a:p>
+            <a:r>
+              <a:rPr lang="en-US" sz="2000" dirty="0" err="1"/>
+              <a:t>Creedence</a:t>
+            </a:r>
+            <a:r>
+              <a:rPr lang="en-US" sz="2000" dirty="0"/>
+              <a:t> Clearwater Revival: $10,000 (today: $</a:t>
+            </a:r>
+            <a:r>
+              <a:rPr lang="en-CA" dirty="0"/>
+              <a:t>69,443)</a:t>
+            </a:r>
+            <a:endParaRPr lang="en-US" sz="2000" dirty="0"/>
+          </a:p>
+          <a:p>
+            <a:r>
+              <a:rPr lang="en-US" sz="2000" dirty="0"/>
+              <a:t>The Band: $7,500</a:t>
+            </a:r>
+          </a:p>
+          <a:p>
+            <a:r>
+              <a:rPr lang="en-US" sz="2000" dirty="0"/>
+              <a:t>Janis Joplin: $7,500</a:t>
+            </a:r>
+          </a:p>
+          <a:p>
+            <a:r>
+              <a:rPr lang="en-US" sz="2000" dirty="0"/>
+              <a:t>Jefferson Airplane: $7,500</a:t>
+            </a:r>
+          </a:p>
+          <a:p>
+            <a:r>
+              <a:rPr lang="en-US" sz="2000" dirty="0"/>
+              <a:t>Sly and the Family Stone: $7,000</a:t>
+            </a:r>
+          </a:p>
+          <a:p>
+            <a:endParaRPr lang="en-US" sz="2000" dirty="0"/>
+          </a:p>
+          <a:p>
+            <a:endParaRPr lang="en-US" sz="2000" dirty="0"/>
+          </a:p>
+        </p:txBody>
+      </p:sp>
+      <p:sp>
+        <p:nvSpPr>
+          <p:cNvPr id="5" name="TextBox 4"/>
+          <p:cNvSpPr txBox="1"/>
+          <p:nvPr/>
+        </p:nvSpPr>
+        <p:spPr>
+          <a:xfrm>
+            <a:off x="6374297" y="2385392"/>
+            <a:ext cx="5512904" cy="4093428"/>
+          </a:xfrm>
+          <a:prstGeom prst="rect">
+            <a:avLst/>
+          </a:prstGeom>
+          <a:noFill/>
+        </p:spPr>
+        <p:txBody>
+          <a:bodyPr wrap="square" rtlCol="0">
+            <a:spAutoFit/>
+          </a:bodyPr>
+          <a:lstStyle/>
+          <a:p>
+            <a:pPr marL="285750" indent="-285750">
+              <a:buFont typeface="Arial" panose="020B0604020202020204" pitchFamily="34" charset="0"/>
+              <a:buChar char="•"/>
+            </a:pPr>
+            <a:r>
+              <a:rPr lang="en-US" sz="2000" dirty="0"/>
+              <a:t>Canned Heat: $6,500</a:t>
+            </a:r>
+          </a:p>
+          <a:p>
+            <a:pPr marL="285750" indent="-285750">
+              <a:buFont typeface="Arial" panose="020B0604020202020204" pitchFamily="34" charset="0"/>
+              <a:buChar char="•"/>
+            </a:pPr>
+            <a:r>
+              <a:rPr lang="en-US" sz="2000" dirty="0"/>
+              <a:t>The Who: $6,250</a:t>
+            </a:r>
+          </a:p>
+          <a:p>
+            <a:pPr marL="285750" indent="-285750">
+              <a:buFont typeface="Arial" panose="020B0604020202020204" pitchFamily="34" charset="0"/>
+              <a:buChar char="•"/>
+            </a:pPr>
+            <a:r>
+              <a:rPr lang="en-US" sz="2000" dirty="0"/>
+              <a:t>Richie Havens: $6,000 (today: $41,666)</a:t>
+            </a:r>
+          </a:p>
+          <a:p>
+            <a:pPr marL="285750" indent="-285750">
+              <a:buFont typeface="Arial" panose="020B0604020202020204" pitchFamily="34" charset="0"/>
+              <a:buChar char="•"/>
+            </a:pPr>
+            <a:r>
+              <a:rPr lang="en-US" sz="2000" dirty="0"/>
+              <a:t>Arlo Guthrie: $5,000</a:t>
+            </a:r>
+          </a:p>
+          <a:p>
+            <a:pPr marL="285750" indent="-285750">
+              <a:buFont typeface="Arial" panose="020B0604020202020204" pitchFamily="34" charset="0"/>
+              <a:buChar char="•"/>
+            </a:pPr>
+            <a:r>
+              <a:rPr lang="en-US" sz="2000" dirty="0"/>
+              <a:t>Crosby, Stills, Nash &amp; Young: $5,000</a:t>
+            </a:r>
+          </a:p>
+          <a:p>
+            <a:pPr marL="285750" indent="-285750">
+              <a:buFont typeface="Arial" panose="020B0604020202020204" pitchFamily="34" charset="0"/>
+              <a:buChar char="•"/>
+            </a:pPr>
+            <a:r>
+              <a:rPr lang="en-US" sz="2000" dirty="0"/>
+              <a:t>Ravi Shankar: $4,500</a:t>
+            </a:r>
+          </a:p>
+          <a:p>
+            <a:pPr marL="285750" indent="-285750">
+              <a:buFont typeface="Arial" panose="020B0604020202020204" pitchFamily="34" charset="0"/>
+              <a:buChar char="•"/>
+            </a:pPr>
+            <a:r>
+              <a:rPr lang="en-US" sz="2000" dirty="0"/>
+              <a:t>Johnny Winter: $3,750</a:t>
+            </a:r>
+          </a:p>
+          <a:p>
+            <a:pPr marL="285750" indent="-285750">
+              <a:buFont typeface="Arial" panose="020B0604020202020204" pitchFamily="34" charset="0"/>
+              <a:buChar char="•"/>
+            </a:pPr>
+            <a:r>
+              <a:rPr lang="en-US" sz="2000" dirty="0"/>
+              <a:t>Ten Years After: $3,250</a:t>
+            </a:r>
+          </a:p>
+          <a:p>
+            <a:pPr marL="285750" indent="-285750">
+              <a:buFont typeface="Arial" panose="020B0604020202020204" pitchFamily="34" charset="0"/>
+              <a:buChar char="•"/>
+            </a:pPr>
+            <a:r>
+              <a:rPr lang="en-US" sz="2000" dirty="0"/>
+              <a:t>Country Joe and the Fish: $2,500</a:t>
+            </a:r>
+          </a:p>
+          <a:p>
+            <a:pPr marL="285750" indent="-285750">
+              <a:buFont typeface="Arial" panose="020B0604020202020204" pitchFamily="34" charset="0"/>
+              <a:buChar char="•"/>
+            </a:pPr>
+            <a:r>
+              <a:rPr lang="en-US" sz="2000" dirty="0"/>
+              <a:t>Grateful Dead: $2,500</a:t>
+            </a:r>
+          </a:p>
+          <a:p>
+            <a:pPr marL="285750" indent="-285750">
+              <a:buFont typeface="Arial" panose="020B0604020202020204" pitchFamily="34" charset="0"/>
+              <a:buChar char="•"/>
+            </a:pPr>
+            <a:r>
+              <a:rPr lang="en-US" sz="2000" dirty="0"/>
+              <a:t>Joe Cocker: $1,375</a:t>
+            </a:r>
+          </a:p>
+          <a:p>
+            <a:pPr marL="285750" indent="-285750">
+              <a:buFont typeface="Arial" panose="020B0604020202020204" pitchFamily="34" charset="0"/>
+              <a:buChar char="•"/>
+            </a:pPr>
+            <a:r>
+              <a:rPr lang="en-US" sz="2000" dirty="0"/>
+              <a:t>Santana: $750</a:t>
+            </a:r>
+          </a:p>
+          <a:p>
+            <a:pPr marL="285750" indent="-285750">
+              <a:buFont typeface="Arial" panose="020B0604020202020204" pitchFamily="34" charset="0"/>
+              <a:buChar char="•"/>
+            </a:pPr>
+            <a:r>
+              <a:rPr lang="en-US" sz="2000" dirty="0"/>
+              <a:t>Sha Na </a:t>
+            </a:r>
+            <a:r>
+              <a:rPr lang="en-US" sz="2000" dirty="0" err="1"/>
+              <a:t>Na</a:t>
+            </a:r>
+            <a:r>
+              <a:rPr lang="en-US" sz="2000" dirty="0"/>
+              <a:t>: $700</a:t>
+            </a:r>
+          </a:p>
+        </p:txBody>
+      </p:sp>
+    </p:spTree>
+    <p:extLst>
+      <p:ext uri="{BB962C8B-B14F-4D97-AF65-F5344CB8AC3E}">
+        <p14:creationId xmlns:p14="http://schemas.microsoft.com/office/powerpoint/2010/main" val="4044296142"/>
+      </p:ext>
+    </p:extLst>
+  </p:cSld>
+  <p:clrMapOvr>
+    <a:masterClrMapping/>
+  </p:clrMapOvr>
+</p:sld>
+</file>
+
+<file path=ppt/slides/slide17.xml><?xml version="1.0" encoding="utf-8"?>
+<p:sld xmlns:a="http://schemas.openxmlformats.org/drawingml/2006/main" xmlns:r="http://schemas.openxmlformats.org/officeDocument/2006/relationships" xmlns:p="http://schemas.openxmlformats.org/presentationml/2006/main">
+  <p:cSld>
+    <p:spTree>
+      <p:nvGrpSpPr>
+        <p:cNvPr id="1" name=""/>
+        <p:cNvGrpSpPr/>
+        <p:nvPr/>
+      </p:nvGrpSpPr>
+      <p:grpSpPr>
+        <a:xfrm>
+          <a:off x="0" y="0"/>
+          <a:ext cx="0" cy="0"/>
+          <a:chOff x="0" y="0"/>
+          <a:chExt cx="0" cy="0"/>
+        </a:xfrm>
+      </p:grpSpPr>
+      <p:sp>
+        <p:nvSpPr>
+          <p:cNvPr id="2" name="Title 1">
+            <a:extLst>
+              <a:ext uri="{FF2B5EF4-FFF2-40B4-BE49-F238E27FC236}">
+                <a16:creationId xmlns:a16="http://schemas.microsoft.com/office/drawing/2014/main" id="{537677C5-78C9-4500-897C-278A26DCE589}"/>
+              </a:ext>
+            </a:extLst>
+          </p:cNvPr>
+          <p:cNvSpPr>
+            <a:spLocks noGrp="1"/>
+          </p:cNvSpPr>
+          <p:nvPr>
+            <p:ph type="title"/>
+          </p:nvPr>
+        </p:nvSpPr>
+        <p:spPr/>
+        <p:txBody>
+          <a:bodyPr/>
+          <a:lstStyle/>
+          <a:p>
+            <a:r>
+              <a:rPr lang="en-CA" dirty="0"/>
+              <a:t>What did it all mean?</a:t>
+            </a:r>
+          </a:p>
+        </p:txBody>
+      </p:sp>
+      <p:sp>
+        <p:nvSpPr>
+          <p:cNvPr id="3" name="Content Placeholder 2">
+            <a:extLst>
+              <a:ext uri="{FF2B5EF4-FFF2-40B4-BE49-F238E27FC236}">
+                <a16:creationId xmlns:a16="http://schemas.microsoft.com/office/drawing/2014/main" id="{260CFE15-4C2A-4F9A-AE42-B94819EDE641}"/>
+              </a:ext>
+            </a:extLst>
+          </p:cNvPr>
+          <p:cNvSpPr>
+            <a:spLocks noGrp="1"/>
+          </p:cNvSpPr>
+          <p:nvPr>
+            <p:ph idx="1"/>
+          </p:nvPr>
+        </p:nvSpPr>
+        <p:spPr>
+          <a:xfrm>
+            <a:off x="683582" y="2388093"/>
+            <a:ext cx="10946166" cy="3861787"/>
+          </a:xfrm>
+        </p:spPr>
+        <p:txBody>
+          <a:bodyPr>
+            <a:normAutofit/>
+          </a:bodyPr>
+          <a:lstStyle/>
+          <a:p>
+            <a:r>
+              <a:rPr lang="en-CA" sz="2400" dirty="0"/>
+              <a:t>Abby Hoffman’s </a:t>
+            </a:r>
+            <a:r>
+              <a:rPr lang="en-CA" sz="2400" i="1" dirty="0"/>
+              <a:t>Woodstock Nation</a:t>
+            </a:r>
+            <a:r>
+              <a:rPr lang="en-CA" sz="2400" dirty="0"/>
+              <a:t>, or some other version of it.</a:t>
+            </a:r>
+          </a:p>
+          <a:p>
+            <a:r>
+              <a:rPr lang="en-CA" sz="2400" dirty="0"/>
+              <a:t>Woodstock Ventures almost went bankrupt: 1.4 million loss.</a:t>
+            </a:r>
+          </a:p>
+          <a:p>
+            <a:r>
+              <a:rPr lang="en-CA" sz="2400" dirty="0"/>
+              <a:t>The movie was the big money maker: Warner Brothers bought the rights, made $50 million, but not for Mike and Artie.</a:t>
+            </a:r>
+          </a:p>
+          <a:p>
+            <a:r>
+              <a:rPr lang="en-CA" sz="2400" dirty="0"/>
+              <a:t>Infused people with the idea that rock/hippies/youths could be good people, not fearsome.</a:t>
+            </a:r>
+          </a:p>
+          <a:p>
+            <a:r>
+              <a:rPr lang="en-CA" sz="2400" dirty="0"/>
+              <a:t>Inspired a number of songs, including this one:</a:t>
+            </a:r>
+          </a:p>
+          <a:p>
+            <a:r>
+              <a:rPr lang="en-CA" sz="2400" dirty="0"/>
+              <a:t>Joni Mitchell, “Woodstock” [</a:t>
+            </a:r>
+            <a:r>
+              <a:rPr lang="en-CA" sz="2400" dirty="0">
+                <a:hlinkClick r:id="rId2"/>
+              </a:rPr>
+              <a:t>link</a:t>
+            </a:r>
+            <a:r>
+              <a:rPr lang="en-CA" sz="2400" dirty="0"/>
+              <a:t>]</a:t>
+            </a:r>
+          </a:p>
+        </p:txBody>
+      </p:sp>
+    </p:spTree>
+    <p:extLst>
+      <p:ext uri="{BB962C8B-B14F-4D97-AF65-F5344CB8AC3E}">
+        <p14:creationId xmlns:p14="http://schemas.microsoft.com/office/powerpoint/2010/main" val="208517976"/>
+      </p:ext>
+    </p:extLst>
+  </p:cSld>
+  <p:clrMapOvr>
+    <a:masterClrMapping/>
+  </p:clrMapOvr>
+</p:sld>
+</file>
+
+<file path=ppt/slides/slide18.xml><?xml version="1.0" encoding="utf-8"?>
+<p:sld xmlns:a="http://schemas.openxmlformats.org/drawingml/2006/main" xmlns:r="http://schemas.openxmlformats.org/officeDocument/2006/relationships" xmlns:p="http://schemas.openxmlformats.org/presentationml/2006/main">
+  <p:cSld>
+    <p:spTree>
+      <p:nvGrpSpPr>
+        <p:cNvPr id="1" name=""/>
+        <p:cNvGrpSpPr/>
+        <p:nvPr/>
+      </p:nvGrpSpPr>
+      <p:grpSpPr>
+        <a:xfrm>
+          <a:off x="0" y="0"/>
+          <a:ext cx="0" cy="0"/>
+          <a:chOff x="0" y="0"/>
+          <a:chExt cx="0" cy="0"/>
+        </a:xfrm>
+      </p:grpSpPr>
+      <p:sp>
+        <p:nvSpPr>
+          <p:cNvPr id="2" name="Title 1">
+            <a:extLst>
+              <a:ext uri="{FF2B5EF4-FFF2-40B4-BE49-F238E27FC236}">
+                <a16:creationId xmlns:a16="http://schemas.microsoft.com/office/drawing/2014/main" id="{D391AB45-67D8-4172-9008-661543AEE5B6}"/>
+              </a:ext>
+            </a:extLst>
+          </p:cNvPr>
+          <p:cNvSpPr>
+            <a:spLocks noGrp="1"/>
+          </p:cNvSpPr>
+          <p:nvPr>
+            <p:ph type="title"/>
+          </p:nvPr>
+        </p:nvSpPr>
+        <p:spPr/>
+        <p:txBody>
+          <a:bodyPr/>
+          <a:lstStyle/>
+          <a:p>
+            <a:r>
+              <a:rPr lang="en-CA" dirty="0"/>
+              <a:t>Woodstock’s legacy</a:t>
+            </a:r>
+          </a:p>
+        </p:txBody>
+      </p:sp>
+      <p:sp>
+        <p:nvSpPr>
+          <p:cNvPr id="3" name="Content Placeholder 2">
+            <a:extLst>
+              <a:ext uri="{FF2B5EF4-FFF2-40B4-BE49-F238E27FC236}">
+                <a16:creationId xmlns:a16="http://schemas.microsoft.com/office/drawing/2014/main" id="{19039E1F-B82C-496D-A8E8-994927D1EDE2}"/>
+              </a:ext>
+            </a:extLst>
+          </p:cNvPr>
+          <p:cNvSpPr>
+            <a:spLocks noGrp="1"/>
+          </p:cNvSpPr>
+          <p:nvPr>
+            <p:ph idx="1"/>
+          </p:nvPr>
+        </p:nvSpPr>
+        <p:spPr/>
+        <p:txBody>
+          <a:bodyPr>
+            <a:normAutofit/>
+          </a:bodyPr>
+          <a:lstStyle/>
+          <a:p>
+            <a:r>
+              <a:rPr lang="en-US" sz="2800" dirty="0"/>
+              <a:t>In late 1969, Jimi Hendrix wrote a poem about Woodstock: "500,000 halos outshined the mud and history. We washed and drank in God's tears of joy. And for once, and for everyone, the truth was not still a mystery." — Michael Lang (The Road to Woodstock)</a:t>
+            </a:r>
+            <a:endParaRPr lang="en-CA" sz="2800" dirty="0"/>
+          </a:p>
+        </p:txBody>
+      </p:sp>
+    </p:spTree>
+    <p:extLst>
+      <p:ext uri="{BB962C8B-B14F-4D97-AF65-F5344CB8AC3E}">
+        <p14:creationId xmlns:p14="http://schemas.microsoft.com/office/powerpoint/2010/main" val="1694163926"/>
+      </p:ext>
+    </p:extLst>
+  </p:cSld>
+  <p:clrMapOvr>
+    <a:masterClrMapping/>
+  </p:clrMapOvr>
+</p:sld>
+</file>
+
 <file path=ppt/slides/slide2.xml><?xml version="1.0" encoding="utf-8"?>
 <p:sld xmlns:a="http://schemas.openxmlformats.org/drawingml/2006/main" xmlns:r="http://schemas.openxmlformats.org/officeDocument/2006/relationships" xmlns:p="http://schemas.openxmlformats.org/presentationml/2006/main">
   <p:cSld>
@@ -13498,8 +21984,12 @@
           <a:lstStyle/>
           <a:p>
             <a:r>
+              <a:rPr lang="en-US" sz="2400"/>
+              <a:t>In North </a:t>
+            </a:r>
+            <a:r>
               <a:rPr lang="en-US" sz="2400" dirty="0"/>
-              <a:t>In north Vietnam: Resistance War Against America</a:t>
+              <a:t>Vietnam: Resistance War Against America</a:t>
             </a:r>
           </a:p>
           <a:p>
@@ -14160,7 +22650,13 @@
       </p:grpSpPr>
       <p:sp>
         <p:nvSpPr>
-          <p:cNvPr id="2" name="Title 1"/>
+          <p:cNvPr id="2" name="Title 1">
+            <a:extLst>
+              <a:ext uri="{FF2B5EF4-FFF2-40B4-BE49-F238E27FC236}">
+                <a16:creationId xmlns:a16="http://schemas.microsoft.com/office/drawing/2014/main" id="{87A4EE1C-8550-4E05-AE0B-4534D5CD2214}"/>
+              </a:ext>
+            </a:extLst>
+          </p:cNvPr>
           <p:cNvSpPr>
             <a:spLocks noGrp="1"/>
           </p:cNvSpPr>
@@ -14174,15 +22670,21 @@
           <a:lstStyle/>
           <a:p>
             <a:r>
-              <a:rPr lang="en-US" dirty="0"/>
-              <a:t>Woodstock Music and Art Fair, </a:t>
+              <a:rPr lang="en-CA" dirty="0"/>
+              <a:t>Political crises of 1968: World on Fire</a:t>
             </a:r>
           </a:p>
         </p:txBody>
       </p:sp>
       <p:sp>
         <p:nvSpPr>
-          <p:cNvPr id="3" name="Content Placeholder 2"/>
+          <p:cNvPr id="3" name="Content Placeholder 2">
+            <a:extLst>
+              <a:ext uri="{FF2B5EF4-FFF2-40B4-BE49-F238E27FC236}">
+                <a16:creationId xmlns:a16="http://schemas.microsoft.com/office/drawing/2014/main" id="{48F5B16C-2358-4501-9C2C-F45CBDA4DB1A}"/>
+              </a:ext>
+            </a:extLst>
+          </p:cNvPr>
           <p:cNvSpPr>
             <a:spLocks noGrp="1"/>
           </p:cNvSpPr>
@@ -14190,113 +22692,58 @@
             <p:ph idx="1"/>
           </p:nvPr>
         </p:nvSpPr>
-        <p:spPr>
-          <a:xfrm>
-            <a:off x="978794" y="2343955"/>
-            <a:ext cx="6748531" cy="4158057"/>
-          </a:xfrm>
-        </p:spPr>
+        <p:spPr/>
         <p:txBody>
           <a:bodyPr/>
           <a:lstStyle/>
           <a:p>
             <a:r>
+              <a:rPr lang="en-CA" dirty="0"/>
+              <a:t>Student protests across the globe:</a:t>
+            </a:r>
+          </a:p>
+          <a:p>
+            <a:r>
+              <a:rPr lang="en-CA" dirty="0"/>
+              <a:t>January: Prague Spring begins in Czechoslovakia.</a:t>
+            </a:r>
+          </a:p>
+          <a:p>
+            <a:r>
               <a:rPr lang="en-US" dirty="0"/>
-              <a:t>White Lake/Bethel, NY, 15-18 August 1969: Three Days of Peace and Music</a:t>
+              <a:t>February: Civil rights protest staged at a white-only bowling alley in Orangeburg, SC, is broken up by highway patrolmen; 3 college students are killed.</a:t>
             </a:r>
           </a:p>
           <a:p>
             <a:r>
               <a:rPr lang="en-US" dirty="0"/>
-              <a:t>186,000 advance tickets sold ($18 each).</a:t>
-            </a:r>
-          </a:p>
-          <a:p>
-            <a:r>
-              <a:rPr lang="en-US" dirty="0"/>
-              <a:t>Banned from initial site (toilets), which promoted festival.</a:t>
-            </a:r>
-          </a:p>
-          <a:p>
-            <a:r>
-              <a:rPr lang="en-US" dirty="0"/>
-              <a:t>Max </a:t>
-            </a:r>
-            <a:r>
-              <a:rPr lang="en-US" dirty="0" err="1"/>
-              <a:t>Yasgur’s</a:t>
-            </a:r>
-            <a:r>
-              <a:rPr lang="en-US" dirty="0"/>
-              <a:t> milk farm formed the bowl.</a:t>
-            </a:r>
-          </a:p>
-          <a:p>
-            <a:r>
-              <a:rPr lang="en-US" dirty="0"/>
-              <a:t>Late change of site left no time to prepare: stage or fence; chose stage.</a:t>
-            </a:r>
-          </a:p>
-          <a:p>
-            <a:r>
-              <a:rPr lang="en-US" dirty="0"/>
-              <a:t>About 500,000 showed up.</a:t>
-            </a:r>
-          </a:p>
-          <a:p>
-            <a:r>
-              <a:rPr lang="en-US" dirty="0"/>
-              <a:t>Two deaths, two births, lots of rain.</a:t>
-            </a:r>
-          </a:p>
-          <a:p>
-            <a:r>
-              <a:rPr lang="en-US" dirty="0"/>
-              <a:t>Hendrix closed on Monday morning, as people straggled home.</a:t>
-            </a:r>
-          </a:p>
-          <a:p>
-            <a:endParaRPr lang="en-US" dirty="0"/>
-          </a:p>
-          <a:p>
-            <a:endParaRPr lang="en-US" dirty="0"/>
+              <a:t>March: Student protests on US campuses, across France, Germany, Italy.</a:t>
+            </a:r>
+          </a:p>
+          <a:p>
+            <a:r>
+              <a:rPr lang="en-CA" dirty="0"/>
+              <a:t>April: Martin Luther King Jr assassinated.</a:t>
+            </a:r>
+          </a:p>
+          <a:p>
+            <a:r>
+              <a:rPr lang="en-CA" dirty="0"/>
+              <a:t>May: million French students protest on streets of Paris</a:t>
+            </a:r>
+          </a:p>
+          <a:p>
+            <a:r>
+              <a:rPr lang="en-CA" dirty="0"/>
+              <a:t>June: Robert F. Kennedy assassinated.</a:t>
+            </a:r>
           </a:p>
         </p:txBody>
       </p:sp>
-      <p:pic>
-        <p:nvPicPr>
-          <p:cNvPr id="4" name="Picture 3"/>
-          <p:cNvPicPr>
-            <a:picLocks noChangeAspect="1"/>
-          </p:cNvPicPr>
-          <p:nvPr/>
-        </p:nvPicPr>
-        <p:blipFill>
-          <a:blip r:embed="rId2">
-            <a:extLst>
-              <a:ext uri="{28A0092B-C50C-407E-A947-70E740481C1C}">
-                <a14:useLocalDpi xmlns:a14="http://schemas.microsoft.com/office/drawing/2010/main" val="0"/>
-              </a:ext>
-            </a:extLst>
-          </a:blip>
-          <a:stretch>
-            <a:fillRect/>
-          </a:stretch>
-        </p:blipFill>
-        <p:spPr>
-          <a:xfrm>
-            <a:off x="8223179" y="1680632"/>
-            <a:ext cx="3514867" cy="4821380"/>
-          </a:xfrm>
-          <a:prstGeom prst="rect">
-            <a:avLst/>
-          </a:prstGeom>
-        </p:spPr>
-      </p:pic>
     </p:spTree>
     <p:extLst>
       <p:ext uri="{BB962C8B-B14F-4D97-AF65-F5344CB8AC3E}">
-        <p14:creationId xmlns:p14="http://schemas.microsoft.com/office/powerpoint/2010/main" val="1607922746"/>
+        <p14:creationId xmlns:p14="http://schemas.microsoft.com/office/powerpoint/2010/main" val="4046068048"/>
       </p:ext>
     </p:extLst>
   </p:cSld>
@@ -14325,7 +22772,13 @@
       </p:grpSpPr>
       <p:sp>
         <p:nvSpPr>
-          <p:cNvPr id="2" name="Title 1"/>
+          <p:cNvPr id="2" name="Title 1">
+            <a:extLst>
+              <a:ext uri="{FF2B5EF4-FFF2-40B4-BE49-F238E27FC236}">
+                <a16:creationId xmlns:a16="http://schemas.microsoft.com/office/drawing/2014/main" id="{87A4EE1C-8550-4E05-AE0B-4534D5CD2214}"/>
+              </a:ext>
+            </a:extLst>
+          </p:cNvPr>
           <p:cNvSpPr>
             <a:spLocks noGrp="1"/>
           </p:cNvSpPr>
@@ -14339,15 +22792,21 @@
           <a:lstStyle/>
           <a:p>
             <a:r>
-              <a:rPr lang="en-US" dirty="0"/>
-              <a:t>Performers’ paychecks!</a:t>
+              <a:rPr lang="en-CA" dirty="0"/>
+              <a:t>Political crises of 1968: World on Fire</a:t>
             </a:r>
           </a:p>
         </p:txBody>
       </p:sp>
       <p:sp>
         <p:nvSpPr>
-          <p:cNvPr id="3" name="Content Placeholder 2"/>
+          <p:cNvPr id="3" name="Content Placeholder 2">
+            <a:extLst>
+              <a:ext uri="{FF2B5EF4-FFF2-40B4-BE49-F238E27FC236}">
+                <a16:creationId xmlns:a16="http://schemas.microsoft.com/office/drawing/2014/main" id="{48F5B16C-2358-4501-9C2C-F45CBDA4DB1A}"/>
+              </a:ext>
+            </a:extLst>
+          </p:cNvPr>
           <p:cNvSpPr>
             <a:spLocks noGrp="1"/>
           </p:cNvSpPr>
@@ -14357,252 +22816,70 @@
         </p:nvSpPr>
         <p:spPr>
           <a:xfrm>
-            <a:off x="167426" y="2385392"/>
-            <a:ext cx="6009638" cy="4404514"/>
+            <a:off x="514905" y="2603500"/>
+            <a:ext cx="11141475" cy="3992610"/>
           </a:xfrm>
         </p:spPr>
         <p:txBody>
           <a:bodyPr>
-            <a:noAutofit/>
+            <a:normAutofit/>
           </a:bodyPr>
           <a:lstStyle/>
           <a:p>
             <a:r>
-              <a:rPr lang="en-US" sz="2000" dirty="0"/>
-              <a:t>Jimi Hendrix: $30,000 for two sets (plus $2,000 for expenses) (today: </a:t>
-            </a:r>
-            <a:r>
-              <a:rPr lang="en-CA" dirty="0"/>
-              <a:t>$208,330)</a:t>
-            </a:r>
-            <a:endParaRPr lang="en-US" sz="2000" dirty="0"/>
-          </a:p>
-          <a:p>
-            <a:r>
-              <a:rPr lang="en-US" sz="2000" dirty="0"/>
-              <a:t>Blood, Sweat &amp; Tears: $15,000 (today: </a:t>
-            </a:r>
-            <a:r>
-              <a:rPr lang="en-CA" dirty="0"/>
-              <a:t> $104,165)</a:t>
-            </a:r>
-            <a:endParaRPr lang="en-US" sz="2000" dirty="0"/>
-          </a:p>
-          <a:p>
-            <a:r>
-              <a:rPr lang="en-US" sz="2000" dirty="0"/>
-              <a:t>Joan Baez: $10,000 (today: $</a:t>
-            </a:r>
-            <a:r>
               <a:rPr lang="en-CA" sz="2000" dirty="0"/>
-              <a:t>69,443)</a:t>
-            </a:r>
-            <a:endParaRPr lang="en-US" sz="2000" dirty="0"/>
-          </a:p>
-          <a:p>
-            <a:r>
-              <a:rPr lang="en-US" sz="2000" dirty="0" err="1"/>
-              <a:t>Creedence</a:t>
-            </a:r>
-            <a:r>
-              <a:rPr lang="en-US" sz="2000" dirty="0"/>
-              <a:t> Clearwater Revival: $10,000 (today: $</a:t>
-            </a:r>
-            <a:r>
-              <a:rPr lang="en-CA" dirty="0"/>
-              <a:t>69,443)</a:t>
-            </a:r>
-            <a:endParaRPr lang="en-US" sz="2000" dirty="0"/>
-          </a:p>
-          <a:p>
-            <a:r>
-              <a:rPr lang="en-US" sz="2000" dirty="0"/>
-              <a:t>The Band: $7,500</a:t>
-            </a:r>
-          </a:p>
-          <a:p>
-            <a:r>
-              <a:rPr lang="en-US" sz="2000" dirty="0"/>
-              <a:t>Janis Joplin: $7,500</a:t>
-            </a:r>
-          </a:p>
-          <a:p>
-            <a:r>
-              <a:rPr lang="en-US" sz="2000" dirty="0"/>
-              <a:t>Jefferson Airplane: $7,500</a:t>
-            </a:r>
-          </a:p>
-          <a:p>
-            <a:r>
-              <a:rPr lang="en-US" sz="2000" dirty="0"/>
-              <a:t>Sly and the Family Stone: $7,000</a:t>
-            </a:r>
-          </a:p>
-          <a:p>
-            <a:endParaRPr lang="en-US" sz="2000" dirty="0"/>
-          </a:p>
-          <a:p>
-            <a:endParaRPr lang="en-US" sz="2000" dirty="0"/>
-          </a:p>
-        </p:txBody>
-      </p:sp>
-      <p:sp>
-        <p:nvSpPr>
-          <p:cNvPr id="5" name="TextBox 4"/>
-          <p:cNvSpPr txBox="1"/>
-          <p:nvPr/>
-        </p:nvSpPr>
-        <p:spPr>
-          <a:xfrm>
-            <a:off x="6374297" y="2385392"/>
-            <a:ext cx="5512904" cy="4093428"/>
-          </a:xfrm>
-          <a:prstGeom prst="rect">
-            <a:avLst/>
-          </a:prstGeom>
-          <a:noFill/>
-        </p:spPr>
-        <p:txBody>
-          <a:bodyPr wrap="square" rtlCol="0">
-            <a:spAutoFit/>
-          </a:bodyPr>
-          <a:lstStyle/>
-          <a:p>
-            <a:pPr marL="285750" indent="-285750">
-              <a:buFont typeface="Arial" panose="020B0604020202020204" pitchFamily="34" charset="0"/>
-              <a:buChar char="•"/>
-            </a:pPr>
-            <a:r>
-              <a:rPr lang="en-US" sz="2000" dirty="0"/>
-              <a:t>Canned Heat: $6,500</a:t>
-            </a:r>
-          </a:p>
-          <a:p>
-            <a:pPr marL="285750" indent="-285750">
-              <a:buFont typeface="Arial" panose="020B0604020202020204" pitchFamily="34" charset="0"/>
-              <a:buChar char="•"/>
-            </a:pPr>
-            <a:r>
-              <a:rPr lang="en-US" sz="2000" dirty="0"/>
-              <a:t>The Who: $6,250</a:t>
-            </a:r>
-          </a:p>
-          <a:p>
-            <a:pPr marL="285750" indent="-285750">
-              <a:buFont typeface="Arial" panose="020B0604020202020204" pitchFamily="34" charset="0"/>
-              <a:buChar char="•"/>
-            </a:pPr>
-            <a:r>
-              <a:rPr lang="en-US" sz="2000" dirty="0"/>
-              <a:t>Richie Havens: $6,000 (today: $41,666)</a:t>
-            </a:r>
-          </a:p>
-          <a:p>
-            <a:pPr marL="285750" indent="-285750">
-              <a:buFont typeface="Arial" panose="020B0604020202020204" pitchFamily="34" charset="0"/>
-              <a:buChar char="•"/>
-            </a:pPr>
-            <a:r>
-              <a:rPr lang="en-US" sz="2000" dirty="0"/>
-              <a:t>Arlo Guthrie: $5,000</a:t>
-            </a:r>
-          </a:p>
-          <a:p>
-            <a:pPr marL="285750" indent="-285750">
-              <a:buFont typeface="Arial" panose="020B0604020202020204" pitchFamily="34" charset="0"/>
-              <a:buChar char="•"/>
-            </a:pPr>
-            <a:r>
-              <a:rPr lang="en-US" sz="2000" dirty="0"/>
-              <a:t>Crosby, Stills, Nash &amp; Young: $5,000</a:t>
-            </a:r>
-          </a:p>
-          <a:p>
-            <a:pPr marL="285750" indent="-285750">
-              <a:buFont typeface="Arial" panose="020B0604020202020204" pitchFamily="34" charset="0"/>
-              <a:buChar char="•"/>
-            </a:pPr>
-            <a:r>
-              <a:rPr lang="en-US" sz="2000" dirty="0"/>
-              <a:t>Ravi Shankar: $4,500</a:t>
-            </a:r>
-          </a:p>
-          <a:p>
-            <a:pPr marL="285750" indent="-285750">
-              <a:buFont typeface="Arial" panose="020B0604020202020204" pitchFamily="34" charset="0"/>
-              <a:buChar char="•"/>
-            </a:pPr>
-            <a:r>
-              <a:rPr lang="en-US" sz="2000" dirty="0"/>
-              <a:t>Johnny Winter: $3,750</a:t>
-            </a:r>
-          </a:p>
-          <a:p>
-            <a:pPr marL="285750" indent="-285750">
-              <a:buFont typeface="Arial" panose="020B0604020202020204" pitchFamily="34" charset="0"/>
-              <a:buChar char="•"/>
-            </a:pPr>
-            <a:r>
-              <a:rPr lang="en-US" sz="2000" dirty="0"/>
-              <a:t>Ten Years After: $3,250</a:t>
-            </a:r>
-          </a:p>
-          <a:p>
-            <a:pPr marL="285750" indent="-285750">
-              <a:buFont typeface="Arial" panose="020B0604020202020204" pitchFamily="34" charset="0"/>
-              <a:buChar char="•"/>
-            </a:pPr>
-            <a:r>
-              <a:rPr lang="en-US" sz="2000" dirty="0"/>
-              <a:t>Country Joe and the Fish: $2,500</a:t>
-            </a:r>
-          </a:p>
-          <a:p>
-            <a:pPr marL="285750" indent="-285750">
-              <a:buFont typeface="Arial" panose="020B0604020202020204" pitchFamily="34" charset="0"/>
-              <a:buChar char="•"/>
-            </a:pPr>
-            <a:r>
-              <a:rPr lang="en-US" sz="2000" dirty="0"/>
-              <a:t>Grateful Dead: $2,500</a:t>
-            </a:r>
-          </a:p>
-          <a:p>
-            <a:pPr marL="285750" indent="-285750">
-              <a:buFont typeface="Arial" panose="020B0604020202020204" pitchFamily="34" charset="0"/>
-              <a:buChar char="•"/>
-            </a:pPr>
-            <a:r>
-              <a:rPr lang="en-US" sz="2000" dirty="0"/>
-              <a:t>Joe Cocker: $1,375</a:t>
-            </a:r>
-          </a:p>
-          <a:p>
-            <a:pPr marL="285750" indent="-285750">
-              <a:buFont typeface="Arial" panose="020B0604020202020204" pitchFamily="34" charset="0"/>
-              <a:buChar char="•"/>
-            </a:pPr>
-            <a:r>
-              <a:rPr lang="en-US" sz="2000" dirty="0"/>
-              <a:t>Santana: $750</a:t>
-            </a:r>
-          </a:p>
-          <a:p>
-            <a:pPr marL="285750" indent="-285750">
-              <a:buFont typeface="Arial" panose="020B0604020202020204" pitchFamily="34" charset="0"/>
-              <a:buChar char="•"/>
-            </a:pPr>
-            <a:r>
-              <a:rPr lang="en-US" sz="2000" dirty="0"/>
-              <a:t>Sha Na </a:t>
-            </a:r>
-            <a:r>
-              <a:rPr lang="en-US" sz="2000" dirty="0" err="1"/>
-              <a:t>Na</a:t>
-            </a:r>
-            <a:r>
-              <a:rPr lang="en-US" sz="2000" dirty="0"/>
-              <a:t>: $700</a:t>
+              <a:t>August: Warsaw Pact troops invaded Czechoslovakia ending the hope of Prague Spring.</a:t>
+            </a:r>
+          </a:p>
+          <a:p>
+            <a:r>
+              <a:rPr lang="en-CA" sz="2000" dirty="0"/>
+              <a:t>August, 23-28: Democratic National Convention in Chicago (</a:t>
+            </a:r>
+            <a:r>
+              <a:rPr lang="en-CA" sz="2000" dirty="0" err="1"/>
+              <a:t>Yippies</a:t>
+            </a:r>
+            <a:r>
+              <a:rPr lang="en-CA" sz="2000" dirty="0"/>
+              <a:t>)</a:t>
+            </a:r>
+          </a:p>
+          <a:p>
+            <a:r>
+              <a:rPr lang="en-CA" sz="2000" dirty="0"/>
+              <a:t>October: Tlatelolco massacre: A student demonstration ends in bloodbath in Mexico City, 10 days before the inauguration of the 1968 Summer Olympics. 300-400 are estimated to have been killed.</a:t>
+            </a:r>
+          </a:p>
+          <a:p>
+            <a:r>
+              <a:rPr lang="en-CA" sz="2000" dirty="0"/>
+              <a:t>November: Beatles release </a:t>
+            </a:r>
+            <a:r>
+              <a:rPr lang="en-CA" sz="2000" i="1" dirty="0"/>
+              <a:t>The White Album.</a:t>
+            </a:r>
+            <a:endParaRPr lang="en-CA" sz="2000" dirty="0"/>
+          </a:p>
+          <a:p>
+            <a:r>
+              <a:rPr lang="en-CA" sz="2000" dirty="0"/>
+              <a:t>Richard Nixon wins US Presidential Election.</a:t>
+            </a:r>
+          </a:p>
+          <a:p>
+            <a:r>
+              <a:rPr lang="en-CA" sz="2000" dirty="0"/>
+              <a:t>December: The Rolling Stones release </a:t>
+            </a:r>
+            <a:r>
+              <a:rPr lang="en-CA" sz="2000" i="1" dirty="0"/>
+              <a:t>Beggars Banquet</a:t>
+            </a:r>
+            <a:r>
+              <a:rPr lang="en-CA" sz="2000" dirty="0"/>
+              <a:t>.</a:t>
             </a:r>
           </a:p>
         </p:txBody>
@@ -14610,7 +22887,7 @@
     </p:spTree>
     <p:extLst>
       <p:ext uri="{BB962C8B-B14F-4D97-AF65-F5344CB8AC3E}">
-        <p14:creationId xmlns:p14="http://schemas.microsoft.com/office/powerpoint/2010/main" val="4044296142"/>
+        <p14:creationId xmlns:p14="http://schemas.microsoft.com/office/powerpoint/2010/main" val="1423483082"/>
       </p:ext>
     </p:extLst>
   </p:cSld>
@@ -14882,4 +23159,299 @@
     </a:ext>
   </a:extLst>
 </a:theme>
+</file>
+
+<file path=ppt/theme/theme2.xml><?xml version="1.0" encoding="utf-8"?>
+<a:theme xmlns:a="http://schemas.openxmlformats.org/drawingml/2006/main" name="Office Theme">
+  <a:themeElements>
+    <a:clrScheme name="Office">
+      <a:dk1>
+        <a:sysClr val="windowText" lastClr="000000"/>
+      </a:dk1>
+      <a:lt1>
+        <a:sysClr val="window" lastClr="FFFFFF"/>
+      </a:lt1>
+      <a:dk2>
+        <a:srgbClr val="44546A"/>
+      </a:dk2>
+      <a:lt2>
+        <a:srgbClr val="E7E6E6"/>
+      </a:lt2>
+      <a:accent1>
+        <a:srgbClr val="4472C4"/>
+      </a:accent1>
+      <a:accent2>
+        <a:srgbClr val="ED7D31"/>
+      </a:accent2>
+      <a:accent3>
+        <a:srgbClr val="A5A5A5"/>
+      </a:accent3>
+      <a:accent4>
+        <a:srgbClr val="FFC000"/>
+      </a:accent4>
+      <a:accent5>
+        <a:srgbClr val="5B9BD5"/>
+      </a:accent5>
+      <a:accent6>
+        <a:srgbClr val="70AD47"/>
+      </a:accent6>
+      <a:hlink>
+        <a:srgbClr val="0563C1"/>
+      </a:hlink>
+      <a:folHlink>
+        <a:srgbClr val="954F72"/>
+      </a:folHlink>
+    </a:clrScheme>
+    <a:fontScheme name="Office">
+      <a:majorFont>
+        <a:latin typeface="Calibri Light" panose="020F0302020204030204"/>
+        <a:ea typeface=""/>
+        <a:cs typeface=""/>
+        <a:font script="Jpan" typeface="游ゴシック Light"/>
+        <a:font script="Hang" typeface="맑은 고딕"/>
+        <a:font script="Hans" typeface="等线 Light"/>
+        <a:font script="Hant" typeface="新細明體"/>
+        <a:font script="Arab" typeface="Times New Roman"/>
+        <a:font script="Hebr" typeface="Times New Roman"/>
+        <a:font script="Thai" typeface="Angsana New"/>
+        <a:font script="Ethi" typeface="Nyala"/>
+        <a:font script="Beng" typeface="Vrinda"/>
+        <a:font script="Gujr" typeface="Shruti"/>
+        <a:font script="Khmr" typeface="MoolBoran"/>
+        <a:font script="Knda" typeface="Tunga"/>
+        <a:font script="Guru" typeface="Raavi"/>
+        <a:font script="Cans" typeface="Euphemia"/>
+        <a:font script="Cher" typeface="Plantagenet Cherokee"/>
+        <a:font script="Yiii" typeface="Microsoft Yi Baiti"/>
+        <a:font script="Tibt" typeface="Microsoft Himalaya"/>
+        <a:font script="Thaa" typeface="MV Boli"/>
+        <a:font script="Deva" typeface="Mangal"/>
+        <a:font script="Telu" typeface="Gautami"/>
+        <a:font script="Taml" typeface="Latha"/>
+        <a:font script="Syrc" typeface="Estrangelo Edessa"/>
+        <a:font script="Orya" typeface="Kalinga"/>
+        <a:font script="Mlym" typeface="Kartika"/>
+        <a:font script="Laoo" typeface="DokChampa"/>
+        <a:font script="Sinh" typeface="Iskoola Pota"/>
+        <a:font script="Mong" typeface="Mongolian Baiti"/>
+        <a:font script="Viet" typeface="Times New Roman"/>
+        <a:font script="Uigh" typeface="Microsoft Uighur"/>
+        <a:font script="Geor" typeface="Sylfaen"/>
+        <a:font script="Armn" typeface="Arial"/>
+        <a:font script="Bugi" typeface="Leelawadee UI"/>
+        <a:font script="Bopo" typeface="Microsoft JhengHei"/>
+        <a:font script="Java" typeface="Javanese Text"/>
+        <a:font script="Lisu" typeface="Segoe UI"/>
+        <a:font script="Mymr" typeface="Myanmar Text"/>
+        <a:font script="Nkoo" typeface="Ebrima"/>
+        <a:font script="Olck" typeface="Nirmala UI"/>
+        <a:font script="Osma" typeface="Ebrima"/>
+        <a:font script="Phag" typeface="Phagspa"/>
+        <a:font script="Syrn" typeface="Estrangelo Edessa"/>
+        <a:font script="Syrj" typeface="Estrangelo Edessa"/>
+        <a:font script="Syre" typeface="Estrangelo Edessa"/>
+        <a:font script="Sora" typeface="Nirmala UI"/>
+        <a:font script="Tale" typeface="Microsoft Tai Le"/>
+        <a:font script="Talu" typeface="Microsoft New Tai Lue"/>
+        <a:font script="Tfng" typeface="Ebrima"/>
+      </a:majorFont>
+      <a:minorFont>
+        <a:latin typeface="Calibri" panose="020F0502020204030204"/>
+        <a:ea typeface=""/>
+        <a:cs typeface=""/>
+        <a:font script="Jpan" typeface="游ゴシック"/>
+        <a:font script="Hang" typeface="맑은 고딕"/>
+        <a:font script="Hans" typeface="等线"/>
+        <a:font script="Hant" typeface="新細明體"/>
+        <a:font script="Arab" typeface="Arial"/>
+        <a:font script="Hebr" typeface="Arial"/>
+        <a:font script="Thai" typeface="Cordia New"/>
+        <a:font script="Ethi" typeface="Nyala"/>
+        <a:font script="Beng" typeface="Vrinda"/>
+        <a:font script="Gujr" typeface="Shruti"/>
+        <a:font script="Khmr" typeface="DaunPenh"/>
+        <a:font script="Knda" typeface="Tunga"/>
+        <a:font script="Guru" typeface="Raavi"/>
+        <a:font script="Cans" typeface="Euphemia"/>
+        <a:font script="Cher" typeface="Plantagenet Cherokee"/>
+        <a:font script="Yiii" typeface="Microsoft Yi Baiti"/>
+        <a:font script="Tibt" typeface="Microsoft Himalaya"/>
+        <a:font script="Thaa" typeface="MV Boli"/>
+        <a:font script="Deva" typeface="Mangal"/>
+        <a:font script="Telu" typeface="Gautami"/>
+        <a:font script="Taml" typeface="Latha"/>
+        <a:font script="Syrc" typeface="Estrangelo Edessa"/>
+        <a:font script="Orya" typeface="Kalinga"/>
+        <a:font script="Mlym" typeface="Kartika"/>
+        <a:font script="Laoo" typeface="DokChampa"/>
+        <a:font script="Sinh" typeface="Iskoola Pota"/>
+        <a:font script="Mong" typeface="Mongolian Baiti"/>
+        <a:font script="Viet" typeface="Arial"/>
+        <a:font script="Uigh" typeface="Microsoft Uighur"/>
+        <a:font script="Geor" typeface="Sylfaen"/>
+        <a:font script="Armn" typeface="Arial"/>
+        <a:font script="Bugi" typeface="Leelawadee UI"/>
+        <a:font script="Bopo" typeface="Microsoft JhengHei"/>
+        <a:font script="Java" typeface="Javanese Text"/>
+        <a:font script="Lisu" typeface="Segoe UI"/>
+        <a:font script="Mymr" typeface="Myanmar Text"/>
+        <a:font script="Nkoo" typeface="Ebrima"/>
+        <a:font script="Olck" typeface="Nirmala UI"/>
+        <a:font script="Osma" typeface="Ebrima"/>
+        <a:font script="Phag" typeface="Phagspa"/>
+        <a:font script="Syrn" typeface="Estrangelo Edessa"/>
+        <a:font script="Syrj" typeface="Estrangelo Edessa"/>
+        <a:font script="Syre" typeface="Estrangelo Edessa"/>
+        <a:font script="Sora" typeface="Nirmala UI"/>
+        <a:font script="Tale" typeface="Microsoft Tai Le"/>
+        <a:font script="Talu" typeface="Microsoft New Tai Lue"/>
+        <a:font script="Tfng" typeface="Ebrima"/>
+      </a:minorFont>
+    </a:fontScheme>
+    <a:fmtScheme name="Office">
+      <a:fillStyleLst>
+        <a:solidFill>
+          <a:schemeClr val="phClr"/>
+        </a:solidFill>
+        <a:gradFill rotWithShape="1">
+          <a:gsLst>
+            <a:gs pos="0">
+              <a:schemeClr val="phClr">
+                <a:lumMod val="110000"/>
+                <a:satMod val="105000"/>
+                <a:tint val="67000"/>
+              </a:schemeClr>
+            </a:gs>
+            <a:gs pos="50000">
+              <a:schemeClr val="phClr">
+                <a:lumMod val="105000"/>
+                <a:satMod val="103000"/>
+                <a:tint val="73000"/>
+              </a:schemeClr>
+            </a:gs>
+            <a:gs pos="100000">
+              <a:schemeClr val="phClr">
+                <a:lumMod val="105000"/>
+                <a:satMod val="109000"/>
+                <a:tint val="81000"/>
+              </a:schemeClr>
+            </a:gs>
+          </a:gsLst>
+          <a:lin ang="5400000" scaled="0"/>
+        </a:gradFill>
+        <a:gradFill rotWithShape="1">
+          <a:gsLst>
+            <a:gs pos="0">
+              <a:schemeClr val="phClr">
+                <a:satMod val="103000"/>
+                <a:lumMod val="102000"/>
+                <a:tint val="94000"/>
+              </a:schemeClr>
+            </a:gs>
+            <a:gs pos="50000">
+              <a:schemeClr val="phClr">
+                <a:satMod val="110000"/>
+                <a:lumMod val="100000"/>
+                <a:shade val="100000"/>
+              </a:schemeClr>
+            </a:gs>
+            <a:gs pos="100000">
+              <a:schemeClr val="phClr">
+                <a:lumMod val="99000"/>
+                <a:satMod val="120000"/>
+                <a:shade val="78000"/>
+              </a:schemeClr>
+            </a:gs>
+          </a:gsLst>
+          <a:lin ang="5400000" scaled="0"/>
+        </a:gradFill>
+      </a:fillStyleLst>
+      <a:lnStyleLst>
+        <a:ln w="6350" cap="flat" cmpd="sng" algn="ctr">
+          <a:solidFill>
+            <a:schemeClr val="phClr"/>
+          </a:solidFill>
+          <a:prstDash val="solid"/>
+          <a:miter lim="800000"/>
+        </a:ln>
+        <a:ln w="12700" cap="flat" cmpd="sng" algn="ctr">
+          <a:solidFill>
+            <a:schemeClr val="phClr"/>
+          </a:solidFill>
+          <a:prstDash val="solid"/>
+          <a:miter lim="800000"/>
+        </a:ln>
+        <a:ln w="19050" cap="flat" cmpd="sng" algn="ctr">
+          <a:solidFill>
+            <a:schemeClr val="phClr"/>
+          </a:solidFill>
+          <a:prstDash val="solid"/>
+          <a:miter lim="800000"/>
+        </a:ln>
+      </a:lnStyleLst>
+      <a:effectStyleLst>
+        <a:effectStyle>
+          <a:effectLst/>
+        </a:effectStyle>
+        <a:effectStyle>
+          <a:effectLst/>
+        </a:effectStyle>
+        <a:effectStyle>
+          <a:effectLst>
+            <a:outerShdw blurRad="57150" dist="19050" dir="5400000" algn="ctr" rotWithShape="0">
+              <a:srgbClr val="000000">
+                <a:alpha val="63000"/>
+              </a:srgbClr>
+            </a:outerShdw>
+          </a:effectLst>
+        </a:effectStyle>
+      </a:effectStyleLst>
+      <a:bgFillStyleLst>
+        <a:solidFill>
+          <a:schemeClr val="phClr"/>
+        </a:solidFill>
+        <a:solidFill>
+          <a:schemeClr val="phClr">
+            <a:tint val="95000"/>
+            <a:satMod val="170000"/>
+          </a:schemeClr>
+        </a:solidFill>
+        <a:gradFill rotWithShape="1">
+          <a:gsLst>
+            <a:gs pos="0">
+              <a:schemeClr val="phClr">
+                <a:tint val="93000"/>
+                <a:satMod val="150000"/>
+                <a:shade val="98000"/>
+                <a:lumMod val="102000"/>
+              </a:schemeClr>
+            </a:gs>
+            <a:gs pos="50000">
+              <a:schemeClr val="phClr">
+                <a:tint val="98000"/>
+                <a:satMod val="130000"/>
+                <a:shade val="90000"/>
+                <a:lumMod val="103000"/>
+              </a:schemeClr>
+            </a:gs>
+            <a:gs pos="100000">
+              <a:schemeClr val="phClr">
+                <a:shade val="63000"/>
+                <a:satMod val="120000"/>
+              </a:schemeClr>
+            </a:gs>
+          </a:gsLst>
+          <a:lin ang="5400000" scaled="0"/>
+        </a:gradFill>
+      </a:bgFillStyleLst>
+    </a:fmtScheme>
+  </a:themeElements>
+  <a:objectDefaults/>
+  <a:extraClrSchemeLst/>
+  <a:extLst>
+    <a:ext uri="{05A4C25C-085E-4340-85A3-A5531E510DB2}">
+      <thm15:themeFamily xmlns:thm15="http://schemas.microsoft.com/office/thememl/2012/main" name="Office Theme" id="{62F939B6-93AF-4DB8-9C6B-D6C7DFDC589F}" vid="{4A3C46E8-61CC-4603-A589-7422A47A8E4A}"/>
+    </a:ext>
+  </a:extLst>
+</a:theme>
 </file>
--- a/ASMU432/ppts/The late 1960s.pptx
+++ b/ASMU432/ppts/The late 1960s.pptx
@@ -5,7 +5,7 @@
     <p:sldMasterId id="2147483660" r:id="rId1"/>
   </p:sldMasterIdLst>
   <p:notesMasterIdLst>
-    <p:notesMasterId r:id="rId20"/>
+    <p:notesMasterId r:id="rId21"/>
   </p:notesMasterIdLst>
   <p:sldIdLst>
     <p:sldId id="256" r:id="rId2"/>
@@ -15,17 +15,18 @@
     <p:sldId id="260" r:id="rId6"/>
     <p:sldId id="261" r:id="rId7"/>
     <p:sldId id="262" r:id="rId8"/>
-    <p:sldId id="265" r:id="rId9"/>
-    <p:sldId id="266" r:id="rId10"/>
-    <p:sldId id="263" r:id="rId11"/>
-    <p:sldId id="267" r:id="rId12"/>
-    <p:sldId id="268" r:id="rId13"/>
-    <p:sldId id="269" r:id="rId14"/>
-    <p:sldId id="273" r:id="rId15"/>
-    <p:sldId id="270" r:id="rId16"/>
-    <p:sldId id="264" r:id="rId17"/>
-    <p:sldId id="271" r:id="rId18"/>
-    <p:sldId id="272" r:id="rId19"/>
+    <p:sldId id="274" r:id="rId9"/>
+    <p:sldId id="265" r:id="rId10"/>
+    <p:sldId id="266" r:id="rId11"/>
+    <p:sldId id="263" r:id="rId12"/>
+    <p:sldId id="267" r:id="rId13"/>
+    <p:sldId id="268" r:id="rId14"/>
+    <p:sldId id="269" r:id="rId15"/>
+    <p:sldId id="273" r:id="rId16"/>
+    <p:sldId id="270" r:id="rId17"/>
+    <p:sldId id="264" r:id="rId18"/>
+    <p:sldId id="271" r:id="rId19"/>
+    <p:sldId id="272" r:id="rId20"/>
   </p:sldIdLst>
   <p:sldSz cx="12192000" cy="6858000"/>
   <p:notesSz cx="6858000" cy="9144000"/>
@@ -132,6 +133,73 @@
 </p:presentation>
 </file>
 
+<file path=ppt/revisionInfo.xml><?xml version="1.0" encoding="utf-8"?>
+<p1510:revInfo xmlns:a="http://schemas.openxmlformats.org/drawingml/2006/main" xmlns:r="http://schemas.openxmlformats.org/officeDocument/2006/relationships" xmlns:p1510="http://schemas.microsoft.com/office/powerpoint/2015/10/main">
+  <p1510:revLst>
+    <p1510:client id="{9C039B07-2819-4CD0-BFED-0B321C019EEC}" v="1" dt="2019-10-23T23:27:07.346"/>
+  </p1510:revLst>
+</p1510:revInfo>
+</file>
+
+<file path=ppt/changesInfos/changesInfo1.xml><?xml version="1.0" encoding="utf-8"?>
+<pc:chgInfo xmlns:a="http://schemas.openxmlformats.org/drawingml/2006/main" xmlns:r="http://schemas.openxmlformats.org/officeDocument/2006/relationships" xmlns:ac="http://schemas.microsoft.com/office/drawing/2013/main/command" xmlns:pc="http://schemas.microsoft.com/office/powerpoint/2013/main/command">
+  <pc:docChgLst>
+    <pc:chgData name="Mark Baker" userId="7debe814d9197520" providerId="LiveId" clId="{9C039B07-2819-4CD0-BFED-0B321C019EEC}"/>
+    <pc:docChg chg="modSld">
+      <pc:chgData name="Mark Baker" userId="7debe814d9197520" providerId="LiveId" clId="{9C039B07-2819-4CD0-BFED-0B321C019EEC}" dt="2019-10-28T23:24:04.628" v="54" actId="20577"/>
+      <pc:docMkLst>
+        <pc:docMk/>
+      </pc:docMkLst>
+      <pc:sldChg chg="modSp">
+        <pc:chgData name="Mark Baker" userId="7debe814d9197520" providerId="LiveId" clId="{9C039B07-2819-4CD0-BFED-0B321C019EEC}" dt="2019-10-23T23:27:18.440" v="27" actId="20577"/>
+        <pc:sldMkLst>
+          <pc:docMk/>
+          <pc:sldMk cId="2841823080" sldId="262"/>
+        </pc:sldMkLst>
+        <pc:spChg chg="mod">
+          <ac:chgData name="Mark Baker" userId="7debe814d9197520" providerId="LiveId" clId="{9C039B07-2819-4CD0-BFED-0B321C019EEC}" dt="2019-10-23T23:27:18.440" v="27" actId="20577"/>
+          <ac:spMkLst>
+            <pc:docMk/>
+            <pc:sldMk cId="2841823080" sldId="262"/>
+            <ac:spMk id="3" creationId="{00000000-0000-0000-0000-000000000000}"/>
+          </ac:spMkLst>
+        </pc:spChg>
+      </pc:sldChg>
+      <pc:sldChg chg="modSp">
+        <pc:chgData name="Mark Baker" userId="7debe814d9197520" providerId="LiveId" clId="{9C039B07-2819-4CD0-BFED-0B321C019EEC}" dt="2019-10-28T23:24:04.628" v="54" actId="20577"/>
+        <pc:sldMkLst>
+          <pc:docMk/>
+          <pc:sldMk cId="1641006859" sldId="267"/>
+        </pc:sldMkLst>
+        <pc:spChg chg="mod">
+          <ac:chgData name="Mark Baker" userId="7debe814d9197520" providerId="LiveId" clId="{9C039B07-2819-4CD0-BFED-0B321C019EEC}" dt="2019-10-28T23:24:04.628" v="54" actId="20577"/>
+          <ac:spMkLst>
+            <pc:docMk/>
+            <pc:sldMk cId="1641006859" sldId="267"/>
+            <ac:spMk id="3" creationId="{00000000-0000-0000-0000-000000000000}"/>
+          </ac:spMkLst>
+        </pc:spChg>
+      </pc:sldChg>
+      <pc:sldChg chg="modSp">
+        <pc:chgData name="Mark Baker" userId="7debe814d9197520" providerId="LiveId" clId="{9C039B07-2819-4CD0-BFED-0B321C019EEC}" dt="2019-10-28T04:08:36.095" v="28" actId="15"/>
+        <pc:sldMkLst>
+          <pc:docMk/>
+          <pc:sldMk cId="208517976" sldId="271"/>
+        </pc:sldMkLst>
+        <pc:spChg chg="mod">
+          <ac:chgData name="Mark Baker" userId="7debe814d9197520" providerId="LiveId" clId="{9C039B07-2819-4CD0-BFED-0B321C019EEC}" dt="2019-10-28T04:08:36.095" v="28" actId="15"/>
+          <ac:spMkLst>
+            <pc:docMk/>
+            <pc:sldMk cId="208517976" sldId="271"/>
+            <ac:spMk id="3" creationId="{260CFE15-4C2A-4F9A-AE42-B94819EDE641}"/>
+          </ac:spMkLst>
+        </pc:spChg>
+      </pc:sldChg>
+    </pc:docChg>
+  </pc:docChgLst>
+</pc:chgInfo>
+</file>
+
 <file path=ppt/notesMasters/notesMaster1.xml><?xml version="1.0" encoding="utf-8"?>
 <p:notesMaster xmlns:a="http://schemas.openxmlformats.org/drawingml/2006/main" xmlns:r="http://schemas.openxmlformats.org/officeDocument/2006/relationships" xmlns:p="http://schemas.openxmlformats.org/presentationml/2006/main">
   <p:cSld>
@@ -214,7 +282,7 @@
           <a:p>
             <a:fld id="{D89B94C3-703A-4059-8E44-184C0F7343CA}" type="datetimeFigureOut">
               <a:rPr lang="en-CA" smtClean="0"/>
-              <a:t>28/11/2018</a:t>
+              <a:t>28/10/2019</a:t>
             </a:fld>
             <a:endParaRPr lang="en-CA"/>
           </a:p>
@@ -649,7 +717,7 @@
           <a:p>
             <a:fld id="{E34E965B-D655-432C-A828-BC3C539A6861}" type="slidenum">
               <a:rPr lang="en-CA" smtClean="0"/>
-              <a:t>14</a:t>
+              <a:t>15</a:t>
             </a:fld>
             <a:endParaRPr lang="en-CA"/>
           </a:p>
@@ -1003,7 +1071,7 @@
           <a:p>
             <a:fld id="{1570E9FD-0F47-4482-9939-5478A7A6E089}" type="datetimeFigureOut">
               <a:rPr lang="en-US" smtClean="0"/>
-              <a:t>11/28/2018</a:t>
+              <a:t>10/28/2019</a:t>
             </a:fld>
             <a:endParaRPr lang="en-US"/>
           </a:p>
@@ -2091,7 +2159,7 @@
           <a:p>
             <a:fld id="{1570E9FD-0F47-4482-9939-5478A7A6E089}" type="datetimeFigureOut">
               <a:rPr lang="en-US" smtClean="0"/>
-              <a:t>11/28/2018</a:t>
+              <a:t>10/28/2019</a:t>
             </a:fld>
             <a:endParaRPr lang="en-US"/>
           </a:p>
@@ -3071,7 +3139,7 @@
           <a:p>
             <a:fld id="{1570E9FD-0F47-4482-9939-5478A7A6E089}" type="datetimeFigureOut">
               <a:rPr lang="en-US" smtClean="0"/>
-              <a:t>11/28/2018</a:t>
+              <a:t>10/28/2019</a:t>
             </a:fld>
             <a:endParaRPr lang="en-US"/>
           </a:p>
@@ -4205,7 +4273,7 @@
           <a:p>
             <a:fld id="{1570E9FD-0F47-4482-9939-5478A7A6E089}" type="datetimeFigureOut">
               <a:rPr lang="en-US" smtClean="0"/>
-              <a:t>11/28/2018</a:t>
+              <a:t>10/28/2019</a:t>
             </a:fld>
             <a:endParaRPr lang="en-US"/>
           </a:p>
@@ -5238,7 +5306,7 @@
           <a:p>
             <a:fld id="{1570E9FD-0F47-4482-9939-5478A7A6E089}" type="datetimeFigureOut">
               <a:rPr lang="en-US" smtClean="0"/>
-              <a:t>11/28/2018</a:t>
+              <a:t>10/28/2019</a:t>
             </a:fld>
             <a:endParaRPr lang="en-US"/>
           </a:p>
@@ -5898,7 +5966,7 @@
           <a:p>
             <a:fld id="{1570E9FD-0F47-4482-9939-5478A7A6E089}" type="datetimeFigureOut">
               <a:rPr lang="en-US" smtClean="0"/>
-              <a:t>11/28/2018</a:t>
+              <a:t>10/28/2019</a:t>
             </a:fld>
             <a:endParaRPr lang="en-US"/>
           </a:p>
@@ -6759,7 +6827,7 @@
           <a:p>
             <a:fld id="{1570E9FD-0F47-4482-9939-5478A7A6E089}" type="datetimeFigureOut">
               <a:rPr lang="en-US" smtClean="0"/>
-              <a:t>11/28/2018</a:t>
+              <a:t>10/28/2019</a:t>
             </a:fld>
             <a:endParaRPr lang="en-US"/>
           </a:p>
@@ -6949,7 +7017,7 @@
           <a:p>
             <a:fld id="{1570E9FD-0F47-4482-9939-5478A7A6E089}" type="datetimeFigureOut">
               <a:rPr lang="en-US" smtClean="0"/>
-              <a:t>11/28/2018</a:t>
+              <a:t>10/28/2019</a:t>
             </a:fld>
             <a:endParaRPr lang="en-US"/>
           </a:p>
@@ -7921,7 +7989,7 @@
           <a:p>
             <a:fld id="{1570E9FD-0F47-4482-9939-5478A7A6E089}" type="datetimeFigureOut">
               <a:rPr lang="en-US" smtClean="0"/>
-              <a:t>11/28/2018</a:t>
+              <a:t>10/28/2019</a:t>
             </a:fld>
             <a:endParaRPr lang="en-US"/>
           </a:p>
@@ -8132,7 +8200,7 @@
           <a:p>
             <a:fld id="{1570E9FD-0F47-4482-9939-5478A7A6E089}" type="datetimeFigureOut">
               <a:rPr lang="en-US" smtClean="0"/>
-              <a:t>11/28/2018</a:t>
+              <a:t>10/28/2019</a:t>
             </a:fld>
             <a:endParaRPr lang="en-US"/>
           </a:p>
@@ -9166,7 +9234,7 @@
           <a:p>
             <a:fld id="{1570E9FD-0F47-4482-9939-5478A7A6E089}" type="datetimeFigureOut">
               <a:rPr lang="en-US" smtClean="0"/>
-              <a:t>11/28/2018</a:t>
+              <a:t>10/28/2019</a:t>
             </a:fld>
             <a:endParaRPr lang="en-US"/>
           </a:p>
@@ -9438,7 +9506,7 @@
           <a:p>
             <a:fld id="{1570E9FD-0F47-4482-9939-5478A7A6E089}" type="datetimeFigureOut">
               <a:rPr lang="en-US" smtClean="0"/>
-              <a:t>11/28/2018</a:t>
+              <a:t>10/28/2019</a:t>
             </a:fld>
             <a:endParaRPr lang="en-US"/>
           </a:p>
@@ -9848,7 +9916,7 @@
           <a:p>
             <a:fld id="{1570E9FD-0F47-4482-9939-5478A7A6E089}" type="datetimeFigureOut">
               <a:rPr lang="en-US" smtClean="0"/>
-              <a:t>11/28/2018</a:t>
+              <a:t>10/28/2019</a:t>
             </a:fld>
             <a:endParaRPr lang="en-US"/>
           </a:p>
@@ -9975,7 +10043,7 @@
           <a:p>
             <a:fld id="{1570E9FD-0F47-4482-9939-5478A7A6E089}" type="datetimeFigureOut">
               <a:rPr lang="en-US" smtClean="0"/>
-              <a:t>11/28/2018</a:t>
+              <a:t>10/28/2019</a:t>
             </a:fld>
             <a:endParaRPr lang="en-US"/>
           </a:p>
@@ -10070,7 +10138,7 @@
           <a:p>
             <a:fld id="{1570E9FD-0F47-4482-9939-5478A7A6E089}" type="datetimeFigureOut">
               <a:rPr lang="en-US" smtClean="0"/>
-              <a:t>11/28/2018</a:t>
+              <a:t>10/28/2019</a:t>
             </a:fld>
             <a:endParaRPr lang="en-US"/>
           </a:p>
@@ -11151,7 +11219,7 @@
           <a:p>
             <a:fld id="{1570E9FD-0F47-4482-9939-5478A7A6E089}" type="datetimeFigureOut">
               <a:rPr lang="en-US" smtClean="0"/>
-              <a:t>11/28/2018</a:t>
+              <a:t>10/28/2019</a:t>
             </a:fld>
             <a:endParaRPr lang="en-US"/>
           </a:p>
@@ -12259,7 +12327,7 @@
           <a:p>
             <a:fld id="{1570E9FD-0F47-4482-9939-5478A7A6E089}" type="datetimeFigureOut">
               <a:rPr lang="en-US" smtClean="0"/>
-              <a:t>11/28/2018</a:t>
+              <a:t>10/28/2019</a:t>
             </a:fld>
             <a:endParaRPr lang="en-US"/>
           </a:p>
@@ -13256,7 +13324,7 @@
           <a:p>
             <a:fld id="{1570E9FD-0F47-4482-9939-5478A7A6E089}" type="datetimeFigureOut">
               <a:rPr lang="en-US" smtClean="0"/>
-              <a:t>11/28/2018</a:t>
+              <a:t>10/28/2019</a:t>
             </a:fld>
             <a:endParaRPr lang="en-US"/>
           </a:p>
@@ -13895,6 +13963,160 @@
       </p:grpSpPr>
       <p:sp>
         <p:nvSpPr>
+          <p:cNvPr id="2" name="Title 1">
+            <a:extLst>
+              <a:ext uri="{FF2B5EF4-FFF2-40B4-BE49-F238E27FC236}">
+                <a16:creationId xmlns:a16="http://schemas.microsoft.com/office/drawing/2014/main" id="{87A4EE1C-8550-4E05-AE0B-4534D5CD2214}"/>
+              </a:ext>
+            </a:extLst>
+          </p:cNvPr>
+          <p:cNvSpPr>
+            <a:spLocks noGrp="1"/>
+          </p:cNvSpPr>
+          <p:nvPr>
+            <p:ph type="title"/>
+          </p:nvPr>
+        </p:nvSpPr>
+        <p:spPr>
+          <a:xfrm>
+            <a:off x="1154954" y="763571"/>
+            <a:ext cx="9421920" cy="917061"/>
+          </a:xfrm>
+        </p:spPr>
+        <p:txBody>
+          <a:bodyPr/>
+          <a:lstStyle/>
+          <a:p>
+            <a:pPr algn="ctr"/>
+            <a:r>
+              <a:rPr lang="en-CA" sz="4000" i="1" dirty="0"/>
+              <a:t>World on Fire</a:t>
+            </a:r>
+            <a:r>
+              <a:rPr lang="en-CA" sz="4000" dirty="0"/>
+              <a:t>: Political Crises of 1968</a:t>
+            </a:r>
+          </a:p>
+        </p:txBody>
+      </p:sp>
+      <p:sp>
+        <p:nvSpPr>
+          <p:cNvPr id="3" name="Content Placeholder 2">
+            <a:extLst>
+              <a:ext uri="{FF2B5EF4-FFF2-40B4-BE49-F238E27FC236}">
+                <a16:creationId xmlns:a16="http://schemas.microsoft.com/office/drawing/2014/main" id="{48F5B16C-2358-4501-9C2C-F45CBDA4DB1A}"/>
+              </a:ext>
+            </a:extLst>
+          </p:cNvPr>
+          <p:cNvSpPr>
+            <a:spLocks noGrp="1"/>
+          </p:cNvSpPr>
+          <p:nvPr>
+            <p:ph idx="1"/>
+          </p:nvPr>
+        </p:nvSpPr>
+        <p:spPr>
+          <a:xfrm>
+            <a:off x="514905" y="2603500"/>
+            <a:ext cx="11141475" cy="3992610"/>
+          </a:xfrm>
+        </p:spPr>
+        <p:txBody>
+          <a:bodyPr>
+            <a:normAutofit/>
+          </a:bodyPr>
+          <a:lstStyle/>
+          <a:p>
+            <a:r>
+              <a:rPr lang="en-CA" sz="2000" dirty="0"/>
+              <a:t>August: Warsaw Pact troops invaded Czechoslovakia ending the hope of Prague Spring.</a:t>
+            </a:r>
+          </a:p>
+          <a:p>
+            <a:r>
+              <a:rPr lang="en-CA" sz="2000" dirty="0"/>
+              <a:t>August, 23-28: Democratic National Convention in Chicago (</a:t>
+            </a:r>
+            <a:r>
+              <a:rPr lang="en-CA" sz="2000" dirty="0" err="1"/>
+              <a:t>Yippies</a:t>
+            </a:r>
+            <a:r>
+              <a:rPr lang="en-CA" sz="2000" dirty="0"/>
+              <a:t>)</a:t>
+            </a:r>
+          </a:p>
+          <a:p>
+            <a:r>
+              <a:rPr lang="en-CA" sz="2000" dirty="0"/>
+              <a:t>October: Tlatelolco massacre: A student demonstration ends in bloodbath in Mexico City, 10 days before the inauguration of the 1968 Summer Olympics. 300-400 are estimated to have been killed.</a:t>
+            </a:r>
+          </a:p>
+          <a:p>
+            <a:r>
+              <a:rPr lang="en-CA" sz="2000" dirty="0"/>
+              <a:t>November: Beatles release </a:t>
+            </a:r>
+            <a:r>
+              <a:rPr lang="en-CA" sz="2000" i="1" dirty="0"/>
+              <a:t>The White Album.</a:t>
+            </a:r>
+            <a:endParaRPr lang="en-CA" sz="2000" dirty="0"/>
+          </a:p>
+          <a:p>
+            <a:r>
+              <a:rPr lang="en-CA" sz="2000" dirty="0"/>
+              <a:t>Richard Nixon wins US Presidential Election.</a:t>
+            </a:r>
+          </a:p>
+          <a:p>
+            <a:r>
+              <a:rPr lang="en-CA" sz="2000" dirty="0"/>
+              <a:t>December: The Rolling Stones release </a:t>
+            </a:r>
+            <a:r>
+              <a:rPr lang="en-CA" sz="2000" i="1" dirty="0"/>
+              <a:t>Beggars Banquet</a:t>
+            </a:r>
+            <a:r>
+              <a:rPr lang="en-CA" sz="2000" dirty="0"/>
+              <a:t>.</a:t>
+            </a:r>
+          </a:p>
+        </p:txBody>
+      </p:sp>
+    </p:spTree>
+    <p:extLst>
+      <p:ext uri="{BB962C8B-B14F-4D97-AF65-F5344CB8AC3E}">
+        <p14:creationId xmlns:p14="http://schemas.microsoft.com/office/powerpoint/2010/main" val="1423483082"/>
+      </p:ext>
+    </p:extLst>
+  </p:cSld>
+  <p:clrMapOvr>
+    <a:masterClrMapping/>
+  </p:clrMapOvr>
+</p:sld>
+</file>
+
+<file path=ppt/slides/slide11.xml><?xml version="1.0" encoding="utf-8"?>
+<p:sld xmlns:a="http://schemas.openxmlformats.org/drawingml/2006/main" xmlns:r="http://schemas.openxmlformats.org/officeDocument/2006/relationships" xmlns:p="http://schemas.openxmlformats.org/presentationml/2006/main">
+  <p:cSld>
+    <p:spTree>
+      <p:nvGrpSpPr>
+        <p:cNvPr id="1" name=""/>
+        <p:cNvGrpSpPr/>
+        <p:nvPr/>
+      </p:nvGrpSpPr>
+      <p:grpSpPr>
+        <a:xfrm>
+          <a:off x="0" y="0"/>
+          <a:ext cx="0" cy="0"/>
+          <a:chOff x="0" y="0"/>
+          <a:chExt cx="0" cy="0"/>
+        </a:xfrm>
+      </p:grpSpPr>
+      <p:sp>
+        <p:nvSpPr>
           <p:cNvPr id="2" name="Title 1"/>
           <p:cNvSpPr>
             <a:spLocks noGrp="1"/>
@@ -13903,14 +14125,22 @@
             <p:ph type="title"/>
           </p:nvPr>
         </p:nvSpPr>
-        <p:spPr/>
+        <p:spPr>
+          <a:xfrm>
+            <a:off x="617594" y="766279"/>
+            <a:ext cx="9232785" cy="706964"/>
+          </a:xfrm>
+        </p:spPr>
         <p:txBody>
           <a:bodyPr/>
           <a:lstStyle/>
           <a:p>
-            <a:r>
-              <a:rPr lang="en-US" dirty="0"/>
-              <a:t>Woodstock Music and Art Fair, </a:t>
+            <a:pPr algn="ctr"/>
+            <a:r>
+              <a:rPr lang="en-US" sz="4800" dirty="0">
+                <a:latin typeface="Comic Sans MS" panose="030F0702030302020204" pitchFamily="66" charset="0"/>
+              </a:rPr>
+              <a:t>Woodstock Music and Art Fair</a:t>
             </a:r>
           </a:p>
         </p:txBody>
@@ -14013,9 +14243,17 @@
 </p:sld>
 </file>
 
-<file path=ppt/slides/slide11.xml><?xml version="1.0" encoding="utf-8"?>
+<file path=ppt/slides/slide12.xml><?xml version="1.0" encoding="utf-8"?>
 <p:sld xmlns:a="http://schemas.openxmlformats.org/drawingml/2006/main" xmlns:r="http://schemas.openxmlformats.org/officeDocument/2006/relationships" xmlns:p="http://schemas.openxmlformats.org/presentationml/2006/main">
   <p:cSld>
+    <p:bg>
+      <p:bgPr>
+        <a:solidFill>
+          <a:schemeClr val="bg1"/>
+        </a:solidFill>
+        <a:effectLst/>
+      </p:bgPr>
+    </p:bg>
     <p:spTree>
       <p:nvGrpSpPr>
         <p:cNvPr id="1" name=""/>
@@ -14032,6 +14270,301 @@
       </p:grpSpPr>
       <p:sp>
         <p:nvSpPr>
+          <p:cNvPr id="37" name="Rectangle 8">
+            <a:extLst>
+              <a:ext uri="{FF2B5EF4-FFF2-40B4-BE49-F238E27FC236}">
+                <a16:creationId xmlns:a16="http://schemas.microsoft.com/office/drawing/2014/main" id="{38ABDB68-E3D5-448E-97D3-06FFEF680193}"/>
+              </a:ext>
+              <a:ext uri="{C183D7F6-B498-43B3-948B-1728B52AA6E4}">
+                <adec:decorative xmlns:adec="http://schemas.microsoft.com/office/drawing/2017/decorative" val="1"/>
+              </a:ext>
+            </a:extLst>
+          </p:cNvPr>
+          <p:cNvSpPr>
+            <a:spLocks noGrp="1" noRot="1" noChangeAspect="1" noMove="1" noResize="1" noEditPoints="1" noAdjustHandles="1" noChangeArrowheads="1" noChangeShapeType="1" noTextEdit="1"/>
+          </p:cNvSpPr>
+          <p:nvPr>
+            <p:extLst>
+              <p:ext uri="{386F3935-93C4-4BCD-93E2-E3B085C9AB24}">
+                <p16:designElem xmlns:p16="http://schemas.microsoft.com/office/powerpoint/2015/main" val="1"/>
+              </p:ext>
+            </p:extLst>
+          </p:nvPr>
+        </p:nvSpPr>
+        <p:spPr>
+          <a:xfrm>
+            <a:off x="0" y="0"/>
+            <a:ext cx="12192000" cy="6858000"/>
+          </a:xfrm>
+          <a:prstGeom prst="rect">
+            <a:avLst/>
+          </a:prstGeom>
+          <a:ln>
+            <a:noFill/>
+          </a:ln>
+        </p:spPr>
+        <p:style>
+          <a:lnRef idx="2">
+            <a:schemeClr val="accent1">
+              <a:shade val="50000"/>
+            </a:schemeClr>
+          </a:lnRef>
+          <a:fillRef idx="1003">
+            <a:schemeClr val="dk2"/>
+          </a:fillRef>
+          <a:effectRef idx="0">
+            <a:schemeClr val="accent1"/>
+          </a:effectRef>
+          <a:fontRef idx="minor">
+            <a:schemeClr val="lt1"/>
+          </a:fontRef>
+        </p:style>
+      </p:sp>
+      <p:sp>
+        <p:nvSpPr>
+          <p:cNvPr id="38" name="Freeform 5">
+            <a:extLst>
+              <a:ext uri="{FF2B5EF4-FFF2-40B4-BE49-F238E27FC236}">
+                <a16:creationId xmlns:a16="http://schemas.microsoft.com/office/drawing/2014/main" id="{B8DD7FEB-D9F3-4F5B-982C-36B0664D0205}"/>
+              </a:ext>
+              <a:ext uri="{C183D7F6-B498-43B3-948B-1728B52AA6E4}">
+                <adec:decorative xmlns:adec="http://schemas.microsoft.com/office/drawing/2017/decorative" val="1"/>
+              </a:ext>
+            </a:extLst>
+          </p:cNvPr>
+          <p:cNvSpPr>
+            <a:spLocks noGrp="1" noRot="1" noChangeAspect="1" noMove="1" noResize="1" noEditPoints="1" noAdjustHandles="1" noChangeArrowheads="1" noChangeShapeType="1" noTextEdit="1"/>
+          </p:cNvSpPr>
+          <p:nvPr>
+            <p:extLst>
+              <p:ext uri="{386F3935-93C4-4BCD-93E2-E3B085C9AB24}">
+                <p16:designElem xmlns:p16="http://schemas.microsoft.com/office/powerpoint/2015/main" val="1"/>
+              </p:ext>
+            </p:extLst>
+          </p:nvPr>
+        </p:nvSpPr>
+        <p:spPr bwMode="gray">
+          <a:xfrm rot="15922489">
+            <a:off x="5376762" y="1826078"/>
+            <a:ext cx="3299407" cy="440924"/>
+          </a:xfrm>
+          <a:custGeom>
+            <a:avLst/>
+            <a:gdLst/>
+            <a:ahLst/>
+            <a:cxnLst/>
+            <a:rect l="l" t="t" r="r" b="b"/>
+            <a:pathLst>
+              <a:path w="10000" h="5291">
+                <a:moveTo>
+                  <a:pt x="85" y="2532"/>
+                </a:moveTo>
+                <a:cubicBezTo>
+                  <a:pt x="1736" y="3911"/>
+                  <a:pt x="7524" y="5298"/>
+                  <a:pt x="9958" y="5291"/>
+                </a:cubicBezTo>
+                <a:cubicBezTo>
+                  <a:pt x="9989" y="1958"/>
+                  <a:pt x="9969" y="3333"/>
+                  <a:pt x="10000" y="0"/>
+                </a:cubicBezTo>
+                <a:lnTo>
+                  <a:pt x="10000" y="0"/>
+                </a:lnTo>
+                <a:lnTo>
+                  <a:pt x="9667" y="204"/>
+                </a:lnTo>
+                <a:lnTo>
+                  <a:pt x="9334" y="400"/>
+                </a:lnTo>
+                <a:lnTo>
+                  <a:pt x="9001" y="590"/>
+                </a:lnTo>
+                <a:lnTo>
+                  <a:pt x="8667" y="753"/>
+                </a:lnTo>
+                <a:lnTo>
+                  <a:pt x="8333" y="917"/>
+                </a:lnTo>
+                <a:lnTo>
+                  <a:pt x="7999" y="1071"/>
+                </a:lnTo>
+                <a:lnTo>
+                  <a:pt x="7669" y="1202"/>
+                </a:lnTo>
+                <a:lnTo>
+                  <a:pt x="7333" y="1325"/>
+                </a:lnTo>
+                <a:lnTo>
+                  <a:pt x="7000" y="1440"/>
+                </a:lnTo>
+                <a:lnTo>
+                  <a:pt x="6673" y="1538"/>
+                </a:lnTo>
+                <a:lnTo>
+                  <a:pt x="6340" y="1636"/>
+                </a:lnTo>
+                <a:lnTo>
+                  <a:pt x="6013" y="1719"/>
+                </a:lnTo>
+                <a:lnTo>
+                  <a:pt x="5686" y="1784"/>
+                </a:lnTo>
+                <a:lnTo>
+                  <a:pt x="5359" y="1850"/>
+                </a:lnTo>
+                <a:lnTo>
+                  <a:pt x="5036" y="1906"/>
+                </a:lnTo>
+                <a:lnTo>
+                  <a:pt x="4717" y="1948"/>
+                </a:lnTo>
+                <a:lnTo>
+                  <a:pt x="4396" y="1980"/>
+                </a:lnTo>
+                <a:lnTo>
+                  <a:pt x="4079" y="2013"/>
+                </a:lnTo>
+                <a:lnTo>
+                  <a:pt x="3766" y="2029"/>
+                </a:lnTo>
+                <a:lnTo>
+                  <a:pt x="3454" y="2046"/>
+                </a:lnTo>
+                <a:lnTo>
+                  <a:pt x="3145" y="2053"/>
+                </a:lnTo>
+                <a:lnTo>
+                  <a:pt x="2839" y="2046"/>
+                </a:lnTo>
+                <a:lnTo>
+                  <a:pt x="2537" y="2046"/>
+                </a:lnTo>
+                <a:lnTo>
+                  <a:pt x="2238" y="2029"/>
+                </a:lnTo>
+                <a:lnTo>
+                  <a:pt x="1943" y="2004"/>
+                </a:lnTo>
+                <a:lnTo>
+                  <a:pt x="1653" y="1980"/>
+                </a:lnTo>
+                <a:lnTo>
+                  <a:pt x="1368" y="1955"/>
+                </a:lnTo>
+                <a:lnTo>
+                  <a:pt x="1085" y="1915"/>
+                </a:lnTo>
+                <a:lnTo>
+                  <a:pt x="806" y="1873"/>
+                </a:lnTo>
+                <a:lnTo>
+                  <a:pt x="533" y="1833"/>
+                </a:lnTo>
+                <a:lnTo>
+                  <a:pt x="0" y="1726"/>
+                </a:lnTo>
+                <a:cubicBezTo>
+                  <a:pt x="28" y="1995"/>
+                  <a:pt x="57" y="2263"/>
+                  <a:pt x="85" y="2532"/>
+                </a:cubicBezTo>
+                <a:close/>
+              </a:path>
+            </a:pathLst>
+          </a:custGeom>
+          <a:solidFill>
+            <a:schemeClr val="tx1">
+              <a:alpha val="20000"/>
+            </a:schemeClr>
+          </a:solidFill>
+          <a:ln>
+            <a:noFill/>
+          </a:ln>
+        </p:spPr>
+      </p:sp>
+      <p:sp>
+        <p:nvSpPr>
+          <p:cNvPr id="39" name="Freeform 5">
+            <a:extLst>
+              <a:ext uri="{FF2B5EF4-FFF2-40B4-BE49-F238E27FC236}">
+                <a16:creationId xmlns:a16="http://schemas.microsoft.com/office/drawing/2014/main" id="{96BA11E4-0636-4FA9-A836-2A4FB176449A}"/>
+              </a:ext>
+              <a:ext uri="{C183D7F6-B498-43B3-948B-1728B52AA6E4}">
+                <adec:decorative xmlns:adec="http://schemas.microsoft.com/office/drawing/2017/decorative" val="1"/>
+              </a:ext>
+            </a:extLst>
+          </p:cNvPr>
+          <p:cNvSpPr>
+            <a:spLocks noGrp="1" noRot="1" noChangeAspect="1" noMove="1" noResize="1" noEditPoints="1" noAdjustHandles="1" noChangeArrowheads="1" noChangeShapeType="1" noTextEdit="1"/>
+          </p:cNvSpPr>
+          <p:nvPr>
+            <p:extLst>
+              <p:ext uri="{386F3935-93C4-4BCD-93E2-E3B085C9AB24}">
+                <p16:designElem xmlns:p16="http://schemas.microsoft.com/office/powerpoint/2015/main" val="1"/>
+              </p:ext>
+            </p:extLst>
+          </p:nvPr>
+        </p:nvSpPr>
+        <p:spPr bwMode="gray">
+          <a:xfrm>
+            <a:off x="0" y="1587"/>
+            <a:ext cx="12192000" cy="6856413"/>
+          </a:xfrm>
+          <a:custGeom>
+            <a:avLst/>
+            <a:gdLst/>
+            <a:ahLst/>
+            <a:cxnLst/>
+            <a:rect l="0" t="0" r="r" b="b"/>
+            <a:pathLst>
+              <a:path w="15356" h="8638">
+                <a:moveTo>
+                  <a:pt x="0" y="0"/>
+                </a:moveTo>
+                <a:lnTo>
+                  <a:pt x="0" y="8638"/>
+                </a:lnTo>
+                <a:lnTo>
+                  <a:pt x="15356" y="8638"/>
+                </a:lnTo>
+                <a:lnTo>
+                  <a:pt x="15356" y="0"/>
+                </a:lnTo>
+                <a:lnTo>
+                  <a:pt x="0" y="0"/>
+                </a:lnTo>
+                <a:close/>
+                <a:moveTo>
+                  <a:pt x="14748" y="8038"/>
+                </a:moveTo>
+                <a:lnTo>
+                  <a:pt x="600" y="8038"/>
+                </a:lnTo>
+                <a:lnTo>
+                  <a:pt x="600" y="592"/>
+                </a:lnTo>
+                <a:lnTo>
+                  <a:pt x="14748" y="592"/>
+                </a:lnTo>
+                <a:lnTo>
+                  <a:pt x="14748" y="8038"/>
+                </a:lnTo>
+                <a:close/>
+              </a:path>
+            </a:pathLst>
+          </a:custGeom>
+          <a:solidFill>
+            <a:schemeClr val="tx1"/>
+          </a:solidFill>
+          <a:ln>
+            <a:noFill/>
+          </a:ln>
+        </p:spPr>
+      </p:sp>
+      <p:sp>
+        <p:nvSpPr>
           <p:cNvPr id="2" name="Title 1"/>
           <p:cNvSpPr>
             <a:spLocks noGrp="1"/>
@@ -14040,32 +14573,10 @@
             <p:ph type="title"/>
           </p:nvPr>
         </p:nvSpPr>
-        <p:spPr/>
-        <p:txBody>
-          <a:bodyPr/>
-          <a:lstStyle/>
-          <a:p>
-            <a:r>
-              <a:rPr lang="en-US" dirty="0"/>
-              <a:t>Woodstock Music and Art Fair, </a:t>
-            </a:r>
-          </a:p>
-        </p:txBody>
-      </p:sp>
-      <p:sp>
-        <p:nvSpPr>
-          <p:cNvPr id="3" name="Content Placeholder 2"/>
-          <p:cNvSpPr>
-            <a:spLocks noGrp="1"/>
-          </p:cNvSpPr>
-          <p:nvPr>
-            <p:ph idx="1"/>
-          </p:nvPr>
-        </p:nvSpPr>
         <p:spPr>
           <a:xfrm>
-            <a:off x="978794" y="2343955"/>
-            <a:ext cx="6748531" cy="4158057"/>
+            <a:off x="639098" y="629265"/>
+            <a:ext cx="6072776" cy="1622322"/>
           </a:xfrm>
         </p:spPr>
         <p:txBody>
@@ -14074,56 +14585,484 @@
           </a:bodyPr>
           <a:lstStyle/>
           <a:p>
-            <a:r>
-              <a:rPr lang="en-US" sz="2400" dirty="0"/>
-              <a:t>Banned from initial site Wallkill, NY(toilets), which promoted festival.</a:t>
-            </a:r>
-          </a:p>
-          <a:p>
-            <a:r>
-              <a:rPr lang="en-US" sz="2400" dirty="0"/>
-              <a:t>Max </a:t>
-            </a:r>
-            <a:r>
-              <a:rPr lang="en-US" sz="2400" dirty="0" err="1"/>
-              <a:t>Yasgur’s</a:t>
-            </a:r>
-            <a:r>
-              <a:rPr lang="en-US" sz="2400" dirty="0"/>
-              <a:t> milk farm formed the bowl.</a:t>
-            </a:r>
-          </a:p>
-          <a:p>
-            <a:r>
-              <a:rPr lang="en-US" sz="2400" dirty="0"/>
-              <a:t>Late change of site left no time to prepare: stage or fence; chose stage.</a:t>
-            </a:r>
-          </a:p>
-          <a:p>
-            <a:r>
-              <a:rPr lang="en-US" sz="2400" dirty="0"/>
-              <a:t>About 500,000 showed up.</a:t>
-            </a:r>
-          </a:p>
-          <a:p>
-            <a:r>
-              <a:rPr lang="en-US" sz="2400" dirty="0"/>
-              <a:t>Two deaths, two births, lots of rain.</a:t>
-            </a:r>
-          </a:p>
-          <a:p>
-            <a:r>
-              <a:rPr lang="en-US" sz="2400" dirty="0"/>
-              <a:t>Very peaceful, but there was destruction and theft (40 cars!).</a:t>
-            </a:r>
-          </a:p>
-          <a:p>
-            <a:endParaRPr lang="en-US" sz="2400" dirty="0"/>
-          </a:p>
-          <a:p>
-            <a:endParaRPr lang="en-US" sz="2400" dirty="0"/>
+            <a:pPr algn="ctr"/>
+            <a:r>
+              <a:rPr lang="en-US" sz="7200" dirty="0">
+                <a:solidFill>
+                  <a:srgbClr val="EBEBEB"/>
+                </a:solidFill>
+                <a:latin typeface="Comic Sans MS" panose="030F0702030302020204" pitchFamily="66" charset="0"/>
+              </a:rPr>
+              <a:t>Woodstock</a:t>
+            </a:r>
           </a:p>
         </p:txBody>
+      </p:sp>
+      <p:sp>
+        <p:nvSpPr>
+          <p:cNvPr id="40" name="Freeform: Shape 14">
+            <a:extLst>
+              <a:ext uri="{FF2B5EF4-FFF2-40B4-BE49-F238E27FC236}">
+                <a16:creationId xmlns:a16="http://schemas.microsoft.com/office/drawing/2014/main" id="{5681882E-BDD0-4311-AF62-E8019628524D}"/>
+              </a:ext>
+              <a:ext uri="{C183D7F6-B498-43B3-948B-1728B52AA6E4}">
+                <adec:decorative xmlns:adec="http://schemas.microsoft.com/office/drawing/2017/decorative" val="1"/>
+              </a:ext>
+            </a:extLst>
+          </p:cNvPr>
+          <p:cNvSpPr>
+            <a:spLocks noGrp="1" noRot="1" noChangeAspect="1" noMove="1" noResize="1" noEditPoints="1" noAdjustHandles="1" noChangeArrowheads="1" noChangeShapeType="1" noTextEdit="1"/>
+          </p:cNvSpPr>
+          <p:nvPr>
+            <p:extLst>
+              <p:ext uri="{386F3935-93C4-4BCD-93E2-E3B085C9AB24}">
+                <p16:designElem xmlns:p16="http://schemas.microsoft.com/office/powerpoint/2015/main" val="1"/>
+              </p:ext>
+            </p:extLst>
+          </p:nvPr>
+        </p:nvSpPr>
+        <p:spPr bwMode="gray">
+          <a:xfrm rot="16200000">
+            <a:off x="6290102" y="977273"/>
+            <a:ext cx="6053670" cy="4903455"/>
+          </a:xfrm>
+          <a:custGeom>
+            <a:avLst/>
+            <a:gdLst>
+              <a:gd name="connsiteX0" fmla="*/ 6053670 w 6053670"/>
+              <a:gd name="connsiteY0" fmla="*/ 1098 h 4903455"/>
+              <a:gd name="connsiteX1" fmla="*/ 6053670 w 6053670"/>
+              <a:gd name="connsiteY1" fmla="*/ 424590 h 4903455"/>
+              <a:gd name="connsiteX2" fmla="*/ 6053670 w 6053670"/>
+              <a:gd name="connsiteY2" fmla="*/ 1254558 h 4903455"/>
+              <a:gd name="connsiteX3" fmla="*/ 6053670 w 6053670"/>
+              <a:gd name="connsiteY3" fmla="*/ 4903455 h 4903455"/>
+              <a:gd name="connsiteX4" fmla="*/ 0 w 6053670"/>
+              <a:gd name="connsiteY4" fmla="*/ 4903455 h 4903455"/>
+              <a:gd name="connsiteX5" fmla="*/ 0 w 6053670"/>
+              <a:gd name="connsiteY5" fmla="*/ 1249853 h 4903455"/>
+              <a:gd name="connsiteX6" fmla="*/ 0 w 6053670"/>
+              <a:gd name="connsiteY6" fmla="*/ 424590 h 4903455"/>
+              <a:gd name="connsiteX7" fmla="*/ 0 w 6053670"/>
+              <a:gd name="connsiteY7" fmla="*/ 0 h 4903455"/>
+              <a:gd name="connsiteX8" fmla="*/ 35717 w 6053670"/>
+              <a:gd name="connsiteY8" fmla="*/ 5488 h 4903455"/>
+              <a:gd name="connsiteX9" fmla="*/ 140445 w 6053670"/>
+              <a:gd name="connsiteY9" fmla="*/ 21641 h 4903455"/>
+              <a:gd name="connsiteX10" fmla="*/ 216722 w 6053670"/>
+              <a:gd name="connsiteY10" fmla="*/ 32932 h 4903455"/>
+              <a:gd name="connsiteX11" fmla="*/ 307527 w 6053670"/>
+              <a:gd name="connsiteY11" fmla="*/ 44850 h 4903455"/>
+              <a:gd name="connsiteX12" fmla="*/ 415282 w 6053670"/>
+              <a:gd name="connsiteY12" fmla="*/ 59121 h 4903455"/>
+              <a:gd name="connsiteX13" fmla="*/ 534539 w 6053670"/>
+              <a:gd name="connsiteY13" fmla="*/ 74175 h 4903455"/>
+              <a:gd name="connsiteX14" fmla="*/ 668931 w 6053670"/>
+              <a:gd name="connsiteY14" fmla="*/ 90014 h 4903455"/>
+              <a:gd name="connsiteX15" fmla="*/ 815430 w 6053670"/>
+              <a:gd name="connsiteY15" fmla="*/ 106794 h 4903455"/>
+              <a:gd name="connsiteX16" fmla="*/ 974641 w 6053670"/>
+              <a:gd name="connsiteY16" fmla="*/ 123574 h 4903455"/>
+              <a:gd name="connsiteX17" fmla="*/ 1144144 w 6053670"/>
+              <a:gd name="connsiteY17" fmla="*/ 140667 h 4903455"/>
+              <a:gd name="connsiteX18" fmla="*/ 1326965 w 6053670"/>
+              <a:gd name="connsiteY18" fmla="*/ 156506 h 4903455"/>
+              <a:gd name="connsiteX19" fmla="*/ 1518261 w 6053670"/>
+              <a:gd name="connsiteY19" fmla="*/ 171717 h 4903455"/>
+              <a:gd name="connsiteX20" fmla="*/ 1720453 w 6053670"/>
+              <a:gd name="connsiteY20" fmla="*/ 185518 h 4903455"/>
+              <a:gd name="connsiteX21" fmla="*/ 1931121 w 6053670"/>
+              <a:gd name="connsiteY21" fmla="*/ 198690 h 4903455"/>
+              <a:gd name="connsiteX22" fmla="*/ 2150869 w 6053670"/>
+              <a:gd name="connsiteY22" fmla="*/ 211079 h 4903455"/>
+              <a:gd name="connsiteX23" fmla="*/ 2263467 w 6053670"/>
+              <a:gd name="connsiteY23" fmla="*/ 215470 h 4903455"/>
+              <a:gd name="connsiteX24" fmla="*/ 2378487 w 6053670"/>
+              <a:gd name="connsiteY24" fmla="*/ 220332 h 4903455"/>
+              <a:gd name="connsiteX25" fmla="*/ 2495323 w 6053670"/>
+              <a:gd name="connsiteY25" fmla="*/ 224879 h 4903455"/>
+              <a:gd name="connsiteX26" fmla="*/ 2612764 w 6053670"/>
+              <a:gd name="connsiteY26" fmla="*/ 227859 h 4903455"/>
+              <a:gd name="connsiteX27" fmla="*/ 2732627 w 6053670"/>
+              <a:gd name="connsiteY27" fmla="*/ 230525 h 4903455"/>
+              <a:gd name="connsiteX28" fmla="*/ 2853700 w 6053670"/>
+              <a:gd name="connsiteY28" fmla="*/ 233348 h 4903455"/>
+              <a:gd name="connsiteX29" fmla="*/ 2977195 w 6053670"/>
+              <a:gd name="connsiteY29" fmla="*/ 235229 h 4903455"/>
+              <a:gd name="connsiteX30" fmla="*/ 3101900 w 6053670"/>
+              <a:gd name="connsiteY30" fmla="*/ 235229 h 4903455"/>
+              <a:gd name="connsiteX31" fmla="*/ 3227817 w 6053670"/>
+              <a:gd name="connsiteY31" fmla="*/ 236170 h 4903455"/>
+              <a:gd name="connsiteX32" fmla="*/ 3354944 w 6053670"/>
+              <a:gd name="connsiteY32" fmla="*/ 235229 h 4903455"/>
+              <a:gd name="connsiteX33" fmla="*/ 3483887 w 6053670"/>
+              <a:gd name="connsiteY33" fmla="*/ 233348 h 4903455"/>
+              <a:gd name="connsiteX34" fmla="*/ 3612830 w 6053670"/>
+              <a:gd name="connsiteY34" fmla="*/ 231623 h 4903455"/>
+              <a:gd name="connsiteX35" fmla="*/ 3743589 w 6053670"/>
+              <a:gd name="connsiteY35" fmla="*/ 227859 h 4903455"/>
+              <a:gd name="connsiteX36" fmla="*/ 3875559 w 6053670"/>
+              <a:gd name="connsiteY36" fmla="*/ 223938 h 4903455"/>
+              <a:gd name="connsiteX37" fmla="*/ 4007529 w 6053670"/>
+              <a:gd name="connsiteY37" fmla="*/ 219391 h 4903455"/>
+              <a:gd name="connsiteX38" fmla="*/ 4140710 w 6053670"/>
+              <a:gd name="connsiteY38" fmla="*/ 212961 h 4903455"/>
+              <a:gd name="connsiteX39" fmla="*/ 4275102 w 6053670"/>
+              <a:gd name="connsiteY39" fmla="*/ 205277 h 4903455"/>
+              <a:gd name="connsiteX40" fmla="*/ 4410098 w 6053670"/>
+              <a:gd name="connsiteY40" fmla="*/ 197907 h 4903455"/>
+              <a:gd name="connsiteX41" fmla="*/ 4545096 w 6053670"/>
+              <a:gd name="connsiteY41" fmla="*/ 188498 h 4903455"/>
+              <a:gd name="connsiteX42" fmla="*/ 4681909 w 6053670"/>
+              <a:gd name="connsiteY42" fmla="*/ 177207 h 4903455"/>
+              <a:gd name="connsiteX43" fmla="*/ 4816905 w 6053670"/>
+              <a:gd name="connsiteY43" fmla="*/ 165916 h 4903455"/>
+              <a:gd name="connsiteX44" fmla="*/ 4954323 w 6053670"/>
+              <a:gd name="connsiteY44" fmla="*/ 152899 h 4903455"/>
+              <a:gd name="connsiteX45" fmla="*/ 5092347 w 6053670"/>
+              <a:gd name="connsiteY45" fmla="*/ 138629 h 4903455"/>
+              <a:gd name="connsiteX46" fmla="*/ 5228555 w 6053670"/>
+              <a:gd name="connsiteY46" fmla="*/ 123574 h 4903455"/>
+              <a:gd name="connsiteX47" fmla="*/ 5366578 w 6053670"/>
+              <a:gd name="connsiteY47" fmla="*/ 106010 h 4903455"/>
+              <a:gd name="connsiteX48" fmla="*/ 5503997 w 6053670"/>
+              <a:gd name="connsiteY48" fmla="*/ 87192 h 4903455"/>
+              <a:gd name="connsiteX49" fmla="*/ 5642020 w 6053670"/>
+              <a:gd name="connsiteY49" fmla="*/ 68530 h 4903455"/>
+              <a:gd name="connsiteX50" fmla="*/ 5779438 w 6053670"/>
+              <a:gd name="connsiteY50" fmla="*/ 46733 h 4903455"/>
+              <a:gd name="connsiteX51" fmla="*/ 5916251 w 6053670"/>
+              <a:gd name="connsiteY51" fmla="*/ 24464 h 4903455"/>
+            </a:gdLst>
+            <a:ahLst/>
+            <a:cxnLst>
+              <a:cxn ang="0">
+                <a:pos x="connsiteX0" y="connsiteY0"/>
+              </a:cxn>
+              <a:cxn ang="0">
+                <a:pos x="connsiteX1" y="connsiteY1"/>
+              </a:cxn>
+              <a:cxn ang="0">
+                <a:pos x="connsiteX2" y="connsiteY2"/>
+              </a:cxn>
+              <a:cxn ang="0">
+                <a:pos x="connsiteX3" y="connsiteY3"/>
+              </a:cxn>
+              <a:cxn ang="0">
+                <a:pos x="connsiteX4" y="connsiteY4"/>
+              </a:cxn>
+              <a:cxn ang="0">
+                <a:pos x="connsiteX5" y="connsiteY5"/>
+              </a:cxn>
+              <a:cxn ang="0">
+                <a:pos x="connsiteX6" y="connsiteY6"/>
+              </a:cxn>
+              <a:cxn ang="0">
+                <a:pos x="connsiteX7" y="connsiteY7"/>
+              </a:cxn>
+              <a:cxn ang="0">
+                <a:pos x="connsiteX8" y="connsiteY8"/>
+              </a:cxn>
+              <a:cxn ang="0">
+                <a:pos x="connsiteX9" y="connsiteY9"/>
+              </a:cxn>
+              <a:cxn ang="0">
+                <a:pos x="connsiteX10" y="connsiteY10"/>
+              </a:cxn>
+              <a:cxn ang="0">
+                <a:pos x="connsiteX11" y="connsiteY11"/>
+              </a:cxn>
+              <a:cxn ang="0">
+                <a:pos x="connsiteX12" y="connsiteY12"/>
+              </a:cxn>
+              <a:cxn ang="0">
+                <a:pos x="connsiteX13" y="connsiteY13"/>
+              </a:cxn>
+              <a:cxn ang="0">
+                <a:pos x="connsiteX14" y="connsiteY14"/>
+              </a:cxn>
+              <a:cxn ang="0">
+                <a:pos x="connsiteX15" y="connsiteY15"/>
+              </a:cxn>
+              <a:cxn ang="0">
+                <a:pos x="connsiteX16" y="connsiteY16"/>
+              </a:cxn>
+              <a:cxn ang="0">
+                <a:pos x="connsiteX17" y="connsiteY17"/>
+              </a:cxn>
+              <a:cxn ang="0">
+                <a:pos x="connsiteX18" y="connsiteY18"/>
+              </a:cxn>
+              <a:cxn ang="0">
+                <a:pos x="connsiteX19" y="connsiteY19"/>
+              </a:cxn>
+              <a:cxn ang="0">
+                <a:pos x="connsiteX20" y="connsiteY20"/>
+              </a:cxn>
+              <a:cxn ang="0">
+                <a:pos x="connsiteX21" y="connsiteY21"/>
+              </a:cxn>
+              <a:cxn ang="0">
+                <a:pos x="connsiteX22" y="connsiteY22"/>
+              </a:cxn>
+              <a:cxn ang="0">
+                <a:pos x="connsiteX23" y="connsiteY23"/>
+              </a:cxn>
+              <a:cxn ang="0">
+                <a:pos x="connsiteX24" y="connsiteY24"/>
+              </a:cxn>
+              <a:cxn ang="0">
+                <a:pos x="connsiteX25" y="connsiteY25"/>
+              </a:cxn>
+              <a:cxn ang="0">
+                <a:pos x="connsiteX26" y="connsiteY26"/>
+              </a:cxn>
+              <a:cxn ang="0">
+                <a:pos x="connsiteX27" y="connsiteY27"/>
+              </a:cxn>
+              <a:cxn ang="0">
+                <a:pos x="connsiteX28" y="connsiteY28"/>
+              </a:cxn>
+              <a:cxn ang="0">
+                <a:pos x="connsiteX29" y="connsiteY29"/>
+              </a:cxn>
+              <a:cxn ang="0">
+                <a:pos x="connsiteX30" y="connsiteY30"/>
+              </a:cxn>
+              <a:cxn ang="0">
+                <a:pos x="connsiteX31" y="connsiteY31"/>
+              </a:cxn>
+              <a:cxn ang="0">
+                <a:pos x="connsiteX32" y="connsiteY32"/>
+              </a:cxn>
+              <a:cxn ang="0">
+                <a:pos x="connsiteX33" y="connsiteY33"/>
+              </a:cxn>
+              <a:cxn ang="0">
+                <a:pos x="connsiteX34" y="connsiteY34"/>
+              </a:cxn>
+              <a:cxn ang="0">
+                <a:pos x="connsiteX35" y="connsiteY35"/>
+              </a:cxn>
+              <a:cxn ang="0">
+                <a:pos x="connsiteX36" y="connsiteY36"/>
+              </a:cxn>
+              <a:cxn ang="0">
+                <a:pos x="connsiteX37" y="connsiteY37"/>
+              </a:cxn>
+              <a:cxn ang="0">
+                <a:pos x="connsiteX38" y="connsiteY38"/>
+              </a:cxn>
+              <a:cxn ang="0">
+                <a:pos x="connsiteX39" y="connsiteY39"/>
+              </a:cxn>
+              <a:cxn ang="0">
+                <a:pos x="connsiteX40" y="connsiteY40"/>
+              </a:cxn>
+              <a:cxn ang="0">
+                <a:pos x="connsiteX41" y="connsiteY41"/>
+              </a:cxn>
+              <a:cxn ang="0">
+                <a:pos x="connsiteX42" y="connsiteY42"/>
+              </a:cxn>
+              <a:cxn ang="0">
+                <a:pos x="connsiteX43" y="connsiteY43"/>
+              </a:cxn>
+              <a:cxn ang="0">
+                <a:pos x="connsiteX44" y="connsiteY44"/>
+              </a:cxn>
+              <a:cxn ang="0">
+                <a:pos x="connsiteX45" y="connsiteY45"/>
+              </a:cxn>
+              <a:cxn ang="0">
+                <a:pos x="connsiteX46" y="connsiteY46"/>
+              </a:cxn>
+              <a:cxn ang="0">
+                <a:pos x="connsiteX47" y="connsiteY47"/>
+              </a:cxn>
+              <a:cxn ang="0">
+                <a:pos x="connsiteX48" y="connsiteY48"/>
+              </a:cxn>
+              <a:cxn ang="0">
+                <a:pos x="connsiteX49" y="connsiteY49"/>
+              </a:cxn>
+              <a:cxn ang="0">
+                <a:pos x="connsiteX50" y="connsiteY50"/>
+              </a:cxn>
+              <a:cxn ang="0">
+                <a:pos x="connsiteX51" y="connsiteY51"/>
+              </a:cxn>
+            </a:cxnLst>
+            <a:rect l="l" t="t" r="r" b="b"/>
+            <a:pathLst>
+              <a:path w="6053670" h="4903455">
+                <a:moveTo>
+                  <a:pt x="6053670" y="1098"/>
+                </a:moveTo>
+                <a:lnTo>
+                  <a:pt x="6053670" y="424590"/>
+                </a:lnTo>
+                <a:lnTo>
+                  <a:pt x="6053670" y="1254558"/>
+                </a:lnTo>
+                <a:lnTo>
+                  <a:pt x="6053670" y="4903455"/>
+                </a:lnTo>
+                <a:lnTo>
+                  <a:pt x="0" y="4903455"/>
+                </a:lnTo>
+                <a:lnTo>
+                  <a:pt x="0" y="1249853"/>
+                </a:lnTo>
+                <a:lnTo>
+                  <a:pt x="0" y="424590"/>
+                </a:lnTo>
+                <a:lnTo>
+                  <a:pt x="0" y="0"/>
+                </a:lnTo>
+                <a:lnTo>
+                  <a:pt x="35717" y="5488"/>
+                </a:lnTo>
+                <a:lnTo>
+                  <a:pt x="140445" y="21641"/>
+                </a:lnTo>
+                <a:lnTo>
+                  <a:pt x="216722" y="32932"/>
+                </a:lnTo>
+                <a:lnTo>
+                  <a:pt x="307527" y="44850"/>
+                </a:lnTo>
+                <a:lnTo>
+                  <a:pt x="415282" y="59121"/>
+                </a:lnTo>
+                <a:lnTo>
+                  <a:pt x="534539" y="74175"/>
+                </a:lnTo>
+                <a:lnTo>
+                  <a:pt x="668931" y="90014"/>
+                </a:lnTo>
+                <a:lnTo>
+                  <a:pt x="815430" y="106794"/>
+                </a:lnTo>
+                <a:lnTo>
+                  <a:pt x="974641" y="123574"/>
+                </a:lnTo>
+                <a:lnTo>
+                  <a:pt x="1144144" y="140667"/>
+                </a:lnTo>
+                <a:lnTo>
+                  <a:pt x="1326965" y="156506"/>
+                </a:lnTo>
+                <a:lnTo>
+                  <a:pt x="1518261" y="171717"/>
+                </a:lnTo>
+                <a:lnTo>
+                  <a:pt x="1720453" y="185518"/>
+                </a:lnTo>
+                <a:lnTo>
+                  <a:pt x="1931121" y="198690"/>
+                </a:lnTo>
+                <a:lnTo>
+                  <a:pt x="2150869" y="211079"/>
+                </a:lnTo>
+                <a:lnTo>
+                  <a:pt x="2263467" y="215470"/>
+                </a:lnTo>
+                <a:lnTo>
+                  <a:pt x="2378487" y="220332"/>
+                </a:lnTo>
+                <a:lnTo>
+                  <a:pt x="2495323" y="224879"/>
+                </a:lnTo>
+                <a:lnTo>
+                  <a:pt x="2612764" y="227859"/>
+                </a:lnTo>
+                <a:lnTo>
+                  <a:pt x="2732627" y="230525"/>
+                </a:lnTo>
+                <a:lnTo>
+                  <a:pt x="2853700" y="233348"/>
+                </a:lnTo>
+                <a:lnTo>
+                  <a:pt x="2977195" y="235229"/>
+                </a:lnTo>
+                <a:lnTo>
+                  <a:pt x="3101900" y="235229"/>
+                </a:lnTo>
+                <a:lnTo>
+                  <a:pt x="3227817" y="236170"/>
+                </a:lnTo>
+                <a:lnTo>
+                  <a:pt x="3354944" y="235229"/>
+                </a:lnTo>
+                <a:lnTo>
+                  <a:pt x="3483887" y="233348"/>
+                </a:lnTo>
+                <a:lnTo>
+                  <a:pt x="3612830" y="231623"/>
+                </a:lnTo>
+                <a:lnTo>
+                  <a:pt x="3743589" y="227859"/>
+                </a:lnTo>
+                <a:lnTo>
+                  <a:pt x="3875559" y="223938"/>
+                </a:lnTo>
+                <a:lnTo>
+                  <a:pt x="4007529" y="219391"/>
+                </a:lnTo>
+                <a:lnTo>
+                  <a:pt x="4140710" y="212961"/>
+                </a:lnTo>
+                <a:lnTo>
+                  <a:pt x="4275102" y="205277"/>
+                </a:lnTo>
+                <a:lnTo>
+                  <a:pt x="4410098" y="197907"/>
+                </a:lnTo>
+                <a:lnTo>
+                  <a:pt x="4545096" y="188498"/>
+                </a:lnTo>
+                <a:lnTo>
+                  <a:pt x="4681909" y="177207"/>
+                </a:lnTo>
+                <a:lnTo>
+                  <a:pt x="4816905" y="165916"/>
+                </a:lnTo>
+                <a:lnTo>
+                  <a:pt x="4954323" y="152899"/>
+                </a:lnTo>
+                <a:lnTo>
+                  <a:pt x="5092347" y="138629"/>
+                </a:lnTo>
+                <a:lnTo>
+                  <a:pt x="5228555" y="123574"/>
+                </a:lnTo>
+                <a:lnTo>
+                  <a:pt x="5366578" y="106010"/>
+                </a:lnTo>
+                <a:lnTo>
+                  <a:pt x="5503997" y="87192"/>
+                </a:lnTo>
+                <a:lnTo>
+                  <a:pt x="5642020" y="68530"/>
+                </a:lnTo>
+                <a:lnTo>
+                  <a:pt x="5779438" y="46733"/>
+                </a:lnTo>
+                <a:lnTo>
+                  <a:pt x="5916251" y="24464"/>
+                </a:lnTo>
+                <a:close/>
+              </a:path>
+            </a:pathLst>
+          </a:custGeom>
+          <a:solidFill>
+            <a:schemeClr val="tx1"/>
+          </a:solidFill>
+          <a:ln>
+            <a:noFill/>
+          </a:ln>
+        </p:spPr>
       </p:sp>
       <p:pic>
         <p:nvPicPr>
@@ -14147,14 +15086,359 @@
         </p:blipFill>
         <p:spPr>
           <a:xfrm>
-            <a:off x="8223179" y="1680632"/>
-            <a:ext cx="3514867" cy="4821380"/>
+            <a:off x="7418226" y="645106"/>
+            <a:ext cx="4077319" cy="5585369"/>
           </a:xfrm>
           <a:prstGeom prst="rect">
             <a:avLst/>
           </a:prstGeom>
         </p:spPr>
       </p:pic>
+      <p:sp>
+        <p:nvSpPr>
+          <p:cNvPr id="41" name="Rectangle 16">
+            <a:extLst>
+              <a:ext uri="{FF2B5EF4-FFF2-40B4-BE49-F238E27FC236}">
+                <a16:creationId xmlns:a16="http://schemas.microsoft.com/office/drawing/2014/main" id="{EADD3260-4BDA-459B-A162-5E1B897E38FC}"/>
+              </a:ext>
+              <a:ext uri="{C183D7F6-B498-43B3-948B-1728B52AA6E4}">
+                <adec:decorative xmlns:adec="http://schemas.microsoft.com/office/drawing/2017/decorative" val="1"/>
+              </a:ext>
+            </a:extLst>
+          </p:cNvPr>
+          <p:cNvSpPr>
+            <a:spLocks noGrp="1" noRot="1" noChangeAspect="1" noMove="1" noResize="1" noEditPoints="1" noAdjustHandles="1" noChangeArrowheads="1" noChangeShapeType="1" noTextEdit="1"/>
+          </p:cNvSpPr>
+          <p:nvPr>
+            <p:extLst>
+              <p:ext uri="{386F3935-93C4-4BCD-93E2-E3B085C9AB24}">
+                <p16:designElem xmlns:p16="http://schemas.microsoft.com/office/powerpoint/2015/main" val="1"/>
+              </p:ext>
+            </p:extLst>
+          </p:nvPr>
+        </p:nvSpPr>
+        <p:spPr>
+          <a:xfrm>
+            <a:off x="10437812" y="0"/>
+            <a:ext cx="685800" cy="1143000"/>
+          </a:xfrm>
+          <a:prstGeom prst="rect">
+            <a:avLst/>
+          </a:prstGeom>
+          <a:solidFill>
+            <a:schemeClr val="accent1"/>
+          </a:solidFill>
+          <a:ln>
+            <a:noFill/>
+          </a:ln>
+        </p:spPr>
+        <p:style>
+          <a:lnRef idx="1">
+            <a:schemeClr val="accent1"/>
+          </a:lnRef>
+          <a:fillRef idx="3">
+            <a:schemeClr val="accent1"/>
+          </a:fillRef>
+          <a:effectRef idx="2">
+            <a:schemeClr val="accent1"/>
+          </a:effectRef>
+          <a:fontRef idx="minor">
+            <a:schemeClr val="lt1"/>
+          </a:fontRef>
+        </p:style>
+      </p:sp>
+      <p:sp>
+        <p:nvSpPr>
+          <p:cNvPr id="42" name="Oval 18">
+            <a:extLst>
+              <a:ext uri="{FF2B5EF4-FFF2-40B4-BE49-F238E27FC236}">
+                <a16:creationId xmlns:a16="http://schemas.microsoft.com/office/drawing/2014/main" id="{283DA7DD-CA37-4ED7-8710-48E56B063BA4}"/>
+              </a:ext>
+              <a:ext uri="{C183D7F6-B498-43B3-948B-1728B52AA6E4}">
+                <adec:decorative xmlns:adec="http://schemas.microsoft.com/office/drawing/2017/decorative" val="1"/>
+              </a:ext>
+            </a:extLst>
+          </p:cNvPr>
+          <p:cNvSpPr>
+            <a:spLocks noGrp="1" noRot="1" noChangeAspect="1" noMove="1" noResize="1" noEditPoints="1" noAdjustHandles="1" noChangeArrowheads="1" noChangeShapeType="1" noTextEdit="1"/>
+          </p:cNvSpPr>
+          <p:nvPr>
+            <p:extLst>
+              <p:ext uri="{386F3935-93C4-4BCD-93E2-E3B085C9AB24}">
+                <p16:designElem xmlns:p16="http://schemas.microsoft.com/office/powerpoint/2015/main" val="1"/>
+              </p:ext>
+            </p:extLst>
+          </p:nvPr>
+        </p:nvSpPr>
+        <p:spPr>
+          <a:xfrm>
+            <a:off x="0" y="2667000"/>
+            <a:ext cx="4191000" cy="4191000"/>
+          </a:xfrm>
+          <a:prstGeom prst="ellipse">
+            <a:avLst/>
+          </a:prstGeom>
+          <a:gradFill flip="none" rotWithShape="1">
+            <a:gsLst>
+              <a:gs pos="0">
+                <a:schemeClr val="accent5">
+                  <a:alpha val="11000"/>
+                </a:schemeClr>
+              </a:gs>
+              <a:gs pos="75000">
+                <a:schemeClr val="accent5">
+                  <a:alpha val="0"/>
+                </a:schemeClr>
+              </a:gs>
+              <a:gs pos="36000">
+                <a:schemeClr val="accent5">
+                  <a:alpha val="10000"/>
+                </a:schemeClr>
+              </a:gs>
+            </a:gsLst>
+            <a:path path="circle">
+              <a:fillToRect l="50000" t="50000" r="50000" b="50000"/>
+            </a:path>
+            <a:tileRect/>
+          </a:gradFill>
+          <a:ln>
+            <a:noFill/>
+          </a:ln>
+          <a:effectLst/>
+        </p:spPr>
+        <p:style>
+          <a:lnRef idx="1">
+            <a:schemeClr val="accent1"/>
+          </a:lnRef>
+          <a:fillRef idx="3">
+            <a:schemeClr val="accent1"/>
+          </a:fillRef>
+          <a:effectRef idx="2">
+            <a:schemeClr val="accent1"/>
+          </a:effectRef>
+          <a:fontRef idx="minor">
+            <a:schemeClr val="lt1"/>
+          </a:fontRef>
+        </p:style>
+      </p:sp>
+      <p:sp>
+        <p:nvSpPr>
+          <p:cNvPr id="43" name="Oval 20">
+            <a:extLst>
+              <a:ext uri="{FF2B5EF4-FFF2-40B4-BE49-F238E27FC236}">
+                <a16:creationId xmlns:a16="http://schemas.microsoft.com/office/drawing/2014/main" id="{B92F2E3C-66CD-4DEB-BA14-2A5912B65A21}"/>
+              </a:ext>
+              <a:ext uri="{C183D7F6-B498-43B3-948B-1728B52AA6E4}">
+                <adec:decorative xmlns:adec="http://schemas.microsoft.com/office/drawing/2017/decorative" val="1"/>
+              </a:ext>
+            </a:extLst>
+          </p:cNvPr>
+          <p:cNvSpPr>
+            <a:spLocks noGrp="1" noRot="1" noChangeAspect="1" noMove="1" noResize="1" noEditPoints="1" noAdjustHandles="1" noChangeArrowheads="1" noChangeShapeType="1" noTextEdit="1"/>
+          </p:cNvSpPr>
+          <p:nvPr>
+            <p:extLst>
+              <p:ext uri="{386F3935-93C4-4BCD-93E2-E3B085C9AB24}">
+                <p16:designElem xmlns:p16="http://schemas.microsoft.com/office/powerpoint/2015/main" val="1"/>
+              </p:ext>
+            </p:extLst>
+          </p:nvPr>
+        </p:nvSpPr>
+        <p:spPr>
+          <a:xfrm>
+            <a:off x="0" y="2895600"/>
+            <a:ext cx="2362200" cy="2362200"/>
+          </a:xfrm>
+          <a:prstGeom prst="ellipse">
+            <a:avLst/>
+          </a:prstGeom>
+          <a:gradFill flip="none" rotWithShape="1">
+            <a:gsLst>
+              <a:gs pos="0">
+                <a:schemeClr val="accent5">
+                  <a:alpha val="8000"/>
+                </a:schemeClr>
+              </a:gs>
+              <a:gs pos="72000">
+                <a:schemeClr val="accent5">
+                  <a:alpha val="0"/>
+                </a:schemeClr>
+              </a:gs>
+              <a:gs pos="36000">
+                <a:schemeClr val="accent5">
+                  <a:alpha val="8000"/>
+                </a:schemeClr>
+              </a:gs>
+            </a:gsLst>
+            <a:path path="circle">
+              <a:fillToRect l="50000" t="50000" r="50000" b="50000"/>
+            </a:path>
+            <a:tileRect/>
+          </a:gradFill>
+          <a:ln>
+            <a:noFill/>
+          </a:ln>
+          <a:effectLst/>
+        </p:spPr>
+        <p:style>
+          <a:lnRef idx="1">
+            <a:schemeClr val="accent1"/>
+          </a:lnRef>
+          <a:fillRef idx="3">
+            <a:schemeClr val="accent1"/>
+          </a:fillRef>
+          <a:effectRef idx="2">
+            <a:schemeClr val="accent1"/>
+          </a:effectRef>
+          <a:fontRef idx="minor">
+            <a:schemeClr val="lt1"/>
+          </a:fontRef>
+        </p:style>
+      </p:sp>
+      <p:sp>
+        <p:nvSpPr>
+          <p:cNvPr id="3" name="Content Placeholder 2"/>
+          <p:cNvSpPr>
+            <a:spLocks noGrp="1"/>
+          </p:cNvSpPr>
+          <p:nvPr>
+            <p:ph idx="1"/>
+          </p:nvPr>
+        </p:nvSpPr>
+        <p:spPr>
+          <a:xfrm>
+            <a:off x="639098" y="2418735"/>
+            <a:ext cx="6072776" cy="3811740"/>
+          </a:xfrm>
+        </p:spPr>
+        <p:txBody>
+          <a:bodyPr anchor="ctr">
+            <a:normAutofit/>
+          </a:bodyPr>
+          <a:lstStyle/>
+          <a:p>
+            <a:r>
+              <a:rPr lang="en-US" sz="1800" dirty="0">
+                <a:solidFill>
+                  <a:srgbClr val="FFFFFF"/>
+                </a:solidFill>
+              </a:rPr>
+              <a:t>Banned from initial site Wallkill, NY, which promoted festival.</a:t>
+            </a:r>
+          </a:p>
+          <a:p>
+            <a:r>
+              <a:rPr lang="en-US" sz="1800" dirty="0">
+                <a:solidFill>
+                  <a:srgbClr val="FFFFFF"/>
+                </a:solidFill>
+              </a:rPr>
+              <a:t>Max </a:t>
+            </a:r>
+            <a:r>
+              <a:rPr lang="en-US" sz="1800" dirty="0" err="1">
+                <a:solidFill>
+                  <a:srgbClr val="FFFFFF"/>
+                </a:solidFill>
+              </a:rPr>
+              <a:t>Yasgur’s</a:t>
+            </a:r>
+            <a:r>
+              <a:rPr lang="en-US" sz="1800" dirty="0">
+                <a:solidFill>
+                  <a:srgbClr val="FFFFFF"/>
+                </a:solidFill>
+              </a:rPr>
+              <a:t> milk farm formed the bowl.</a:t>
+            </a:r>
+          </a:p>
+          <a:p>
+            <a:r>
+              <a:rPr lang="en-US" sz="1800" dirty="0">
+                <a:solidFill>
+                  <a:srgbClr val="FFFFFF"/>
+                </a:solidFill>
+              </a:rPr>
+              <a:t>Late change of site left no time to prepare: stage or fence? </a:t>
+            </a:r>
+            <a:r>
+              <a:rPr lang="en-US" dirty="0">
+                <a:solidFill>
+                  <a:srgbClr val="FFFFFF"/>
+                </a:solidFill>
+              </a:rPr>
+              <a:t>C</a:t>
+            </a:r>
+            <a:r>
+              <a:rPr lang="en-US" sz="1800" dirty="0">
+                <a:solidFill>
+                  <a:srgbClr val="FFFFFF"/>
+                </a:solidFill>
+              </a:rPr>
+              <a:t>hose stage.</a:t>
+            </a:r>
+          </a:p>
+          <a:p>
+            <a:r>
+              <a:rPr lang="en-US" sz="1800" dirty="0">
+                <a:solidFill>
+                  <a:srgbClr val="FFFFFF"/>
+                </a:solidFill>
+              </a:rPr>
+              <a:t>About 500,000 showed up.</a:t>
+            </a:r>
+          </a:p>
+          <a:p>
+            <a:r>
+              <a:rPr lang="en-US" dirty="0">
+                <a:solidFill>
+                  <a:srgbClr val="FFFFFF"/>
+                </a:solidFill>
+              </a:rPr>
+              <a:t>Hog Farm (bad trip tents)</a:t>
+            </a:r>
+            <a:endParaRPr lang="en-US" sz="1800" dirty="0">
+              <a:solidFill>
+                <a:srgbClr val="FFFFFF"/>
+              </a:solidFill>
+            </a:endParaRPr>
+          </a:p>
+          <a:p>
+            <a:r>
+              <a:rPr lang="en-US" sz="1800" dirty="0">
+                <a:solidFill>
+                  <a:srgbClr val="FFFFFF"/>
+                </a:solidFill>
+              </a:rPr>
+              <a:t>Two deaths, two births, lots of rain.</a:t>
+            </a:r>
+          </a:p>
+          <a:p>
+            <a:r>
+              <a:rPr lang="en-US" sz="1800" dirty="0">
+                <a:solidFill>
+                  <a:srgbClr val="FFFFFF"/>
+                </a:solidFill>
+              </a:rPr>
+              <a:t>Very peaceful, but there was destruction and theft (40 cars!).</a:t>
+            </a:r>
+          </a:p>
+          <a:p>
+            <a:endParaRPr lang="en-US" sz="1800" dirty="0">
+              <a:solidFill>
+                <a:srgbClr val="FFFFFF"/>
+              </a:solidFill>
+            </a:endParaRPr>
+          </a:p>
+          <a:p>
+            <a:endParaRPr lang="en-US" sz="1800" dirty="0">
+              <a:solidFill>
+                <a:srgbClr val="FFFFFF"/>
+              </a:solidFill>
+            </a:endParaRPr>
+          </a:p>
+        </p:txBody>
+      </p:sp>
     </p:spTree>
     <p:extLst>
       <p:ext uri="{BB962C8B-B14F-4D97-AF65-F5344CB8AC3E}">
@@ -14163,12 +15447,144 @@
     </p:extLst>
   </p:cSld>
   <p:clrMapOvr>
-    <a:masterClrMapping/>
+    <a:overrideClrMapping bg1="dk1" tx1="lt1" bg2="dk2" tx2="lt2" accent1="accent1" accent2="accent2" accent3="accent3" accent4="accent4" accent5="accent5" accent6="accent6" hlink="hlink" folHlink="folHlink"/>
   </p:clrMapOvr>
+  <p:timing>
+    <p:tnLst>
+      <p:par>
+        <p:cTn id="1" dur="indefinite" restart="never" nodeType="tmRoot">
+          <p:childTnLst>
+            <p:seq concurrent="1" nextAc="seek">
+              <p:cTn id="2" dur="indefinite" nodeType="mainSeq">
+                <p:childTnLst>
+                  <p:par>
+                    <p:cTn id="3" fill="hold">
+                      <p:stCondLst>
+                        <p:cond delay="indefinite"/>
+                      </p:stCondLst>
+                      <p:childTnLst>
+                        <p:par>
+                          <p:cTn id="4" fill="hold">
+                            <p:stCondLst>
+                              <p:cond delay="0"/>
+                            </p:stCondLst>
+                            <p:childTnLst>
+                              <p:par>
+                                <p:cTn id="5" presetID="42" presetClass="entr" presetSubtype="0" fill="hold" grpId="0" nodeType="clickEffect">
+                                  <p:stCondLst>
+                                    <p:cond delay="0"/>
+                                  </p:stCondLst>
+                                  <p:childTnLst>
+                                    <p:set>
+                                      <p:cBhvr>
+                                        <p:cTn id="6" dur="1" fill="hold">
+                                          <p:stCondLst>
+                                            <p:cond delay="0"/>
+                                          </p:stCondLst>
+                                        </p:cTn>
+                                        <p:tgtEl>
+                                          <p:spTgt spid="2"/>
+                                        </p:tgtEl>
+                                        <p:attrNameLst>
+                                          <p:attrName>style.visibility</p:attrName>
+                                        </p:attrNameLst>
+                                      </p:cBhvr>
+                                      <p:to>
+                                        <p:strVal val="visible"/>
+                                      </p:to>
+                                    </p:set>
+                                    <p:animEffect transition="in" filter="fade">
+                                      <p:cBhvr>
+                                        <p:cTn id="7" dur="1000"/>
+                                        <p:tgtEl>
+                                          <p:spTgt spid="2"/>
+                                        </p:tgtEl>
+                                      </p:cBhvr>
+                                    </p:animEffect>
+                                    <p:anim calcmode="lin" valueType="num">
+                                      <p:cBhvr>
+                                        <p:cTn id="8" dur="1000" fill="hold"/>
+                                        <p:tgtEl>
+                                          <p:spTgt spid="2"/>
+                                        </p:tgtEl>
+                                        <p:attrNameLst>
+                                          <p:attrName>ppt_x</p:attrName>
+                                        </p:attrNameLst>
+                                      </p:cBhvr>
+                                      <p:tavLst>
+                                        <p:tav tm="0">
+                                          <p:val>
+                                            <p:strVal val="#ppt_x"/>
+                                          </p:val>
+                                        </p:tav>
+                                        <p:tav tm="100000">
+                                          <p:val>
+                                            <p:strVal val="#ppt_x"/>
+                                          </p:val>
+                                        </p:tav>
+                                      </p:tavLst>
+                                    </p:anim>
+                                    <p:anim calcmode="lin" valueType="num">
+                                      <p:cBhvr>
+                                        <p:cTn id="9" dur="1000" fill="hold"/>
+                                        <p:tgtEl>
+                                          <p:spTgt spid="2"/>
+                                        </p:tgtEl>
+                                        <p:attrNameLst>
+                                          <p:attrName>ppt_y</p:attrName>
+                                        </p:attrNameLst>
+                                      </p:cBhvr>
+                                      <p:tavLst>
+                                        <p:tav tm="0">
+                                          <p:val>
+                                            <p:strVal val="#ppt_y+.1"/>
+                                          </p:val>
+                                        </p:tav>
+                                        <p:tav tm="100000">
+                                          <p:val>
+                                            <p:strVal val="#ppt_y"/>
+                                          </p:val>
+                                        </p:tav>
+                                      </p:tavLst>
+                                    </p:anim>
+                                  </p:childTnLst>
+                                </p:cTn>
+                              </p:par>
+                            </p:childTnLst>
+                          </p:cTn>
+                        </p:par>
+                      </p:childTnLst>
+                    </p:cTn>
+                  </p:par>
+                </p:childTnLst>
+              </p:cTn>
+              <p:prevCondLst>
+                <p:cond evt="onPrev" delay="0">
+                  <p:tgtEl>
+                    <p:sldTgt/>
+                  </p:tgtEl>
+                </p:cond>
+              </p:prevCondLst>
+              <p:nextCondLst>
+                <p:cond evt="onNext" delay="0">
+                  <p:tgtEl>
+                    <p:sldTgt/>
+                  </p:tgtEl>
+                </p:cond>
+              </p:nextCondLst>
+            </p:seq>
+          </p:childTnLst>
+        </p:cTn>
+      </p:par>
+    </p:tnLst>
+    <p:bldLst>
+      <p:bldP spid="2" grpId="0"/>
+    </p:bldLst>
+  </p:timing>
 </p:sld>
 </file>
 
-<file path=ppt/slides/slide12.xml><?xml version="1.0" encoding="utf-8"?>
+<file path=ppt/slides/slide13.xml><?xml version="1.0" encoding="utf-8"?>
 <p:sld xmlns:a="http://schemas.openxmlformats.org/drawingml/2006/main" xmlns:r="http://schemas.openxmlformats.org/officeDocument/2006/relationships" xmlns:p="http://schemas.openxmlformats.org/presentationml/2006/main">
   <p:cSld>
     <p:bg>
@@ -14218,14 +15634,20 @@
           <a:lstStyle/>
           <a:p>
             <a:r>
-              <a:rPr lang="en-CA" b="1" dirty="0"/>
+              <a:rPr lang="en-CA" sz="4400" b="1" dirty="0">
+                <a:latin typeface="Comic Sans MS" panose="030F0702030302020204" pitchFamily="66" charset="0"/>
+              </a:rPr>
               <a:t>Woodstock,</a:t>
             </a:r>
             <a:r>
-              <a:rPr lang="en-US" b="1" dirty="0"/>
+              <a:rPr lang="en-US" sz="4400" b="1" dirty="0">
+                <a:latin typeface="Comic Sans MS" panose="030F0702030302020204" pitchFamily="66" charset="0"/>
+              </a:rPr>
               <a:t> August 15 –16, 1969</a:t>
             </a:r>
-            <a:endParaRPr lang="en-CA" b="1" dirty="0"/>
+            <a:endParaRPr lang="en-CA" sz="4400" b="1" dirty="0">
+              <a:latin typeface="Comic Sans MS" panose="030F0702030302020204" pitchFamily="66" charset="0"/>
+            </a:endParaRPr>
           </a:p>
         </p:txBody>
       </p:sp>
@@ -14245,7 +15667,7 @@
             <p:ph idx="1"/>
             <p:extLst>
               <p:ext uri="{D42A27DB-BD31-4B8C-83A1-F6EECF244321}">
-                <p14:modId xmlns:p14="http://schemas.microsoft.com/office/powerpoint/2010/main" val="3140939114"/>
+                <p14:modId xmlns:p14="http://schemas.microsoft.com/office/powerpoint/2010/main" val="2791289258"/>
               </p:ext>
             </p:extLst>
           </p:nvPr>
@@ -14401,7 +15823,7 @@
                     <a:p>
                       <a:pPr algn="ctr"/>
                       <a:r>
-                        <a:rPr lang="en-CA" sz="1400" b="1">
+                        <a:rPr lang="en-CA" sz="1400" b="1" dirty="0">
                           <a:effectLst/>
                         </a:rPr>
                         <a:t>Notes</a:t>
@@ -14572,7 +15994,8 @@
                     <a:bodyPr/>
                     <a:lstStyle/>
                     <a:p>
-                      <a:endParaRPr lang="en-CA" sz="1400" b="1">
+                      <a:pPr algn="ctr"/>
+                      <a:endParaRPr lang="en-CA" sz="1400" b="1" dirty="0">
                         <a:effectLst/>
                       </a:endParaRPr>
                     </a:p>
@@ -14747,6 +16170,7 @@
                     <a:bodyPr/>
                     <a:lstStyle/>
                     <a:p>
+                      <a:pPr algn="ctr"/>
                       <a:r>
                         <a:rPr lang="en-US" sz="1400" b="1" dirty="0">
                           <a:effectLst/>
@@ -14916,7 +16340,8 @@
                     <a:bodyPr/>
                     <a:lstStyle/>
                     <a:p>
-                      <a:endParaRPr lang="en-CA" sz="1400" b="1">
+                      <a:pPr algn="ctr"/>
+                      <a:endParaRPr lang="en-CA" sz="1400" b="1" dirty="0">
                         <a:effectLst/>
                       </a:endParaRPr>
                     </a:p>
@@ -15082,7 +16507,8 @@
                     <a:bodyPr/>
                     <a:lstStyle/>
                     <a:p>
-                      <a:endParaRPr lang="en-CA" sz="1400" b="1">
+                      <a:pPr algn="ctr"/>
+                      <a:endParaRPr lang="en-CA" sz="1400" b="1" dirty="0">
                         <a:effectLst/>
                       </a:endParaRPr>
                     </a:p>
@@ -15248,7 +16674,8 @@
                     <a:bodyPr/>
                     <a:lstStyle/>
                     <a:p>
-                      <a:endParaRPr lang="en-CA" sz="1400" b="1">
+                      <a:pPr algn="ctr"/>
+                      <a:endParaRPr lang="en-CA" sz="1400" b="1" dirty="0">
                         <a:effectLst/>
                       </a:endParaRPr>
                     </a:p>
@@ -15414,8 +16841,9 @@
                     <a:bodyPr/>
                     <a:lstStyle/>
                     <a:p>
+                      <a:pPr algn="ctr"/>
                       <a:r>
-                        <a:rPr lang="en-CA" sz="1400" b="1">
+                        <a:rPr lang="en-CA" sz="1400" b="1" dirty="0">
                           <a:effectLst/>
                         </a:rPr>
                         <a:t>Played through the rain.</a:t>
@@ -15583,7 +17011,8 @@
                     <a:bodyPr/>
                     <a:lstStyle/>
                     <a:p>
-                      <a:endParaRPr lang="en-CA" sz="1400" b="1">
+                      <a:pPr algn="ctr"/>
+                      <a:endParaRPr lang="en-CA" sz="1400" b="1" dirty="0">
                         <a:effectLst/>
                       </a:endParaRPr>
                     </a:p>
@@ -15749,7 +17178,8 @@
                     <a:bodyPr/>
                     <a:lstStyle/>
                     <a:p>
-                      <a:endParaRPr lang="en-CA" sz="1400" b="1">
+                      <a:pPr algn="ctr"/>
+                      <a:endParaRPr lang="en-CA" sz="1400" b="1" dirty="0">
                         <a:effectLst/>
                       </a:endParaRPr>
                     </a:p>
@@ -15915,6 +17345,7 @@
                     <a:bodyPr/>
                     <a:lstStyle/>
                     <a:p>
+                      <a:pPr algn="ctr"/>
                       <a:r>
                         <a:rPr lang="en-US" sz="1400" b="1" dirty="0">
                           <a:effectLst/>
@@ -16082,7 +17513,7 @@
 </p:sld>
 </file>
 
-<file path=ppt/slides/slide13.xml><?xml version="1.0" encoding="utf-8"?>
+<file path=ppt/slides/slide14.xml><?xml version="1.0" encoding="utf-8"?>
 <p:sld xmlns:a="http://schemas.openxmlformats.org/drawingml/2006/main" xmlns:r="http://schemas.openxmlformats.org/officeDocument/2006/relationships" xmlns:p="http://schemas.openxmlformats.org/presentationml/2006/main">
   <p:cSld>
     <p:bg>
@@ -16131,15 +17562,22 @@
           <a:bodyPr/>
           <a:lstStyle/>
           <a:p>
-            <a:r>
-              <a:rPr lang="en-CA" b="1" dirty="0"/>
+            <a:pPr algn="ctr"/>
+            <a:r>
+              <a:rPr lang="en-CA" sz="4800" b="1" dirty="0">
+                <a:latin typeface="Comic Sans MS" panose="030F0702030302020204" pitchFamily="66" charset="0"/>
+              </a:rPr>
               <a:t>Woodstock,</a:t>
             </a:r>
             <a:r>
-              <a:rPr lang="en-US" b="1" dirty="0"/>
+              <a:rPr lang="en-US" sz="4800" b="1" dirty="0">
+                <a:latin typeface="Comic Sans MS" panose="030F0702030302020204" pitchFamily="66" charset="0"/>
+              </a:rPr>
               <a:t> August 16 –17, 1969</a:t>
             </a:r>
-            <a:endParaRPr lang="en-CA" b="1" dirty="0"/>
+            <a:endParaRPr lang="en-CA" sz="4800" b="1" dirty="0">
+              <a:latin typeface="Comic Sans MS" panose="030F0702030302020204" pitchFamily="66" charset="0"/>
+            </a:endParaRPr>
           </a:p>
         </p:txBody>
       </p:sp>
@@ -16256,14 +17694,14 @@
             <p:ph idx="1"/>
             <p:extLst>
               <p:ext uri="{D42A27DB-BD31-4B8C-83A1-F6EECF244321}">
-                <p14:modId xmlns:p14="http://schemas.microsoft.com/office/powerpoint/2010/main" val="2626957505"/>
+                <p14:modId xmlns:p14="http://schemas.microsoft.com/office/powerpoint/2010/main" val="3456384310"/>
               </p:ext>
             </p:extLst>
           </p:nvPr>
         </p:nvGraphicFramePr>
         <p:xfrm>
           <a:off x="303276" y="2196113"/>
-          <a:ext cx="11585448" cy="4218434"/>
+          <a:ext cx="11585448" cy="4477813"/>
         </p:xfrm>
         <a:graphic>
           <a:graphicData uri="http://schemas.openxmlformats.org/drawingml/2006/table">
@@ -16300,7 +17738,12 @@
                     <a:p>
                       <a:pPr algn="ctr"/>
                       <a:r>
-                        <a:rPr lang="en-CA" sz="1400" b="1">
+                        <a:rPr lang="en-CA" sz="1400" b="1" dirty="0">
+                          <a:solidFill>
+                            <a:schemeClr val="accent5">
+                              <a:lumMod val="50000"/>
+                            </a:schemeClr>
+                          </a:solidFill>
                           <a:effectLst/>
                         </a:rPr>
                         <a:t>Artist</a:t>
@@ -16412,7 +17855,7 @@
                     <a:p>
                       <a:pPr algn="ctr"/>
                       <a:r>
-                        <a:rPr lang="en-CA" sz="1400" b="1">
+                        <a:rPr lang="en-CA" sz="1400" b="1" dirty="0">
                           <a:effectLst/>
                         </a:rPr>
                         <a:t>Notes</a:t>
@@ -16476,13 +17919,20 @@
                       <a:r>
                         <a:rPr lang="en-CA" sz="1400" b="1" u="none" strike="noStrike" dirty="0">
                           <a:solidFill>
-                            <a:srgbClr val="0B0080"/>
+                            <a:schemeClr val="accent5">
+                              <a:lumMod val="50000"/>
+                            </a:schemeClr>
                           </a:solidFill>
                           <a:effectLst/>
                         </a:rPr>
                         <a:t>Quill</a:t>
                       </a:r>
                       <a:endParaRPr lang="en-CA" sz="1400" b="1" dirty="0">
+                        <a:solidFill>
+                          <a:schemeClr val="accent5">
+                            <a:lumMod val="50000"/>
+                          </a:schemeClr>
+                        </a:solidFill>
                         <a:effectLst/>
                       </a:endParaRPr>
                     </a:p>
@@ -16589,7 +18039,8 @@
                     <a:bodyPr/>
                     <a:lstStyle/>
                     <a:p>
-                      <a:endParaRPr lang="en-CA" sz="1400" b="1">
+                      <a:pPr algn="ctr"/>
+                      <a:endParaRPr lang="en-CA" sz="1400" b="1" dirty="0">
                         <a:effectLst/>
                       </a:endParaRPr>
                     </a:p>
@@ -16642,7 +18093,7 @@
                   </a:ext>
                 </a:extLst>
               </a:tr>
-              <a:tr h="225850">
+              <a:tr h="467260">
                 <a:tc>
                   <a:txBody>
                     <a:bodyPr/>
@@ -16651,13 +18102,20 @@
                       <a:r>
                         <a:rPr lang="en-CA" sz="1400" b="1" u="none" strike="noStrike" dirty="0">
                           <a:solidFill>
-                            <a:srgbClr val="0B0080"/>
+                            <a:schemeClr val="accent5">
+                              <a:lumMod val="50000"/>
+                            </a:schemeClr>
                           </a:solidFill>
                           <a:effectLst/>
                         </a:rPr>
                         <a:t>Country Joe McDonald</a:t>
                       </a:r>
                       <a:endParaRPr lang="en-CA" sz="1400" b="1" dirty="0">
+                        <a:solidFill>
+                          <a:schemeClr val="accent5">
+                            <a:lumMod val="50000"/>
+                          </a:schemeClr>
+                        </a:solidFill>
                         <a:effectLst/>
                       </a:endParaRPr>
                     </a:p>
@@ -16764,8 +18222,9 @@
                     <a:bodyPr/>
                     <a:lstStyle/>
                     <a:p>
+                      <a:pPr algn="ctr"/>
                       <a:r>
-                        <a:rPr lang="en-US" sz="1400" b="1">
+                        <a:rPr lang="en-US" sz="1400" b="1" dirty="0">
                           <a:effectLst/>
                         </a:rPr>
                         <a:t>Joe later performed together with The Fish.</a:t>
@@ -16829,13 +18288,20 @@
                       <a:r>
                         <a:rPr lang="en-CA" sz="1400" b="1" u="none" strike="noStrike" dirty="0">
                           <a:solidFill>
-                            <a:srgbClr val="0B0080"/>
+                            <a:schemeClr val="accent5">
+                              <a:lumMod val="50000"/>
+                            </a:schemeClr>
                           </a:solidFill>
                           <a:effectLst/>
                         </a:rPr>
                         <a:t>Santana</a:t>
                       </a:r>
                       <a:endParaRPr lang="en-CA" sz="1400" b="1" dirty="0">
+                        <a:solidFill>
+                          <a:schemeClr val="accent5">
+                            <a:lumMod val="50000"/>
+                          </a:schemeClr>
+                        </a:solidFill>
                         <a:effectLst/>
                       </a:endParaRPr>
                     </a:p>
@@ -16942,6 +18408,7 @@
                     <a:bodyPr/>
                     <a:lstStyle/>
                     <a:p>
+                      <a:pPr algn="ctr"/>
                       <a:r>
                         <a:rPr lang="en-US" sz="1400" b="1" dirty="0">
                           <a:effectLst/>
@@ -17031,13 +18498,20 @@
                       <a:r>
                         <a:rPr lang="en-CA" sz="1400" b="1" u="none" strike="noStrike" dirty="0">
                           <a:solidFill>
-                            <a:srgbClr val="0B0080"/>
+                            <a:schemeClr val="accent5">
+                              <a:lumMod val="50000"/>
+                            </a:schemeClr>
                           </a:solidFill>
                           <a:effectLst/>
                         </a:rPr>
                         <a:t>John Sebastian</a:t>
                       </a:r>
                       <a:endParaRPr lang="en-CA" sz="1400" b="1" dirty="0">
+                        <a:solidFill>
+                          <a:schemeClr val="accent5">
+                            <a:lumMod val="50000"/>
+                          </a:schemeClr>
+                        </a:solidFill>
                         <a:effectLst/>
                       </a:endParaRPr>
                     </a:p>
@@ -17144,6 +18618,7 @@
                     <a:bodyPr/>
                     <a:lstStyle/>
                     <a:p>
+                      <a:pPr algn="ctr"/>
                       <a:endParaRPr lang="en-US" sz="1400" b="1" dirty="0">
                         <a:effectLst/>
                       </a:endParaRPr>
@@ -17206,7 +18681,9 @@
                       <a:r>
                         <a:rPr lang="en-CA" sz="1400" b="1" u="none" strike="noStrike" dirty="0" err="1">
                           <a:solidFill>
-                            <a:srgbClr val="0B0080"/>
+                            <a:schemeClr val="accent5">
+                              <a:lumMod val="50000"/>
+                            </a:schemeClr>
                           </a:solidFill>
                           <a:effectLst/>
                         </a:rPr>
@@ -17215,13 +18692,20 @@
                       <a:r>
                         <a:rPr lang="en-CA" sz="1400" b="1" u="none" strike="noStrike" dirty="0">
                           <a:solidFill>
-                            <a:srgbClr val="0B0080"/>
+                            <a:schemeClr val="accent5">
+                              <a:lumMod val="50000"/>
+                            </a:schemeClr>
                           </a:solidFill>
                           <a:effectLst/>
                         </a:rPr>
                         <a:t> Hartley Band</a:t>
                       </a:r>
                       <a:endParaRPr lang="en-CA" sz="1400" b="1" dirty="0">
+                        <a:solidFill>
+                          <a:schemeClr val="accent5">
+                            <a:lumMod val="50000"/>
+                          </a:schemeClr>
+                        </a:solidFill>
                         <a:effectLst/>
                       </a:endParaRPr>
                     </a:p>
@@ -17328,7 +18812,8 @@
                     <a:bodyPr/>
                     <a:lstStyle/>
                     <a:p>
-                      <a:endParaRPr lang="en-CA" sz="1400" b="1">
+                      <a:pPr algn="ctr"/>
+                      <a:endParaRPr lang="en-CA" sz="1400" b="1" dirty="0">
                         <a:effectLst/>
                       </a:endParaRPr>
                     </a:p>
@@ -17390,13 +18875,20 @@
                       <a:r>
                         <a:rPr lang="en-CA" sz="1400" b="1" u="none" strike="noStrike" dirty="0">
                           <a:solidFill>
-                            <a:srgbClr val="0B0080"/>
+                            <a:schemeClr val="accent5">
+                              <a:lumMod val="50000"/>
+                            </a:schemeClr>
                           </a:solidFill>
                           <a:effectLst/>
                         </a:rPr>
                         <a:t>The Incredible String Band</a:t>
                       </a:r>
                       <a:endParaRPr lang="en-CA" sz="1400" b="1" dirty="0">
+                        <a:solidFill>
+                          <a:schemeClr val="accent5">
+                            <a:lumMod val="50000"/>
+                          </a:schemeClr>
+                        </a:solidFill>
                         <a:effectLst/>
                       </a:endParaRPr>
                     </a:p>
@@ -17503,7 +18995,8 @@
                     <a:bodyPr/>
                     <a:lstStyle/>
                     <a:p>
-                      <a:endParaRPr lang="en-CA" sz="1400" b="1">
+                      <a:pPr algn="ctr"/>
+                      <a:endParaRPr lang="en-CA" sz="1400" b="1" dirty="0">
                         <a:effectLst/>
                       </a:endParaRPr>
                     </a:p>
@@ -17565,13 +19058,20 @@
                       <a:r>
                         <a:rPr lang="en-CA" sz="1400" b="1" u="none" strike="noStrike" dirty="0">
                           <a:solidFill>
-                            <a:srgbClr val="0B0080"/>
+                            <a:schemeClr val="accent5">
+                              <a:lumMod val="50000"/>
+                            </a:schemeClr>
                           </a:solidFill>
                           <a:effectLst/>
                         </a:rPr>
                         <a:t>Canned Heat</a:t>
                       </a:r>
                       <a:endParaRPr lang="en-CA" sz="1400" b="1" dirty="0">
+                        <a:solidFill>
+                          <a:schemeClr val="accent5">
+                            <a:lumMod val="50000"/>
+                          </a:schemeClr>
+                        </a:solidFill>
                         <a:effectLst/>
                       </a:endParaRPr>
                     </a:p>
@@ -17678,7 +19178,8 @@
                     <a:bodyPr/>
                     <a:lstStyle/>
                     <a:p>
-                      <a:endParaRPr lang="en-CA" sz="1400" b="1">
+                      <a:pPr algn="ctr"/>
+                      <a:endParaRPr lang="en-CA" sz="1400" b="1" dirty="0">
                         <a:effectLst/>
                       </a:endParaRPr>
                     </a:p>
@@ -17740,13 +19241,20 @@
                       <a:r>
                         <a:rPr lang="en-CA" sz="1400" b="1" u="none" strike="noStrike" dirty="0">
                           <a:solidFill>
-                            <a:srgbClr val="0B0080"/>
+                            <a:schemeClr val="accent5">
+                              <a:lumMod val="50000"/>
+                            </a:schemeClr>
                           </a:solidFill>
                           <a:effectLst/>
                         </a:rPr>
                         <a:t>Mountain</a:t>
                       </a:r>
                       <a:endParaRPr lang="en-CA" sz="1400" b="1" dirty="0">
+                        <a:solidFill>
+                          <a:schemeClr val="accent5">
+                            <a:lumMod val="50000"/>
+                          </a:schemeClr>
+                        </a:solidFill>
                         <a:effectLst/>
                       </a:endParaRPr>
                     </a:p>
@@ -17853,6 +19361,7 @@
                     <a:bodyPr/>
                     <a:lstStyle/>
                     <a:p>
+                      <a:pPr algn="ctr"/>
                       <a:r>
                         <a:rPr lang="en-US" sz="1400" b="1" dirty="0">
                           <a:effectLst/>
@@ -17918,13 +19427,20 @@
                       <a:r>
                         <a:rPr lang="en-CA" sz="1400" b="1" u="none" strike="noStrike" dirty="0">
                           <a:solidFill>
-                            <a:srgbClr val="0B0080"/>
+                            <a:schemeClr val="accent5">
+                              <a:lumMod val="50000"/>
+                            </a:schemeClr>
                           </a:solidFill>
                           <a:effectLst/>
                         </a:rPr>
                         <a:t>Grateful Dead</a:t>
                       </a:r>
                       <a:endParaRPr lang="en-CA" sz="1400" b="1" dirty="0">
+                        <a:solidFill>
+                          <a:schemeClr val="accent5">
+                            <a:lumMod val="50000"/>
+                          </a:schemeClr>
+                        </a:solidFill>
                         <a:effectLst/>
                       </a:endParaRPr>
                     </a:p>
@@ -18031,8 +19547,9 @@
                     <a:bodyPr/>
                     <a:lstStyle/>
                     <a:p>
+                      <a:pPr algn="ctr"/>
                       <a:r>
-                        <a:rPr lang="en-US" sz="1400" b="1">
+                        <a:rPr lang="en-US" sz="1400" b="1" dirty="0">
                           <a:effectLst/>
                         </a:rPr>
                         <a:t>Their set was cut short after the stage amps overloaded during "Turn On Your Love Light".</a:t>
@@ -18087,7 +19604,7 @@
                   </a:ext>
                 </a:extLst>
               </a:tr>
-              <a:tr h="190190">
+              <a:tr h="241145">
                 <a:tc>
                   <a:txBody>
                     <a:bodyPr/>
@@ -18096,13 +19613,20 @@
                       <a:r>
                         <a:rPr lang="en-CA" sz="1400" b="1" u="none" strike="noStrike" dirty="0">
                           <a:solidFill>
-                            <a:srgbClr val="0B0080"/>
+                            <a:schemeClr val="accent5">
+                              <a:lumMod val="50000"/>
+                            </a:schemeClr>
                           </a:solidFill>
                           <a:effectLst/>
                         </a:rPr>
                         <a:t>Creedence Clearwater Revival</a:t>
                       </a:r>
                       <a:endParaRPr lang="en-CA" sz="1400" b="1" dirty="0">
+                        <a:solidFill>
+                          <a:schemeClr val="accent5">
+                            <a:lumMod val="50000"/>
+                          </a:schemeClr>
+                        </a:solidFill>
                         <a:effectLst/>
                       </a:endParaRPr>
                     </a:p>
@@ -18209,7 +19733,8 @@
                     <a:bodyPr/>
                     <a:lstStyle/>
                     <a:p>
-                      <a:endParaRPr lang="en-CA" sz="1400" b="1">
+                      <a:pPr algn="ctr"/>
+                      <a:endParaRPr lang="en-CA" sz="1400" b="1" dirty="0">
                         <a:effectLst/>
                       </a:endParaRPr>
                     </a:p>
@@ -18271,7 +19796,9 @@
                       <a:r>
                         <a:rPr lang="en-US" sz="1400" b="1" u="none" strike="noStrike" dirty="0">
                           <a:solidFill>
-                            <a:srgbClr val="0B0080"/>
+                            <a:schemeClr val="accent5">
+                              <a:lumMod val="50000"/>
+                            </a:schemeClr>
                           </a:solidFill>
                           <a:effectLst/>
                         </a:rPr>
@@ -18279,6 +19806,11 @@
                       </a:r>
                       <a:r>
                         <a:rPr lang="en-US" sz="1400" b="1" dirty="0">
+                          <a:solidFill>
+                            <a:schemeClr val="accent5">
+                              <a:lumMod val="50000"/>
+                            </a:schemeClr>
+                          </a:solidFill>
                           <a:effectLst/>
                         </a:rPr>
                         <a:t> with The </a:t>
@@ -18286,7 +19818,9 @@
                       <a:r>
                         <a:rPr lang="en-US" sz="1400" b="1" u="none" strike="noStrike" dirty="0" err="1">
                           <a:solidFill>
-                            <a:srgbClr val="0B0080"/>
+                            <a:schemeClr val="accent5">
+                              <a:lumMod val="50000"/>
+                            </a:schemeClr>
                           </a:solidFill>
                           <a:effectLst/>
                         </a:rPr>
@@ -18295,13 +19829,20 @@
                       <a:r>
                         <a:rPr lang="en-US" sz="1400" b="1" u="none" strike="noStrike" dirty="0">
                           <a:solidFill>
-                            <a:srgbClr val="0B0080"/>
+                            <a:schemeClr val="accent5">
+                              <a:lumMod val="50000"/>
+                            </a:schemeClr>
                           </a:solidFill>
                           <a:effectLst/>
                         </a:rPr>
                         <a:t> Blues Band</a:t>
                       </a:r>
                       <a:endParaRPr lang="en-US" sz="1400" b="1" dirty="0">
+                        <a:solidFill>
+                          <a:schemeClr val="accent5">
+                            <a:lumMod val="50000"/>
+                          </a:schemeClr>
+                        </a:solidFill>
                         <a:effectLst/>
                       </a:endParaRPr>
                     </a:p>
@@ -18408,7 +19949,8 @@
                     <a:bodyPr/>
                     <a:lstStyle/>
                     <a:p>
-                      <a:endParaRPr lang="en-CA" sz="1400" b="1">
+                      <a:pPr algn="ctr"/>
+                      <a:endParaRPr lang="en-CA" sz="1400" b="1" dirty="0">
                         <a:effectLst/>
                       </a:endParaRPr>
                     </a:p>
@@ -18470,13 +20012,20 @@
                       <a:r>
                         <a:rPr lang="en-US" sz="1400" b="1" u="none" strike="noStrike" dirty="0">
                           <a:solidFill>
-                            <a:srgbClr val="0B0080"/>
+                            <a:schemeClr val="accent5">
+                              <a:lumMod val="50000"/>
+                            </a:schemeClr>
                           </a:solidFill>
                           <a:effectLst/>
                         </a:rPr>
                         <a:t>Sly and the Family Stone</a:t>
                       </a:r>
                       <a:endParaRPr lang="en-US" sz="1400" b="1" dirty="0">
+                        <a:solidFill>
+                          <a:schemeClr val="accent5">
+                            <a:lumMod val="50000"/>
+                          </a:schemeClr>
+                        </a:solidFill>
                         <a:effectLst/>
                       </a:endParaRPr>
                     </a:p>
@@ -18583,7 +20132,8 @@
                     <a:bodyPr/>
                     <a:lstStyle/>
                     <a:p>
-                      <a:endParaRPr lang="en-CA" sz="1400" b="1">
+                      <a:pPr algn="ctr"/>
+                      <a:endParaRPr lang="en-CA" sz="1400" b="1" dirty="0">
                         <a:effectLst/>
                       </a:endParaRPr>
                     </a:p>
@@ -18645,13 +20195,20 @@
                       <a:r>
                         <a:rPr lang="en-CA" sz="1400" b="1" u="none" strike="noStrike" dirty="0">
                           <a:solidFill>
-                            <a:srgbClr val="0B0080"/>
+                            <a:schemeClr val="accent5">
+                              <a:lumMod val="50000"/>
+                            </a:schemeClr>
                           </a:solidFill>
                           <a:effectLst/>
                         </a:rPr>
                         <a:t>The Who</a:t>
                       </a:r>
                       <a:endParaRPr lang="en-CA" sz="1400" b="1" dirty="0">
+                        <a:solidFill>
+                          <a:schemeClr val="accent5">
+                            <a:lumMod val="50000"/>
+                          </a:schemeClr>
+                        </a:solidFill>
                         <a:effectLst/>
                       </a:endParaRPr>
                     </a:p>
@@ -18758,6 +20315,7 @@
                     <a:bodyPr/>
                     <a:lstStyle/>
                     <a:p>
+                      <a:pPr algn="ctr"/>
                       <a:r>
                         <a:rPr lang="en-US" sz="1400" b="1" dirty="0">
                           <a:effectLst/>
@@ -18838,13 +20396,20 @@
                       <a:r>
                         <a:rPr lang="en-CA" sz="1400" b="1" u="none" strike="noStrike" dirty="0">
                           <a:solidFill>
-                            <a:srgbClr val="0B0080"/>
+                            <a:schemeClr val="accent5">
+                              <a:lumMod val="50000"/>
+                            </a:schemeClr>
                           </a:solidFill>
                           <a:effectLst/>
                         </a:rPr>
                         <a:t>Jefferson Airplane</a:t>
                       </a:r>
                       <a:endParaRPr lang="en-CA" sz="1400" b="1" dirty="0">
+                        <a:solidFill>
+                          <a:schemeClr val="accent5">
+                            <a:lumMod val="50000"/>
+                          </a:schemeClr>
+                        </a:solidFill>
                         <a:effectLst/>
                       </a:endParaRPr>
                     </a:p>
@@ -18951,6 +20516,7 @@
                     <a:bodyPr/>
                     <a:lstStyle/>
                     <a:p>
+                      <a:pPr algn="ctr"/>
                       <a:r>
                         <a:rPr lang="en-US" sz="1400" b="1" dirty="0">
                           <a:effectLst/>
@@ -19040,7 +20606,7 @@
 </p:sld>
 </file>
 
-<file path=ppt/slides/slide14.xml><?xml version="1.0" encoding="utf-8"?>
+<file path=ppt/slides/slide15.xml><?xml version="1.0" encoding="utf-8"?>
 <p:sld xmlns:a="http://schemas.openxmlformats.org/drawingml/2006/main" xmlns:r="http://schemas.openxmlformats.org/officeDocument/2006/relationships" xmlns:p="http://schemas.openxmlformats.org/presentationml/2006/main">
   <p:cSld>
     <p:spTree>
@@ -19078,8 +20644,11 @@
           <a:bodyPr/>
           <a:lstStyle/>
           <a:p>
-            <a:r>
-              <a:rPr lang="en-CA" dirty="0"/>
+            <a:pPr algn="ctr"/>
+            <a:r>
+              <a:rPr lang="en-CA" sz="6600" dirty="0">
+                <a:latin typeface="Comic Sans MS" panose="030F0702030302020204" pitchFamily="66" charset="0"/>
+              </a:rPr>
               <a:t>Woodstock</a:t>
             </a:r>
           </a:p>
@@ -19148,7 +20717,7 @@
 </p:sld>
 </file>
 
-<file path=ppt/slides/slide15.xml><?xml version="1.0" encoding="utf-8"?>
+<file path=ppt/slides/slide16.xml><?xml version="1.0" encoding="utf-8"?>
 <p:sld xmlns:a="http://schemas.openxmlformats.org/drawingml/2006/main" xmlns:r="http://schemas.openxmlformats.org/officeDocument/2006/relationships" xmlns:p="http://schemas.openxmlformats.org/presentationml/2006/main">
   <p:cSld>
     <p:bg>
@@ -19187,20 +20756,32 @@
             <p:ph type="title"/>
           </p:nvPr>
         </p:nvSpPr>
-        <p:spPr/>
+        <p:spPr>
+          <a:xfrm>
+            <a:off x="867266" y="973668"/>
+            <a:ext cx="9747315" cy="706964"/>
+          </a:xfrm>
+        </p:spPr>
         <p:txBody>
           <a:bodyPr/>
           <a:lstStyle/>
           <a:p>
-            <a:r>
-              <a:rPr lang="en-CA" b="1" dirty="0"/>
+            <a:pPr algn="ctr"/>
+            <a:r>
+              <a:rPr lang="en-CA" sz="4400" b="1" dirty="0">
+                <a:latin typeface="Comic Sans MS" panose="030F0702030302020204" pitchFamily="66" charset="0"/>
+              </a:rPr>
               <a:t>Woodstock,</a:t>
             </a:r>
             <a:r>
-              <a:rPr lang="en-US" b="1" dirty="0"/>
+              <a:rPr lang="en-US" sz="4400" b="1" dirty="0">
+                <a:latin typeface="Comic Sans MS" panose="030F0702030302020204" pitchFamily="66" charset="0"/>
+              </a:rPr>
               <a:t> August 17 –18, 1969</a:t>
             </a:r>
-            <a:endParaRPr lang="en-CA" dirty="0"/>
+            <a:endParaRPr lang="en-CA" sz="4400" dirty="0">
+              <a:latin typeface="Comic Sans MS" panose="030F0702030302020204" pitchFamily="66" charset="0"/>
+            </a:endParaRPr>
           </a:p>
         </p:txBody>
       </p:sp>
@@ -19220,14 +20801,14 @@
             <p:ph idx="1"/>
             <p:extLst>
               <p:ext uri="{D42A27DB-BD31-4B8C-83A1-F6EECF244321}">
-                <p14:modId xmlns:p14="http://schemas.microsoft.com/office/powerpoint/2010/main" val="2665913954"/>
+                <p14:modId xmlns:p14="http://schemas.microsoft.com/office/powerpoint/2010/main" val="1885083721"/>
               </p:ext>
             </p:extLst>
           </p:nvPr>
         </p:nvGraphicFramePr>
         <p:xfrm>
           <a:off x="452761" y="2264355"/>
-          <a:ext cx="11301273" cy="4531804"/>
+          <a:ext cx="11301273" cy="4172916"/>
         </p:xfrm>
         <a:graphic>
           <a:graphicData uri="http://schemas.openxmlformats.org/drawingml/2006/table">
@@ -19264,7 +20845,12 @@
                     <a:p>
                       <a:pPr algn="ctr"/>
                       <a:r>
-                        <a:rPr lang="en-CA" sz="1400" b="1">
+                        <a:rPr lang="en-CA" sz="1400" b="1" dirty="0">
+                          <a:solidFill>
+                            <a:schemeClr val="accent5">
+                              <a:lumMod val="50000"/>
+                            </a:schemeClr>
+                          </a:solidFill>
                           <a:effectLst/>
                         </a:rPr>
                         <a:t>Artist</a:t>
@@ -19431,7 +21017,7 @@
                   </a:ext>
                 </a:extLst>
               </a:tr>
-              <a:tr h="1002018">
+              <a:tr h="643130">
                 <a:tc>
                   <a:txBody>
                     <a:bodyPr/>
@@ -19440,7 +21026,9 @@
                       <a:r>
                         <a:rPr lang="en-US" sz="1400" b="1" u="none" strike="noStrike" dirty="0">
                           <a:solidFill>
-                            <a:srgbClr val="0B0080"/>
+                            <a:schemeClr val="accent5">
+                              <a:lumMod val="50000"/>
+                            </a:schemeClr>
                           </a:solidFill>
                           <a:effectLst/>
                         </a:rPr>
@@ -19448,6 +21036,11 @@
                       </a:r>
                       <a:r>
                         <a:rPr lang="en-US" sz="1400" b="1" dirty="0">
+                          <a:solidFill>
+                            <a:schemeClr val="accent5">
+                              <a:lumMod val="50000"/>
+                            </a:schemeClr>
+                          </a:solidFill>
                           <a:effectLst/>
                         </a:rPr>
                         <a:t> and </a:t>
@@ -19455,13 +21048,20 @@
                       <a:r>
                         <a:rPr lang="en-US" sz="1400" b="1" u="none" strike="noStrike" dirty="0">
                           <a:solidFill>
-                            <a:srgbClr val="0B0080"/>
+                            <a:schemeClr val="accent5">
+                              <a:lumMod val="50000"/>
+                            </a:schemeClr>
                           </a:solidFill>
                           <a:effectLst/>
                         </a:rPr>
                         <a:t>The Grease Band</a:t>
                       </a:r>
                       <a:endParaRPr lang="en-US" sz="1400" b="1" dirty="0">
+                        <a:solidFill>
+                          <a:schemeClr val="accent5">
+                            <a:lumMod val="50000"/>
+                          </a:schemeClr>
+                        </a:solidFill>
                         <a:effectLst/>
                       </a:endParaRPr>
                     </a:p>
@@ -19514,7 +21114,7 @@
                     <a:lstStyle/>
                     <a:p>
                       <a:r>
-                        <a:rPr lang="en-CA" sz="1400" b="1">
+                        <a:rPr lang="en-CA" sz="1400" b="1" dirty="0">
                           <a:effectLst/>
                         </a:rPr>
                         <a:t>2:00 pm – 3:25 pm</a:t>
@@ -19633,13 +21233,20 @@
                       <a:r>
                         <a:rPr lang="en-US" sz="1400" b="1" u="none" strike="noStrike" dirty="0">
                           <a:solidFill>
-                            <a:srgbClr val="0B0080"/>
+                            <a:schemeClr val="accent5">
+                              <a:lumMod val="50000"/>
+                            </a:schemeClr>
                           </a:solidFill>
                           <a:effectLst/>
                         </a:rPr>
                         <a:t>Country Joe and the Fish</a:t>
                       </a:r>
                       <a:endParaRPr lang="en-US" sz="1400" b="1" dirty="0">
+                        <a:solidFill>
+                          <a:schemeClr val="accent5">
+                            <a:lumMod val="50000"/>
+                          </a:schemeClr>
+                        </a:solidFill>
                         <a:effectLst/>
                       </a:endParaRPr>
                     </a:p>
@@ -19811,13 +21418,20 @@
                       <a:r>
                         <a:rPr lang="en-CA" sz="1400" b="1" u="none" strike="noStrike" dirty="0">
                           <a:solidFill>
-                            <a:srgbClr val="0B0080"/>
+                            <a:schemeClr val="accent5">
+                              <a:lumMod val="50000"/>
+                            </a:schemeClr>
                           </a:solidFill>
                           <a:effectLst/>
                         </a:rPr>
                         <a:t>Ten Years After</a:t>
                       </a:r>
                       <a:endParaRPr lang="en-CA" sz="1400" b="1" dirty="0">
+                        <a:solidFill>
+                          <a:schemeClr val="accent5">
+                            <a:lumMod val="50000"/>
+                          </a:schemeClr>
+                        </a:solidFill>
                         <a:effectLst/>
                       </a:endParaRPr>
                     </a:p>
@@ -19986,13 +21600,20 @@
                       <a:r>
                         <a:rPr lang="en-CA" sz="1400" b="1" u="none" strike="noStrike" dirty="0">
                           <a:solidFill>
-                            <a:srgbClr val="0B0080"/>
+                            <a:schemeClr val="accent5">
+                              <a:lumMod val="50000"/>
+                            </a:schemeClr>
                           </a:solidFill>
                           <a:effectLst/>
                         </a:rPr>
                         <a:t>The Band</a:t>
                       </a:r>
                       <a:endParaRPr lang="en-CA" sz="1400" b="1" dirty="0">
+                        <a:solidFill>
+                          <a:schemeClr val="accent5">
+                            <a:lumMod val="50000"/>
+                          </a:schemeClr>
+                        </a:solidFill>
                         <a:effectLst/>
                       </a:endParaRPr>
                     </a:p>
@@ -20161,13 +21782,20 @@
                       <a:r>
                         <a:rPr lang="en-CA" sz="1400" b="1" u="none" strike="noStrike" dirty="0">
                           <a:solidFill>
-                            <a:srgbClr val="0B0080"/>
+                            <a:schemeClr val="accent5">
+                              <a:lumMod val="50000"/>
+                            </a:schemeClr>
                           </a:solidFill>
                           <a:effectLst/>
                         </a:rPr>
                         <a:t>Johnny Winter</a:t>
                       </a:r>
                       <a:endParaRPr lang="en-CA" sz="1400" b="1" dirty="0">
+                        <a:solidFill>
+                          <a:schemeClr val="accent5">
+                            <a:lumMod val="50000"/>
+                          </a:schemeClr>
+                        </a:solidFill>
                         <a:effectLst/>
                       </a:endParaRPr>
                     </a:p>
@@ -20354,13 +21982,20 @@
                       <a:r>
                         <a:rPr lang="en-CA" sz="1400" b="1" u="none" strike="noStrike" dirty="0">
                           <a:solidFill>
-                            <a:srgbClr val="0B0080"/>
+                            <a:schemeClr val="accent5">
+                              <a:lumMod val="50000"/>
+                            </a:schemeClr>
                           </a:solidFill>
                           <a:effectLst/>
                         </a:rPr>
                         <a:t>Blood, Sweat &amp; Tears</a:t>
                       </a:r>
                       <a:endParaRPr lang="en-CA" sz="1400" b="1" dirty="0">
+                        <a:solidFill>
+                          <a:schemeClr val="accent5">
+                            <a:lumMod val="50000"/>
+                          </a:schemeClr>
+                        </a:solidFill>
                         <a:effectLst/>
                       </a:endParaRPr>
                     </a:p>
@@ -20529,13 +22164,20 @@
                       <a:r>
                         <a:rPr lang="en-CA" sz="1400" b="1" u="none" strike="noStrike" dirty="0">
                           <a:solidFill>
-                            <a:srgbClr val="0B0080"/>
+                            <a:schemeClr val="accent5">
+                              <a:lumMod val="50000"/>
+                            </a:schemeClr>
                           </a:solidFill>
                           <a:effectLst/>
                         </a:rPr>
                         <a:t>Crosby, Stills, Nash &amp; Young</a:t>
                       </a:r>
                       <a:endParaRPr lang="en-CA" sz="1400" b="1" dirty="0">
+                        <a:solidFill>
+                          <a:schemeClr val="accent5">
+                            <a:lumMod val="50000"/>
+                          </a:schemeClr>
+                        </a:solidFill>
                         <a:effectLst/>
                       </a:endParaRPr>
                     </a:p>
@@ -20722,13 +22364,20 @@
                       <a:r>
                         <a:rPr lang="en-CA" sz="1400" b="1" u="none" strike="noStrike" dirty="0">
                           <a:solidFill>
-                            <a:srgbClr val="0B0080"/>
+                            <a:schemeClr val="accent5">
+                              <a:lumMod val="50000"/>
+                            </a:schemeClr>
                           </a:solidFill>
                           <a:effectLst/>
                         </a:rPr>
                         <a:t>Paul Butterfield Blues Band</a:t>
                       </a:r>
                       <a:endParaRPr lang="en-CA" sz="1400" b="1" dirty="0">
+                        <a:solidFill>
+                          <a:schemeClr val="accent5">
+                            <a:lumMod val="50000"/>
+                          </a:schemeClr>
+                        </a:solidFill>
                         <a:effectLst/>
                       </a:endParaRPr>
                     </a:p>
@@ -20897,7 +22546,9 @@
                       <a:r>
                         <a:rPr lang="en-CA" sz="1400" b="1" u="none" strike="noStrike" dirty="0">
                           <a:solidFill>
-                            <a:srgbClr val="0B0080"/>
+                            <a:schemeClr val="accent5">
+                              <a:lumMod val="50000"/>
+                            </a:schemeClr>
                           </a:solidFill>
                           <a:effectLst/>
                         </a:rPr>
@@ -20906,13 +22557,20 @@
                       <a:r>
                         <a:rPr lang="en-CA" sz="1400" b="1" u="none" strike="noStrike" dirty="0" err="1">
                           <a:solidFill>
-                            <a:srgbClr val="0B0080"/>
+                            <a:schemeClr val="accent5">
+                              <a:lumMod val="50000"/>
+                            </a:schemeClr>
                           </a:solidFill>
                           <a:effectLst/>
                         </a:rPr>
                         <a:t>Na</a:t>
                       </a:r>
                       <a:endParaRPr lang="en-CA" sz="1400" b="1" dirty="0">
+                        <a:solidFill>
+                          <a:schemeClr val="accent5">
+                            <a:lumMod val="50000"/>
+                          </a:schemeClr>
+                        </a:solidFill>
                         <a:effectLst/>
                       </a:endParaRPr>
                     </a:p>
@@ -21081,7 +22739,9 @@
                       <a:r>
                         <a:rPr lang="en-CA" sz="1400" b="1" u="none" strike="noStrike" dirty="0">
                           <a:solidFill>
-                            <a:srgbClr val="0B0080"/>
+                            <a:schemeClr val="accent5">
+                              <a:lumMod val="50000"/>
+                            </a:schemeClr>
                           </a:solidFill>
                           <a:effectLst/>
                         </a:rPr>
@@ -21089,6 +22749,11 @@
                       </a:r>
                       <a:r>
                         <a:rPr lang="en-CA" sz="1400" b="1" dirty="0">
+                          <a:solidFill>
+                            <a:schemeClr val="accent5">
+                              <a:lumMod val="50000"/>
+                            </a:schemeClr>
+                          </a:solidFill>
                           <a:effectLst/>
                         </a:rPr>
                         <a:t> / Gypsy Sun &amp; Rainbows</a:t>
@@ -21270,7 +22935,7 @@
 </p:sld>
 </file>
 
-<file path=ppt/slides/slide16.xml><?xml version="1.0" encoding="utf-8"?>
+<file path=ppt/slides/slide17.xml><?xml version="1.0" encoding="utf-8"?>
 <p:sld xmlns:a="http://schemas.openxmlformats.org/drawingml/2006/main" xmlns:r="http://schemas.openxmlformats.org/officeDocument/2006/relationships" xmlns:p="http://schemas.openxmlformats.org/presentationml/2006/main">
   <p:cSld>
     <p:spTree>
@@ -21303,7 +22968,9 @@
           <a:lstStyle/>
           <a:p>
             <a:r>
-              <a:rPr lang="en-US" dirty="0"/>
+              <a:rPr lang="en-US" sz="4400" dirty="0">
+                <a:latin typeface="Comic Sans MS" panose="030F0702030302020204" pitchFamily="66" charset="0"/>
+              </a:rPr>
               <a:t>Performers’ paychecks!</a:t>
             </a:r>
           </a:p>
@@ -21321,7 +22988,7 @@
         </p:nvSpPr>
         <p:spPr>
           <a:xfrm>
-            <a:off x="167426" y="2385392"/>
+            <a:off x="157999" y="2385392"/>
             <a:ext cx="6009638" cy="4404514"/>
           </a:xfrm>
         </p:spPr>
@@ -21584,7 +23251,7 @@
 </p:sld>
 </file>
 
-<file path=ppt/slides/slide17.xml><?xml version="1.0" encoding="utf-8"?>
+<file path=ppt/slides/slide18.xml><?xml version="1.0" encoding="utf-8"?>
 <p:sld xmlns:a="http://schemas.openxmlformats.org/drawingml/2006/main" xmlns:r="http://schemas.openxmlformats.org/officeDocument/2006/relationships" xmlns:p="http://schemas.openxmlformats.org/presentationml/2006/main">
   <p:cSld>
     <p:spTree>
@@ -21695,18 +23362,19 @@
             </a:r>
           </a:p>
           <a:p>
-            <a:r>
-              <a:rPr lang="en-CA" sz="2400" dirty="0"/>
+            <a:pPr lvl="1"/>
+            <a:r>
+              <a:rPr lang="en-CA" sz="2200" dirty="0"/>
               <a:t>Joni Mitchell, “Woodstock” [</a:t>
             </a:r>
             <a:r>
-              <a:rPr lang="en-CA" sz="2400" dirty="0">
+              <a:rPr lang="en-CA" sz="2200" dirty="0">
                 <a:hlinkClick r:id="rId2"/>
               </a:rPr>
               <a:t>link</a:t>
             </a:r>
             <a:r>
-              <a:rPr lang="en-CA" sz="2400" dirty="0"/>
+              <a:rPr lang="en-CA" sz="2200" dirty="0"/>
               <a:t>]</a:t>
             </a:r>
           </a:p>
@@ -21725,7 +23393,7 @@
 </p:sld>
 </file>
 
-<file path=ppt/slides/slide18.xml><?xml version="1.0" encoding="utf-8"?>
+<file path=ppt/slides/slide19.xml><?xml version="1.0" encoding="utf-8"?>
 <p:sld xmlns:a="http://schemas.openxmlformats.org/drawingml/2006/main" xmlns:r="http://schemas.openxmlformats.org/officeDocument/2006/relationships" xmlns:p="http://schemas.openxmlformats.org/presentationml/2006/main">
   <p:cSld>
     <p:spTree>
@@ -21984,12 +23652,8 @@
           <a:lstStyle/>
           <a:p>
             <a:r>
-              <a:rPr lang="en-US" sz="2400"/>
-              <a:t>In North </a:t>
-            </a:r>
-            <a:r>
               <a:rPr lang="en-US" sz="2400" dirty="0"/>
-              <a:t>Vietnam: Resistance War Against America</a:t>
+              <a:t>In North Vietnam: Resistance War Against America</a:t>
             </a:r>
           </a:p>
           <a:p>
@@ -22007,7 +23671,7 @@
           <a:p>
             <a:r>
               <a:rPr lang="en-US" sz="2400" dirty="0"/>
-              <a:t>Part of a longer war against western imperialism</a:t>
+              <a:t>Part of a longer war against western imperialism/to fight communism.</a:t>
             </a:r>
           </a:p>
           <a:p>
@@ -22105,44 +23769,44 @@
           <a:lstStyle/>
           <a:p>
             <a:r>
-              <a:rPr lang="en-US" sz="2000" dirty="0"/>
+              <a:rPr lang="en-US" sz="2400" dirty="0"/>
               <a:t>President Lyndon Johnson given full powers to deploy “conventional” forces in southeast Asia.</a:t>
             </a:r>
           </a:p>
           <a:p>
             <a:r>
-              <a:rPr lang="en-US" sz="2000" dirty="0"/>
-              <a:t>Containment of communism, but far away, and many youths not really willing to fight.</a:t>
-            </a:r>
-          </a:p>
-          <a:p>
-            <a:r>
-              <a:rPr lang="en-US" sz="2000" dirty="0"/>
+              <a:rPr lang="en-US" sz="2400" dirty="0"/>
+              <a:t>Containment of communism, but far away; many youths not really willing to fight.</a:t>
+            </a:r>
+          </a:p>
+          <a:p>
+            <a:r>
+              <a:rPr lang="en-US" sz="2400" dirty="0"/>
               <a:t>Peace movement also played a role.</a:t>
             </a:r>
           </a:p>
           <a:p>
             <a:r>
-              <a:rPr lang="en-US" sz="2000" dirty="0"/>
-              <a:t>Napalm bombing</a:t>
-            </a:r>
-          </a:p>
-          <a:p>
-            <a:r>
-              <a:rPr lang="en-US" sz="2000" dirty="0"/>
+              <a:rPr lang="en-US" sz="2400" dirty="0"/>
+              <a:t>Napalm bombing: US dropped 388,000 tons, 1963-1973</a:t>
+            </a:r>
+          </a:p>
+          <a:p>
+            <a:r>
+              <a:rPr lang="en-US" sz="2400" dirty="0"/>
               <a:t>War crimes (both sides, but in west US war crimes got most press).</a:t>
             </a:r>
           </a:p>
           <a:p>
             <a:r>
-              <a:rPr lang="en-US" sz="2000" dirty="0"/>
-              <a:t>Tet Offensive, February 1968</a:t>
-            </a:r>
-          </a:p>
-          <a:p>
-            <a:r>
-              <a:rPr lang="en-US" sz="2000" dirty="0"/>
-              <a:t>Most famously: My Lai massacre, March 1968.</a:t>
+              <a:rPr lang="en-US" sz="2400" dirty="0"/>
+              <a:t>Tet Offensive, February 1968: shocked US military and public.</a:t>
+            </a:r>
+          </a:p>
+          <a:p>
+            <a:r>
+              <a:rPr lang="en-US" sz="2400" dirty="0"/>
+              <a:t>Most famously: My Lai massacre, March 1968; 347-500 civilians.</a:t>
             </a:r>
           </a:p>
         </p:txBody>
@@ -22231,11 +23895,19 @@
             </a:r>
             <a:r>
               <a:rPr lang="en-US" b="1" dirty="0"/>
-              <a:t> (1882 – March 26, 1965), inspired by Buddhist nuns and monks’ self-</a:t>
-            </a:r>
-            <a:r>
-              <a:rPr lang="en-US" b="1" dirty="0" err="1"/>
-              <a:t>emolations</a:t>
+              <a:t> (1882 – March 26, 1965), inspired by Buddhist nuns and monks</a:t>
+            </a:r>
+            <a:r>
+              <a:rPr lang="en-US" b="1"/>
+              <a:t>’ self-i</a:t>
+            </a:r>
+            <a:r>
+              <a:rPr lang="en-US" b="1" dirty="0"/>
+              <a:t>m</a:t>
+            </a:r>
+            <a:r>
+              <a:rPr lang="en-US" b="1"/>
+              <a:t>molations</a:t>
             </a:r>
             <a:r>
               <a:rPr lang="en-US" b="1" dirty="0"/>
@@ -22245,7 +23917,7 @@
           <a:p>
             <a:r>
               <a:rPr lang="en-US" b="1" dirty="0"/>
-              <a:t>Norman Morrison (2 Nov 1965): Quaker, emulated himself in front of Robert McNamara’s office window, 2 November 1965.</a:t>
+              <a:t>Norman Morrison (2 Nov 1965): Quaker, immolated himself in front of Robert McNamara’s office window, 2 November 1965.</a:t>
             </a:r>
           </a:p>
           <a:p>
@@ -22600,18 +24272,23 @@
           <a:p>
             <a:r>
               <a:rPr lang="en-US" sz="2000" b="1" dirty="0"/>
-              <a:t>Monterey International Pop Festival (June 16–17): </a:t>
-            </a:r>
+              <a:t>Monterey International Pop Festival (June 16–17)</a:t>
+            </a:r>
+          </a:p>
+          <a:p>
             <a:r>
               <a:rPr lang="en-US" sz="2000" dirty="0"/>
-              <a:t>Jimi Hendrix, Janis Joplin, The Who, and Otis Redding; Jefferson Airplane, Mamas and the Papas.</a:t>
-            </a:r>
-          </a:p>
-          <a:p>
-            <a:r>
-              <a:rPr lang="en-US" sz="2000" dirty="0"/>
-              <a:t>Sparked “Summer of Love”</a:t>
-            </a:r>
+              <a:t>Sparked “Summer of Love” (</a:t>
+            </a:r>
+            <a:r>
+              <a:rPr lang="en-CA" dirty="0"/>
+              <a:t>Haight-Ashbury, San Francisco</a:t>
+            </a:r>
+            <a:r>
+              <a:rPr lang="en-CA"/>
+              <a:t>, Hippies)</a:t>
+            </a:r>
+            <a:endParaRPr lang="en-US" sz="2000" dirty="0"/>
           </a:p>
           <a:p>
             <a:endParaRPr lang="en-US" sz="2000" dirty="0"/>
@@ -22634,6 +24311,14 @@
 <file path=ppt/slides/slide8.xml><?xml version="1.0" encoding="utf-8"?>
 <p:sld xmlns:a="http://schemas.openxmlformats.org/drawingml/2006/main" xmlns:r="http://schemas.openxmlformats.org/officeDocument/2006/relationships" xmlns:p="http://schemas.openxmlformats.org/presentationml/2006/main">
   <p:cSld>
+    <p:bg>
+      <p:bgPr>
+        <a:solidFill>
+          <a:schemeClr val="bg1"/>
+        </a:solidFill>
+        <a:effectLst/>
+      </p:bgPr>
+    </p:bg>
     <p:spTree>
       <p:nvGrpSpPr>
         <p:cNvPr id="1" name=""/>
@@ -22650,10 +24335,771 @@
       </p:grpSpPr>
       <p:sp>
         <p:nvSpPr>
+          <p:cNvPr id="12" name="Rectangle 11">
+            <a:extLst>
+              <a:ext uri="{FF2B5EF4-FFF2-40B4-BE49-F238E27FC236}">
+                <a16:creationId xmlns:a16="http://schemas.microsoft.com/office/drawing/2014/main" id="{F70C2B8F-6B1B-46D5-86E6-40F36C695FC2}"/>
+              </a:ext>
+              <a:ext uri="{C183D7F6-B498-43B3-948B-1728B52AA6E4}">
+                <adec:decorative xmlns:adec="http://schemas.microsoft.com/office/drawing/2017/decorative" val="1"/>
+              </a:ext>
+            </a:extLst>
+          </p:cNvPr>
+          <p:cNvSpPr>
+            <a:spLocks noGrp="1" noRot="1" noChangeAspect="1" noMove="1" noResize="1" noEditPoints="1" noAdjustHandles="1" noChangeArrowheads="1" noChangeShapeType="1" noTextEdit="1"/>
+          </p:cNvSpPr>
+          <p:nvPr>
+            <p:extLst>
+              <p:ext uri="{386F3935-93C4-4BCD-93E2-E3B085C9AB24}">
+                <p16:designElem xmlns:p16="http://schemas.microsoft.com/office/powerpoint/2015/main" val="1"/>
+              </p:ext>
+            </p:extLst>
+          </p:nvPr>
+        </p:nvSpPr>
+        <p:spPr>
+          <a:xfrm>
+            <a:off x="0" y="0"/>
+            <a:ext cx="12192000" cy="6858000"/>
+          </a:xfrm>
+          <a:prstGeom prst="rect">
+            <a:avLst/>
+          </a:prstGeom>
+          <a:ln>
+            <a:noFill/>
+          </a:ln>
+        </p:spPr>
+        <p:style>
+          <a:lnRef idx="2">
+            <a:schemeClr val="accent1">
+              <a:shade val="50000"/>
+            </a:schemeClr>
+          </a:lnRef>
+          <a:fillRef idx="1003">
+            <a:schemeClr val="dk2"/>
+          </a:fillRef>
+          <a:effectRef idx="0">
+            <a:schemeClr val="accent1"/>
+          </a:effectRef>
+          <a:fontRef idx="minor">
+            <a:schemeClr val="lt1"/>
+          </a:fontRef>
+        </p:style>
+      </p:sp>
+      <p:sp>
+        <p:nvSpPr>
+          <p:cNvPr id="14" name="Freeform 5">
+            <a:extLst>
+              <a:ext uri="{FF2B5EF4-FFF2-40B4-BE49-F238E27FC236}">
+                <a16:creationId xmlns:a16="http://schemas.microsoft.com/office/drawing/2014/main" id="{DB521824-592C-476A-AB0A-CA0C6D1F3407}"/>
+              </a:ext>
+              <a:ext uri="{C183D7F6-B498-43B3-948B-1728B52AA6E4}">
+                <adec:decorative xmlns:adec="http://schemas.microsoft.com/office/drawing/2017/decorative" val="1"/>
+              </a:ext>
+            </a:extLst>
+          </p:cNvPr>
+          <p:cNvSpPr>
+            <a:spLocks noGrp="1" noRot="1" noChangeAspect="1" noMove="1" noResize="1" noEditPoints="1" noAdjustHandles="1" noChangeArrowheads="1" noChangeShapeType="1" noTextEdit="1"/>
+          </p:cNvSpPr>
+          <p:nvPr>
+            <p:extLst>
+              <p:ext uri="{386F3935-93C4-4BCD-93E2-E3B085C9AB24}">
+                <p16:designElem xmlns:p16="http://schemas.microsoft.com/office/powerpoint/2015/main" val="1"/>
+              </p:ext>
+            </p:extLst>
+          </p:nvPr>
+        </p:nvSpPr>
+        <p:spPr bwMode="gray">
+          <a:xfrm rot="15922489">
+            <a:off x="4698352" y="1826078"/>
+            <a:ext cx="3299407" cy="440924"/>
+          </a:xfrm>
+          <a:custGeom>
+            <a:avLst/>
+            <a:gdLst/>
+            <a:ahLst/>
+            <a:cxnLst/>
+            <a:rect l="l" t="t" r="r" b="b"/>
+            <a:pathLst>
+              <a:path w="10000" h="5291">
+                <a:moveTo>
+                  <a:pt x="85" y="2532"/>
+                </a:moveTo>
+                <a:cubicBezTo>
+                  <a:pt x="1736" y="3911"/>
+                  <a:pt x="7524" y="5298"/>
+                  <a:pt x="9958" y="5291"/>
+                </a:cubicBezTo>
+                <a:cubicBezTo>
+                  <a:pt x="9989" y="1958"/>
+                  <a:pt x="9969" y="3333"/>
+                  <a:pt x="10000" y="0"/>
+                </a:cubicBezTo>
+                <a:lnTo>
+                  <a:pt x="10000" y="0"/>
+                </a:lnTo>
+                <a:lnTo>
+                  <a:pt x="9667" y="204"/>
+                </a:lnTo>
+                <a:lnTo>
+                  <a:pt x="9334" y="400"/>
+                </a:lnTo>
+                <a:lnTo>
+                  <a:pt x="9001" y="590"/>
+                </a:lnTo>
+                <a:lnTo>
+                  <a:pt x="8667" y="753"/>
+                </a:lnTo>
+                <a:lnTo>
+                  <a:pt x="8333" y="917"/>
+                </a:lnTo>
+                <a:lnTo>
+                  <a:pt x="7999" y="1071"/>
+                </a:lnTo>
+                <a:lnTo>
+                  <a:pt x="7669" y="1202"/>
+                </a:lnTo>
+                <a:lnTo>
+                  <a:pt x="7333" y="1325"/>
+                </a:lnTo>
+                <a:lnTo>
+                  <a:pt x="7000" y="1440"/>
+                </a:lnTo>
+                <a:lnTo>
+                  <a:pt x="6673" y="1538"/>
+                </a:lnTo>
+                <a:lnTo>
+                  <a:pt x="6340" y="1636"/>
+                </a:lnTo>
+                <a:lnTo>
+                  <a:pt x="6013" y="1719"/>
+                </a:lnTo>
+                <a:lnTo>
+                  <a:pt x="5686" y="1784"/>
+                </a:lnTo>
+                <a:lnTo>
+                  <a:pt x="5359" y="1850"/>
+                </a:lnTo>
+                <a:lnTo>
+                  <a:pt x="5036" y="1906"/>
+                </a:lnTo>
+                <a:lnTo>
+                  <a:pt x="4717" y="1948"/>
+                </a:lnTo>
+                <a:lnTo>
+                  <a:pt x="4396" y="1980"/>
+                </a:lnTo>
+                <a:lnTo>
+                  <a:pt x="4079" y="2013"/>
+                </a:lnTo>
+                <a:lnTo>
+                  <a:pt x="3766" y="2029"/>
+                </a:lnTo>
+                <a:lnTo>
+                  <a:pt x="3454" y="2046"/>
+                </a:lnTo>
+                <a:lnTo>
+                  <a:pt x="3145" y="2053"/>
+                </a:lnTo>
+                <a:lnTo>
+                  <a:pt x="2839" y="2046"/>
+                </a:lnTo>
+                <a:lnTo>
+                  <a:pt x="2537" y="2046"/>
+                </a:lnTo>
+                <a:lnTo>
+                  <a:pt x="2238" y="2029"/>
+                </a:lnTo>
+                <a:lnTo>
+                  <a:pt x="1943" y="2004"/>
+                </a:lnTo>
+                <a:lnTo>
+                  <a:pt x="1653" y="1980"/>
+                </a:lnTo>
+                <a:lnTo>
+                  <a:pt x="1368" y="1955"/>
+                </a:lnTo>
+                <a:lnTo>
+                  <a:pt x="1085" y="1915"/>
+                </a:lnTo>
+                <a:lnTo>
+                  <a:pt x="806" y="1873"/>
+                </a:lnTo>
+                <a:lnTo>
+                  <a:pt x="533" y="1833"/>
+                </a:lnTo>
+                <a:lnTo>
+                  <a:pt x="0" y="1726"/>
+                </a:lnTo>
+                <a:cubicBezTo>
+                  <a:pt x="28" y="1995"/>
+                  <a:pt x="57" y="2263"/>
+                  <a:pt x="85" y="2532"/>
+                </a:cubicBezTo>
+                <a:close/>
+              </a:path>
+            </a:pathLst>
+          </a:custGeom>
+          <a:solidFill>
+            <a:schemeClr val="tx1">
+              <a:alpha val="20000"/>
+            </a:schemeClr>
+          </a:solidFill>
+          <a:ln>
+            <a:noFill/>
+          </a:ln>
+        </p:spPr>
+      </p:sp>
+      <p:sp>
+        <p:nvSpPr>
+          <p:cNvPr id="16" name="Freeform: Shape 15">
+            <a:extLst>
+              <a:ext uri="{FF2B5EF4-FFF2-40B4-BE49-F238E27FC236}">
+                <a16:creationId xmlns:a16="http://schemas.microsoft.com/office/drawing/2014/main" id="{A2749EFA-8EE4-4EB8-9424-8E593B9320AD}"/>
+              </a:ext>
+              <a:ext uri="{C183D7F6-B498-43B3-948B-1728B52AA6E4}">
+                <adec:decorative xmlns:adec="http://schemas.microsoft.com/office/drawing/2017/decorative" val="1"/>
+              </a:ext>
+            </a:extLst>
+          </p:cNvPr>
+          <p:cNvSpPr>
+            <a:spLocks noGrp="1" noRot="1" noChangeAspect="1" noMove="1" noResize="1" noEditPoints="1" noAdjustHandles="1" noChangeArrowheads="1" noChangeShapeType="1" noTextEdit="1"/>
+          </p:cNvSpPr>
+          <p:nvPr>
+            <p:extLst>
+              <p:ext uri="{386F3935-93C4-4BCD-93E2-E3B085C9AB24}">
+                <p16:designElem xmlns:p16="http://schemas.microsoft.com/office/powerpoint/2015/main" val="1"/>
+              </p:ext>
+            </p:extLst>
+          </p:nvPr>
+        </p:nvSpPr>
+        <p:spPr bwMode="gray">
+          <a:xfrm rot="16200000">
+            <a:off x="5950898" y="638067"/>
+            <a:ext cx="6053670" cy="5581866"/>
+          </a:xfrm>
+          <a:custGeom>
+            <a:avLst/>
+            <a:gdLst>
+              <a:gd name="connsiteX0" fmla="*/ 6053670 w 6053670"/>
+              <a:gd name="connsiteY0" fmla="*/ 1098 h 5581866"/>
+              <a:gd name="connsiteX1" fmla="*/ 6053670 w 6053670"/>
+              <a:gd name="connsiteY1" fmla="*/ 514028 h 5581866"/>
+              <a:gd name="connsiteX2" fmla="*/ 6053670 w 6053670"/>
+              <a:gd name="connsiteY2" fmla="*/ 1254558 h 5581866"/>
+              <a:gd name="connsiteX3" fmla="*/ 6053670 w 6053670"/>
+              <a:gd name="connsiteY3" fmla="*/ 5581866 h 5581866"/>
+              <a:gd name="connsiteX4" fmla="*/ 0 w 6053670"/>
+              <a:gd name="connsiteY4" fmla="*/ 5581866 h 5581866"/>
+              <a:gd name="connsiteX5" fmla="*/ 0 w 6053670"/>
+              <a:gd name="connsiteY5" fmla="*/ 1249853 h 5581866"/>
+              <a:gd name="connsiteX6" fmla="*/ 0 w 6053670"/>
+              <a:gd name="connsiteY6" fmla="*/ 514028 h 5581866"/>
+              <a:gd name="connsiteX7" fmla="*/ 0 w 6053670"/>
+              <a:gd name="connsiteY7" fmla="*/ 0 h 5581866"/>
+              <a:gd name="connsiteX8" fmla="*/ 35717 w 6053670"/>
+              <a:gd name="connsiteY8" fmla="*/ 5488 h 5581866"/>
+              <a:gd name="connsiteX9" fmla="*/ 140445 w 6053670"/>
+              <a:gd name="connsiteY9" fmla="*/ 21641 h 5581866"/>
+              <a:gd name="connsiteX10" fmla="*/ 216722 w 6053670"/>
+              <a:gd name="connsiteY10" fmla="*/ 32932 h 5581866"/>
+              <a:gd name="connsiteX11" fmla="*/ 307527 w 6053670"/>
+              <a:gd name="connsiteY11" fmla="*/ 44850 h 5581866"/>
+              <a:gd name="connsiteX12" fmla="*/ 415282 w 6053670"/>
+              <a:gd name="connsiteY12" fmla="*/ 59121 h 5581866"/>
+              <a:gd name="connsiteX13" fmla="*/ 534539 w 6053670"/>
+              <a:gd name="connsiteY13" fmla="*/ 74175 h 5581866"/>
+              <a:gd name="connsiteX14" fmla="*/ 668931 w 6053670"/>
+              <a:gd name="connsiteY14" fmla="*/ 90014 h 5581866"/>
+              <a:gd name="connsiteX15" fmla="*/ 815430 w 6053670"/>
+              <a:gd name="connsiteY15" fmla="*/ 106794 h 5581866"/>
+              <a:gd name="connsiteX16" fmla="*/ 974641 w 6053670"/>
+              <a:gd name="connsiteY16" fmla="*/ 123574 h 5581866"/>
+              <a:gd name="connsiteX17" fmla="*/ 1144144 w 6053670"/>
+              <a:gd name="connsiteY17" fmla="*/ 140667 h 5581866"/>
+              <a:gd name="connsiteX18" fmla="*/ 1326965 w 6053670"/>
+              <a:gd name="connsiteY18" fmla="*/ 156506 h 5581866"/>
+              <a:gd name="connsiteX19" fmla="*/ 1518261 w 6053670"/>
+              <a:gd name="connsiteY19" fmla="*/ 171717 h 5581866"/>
+              <a:gd name="connsiteX20" fmla="*/ 1720453 w 6053670"/>
+              <a:gd name="connsiteY20" fmla="*/ 185518 h 5581866"/>
+              <a:gd name="connsiteX21" fmla="*/ 1931121 w 6053670"/>
+              <a:gd name="connsiteY21" fmla="*/ 198690 h 5581866"/>
+              <a:gd name="connsiteX22" fmla="*/ 2150869 w 6053670"/>
+              <a:gd name="connsiteY22" fmla="*/ 211079 h 5581866"/>
+              <a:gd name="connsiteX23" fmla="*/ 2263467 w 6053670"/>
+              <a:gd name="connsiteY23" fmla="*/ 215470 h 5581866"/>
+              <a:gd name="connsiteX24" fmla="*/ 2378487 w 6053670"/>
+              <a:gd name="connsiteY24" fmla="*/ 220332 h 5581866"/>
+              <a:gd name="connsiteX25" fmla="*/ 2495323 w 6053670"/>
+              <a:gd name="connsiteY25" fmla="*/ 224879 h 5581866"/>
+              <a:gd name="connsiteX26" fmla="*/ 2612764 w 6053670"/>
+              <a:gd name="connsiteY26" fmla="*/ 227859 h 5581866"/>
+              <a:gd name="connsiteX27" fmla="*/ 2732627 w 6053670"/>
+              <a:gd name="connsiteY27" fmla="*/ 230525 h 5581866"/>
+              <a:gd name="connsiteX28" fmla="*/ 2853700 w 6053670"/>
+              <a:gd name="connsiteY28" fmla="*/ 233348 h 5581866"/>
+              <a:gd name="connsiteX29" fmla="*/ 2977195 w 6053670"/>
+              <a:gd name="connsiteY29" fmla="*/ 235229 h 5581866"/>
+              <a:gd name="connsiteX30" fmla="*/ 3101900 w 6053670"/>
+              <a:gd name="connsiteY30" fmla="*/ 235229 h 5581866"/>
+              <a:gd name="connsiteX31" fmla="*/ 3227817 w 6053670"/>
+              <a:gd name="connsiteY31" fmla="*/ 236170 h 5581866"/>
+              <a:gd name="connsiteX32" fmla="*/ 3354944 w 6053670"/>
+              <a:gd name="connsiteY32" fmla="*/ 235229 h 5581866"/>
+              <a:gd name="connsiteX33" fmla="*/ 3483887 w 6053670"/>
+              <a:gd name="connsiteY33" fmla="*/ 233348 h 5581866"/>
+              <a:gd name="connsiteX34" fmla="*/ 3612830 w 6053670"/>
+              <a:gd name="connsiteY34" fmla="*/ 231623 h 5581866"/>
+              <a:gd name="connsiteX35" fmla="*/ 3743589 w 6053670"/>
+              <a:gd name="connsiteY35" fmla="*/ 227859 h 5581866"/>
+              <a:gd name="connsiteX36" fmla="*/ 3875559 w 6053670"/>
+              <a:gd name="connsiteY36" fmla="*/ 223938 h 5581866"/>
+              <a:gd name="connsiteX37" fmla="*/ 4007529 w 6053670"/>
+              <a:gd name="connsiteY37" fmla="*/ 219391 h 5581866"/>
+              <a:gd name="connsiteX38" fmla="*/ 4140710 w 6053670"/>
+              <a:gd name="connsiteY38" fmla="*/ 212961 h 5581866"/>
+              <a:gd name="connsiteX39" fmla="*/ 4275102 w 6053670"/>
+              <a:gd name="connsiteY39" fmla="*/ 205277 h 5581866"/>
+              <a:gd name="connsiteX40" fmla="*/ 4410098 w 6053670"/>
+              <a:gd name="connsiteY40" fmla="*/ 197907 h 5581866"/>
+              <a:gd name="connsiteX41" fmla="*/ 4545096 w 6053670"/>
+              <a:gd name="connsiteY41" fmla="*/ 188498 h 5581866"/>
+              <a:gd name="connsiteX42" fmla="*/ 4681909 w 6053670"/>
+              <a:gd name="connsiteY42" fmla="*/ 177207 h 5581866"/>
+              <a:gd name="connsiteX43" fmla="*/ 4816905 w 6053670"/>
+              <a:gd name="connsiteY43" fmla="*/ 165916 h 5581866"/>
+              <a:gd name="connsiteX44" fmla="*/ 4954323 w 6053670"/>
+              <a:gd name="connsiteY44" fmla="*/ 152899 h 5581866"/>
+              <a:gd name="connsiteX45" fmla="*/ 5092347 w 6053670"/>
+              <a:gd name="connsiteY45" fmla="*/ 138629 h 5581866"/>
+              <a:gd name="connsiteX46" fmla="*/ 5228555 w 6053670"/>
+              <a:gd name="connsiteY46" fmla="*/ 123574 h 5581866"/>
+              <a:gd name="connsiteX47" fmla="*/ 5366578 w 6053670"/>
+              <a:gd name="connsiteY47" fmla="*/ 106010 h 5581866"/>
+              <a:gd name="connsiteX48" fmla="*/ 5503997 w 6053670"/>
+              <a:gd name="connsiteY48" fmla="*/ 87192 h 5581866"/>
+              <a:gd name="connsiteX49" fmla="*/ 5642020 w 6053670"/>
+              <a:gd name="connsiteY49" fmla="*/ 68530 h 5581866"/>
+              <a:gd name="connsiteX50" fmla="*/ 5779438 w 6053670"/>
+              <a:gd name="connsiteY50" fmla="*/ 46733 h 5581866"/>
+              <a:gd name="connsiteX51" fmla="*/ 5916251 w 6053670"/>
+              <a:gd name="connsiteY51" fmla="*/ 24464 h 5581866"/>
+            </a:gdLst>
+            <a:ahLst/>
+            <a:cxnLst>
+              <a:cxn ang="0">
+                <a:pos x="connsiteX0" y="connsiteY0"/>
+              </a:cxn>
+              <a:cxn ang="0">
+                <a:pos x="connsiteX1" y="connsiteY1"/>
+              </a:cxn>
+              <a:cxn ang="0">
+                <a:pos x="connsiteX2" y="connsiteY2"/>
+              </a:cxn>
+              <a:cxn ang="0">
+                <a:pos x="connsiteX3" y="connsiteY3"/>
+              </a:cxn>
+              <a:cxn ang="0">
+                <a:pos x="connsiteX4" y="connsiteY4"/>
+              </a:cxn>
+              <a:cxn ang="0">
+                <a:pos x="connsiteX5" y="connsiteY5"/>
+              </a:cxn>
+              <a:cxn ang="0">
+                <a:pos x="connsiteX6" y="connsiteY6"/>
+              </a:cxn>
+              <a:cxn ang="0">
+                <a:pos x="connsiteX7" y="connsiteY7"/>
+              </a:cxn>
+              <a:cxn ang="0">
+                <a:pos x="connsiteX8" y="connsiteY8"/>
+              </a:cxn>
+              <a:cxn ang="0">
+                <a:pos x="connsiteX9" y="connsiteY9"/>
+              </a:cxn>
+              <a:cxn ang="0">
+                <a:pos x="connsiteX10" y="connsiteY10"/>
+              </a:cxn>
+              <a:cxn ang="0">
+                <a:pos x="connsiteX11" y="connsiteY11"/>
+              </a:cxn>
+              <a:cxn ang="0">
+                <a:pos x="connsiteX12" y="connsiteY12"/>
+              </a:cxn>
+              <a:cxn ang="0">
+                <a:pos x="connsiteX13" y="connsiteY13"/>
+              </a:cxn>
+              <a:cxn ang="0">
+                <a:pos x="connsiteX14" y="connsiteY14"/>
+              </a:cxn>
+              <a:cxn ang="0">
+                <a:pos x="connsiteX15" y="connsiteY15"/>
+              </a:cxn>
+              <a:cxn ang="0">
+                <a:pos x="connsiteX16" y="connsiteY16"/>
+              </a:cxn>
+              <a:cxn ang="0">
+                <a:pos x="connsiteX17" y="connsiteY17"/>
+              </a:cxn>
+              <a:cxn ang="0">
+                <a:pos x="connsiteX18" y="connsiteY18"/>
+              </a:cxn>
+              <a:cxn ang="0">
+                <a:pos x="connsiteX19" y="connsiteY19"/>
+              </a:cxn>
+              <a:cxn ang="0">
+                <a:pos x="connsiteX20" y="connsiteY20"/>
+              </a:cxn>
+              <a:cxn ang="0">
+                <a:pos x="connsiteX21" y="connsiteY21"/>
+              </a:cxn>
+              <a:cxn ang="0">
+                <a:pos x="connsiteX22" y="connsiteY22"/>
+              </a:cxn>
+              <a:cxn ang="0">
+                <a:pos x="connsiteX23" y="connsiteY23"/>
+              </a:cxn>
+              <a:cxn ang="0">
+                <a:pos x="connsiteX24" y="connsiteY24"/>
+              </a:cxn>
+              <a:cxn ang="0">
+                <a:pos x="connsiteX25" y="connsiteY25"/>
+              </a:cxn>
+              <a:cxn ang="0">
+                <a:pos x="connsiteX26" y="connsiteY26"/>
+              </a:cxn>
+              <a:cxn ang="0">
+                <a:pos x="connsiteX27" y="connsiteY27"/>
+              </a:cxn>
+              <a:cxn ang="0">
+                <a:pos x="connsiteX28" y="connsiteY28"/>
+              </a:cxn>
+              <a:cxn ang="0">
+                <a:pos x="connsiteX29" y="connsiteY29"/>
+              </a:cxn>
+              <a:cxn ang="0">
+                <a:pos x="connsiteX30" y="connsiteY30"/>
+              </a:cxn>
+              <a:cxn ang="0">
+                <a:pos x="connsiteX31" y="connsiteY31"/>
+              </a:cxn>
+              <a:cxn ang="0">
+                <a:pos x="connsiteX32" y="connsiteY32"/>
+              </a:cxn>
+              <a:cxn ang="0">
+                <a:pos x="connsiteX33" y="connsiteY33"/>
+              </a:cxn>
+              <a:cxn ang="0">
+                <a:pos x="connsiteX34" y="connsiteY34"/>
+              </a:cxn>
+              <a:cxn ang="0">
+                <a:pos x="connsiteX35" y="connsiteY35"/>
+              </a:cxn>
+              <a:cxn ang="0">
+                <a:pos x="connsiteX36" y="connsiteY36"/>
+              </a:cxn>
+              <a:cxn ang="0">
+                <a:pos x="connsiteX37" y="connsiteY37"/>
+              </a:cxn>
+              <a:cxn ang="0">
+                <a:pos x="connsiteX38" y="connsiteY38"/>
+              </a:cxn>
+              <a:cxn ang="0">
+                <a:pos x="connsiteX39" y="connsiteY39"/>
+              </a:cxn>
+              <a:cxn ang="0">
+                <a:pos x="connsiteX40" y="connsiteY40"/>
+              </a:cxn>
+              <a:cxn ang="0">
+                <a:pos x="connsiteX41" y="connsiteY41"/>
+              </a:cxn>
+              <a:cxn ang="0">
+                <a:pos x="connsiteX42" y="connsiteY42"/>
+              </a:cxn>
+              <a:cxn ang="0">
+                <a:pos x="connsiteX43" y="connsiteY43"/>
+              </a:cxn>
+              <a:cxn ang="0">
+                <a:pos x="connsiteX44" y="connsiteY44"/>
+              </a:cxn>
+              <a:cxn ang="0">
+                <a:pos x="connsiteX45" y="connsiteY45"/>
+              </a:cxn>
+              <a:cxn ang="0">
+                <a:pos x="connsiteX46" y="connsiteY46"/>
+              </a:cxn>
+              <a:cxn ang="0">
+                <a:pos x="connsiteX47" y="connsiteY47"/>
+              </a:cxn>
+              <a:cxn ang="0">
+                <a:pos x="connsiteX48" y="connsiteY48"/>
+              </a:cxn>
+              <a:cxn ang="0">
+                <a:pos x="connsiteX49" y="connsiteY49"/>
+              </a:cxn>
+              <a:cxn ang="0">
+                <a:pos x="connsiteX50" y="connsiteY50"/>
+              </a:cxn>
+              <a:cxn ang="0">
+                <a:pos x="connsiteX51" y="connsiteY51"/>
+              </a:cxn>
+            </a:cxnLst>
+            <a:rect l="l" t="t" r="r" b="b"/>
+            <a:pathLst>
+              <a:path w="6053670" h="5581866">
+                <a:moveTo>
+                  <a:pt x="6053670" y="1098"/>
+                </a:moveTo>
+                <a:lnTo>
+                  <a:pt x="6053670" y="514028"/>
+                </a:lnTo>
+                <a:lnTo>
+                  <a:pt x="6053670" y="1254558"/>
+                </a:lnTo>
+                <a:lnTo>
+                  <a:pt x="6053670" y="5581866"/>
+                </a:lnTo>
+                <a:lnTo>
+                  <a:pt x="0" y="5581866"/>
+                </a:lnTo>
+                <a:lnTo>
+                  <a:pt x="0" y="1249853"/>
+                </a:lnTo>
+                <a:lnTo>
+                  <a:pt x="0" y="514028"/>
+                </a:lnTo>
+                <a:lnTo>
+                  <a:pt x="0" y="0"/>
+                </a:lnTo>
+                <a:lnTo>
+                  <a:pt x="35717" y="5488"/>
+                </a:lnTo>
+                <a:lnTo>
+                  <a:pt x="140445" y="21641"/>
+                </a:lnTo>
+                <a:lnTo>
+                  <a:pt x="216722" y="32932"/>
+                </a:lnTo>
+                <a:lnTo>
+                  <a:pt x="307527" y="44850"/>
+                </a:lnTo>
+                <a:lnTo>
+                  <a:pt x="415282" y="59121"/>
+                </a:lnTo>
+                <a:lnTo>
+                  <a:pt x="534539" y="74175"/>
+                </a:lnTo>
+                <a:lnTo>
+                  <a:pt x="668931" y="90014"/>
+                </a:lnTo>
+                <a:lnTo>
+                  <a:pt x="815430" y="106794"/>
+                </a:lnTo>
+                <a:lnTo>
+                  <a:pt x="974641" y="123574"/>
+                </a:lnTo>
+                <a:lnTo>
+                  <a:pt x="1144144" y="140667"/>
+                </a:lnTo>
+                <a:lnTo>
+                  <a:pt x="1326965" y="156506"/>
+                </a:lnTo>
+                <a:lnTo>
+                  <a:pt x="1518261" y="171717"/>
+                </a:lnTo>
+                <a:lnTo>
+                  <a:pt x="1720453" y="185518"/>
+                </a:lnTo>
+                <a:lnTo>
+                  <a:pt x="1931121" y="198690"/>
+                </a:lnTo>
+                <a:lnTo>
+                  <a:pt x="2150869" y="211079"/>
+                </a:lnTo>
+                <a:lnTo>
+                  <a:pt x="2263467" y="215470"/>
+                </a:lnTo>
+                <a:lnTo>
+                  <a:pt x="2378487" y="220332"/>
+                </a:lnTo>
+                <a:lnTo>
+                  <a:pt x="2495323" y="224879"/>
+                </a:lnTo>
+                <a:lnTo>
+                  <a:pt x="2612764" y="227859"/>
+                </a:lnTo>
+                <a:lnTo>
+                  <a:pt x="2732627" y="230525"/>
+                </a:lnTo>
+                <a:lnTo>
+                  <a:pt x="2853700" y="233348"/>
+                </a:lnTo>
+                <a:lnTo>
+                  <a:pt x="2977195" y="235229"/>
+                </a:lnTo>
+                <a:lnTo>
+                  <a:pt x="3101900" y="235229"/>
+                </a:lnTo>
+                <a:lnTo>
+                  <a:pt x="3227817" y="236170"/>
+                </a:lnTo>
+                <a:lnTo>
+                  <a:pt x="3354944" y="235229"/>
+                </a:lnTo>
+                <a:lnTo>
+                  <a:pt x="3483887" y="233348"/>
+                </a:lnTo>
+                <a:lnTo>
+                  <a:pt x="3612830" y="231623"/>
+                </a:lnTo>
+                <a:lnTo>
+                  <a:pt x="3743589" y="227859"/>
+                </a:lnTo>
+                <a:lnTo>
+                  <a:pt x="3875559" y="223938"/>
+                </a:lnTo>
+                <a:lnTo>
+                  <a:pt x="4007529" y="219391"/>
+                </a:lnTo>
+                <a:lnTo>
+                  <a:pt x="4140710" y="212961"/>
+                </a:lnTo>
+                <a:lnTo>
+                  <a:pt x="4275102" y="205277"/>
+                </a:lnTo>
+                <a:lnTo>
+                  <a:pt x="4410098" y="197907"/>
+                </a:lnTo>
+                <a:lnTo>
+                  <a:pt x="4545096" y="188498"/>
+                </a:lnTo>
+                <a:lnTo>
+                  <a:pt x="4681909" y="177207"/>
+                </a:lnTo>
+                <a:lnTo>
+                  <a:pt x="4816905" y="165916"/>
+                </a:lnTo>
+                <a:lnTo>
+                  <a:pt x="4954323" y="152899"/>
+                </a:lnTo>
+                <a:lnTo>
+                  <a:pt x="5092347" y="138629"/>
+                </a:lnTo>
+                <a:lnTo>
+                  <a:pt x="5228555" y="123574"/>
+                </a:lnTo>
+                <a:lnTo>
+                  <a:pt x="5366578" y="106010"/>
+                </a:lnTo>
+                <a:lnTo>
+                  <a:pt x="5503997" y="87192"/>
+                </a:lnTo>
+                <a:lnTo>
+                  <a:pt x="5642020" y="68530"/>
+                </a:lnTo>
+                <a:lnTo>
+                  <a:pt x="5779438" y="46733"/>
+                </a:lnTo>
+                <a:lnTo>
+                  <a:pt x="5916251" y="24464"/>
+                </a:lnTo>
+                <a:close/>
+              </a:path>
+            </a:pathLst>
+          </a:custGeom>
+          <a:solidFill>
+            <a:schemeClr val="tx1"/>
+          </a:solidFill>
+          <a:ln>
+            <a:noFill/>
+          </a:ln>
+        </p:spPr>
+      </p:sp>
+      <p:sp>
+        <p:nvSpPr>
+          <p:cNvPr id="18" name="Freeform 5">
+            <a:extLst>
+              <a:ext uri="{FF2B5EF4-FFF2-40B4-BE49-F238E27FC236}">
+                <a16:creationId xmlns:a16="http://schemas.microsoft.com/office/drawing/2014/main" id="{B5C860C9-D4F9-4350-80DA-0D1CD36C7741}"/>
+              </a:ext>
+              <a:ext uri="{C183D7F6-B498-43B3-948B-1728B52AA6E4}">
+                <adec:decorative xmlns:adec="http://schemas.microsoft.com/office/drawing/2017/decorative" val="1"/>
+              </a:ext>
+            </a:extLst>
+          </p:cNvPr>
+          <p:cNvSpPr>
+            <a:spLocks noGrp="1" noRot="1" noChangeAspect="1" noMove="1" noResize="1" noEditPoints="1" noAdjustHandles="1" noChangeArrowheads="1" noChangeShapeType="1" noTextEdit="1"/>
+          </p:cNvSpPr>
+          <p:nvPr>
+            <p:extLst>
+              <p:ext uri="{386F3935-93C4-4BCD-93E2-E3B085C9AB24}">
+                <p16:designElem xmlns:p16="http://schemas.microsoft.com/office/powerpoint/2015/main" val="1"/>
+              </p:ext>
+            </p:extLst>
+          </p:nvPr>
+        </p:nvSpPr>
+        <p:spPr bwMode="gray">
+          <a:xfrm>
+            <a:off x="0" y="1587"/>
+            <a:ext cx="12192000" cy="6856413"/>
+          </a:xfrm>
+          <a:custGeom>
+            <a:avLst/>
+            <a:gdLst/>
+            <a:ahLst/>
+            <a:cxnLst/>
+            <a:rect l="0" t="0" r="r" b="b"/>
+            <a:pathLst>
+              <a:path w="15356" h="8638">
+                <a:moveTo>
+                  <a:pt x="0" y="0"/>
+                </a:moveTo>
+                <a:lnTo>
+                  <a:pt x="0" y="8638"/>
+                </a:lnTo>
+                <a:lnTo>
+                  <a:pt x="15356" y="8638"/>
+                </a:lnTo>
+                <a:lnTo>
+                  <a:pt x="15356" y="0"/>
+                </a:lnTo>
+                <a:lnTo>
+                  <a:pt x="0" y="0"/>
+                </a:lnTo>
+                <a:close/>
+                <a:moveTo>
+                  <a:pt x="14748" y="8038"/>
+                </a:moveTo>
+                <a:lnTo>
+                  <a:pt x="600" y="8038"/>
+                </a:lnTo>
+                <a:lnTo>
+                  <a:pt x="600" y="592"/>
+                </a:lnTo>
+                <a:lnTo>
+                  <a:pt x="14748" y="592"/>
+                </a:lnTo>
+                <a:lnTo>
+                  <a:pt x="14748" y="8038"/>
+                </a:lnTo>
+                <a:close/>
+              </a:path>
+            </a:pathLst>
+          </a:custGeom>
+          <a:solidFill>
+            <a:schemeClr val="tx1"/>
+          </a:solidFill>
+          <a:ln>
+            <a:noFill/>
+          </a:ln>
+        </p:spPr>
+      </p:sp>
+      <p:sp>
+        <p:nvSpPr>
           <p:cNvPr id="2" name="Title 1">
             <a:extLst>
               <a:ext uri="{FF2B5EF4-FFF2-40B4-BE49-F238E27FC236}">
-                <a16:creationId xmlns:a16="http://schemas.microsoft.com/office/drawing/2014/main" id="{87A4EE1C-8550-4E05-AE0B-4534D5CD2214}"/>
+                <a16:creationId xmlns:a16="http://schemas.microsoft.com/office/drawing/2014/main" id="{8B6A0C20-F22A-4C34-A46D-84D03AC1106F}"/>
               </a:ext>
             </a:extLst>
           </p:cNvPr>
@@ -22664,24 +25110,146 @@
             <p:ph type="title"/>
           </p:nvPr>
         </p:nvSpPr>
-        <p:spPr/>
+        <p:spPr>
+          <a:xfrm>
+            <a:off x="639097" y="629265"/>
+            <a:ext cx="5356185" cy="1342410"/>
+          </a:xfrm>
+        </p:spPr>
         <p:txBody>
-          <a:bodyPr/>
+          <a:bodyPr>
+            <a:normAutofit/>
+          </a:bodyPr>
           <a:lstStyle/>
           <a:p>
-            <a:r>
-              <a:rPr lang="en-CA" dirty="0"/>
-              <a:t>Political crises of 1968: World on Fire</a:t>
+            <a:pPr>
+              <a:lnSpc>
+                <a:spcPct val="90000"/>
+              </a:lnSpc>
+            </a:pPr>
+            <a:r>
+              <a:rPr lang="en-CA" sz="3600" dirty="0">
+                <a:solidFill>
+                  <a:srgbClr val="EBEBEB"/>
+                </a:solidFill>
+              </a:rPr>
+              <a:t>Monterey International Pop Festival [</a:t>
+            </a:r>
+            <a:r>
+              <a:rPr lang="en-CA" sz="3600" dirty="0">
+                <a:solidFill>
+                  <a:srgbClr val="EBEBEB"/>
+                </a:solidFill>
+                <a:hlinkClick r:id="rId2"/>
+              </a:rPr>
+              <a:t>link</a:t>
+            </a:r>
+            <a:r>
+              <a:rPr lang="en-CA" sz="3600" dirty="0">
+                <a:solidFill>
+                  <a:srgbClr val="EBEBEB"/>
+                </a:solidFill>
+              </a:rPr>
+              <a:t>]</a:t>
             </a:r>
           </a:p>
         </p:txBody>
+      </p:sp>
+      <p:pic>
+        <p:nvPicPr>
+          <p:cNvPr id="5" name="Content Placeholder 4" descr="A picture containing painted, elephant&#10;&#10;Description automatically generated">
+            <a:extLst>
+              <a:ext uri="{FF2B5EF4-FFF2-40B4-BE49-F238E27FC236}">
+                <a16:creationId xmlns:a16="http://schemas.microsoft.com/office/drawing/2014/main" id="{3E038D12-90BE-47E5-98C5-31AB71101EAB}"/>
+              </a:ext>
+            </a:extLst>
+          </p:cNvPr>
+          <p:cNvPicPr>
+            <a:picLocks noChangeAspect="1"/>
+          </p:cNvPicPr>
+          <p:nvPr/>
+        </p:nvPicPr>
+        <p:blipFill>
+          <a:blip r:embed="rId3">
+            <a:extLst>
+              <a:ext uri="{28A0092B-C50C-407E-A947-70E740481C1C}">
+                <a14:useLocalDpi xmlns:a14="http://schemas.microsoft.com/office/drawing/2010/main" val="0"/>
+              </a:ext>
+            </a:extLst>
+          </a:blip>
+          <a:stretch>
+            <a:fillRect/>
+          </a:stretch>
+        </p:blipFill>
+        <p:spPr>
+          <a:xfrm>
+            <a:off x="6963526" y="645108"/>
+            <a:ext cx="3211587" cy="5585369"/>
+          </a:xfrm>
+          <a:prstGeom prst="rect">
+            <a:avLst/>
+          </a:prstGeom>
+        </p:spPr>
+      </p:pic>
+      <p:sp>
+        <p:nvSpPr>
+          <p:cNvPr id="20" name="Rectangle 19">
+            <a:extLst>
+              <a:ext uri="{FF2B5EF4-FFF2-40B4-BE49-F238E27FC236}">
+                <a16:creationId xmlns:a16="http://schemas.microsoft.com/office/drawing/2014/main" id="{538A90C8-AE0E-4EBA-9AF8-EEDB206020E0}"/>
+              </a:ext>
+              <a:ext uri="{C183D7F6-B498-43B3-948B-1728B52AA6E4}">
+                <adec:decorative xmlns:adec="http://schemas.microsoft.com/office/drawing/2017/decorative" val="1"/>
+              </a:ext>
+            </a:extLst>
+          </p:cNvPr>
+          <p:cNvSpPr>
+            <a:spLocks noGrp="1" noRot="1" noChangeAspect="1" noMove="1" noResize="1" noEditPoints="1" noAdjustHandles="1" noChangeArrowheads="1" noChangeShapeType="1" noTextEdit="1"/>
+          </p:cNvSpPr>
+          <p:nvPr>
+            <p:extLst>
+              <p:ext uri="{386F3935-93C4-4BCD-93E2-E3B085C9AB24}">
+                <p16:designElem xmlns:p16="http://schemas.microsoft.com/office/powerpoint/2015/main" val="1"/>
+              </p:ext>
+            </p:extLst>
+          </p:nvPr>
+        </p:nvSpPr>
+        <p:spPr>
+          <a:xfrm>
+            <a:off x="10437812" y="0"/>
+            <a:ext cx="685800" cy="1143000"/>
+          </a:xfrm>
+          <a:prstGeom prst="rect">
+            <a:avLst/>
+          </a:prstGeom>
+          <a:solidFill>
+            <a:schemeClr val="accent1"/>
+          </a:solidFill>
+          <a:ln>
+            <a:noFill/>
+          </a:ln>
+        </p:spPr>
+        <p:style>
+          <a:lnRef idx="1">
+            <a:schemeClr val="accent1"/>
+          </a:lnRef>
+          <a:fillRef idx="3">
+            <a:schemeClr val="accent1"/>
+          </a:fillRef>
+          <a:effectRef idx="2">
+            <a:schemeClr val="accent1"/>
+          </a:effectRef>
+          <a:fontRef idx="minor">
+            <a:schemeClr val="lt1"/>
+          </a:fontRef>
+        </p:style>
       </p:sp>
       <p:sp>
         <p:nvSpPr>
-          <p:cNvPr id="3" name="Content Placeholder 2">
+          <p:cNvPr id="9" name="Content Placeholder 8">
             <a:extLst>
               <a:ext uri="{FF2B5EF4-FFF2-40B4-BE49-F238E27FC236}">
-                <a16:creationId xmlns:a16="http://schemas.microsoft.com/office/drawing/2014/main" id="{48F5B16C-2358-4501-9C2C-F45CBDA4DB1A}"/>
+                <a16:creationId xmlns:a16="http://schemas.microsoft.com/office/drawing/2014/main" id="{68C4FF23-459B-4496-9D45-7B9F21475529}"/>
               </a:ext>
             </a:extLst>
           </p:cNvPr>
@@ -22692,50 +25260,115 @@
             <p:ph idx="1"/>
           </p:nvPr>
         </p:nvSpPr>
-        <p:spPr/>
+        <p:spPr>
+          <a:xfrm>
+            <a:off x="639098" y="1971675"/>
+            <a:ext cx="5356186" cy="4258802"/>
+          </a:xfrm>
+        </p:spPr>
         <p:txBody>
-          <a:bodyPr/>
+          <a:bodyPr anchor="ctr">
+            <a:normAutofit/>
+          </a:bodyPr>
           <a:lstStyle/>
           <a:p>
             <a:r>
-              <a:rPr lang="en-CA" dirty="0"/>
-              <a:t>Student protests across the globe:</a:t>
-            </a:r>
-          </a:p>
-          <a:p>
-            <a:r>
-              <a:rPr lang="en-CA" dirty="0"/>
-              <a:t>January: Prague Spring begins in Czechoslovakia.</a:t>
-            </a:r>
-          </a:p>
-          <a:p>
-            <a:r>
-              <a:rPr lang="en-US" dirty="0"/>
-              <a:t>February: Civil rights protest staged at a white-only bowling alley in Orangeburg, SC, is broken up by highway patrolmen; 3 college students are killed.</a:t>
-            </a:r>
-          </a:p>
-          <a:p>
-            <a:r>
-              <a:rPr lang="en-US" dirty="0"/>
-              <a:t>March: Student protests on US campuses, across France, Germany, Italy.</a:t>
-            </a:r>
-          </a:p>
-          <a:p>
-            <a:r>
-              <a:rPr lang="en-CA" dirty="0"/>
-              <a:t>April: Martin Luther King Jr assassinated.</a:t>
-            </a:r>
-          </a:p>
-          <a:p>
-            <a:r>
-              <a:rPr lang="en-CA" dirty="0"/>
-              <a:t>May: million French students protest on streets of Paris</a:t>
-            </a:r>
-          </a:p>
-          <a:p>
-            <a:r>
-              <a:rPr lang="en-CA" dirty="0"/>
-              <a:t>June: Robert F. Kennedy assassinated.</a:t>
+              <a:rPr lang="en-US" dirty="0">
+                <a:solidFill>
+                  <a:srgbClr val="FFFFFF"/>
+                </a:solidFill>
+              </a:rPr>
+              <a:t>Jimi Hendrix Experience</a:t>
+            </a:r>
+          </a:p>
+          <a:p>
+            <a:r>
+              <a:rPr lang="en-US" dirty="0">
+                <a:solidFill>
+                  <a:srgbClr val="FFFFFF"/>
+                </a:solidFill>
+              </a:rPr>
+              <a:t>The Who</a:t>
+            </a:r>
+          </a:p>
+          <a:p>
+            <a:r>
+              <a:rPr lang="en-US" dirty="0">
+                <a:solidFill>
+                  <a:srgbClr val="FFFFFF"/>
+                </a:solidFill>
+              </a:rPr>
+              <a:t>Ravi Shankar</a:t>
+            </a:r>
+          </a:p>
+          <a:p>
+            <a:r>
+              <a:rPr lang="en-US" dirty="0">
+                <a:solidFill>
+                  <a:srgbClr val="FFFFFF"/>
+                </a:solidFill>
+              </a:rPr>
+              <a:t>Janis Joplin (Big Brother and the Holding Co.)</a:t>
+            </a:r>
+          </a:p>
+          <a:p>
+            <a:r>
+              <a:rPr lang="en-US" dirty="0">
+                <a:solidFill>
+                  <a:srgbClr val="FFFFFF"/>
+                </a:solidFill>
+              </a:rPr>
+              <a:t>Otis Redding</a:t>
+            </a:r>
+          </a:p>
+          <a:p>
+            <a:r>
+              <a:rPr lang="en-US" dirty="0">
+                <a:solidFill>
+                  <a:srgbClr val="FFFFFF"/>
+                </a:solidFill>
+              </a:rPr>
+              <a:t>Jefferson Airplane</a:t>
+            </a:r>
+          </a:p>
+          <a:p>
+            <a:r>
+              <a:rPr lang="en-US" dirty="0">
+                <a:solidFill>
+                  <a:srgbClr val="FFFFFF"/>
+                </a:solidFill>
+              </a:rPr>
+              <a:t>The Mamas and the Papas</a:t>
+            </a:r>
+          </a:p>
+          <a:p>
+            <a:r>
+              <a:rPr lang="en-US" dirty="0">
+                <a:solidFill>
+                  <a:srgbClr val="FFFFFF"/>
+                </a:solidFill>
+              </a:rPr>
+              <a:t>Grateful Dead</a:t>
+            </a:r>
+          </a:p>
+          <a:p>
+            <a:r>
+              <a:rPr lang="en-US" dirty="0">
+                <a:solidFill>
+                  <a:srgbClr val="FFFFFF"/>
+                </a:solidFill>
+              </a:rPr>
+              <a:t>Validated Rock as Art</a:t>
+            </a:r>
+          </a:p>
+          <a:p>
+            <a:r>
+              <a:rPr lang="en-US" dirty="0">
+                <a:solidFill>
+                  <a:srgbClr val="FFFFFF"/>
+                </a:solidFill>
+              </a:rPr>
+              <a:t>D. A. Pennebaker made film.</a:t>
             </a:r>
           </a:p>
         </p:txBody>
@@ -22743,12 +25376,12 @@
     </p:spTree>
     <p:extLst>
       <p:ext uri="{BB962C8B-B14F-4D97-AF65-F5344CB8AC3E}">
-        <p14:creationId xmlns:p14="http://schemas.microsoft.com/office/powerpoint/2010/main" val="4046068048"/>
+        <p14:creationId xmlns:p14="http://schemas.microsoft.com/office/powerpoint/2010/main" val="3835581279"/>
       </p:ext>
     </p:extLst>
   </p:cSld>
   <p:clrMapOvr>
-    <a:masterClrMapping/>
+    <a:overrideClrMapping bg1="dk1" tx1="lt1" bg2="dk2" tx2="lt2" accent1="accent1" accent2="accent2" accent3="accent3" accent4="accent4" accent5="accent5" accent6="accent6" hlink="hlink" folHlink="folHlink"/>
   </p:clrMapOvr>
 </p:sld>
 </file>
@@ -22756,6 +25389,14 @@
 <file path=ppt/slides/slide9.xml><?xml version="1.0" encoding="utf-8"?>
 <p:sld xmlns:a="http://schemas.openxmlformats.org/drawingml/2006/main" xmlns:r="http://schemas.openxmlformats.org/officeDocument/2006/relationships" xmlns:p="http://schemas.openxmlformats.org/presentationml/2006/main">
   <p:cSld>
+    <p:bg>
+      <p:bgPr>
+        <a:solidFill>
+          <a:schemeClr val="bg1"/>
+        </a:solidFill>
+        <a:effectLst/>
+      </p:bgPr>
+    </p:bg>
     <p:spTree>
       <p:nvGrpSpPr>
         <p:cNvPr id="1" name=""/>
@@ -22770,6 +25411,827 @@
           <a:chExt cx="0" cy="0"/>
         </a:xfrm>
       </p:grpSpPr>
+      <p:sp useBgFill="1">
+        <p:nvSpPr>
+          <p:cNvPr id="8" name="Rectangle 7">
+            <a:extLst>
+              <a:ext uri="{FF2B5EF4-FFF2-40B4-BE49-F238E27FC236}">
+                <a16:creationId xmlns:a16="http://schemas.microsoft.com/office/drawing/2014/main" id="{324E43EB-867C-4B35-9A5C-E435157C7297}"/>
+              </a:ext>
+              <a:ext uri="{C183D7F6-B498-43B3-948B-1728B52AA6E4}">
+                <adec:decorative xmlns:adec="http://schemas.microsoft.com/office/drawing/2017/decorative" val="1"/>
+              </a:ext>
+            </a:extLst>
+          </p:cNvPr>
+          <p:cNvSpPr>
+            <a:spLocks noGrp="1" noRot="1" noChangeAspect="1" noMove="1" noResize="1" noEditPoints="1" noAdjustHandles="1" noChangeArrowheads="1" noChangeShapeType="1" noTextEdit="1"/>
+          </p:cNvSpPr>
+          <p:nvPr>
+            <p:extLst>
+              <p:ext uri="{386F3935-93C4-4BCD-93E2-E3B085C9AB24}">
+                <p16:designElem xmlns:p16="http://schemas.microsoft.com/office/powerpoint/2015/main" val="1"/>
+              </p:ext>
+            </p:extLst>
+          </p:nvPr>
+        </p:nvSpPr>
+        <p:spPr>
+          <a:xfrm>
+            <a:off x="0" y="0"/>
+            <a:ext cx="12192000" cy="6858000"/>
+          </a:xfrm>
+          <a:prstGeom prst="rect">
+            <a:avLst/>
+          </a:prstGeom>
+          <a:ln>
+            <a:noFill/>
+          </a:ln>
+        </p:spPr>
+        <p:style>
+          <a:lnRef idx="2">
+            <a:schemeClr val="accent1">
+              <a:shade val="50000"/>
+            </a:schemeClr>
+          </a:lnRef>
+          <a:fillRef idx="1">
+            <a:schemeClr val="accent1"/>
+          </a:fillRef>
+          <a:effectRef idx="0">
+            <a:schemeClr val="accent1"/>
+          </a:effectRef>
+          <a:fontRef idx="minor">
+            <a:schemeClr val="lt1"/>
+          </a:fontRef>
+        </p:style>
+        <p:txBody>
+          <a:bodyPr rtlCol="0" anchor="ctr"/>
+          <a:lstStyle/>
+          <a:p>
+            <a:pPr algn="ctr"/>
+            <a:endParaRPr lang="en-US"/>
+          </a:p>
+        </p:txBody>
+      </p:sp>
+      <p:sp>
+        <p:nvSpPr>
+          <p:cNvPr id="10" name="Rectangle 9">
+            <a:extLst>
+              <a:ext uri="{FF2B5EF4-FFF2-40B4-BE49-F238E27FC236}">
+                <a16:creationId xmlns:a16="http://schemas.microsoft.com/office/drawing/2014/main" id="{A7C0F5DA-B59F-4F13-8BB8-FFD8F2C572BC}"/>
+              </a:ext>
+              <a:ext uri="{C183D7F6-B498-43B3-948B-1728B52AA6E4}">
+                <adec:decorative xmlns:adec="http://schemas.microsoft.com/office/drawing/2017/decorative" val="1"/>
+              </a:ext>
+            </a:extLst>
+          </p:cNvPr>
+          <p:cNvSpPr>
+            <a:spLocks noGrp="1" noRot="1" noChangeAspect="1" noMove="1" noResize="1" noEditPoints="1" noAdjustHandles="1" noChangeArrowheads="1" noChangeShapeType="1" noTextEdit="1"/>
+          </p:cNvSpPr>
+          <p:nvPr>
+            <p:extLst>
+              <p:ext uri="{386F3935-93C4-4BCD-93E2-E3B085C9AB24}">
+                <p16:designElem xmlns:p16="http://schemas.microsoft.com/office/powerpoint/2015/main" val="1"/>
+              </p:ext>
+            </p:extLst>
+          </p:nvPr>
+        </p:nvSpPr>
+        <p:spPr>
+          <a:xfrm>
+            <a:off x="0" y="0"/>
+            <a:ext cx="12192000" cy="6858000"/>
+          </a:xfrm>
+          <a:prstGeom prst="rect">
+            <a:avLst/>
+          </a:prstGeom>
+          <a:ln>
+            <a:noFill/>
+          </a:ln>
+        </p:spPr>
+        <p:style>
+          <a:lnRef idx="2">
+            <a:schemeClr val="accent1">
+              <a:shade val="50000"/>
+            </a:schemeClr>
+          </a:lnRef>
+          <a:fillRef idx="1003">
+            <a:schemeClr val="dk2"/>
+          </a:fillRef>
+          <a:effectRef idx="0">
+            <a:schemeClr val="accent1"/>
+          </a:effectRef>
+          <a:fontRef idx="minor">
+            <a:schemeClr val="lt1"/>
+          </a:fontRef>
+        </p:style>
+      </p:sp>
+      <p:sp>
+        <p:nvSpPr>
+          <p:cNvPr id="12" name="Freeform 5">
+            <a:extLst>
+              <a:ext uri="{FF2B5EF4-FFF2-40B4-BE49-F238E27FC236}">
+                <a16:creationId xmlns:a16="http://schemas.microsoft.com/office/drawing/2014/main" id="{9CEA1DEC-CC9E-4776-9E08-048A15BFA6CA}"/>
+              </a:ext>
+              <a:ext uri="{C183D7F6-B498-43B3-948B-1728B52AA6E4}">
+                <adec:decorative xmlns:adec="http://schemas.microsoft.com/office/drawing/2017/decorative" val="1"/>
+              </a:ext>
+            </a:extLst>
+          </p:cNvPr>
+          <p:cNvSpPr>
+            <a:spLocks noGrp="1" noRot="1" noChangeAspect="1" noMove="1" noResize="1" noEditPoints="1" noAdjustHandles="1" noChangeArrowheads="1" noChangeShapeType="1" noTextEdit="1"/>
+          </p:cNvSpPr>
+          <p:nvPr>
+            <p:extLst>
+              <p:ext uri="{386F3935-93C4-4BCD-93E2-E3B085C9AB24}">
+                <p16:designElem xmlns:p16="http://schemas.microsoft.com/office/powerpoint/2015/main" val="1"/>
+              </p:ext>
+            </p:extLst>
+          </p:nvPr>
+        </p:nvSpPr>
+        <p:spPr bwMode="gray">
+          <a:xfrm rot="15922489">
+            <a:off x="3140485" y="1826078"/>
+            <a:ext cx="3299407" cy="440924"/>
+          </a:xfrm>
+          <a:custGeom>
+            <a:avLst/>
+            <a:gdLst/>
+            <a:ahLst/>
+            <a:cxnLst/>
+            <a:rect l="l" t="t" r="r" b="b"/>
+            <a:pathLst>
+              <a:path w="10000" h="5291">
+                <a:moveTo>
+                  <a:pt x="85" y="2532"/>
+                </a:moveTo>
+                <a:cubicBezTo>
+                  <a:pt x="1736" y="3911"/>
+                  <a:pt x="7524" y="5298"/>
+                  <a:pt x="9958" y="5291"/>
+                </a:cubicBezTo>
+                <a:cubicBezTo>
+                  <a:pt x="9989" y="1958"/>
+                  <a:pt x="9969" y="3333"/>
+                  <a:pt x="10000" y="0"/>
+                </a:cubicBezTo>
+                <a:lnTo>
+                  <a:pt x="10000" y="0"/>
+                </a:lnTo>
+                <a:lnTo>
+                  <a:pt x="9667" y="204"/>
+                </a:lnTo>
+                <a:lnTo>
+                  <a:pt x="9334" y="400"/>
+                </a:lnTo>
+                <a:lnTo>
+                  <a:pt x="9001" y="590"/>
+                </a:lnTo>
+                <a:lnTo>
+                  <a:pt x="8667" y="753"/>
+                </a:lnTo>
+                <a:lnTo>
+                  <a:pt x="8333" y="917"/>
+                </a:lnTo>
+                <a:lnTo>
+                  <a:pt x="7999" y="1071"/>
+                </a:lnTo>
+                <a:lnTo>
+                  <a:pt x="7669" y="1202"/>
+                </a:lnTo>
+                <a:lnTo>
+                  <a:pt x="7333" y="1325"/>
+                </a:lnTo>
+                <a:lnTo>
+                  <a:pt x="7000" y="1440"/>
+                </a:lnTo>
+                <a:lnTo>
+                  <a:pt x="6673" y="1538"/>
+                </a:lnTo>
+                <a:lnTo>
+                  <a:pt x="6340" y="1636"/>
+                </a:lnTo>
+                <a:lnTo>
+                  <a:pt x="6013" y="1719"/>
+                </a:lnTo>
+                <a:lnTo>
+                  <a:pt x="5686" y="1784"/>
+                </a:lnTo>
+                <a:lnTo>
+                  <a:pt x="5359" y="1850"/>
+                </a:lnTo>
+                <a:lnTo>
+                  <a:pt x="5036" y="1906"/>
+                </a:lnTo>
+                <a:lnTo>
+                  <a:pt x="4717" y="1948"/>
+                </a:lnTo>
+                <a:lnTo>
+                  <a:pt x="4396" y="1980"/>
+                </a:lnTo>
+                <a:lnTo>
+                  <a:pt x="4079" y="2013"/>
+                </a:lnTo>
+                <a:lnTo>
+                  <a:pt x="3766" y="2029"/>
+                </a:lnTo>
+                <a:lnTo>
+                  <a:pt x="3454" y="2046"/>
+                </a:lnTo>
+                <a:lnTo>
+                  <a:pt x="3145" y="2053"/>
+                </a:lnTo>
+                <a:lnTo>
+                  <a:pt x="2839" y="2046"/>
+                </a:lnTo>
+                <a:lnTo>
+                  <a:pt x="2537" y="2046"/>
+                </a:lnTo>
+                <a:lnTo>
+                  <a:pt x="2238" y="2029"/>
+                </a:lnTo>
+                <a:lnTo>
+                  <a:pt x="1943" y="2004"/>
+                </a:lnTo>
+                <a:lnTo>
+                  <a:pt x="1653" y="1980"/>
+                </a:lnTo>
+                <a:lnTo>
+                  <a:pt x="1368" y="1955"/>
+                </a:lnTo>
+                <a:lnTo>
+                  <a:pt x="1085" y="1915"/>
+                </a:lnTo>
+                <a:lnTo>
+                  <a:pt x="806" y="1873"/>
+                </a:lnTo>
+                <a:lnTo>
+                  <a:pt x="533" y="1833"/>
+                </a:lnTo>
+                <a:lnTo>
+                  <a:pt x="0" y="1726"/>
+                </a:lnTo>
+                <a:cubicBezTo>
+                  <a:pt x="28" y="1995"/>
+                  <a:pt x="57" y="2263"/>
+                  <a:pt x="85" y="2532"/>
+                </a:cubicBezTo>
+                <a:close/>
+              </a:path>
+            </a:pathLst>
+          </a:custGeom>
+          <a:solidFill>
+            <a:schemeClr val="bg1">
+              <a:alpha val="20000"/>
+            </a:schemeClr>
+          </a:solidFill>
+          <a:ln>
+            <a:noFill/>
+          </a:ln>
+        </p:spPr>
+      </p:sp>
+      <p:sp>
+        <p:nvSpPr>
+          <p:cNvPr id="14" name="Freeform: Shape 13">
+            <a:extLst>
+              <a:ext uri="{FF2B5EF4-FFF2-40B4-BE49-F238E27FC236}">
+                <a16:creationId xmlns:a16="http://schemas.microsoft.com/office/drawing/2014/main" id="{9CE399CF-F4B8-4832-A8CB-B93F6B1EF44B}"/>
+              </a:ext>
+              <a:ext uri="{C183D7F6-B498-43B3-948B-1728B52AA6E4}">
+                <adec:decorative xmlns:adec="http://schemas.microsoft.com/office/drawing/2017/decorative" val="1"/>
+              </a:ext>
+            </a:extLst>
+          </p:cNvPr>
+          <p:cNvSpPr>
+            <a:spLocks noGrp="1" noRot="1" noChangeAspect="1" noMove="1" noResize="1" noEditPoints="1" noAdjustHandles="1" noChangeArrowheads="1" noChangeShapeType="1" noTextEdit="1"/>
+          </p:cNvSpPr>
+          <p:nvPr>
+            <p:extLst>
+              <p:ext uri="{386F3935-93C4-4BCD-93E2-E3B085C9AB24}">
+                <p16:designElem xmlns:p16="http://schemas.microsoft.com/office/powerpoint/2015/main" val="1"/>
+              </p:ext>
+            </p:extLst>
+          </p:nvPr>
+        </p:nvSpPr>
+        <p:spPr bwMode="gray">
+          <a:xfrm rot="16200000">
+            <a:off x="5171964" y="-140866"/>
+            <a:ext cx="6053670" cy="7139732"/>
+          </a:xfrm>
+          <a:custGeom>
+            <a:avLst/>
+            <a:gdLst>
+              <a:gd name="connsiteX0" fmla="*/ 6053670 w 6053670"/>
+              <a:gd name="connsiteY0" fmla="*/ 1098 h 7139732"/>
+              <a:gd name="connsiteX1" fmla="*/ 6053670 w 6053670"/>
+              <a:gd name="connsiteY1" fmla="*/ 1084479 h 7139732"/>
+              <a:gd name="connsiteX2" fmla="*/ 6053670 w 6053670"/>
+              <a:gd name="connsiteY2" fmla="*/ 1254558 h 7139732"/>
+              <a:gd name="connsiteX3" fmla="*/ 6053670 w 6053670"/>
+              <a:gd name="connsiteY3" fmla="*/ 7139732 h 7139732"/>
+              <a:gd name="connsiteX4" fmla="*/ 0 w 6053670"/>
+              <a:gd name="connsiteY4" fmla="*/ 7139732 h 7139732"/>
+              <a:gd name="connsiteX5" fmla="*/ 0 w 6053670"/>
+              <a:gd name="connsiteY5" fmla="*/ 1249853 h 7139732"/>
+              <a:gd name="connsiteX6" fmla="*/ 0 w 6053670"/>
+              <a:gd name="connsiteY6" fmla="*/ 1084479 h 7139732"/>
+              <a:gd name="connsiteX7" fmla="*/ 0 w 6053670"/>
+              <a:gd name="connsiteY7" fmla="*/ 0 h 7139732"/>
+              <a:gd name="connsiteX8" fmla="*/ 35717 w 6053670"/>
+              <a:gd name="connsiteY8" fmla="*/ 5488 h 7139732"/>
+              <a:gd name="connsiteX9" fmla="*/ 140445 w 6053670"/>
+              <a:gd name="connsiteY9" fmla="*/ 21641 h 7139732"/>
+              <a:gd name="connsiteX10" fmla="*/ 216722 w 6053670"/>
+              <a:gd name="connsiteY10" fmla="*/ 32932 h 7139732"/>
+              <a:gd name="connsiteX11" fmla="*/ 307527 w 6053670"/>
+              <a:gd name="connsiteY11" fmla="*/ 44850 h 7139732"/>
+              <a:gd name="connsiteX12" fmla="*/ 415282 w 6053670"/>
+              <a:gd name="connsiteY12" fmla="*/ 59121 h 7139732"/>
+              <a:gd name="connsiteX13" fmla="*/ 534539 w 6053670"/>
+              <a:gd name="connsiteY13" fmla="*/ 74175 h 7139732"/>
+              <a:gd name="connsiteX14" fmla="*/ 668931 w 6053670"/>
+              <a:gd name="connsiteY14" fmla="*/ 90014 h 7139732"/>
+              <a:gd name="connsiteX15" fmla="*/ 815430 w 6053670"/>
+              <a:gd name="connsiteY15" fmla="*/ 106794 h 7139732"/>
+              <a:gd name="connsiteX16" fmla="*/ 974641 w 6053670"/>
+              <a:gd name="connsiteY16" fmla="*/ 123574 h 7139732"/>
+              <a:gd name="connsiteX17" fmla="*/ 1144144 w 6053670"/>
+              <a:gd name="connsiteY17" fmla="*/ 140667 h 7139732"/>
+              <a:gd name="connsiteX18" fmla="*/ 1326965 w 6053670"/>
+              <a:gd name="connsiteY18" fmla="*/ 156506 h 7139732"/>
+              <a:gd name="connsiteX19" fmla="*/ 1518261 w 6053670"/>
+              <a:gd name="connsiteY19" fmla="*/ 171717 h 7139732"/>
+              <a:gd name="connsiteX20" fmla="*/ 1720453 w 6053670"/>
+              <a:gd name="connsiteY20" fmla="*/ 185518 h 7139732"/>
+              <a:gd name="connsiteX21" fmla="*/ 1931121 w 6053670"/>
+              <a:gd name="connsiteY21" fmla="*/ 198690 h 7139732"/>
+              <a:gd name="connsiteX22" fmla="*/ 2150869 w 6053670"/>
+              <a:gd name="connsiteY22" fmla="*/ 211079 h 7139732"/>
+              <a:gd name="connsiteX23" fmla="*/ 2263467 w 6053670"/>
+              <a:gd name="connsiteY23" fmla="*/ 215470 h 7139732"/>
+              <a:gd name="connsiteX24" fmla="*/ 2378487 w 6053670"/>
+              <a:gd name="connsiteY24" fmla="*/ 220332 h 7139732"/>
+              <a:gd name="connsiteX25" fmla="*/ 2495323 w 6053670"/>
+              <a:gd name="connsiteY25" fmla="*/ 224879 h 7139732"/>
+              <a:gd name="connsiteX26" fmla="*/ 2612764 w 6053670"/>
+              <a:gd name="connsiteY26" fmla="*/ 227859 h 7139732"/>
+              <a:gd name="connsiteX27" fmla="*/ 2732627 w 6053670"/>
+              <a:gd name="connsiteY27" fmla="*/ 230525 h 7139732"/>
+              <a:gd name="connsiteX28" fmla="*/ 2853700 w 6053670"/>
+              <a:gd name="connsiteY28" fmla="*/ 233348 h 7139732"/>
+              <a:gd name="connsiteX29" fmla="*/ 2977195 w 6053670"/>
+              <a:gd name="connsiteY29" fmla="*/ 235229 h 7139732"/>
+              <a:gd name="connsiteX30" fmla="*/ 3101901 w 6053670"/>
+              <a:gd name="connsiteY30" fmla="*/ 235229 h 7139732"/>
+              <a:gd name="connsiteX31" fmla="*/ 3227817 w 6053670"/>
+              <a:gd name="connsiteY31" fmla="*/ 236170 h 7139732"/>
+              <a:gd name="connsiteX32" fmla="*/ 3354944 w 6053670"/>
+              <a:gd name="connsiteY32" fmla="*/ 235229 h 7139732"/>
+              <a:gd name="connsiteX33" fmla="*/ 3483887 w 6053670"/>
+              <a:gd name="connsiteY33" fmla="*/ 233348 h 7139732"/>
+              <a:gd name="connsiteX34" fmla="*/ 3612830 w 6053670"/>
+              <a:gd name="connsiteY34" fmla="*/ 231623 h 7139732"/>
+              <a:gd name="connsiteX35" fmla="*/ 3743590 w 6053670"/>
+              <a:gd name="connsiteY35" fmla="*/ 227859 h 7139732"/>
+              <a:gd name="connsiteX36" fmla="*/ 3875560 w 6053670"/>
+              <a:gd name="connsiteY36" fmla="*/ 223938 h 7139732"/>
+              <a:gd name="connsiteX37" fmla="*/ 4007530 w 6053670"/>
+              <a:gd name="connsiteY37" fmla="*/ 219391 h 7139732"/>
+              <a:gd name="connsiteX38" fmla="*/ 4140710 w 6053670"/>
+              <a:gd name="connsiteY38" fmla="*/ 212961 h 7139732"/>
+              <a:gd name="connsiteX39" fmla="*/ 4275102 w 6053670"/>
+              <a:gd name="connsiteY39" fmla="*/ 205277 h 7139732"/>
+              <a:gd name="connsiteX40" fmla="*/ 4410098 w 6053670"/>
+              <a:gd name="connsiteY40" fmla="*/ 197907 h 7139732"/>
+              <a:gd name="connsiteX41" fmla="*/ 4545096 w 6053670"/>
+              <a:gd name="connsiteY41" fmla="*/ 188498 h 7139732"/>
+              <a:gd name="connsiteX42" fmla="*/ 4681909 w 6053670"/>
+              <a:gd name="connsiteY42" fmla="*/ 177207 h 7139732"/>
+              <a:gd name="connsiteX43" fmla="*/ 4816905 w 6053670"/>
+              <a:gd name="connsiteY43" fmla="*/ 165916 h 7139732"/>
+              <a:gd name="connsiteX44" fmla="*/ 4954323 w 6053670"/>
+              <a:gd name="connsiteY44" fmla="*/ 152899 h 7139732"/>
+              <a:gd name="connsiteX45" fmla="*/ 5092347 w 6053670"/>
+              <a:gd name="connsiteY45" fmla="*/ 138629 h 7139732"/>
+              <a:gd name="connsiteX46" fmla="*/ 5228555 w 6053670"/>
+              <a:gd name="connsiteY46" fmla="*/ 123574 h 7139732"/>
+              <a:gd name="connsiteX47" fmla="*/ 5366578 w 6053670"/>
+              <a:gd name="connsiteY47" fmla="*/ 106010 h 7139732"/>
+              <a:gd name="connsiteX48" fmla="*/ 5503997 w 6053670"/>
+              <a:gd name="connsiteY48" fmla="*/ 87192 h 7139732"/>
+              <a:gd name="connsiteX49" fmla="*/ 5642020 w 6053670"/>
+              <a:gd name="connsiteY49" fmla="*/ 68530 h 7139732"/>
+              <a:gd name="connsiteX50" fmla="*/ 5779438 w 6053670"/>
+              <a:gd name="connsiteY50" fmla="*/ 46733 h 7139732"/>
+              <a:gd name="connsiteX51" fmla="*/ 5916251 w 6053670"/>
+              <a:gd name="connsiteY51" fmla="*/ 24464 h 7139732"/>
+            </a:gdLst>
+            <a:ahLst/>
+            <a:cxnLst>
+              <a:cxn ang="0">
+                <a:pos x="connsiteX0" y="connsiteY0"/>
+              </a:cxn>
+              <a:cxn ang="0">
+                <a:pos x="connsiteX1" y="connsiteY1"/>
+              </a:cxn>
+              <a:cxn ang="0">
+                <a:pos x="connsiteX2" y="connsiteY2"/>
+              </a:cxn>
+              <a:cxn ang="0">
+                <a:pos x="connsiteX3" y="connsiteY3"/>
+              </a:cxn>
+              <a:cxn ang="0">
+                <a:pos x="connsiteX4" y="connsiteY4"/>
+              </a:cxn>
+              <a:cxn ang="0">
+                <a:pos x="connsiteX5" y="connsiteY5"/>
+              </a:cxn>
+              <a:cxn ang="0">
+                <a:pos x="connsiteX6" y="connsiteY6"/>
+              </a:cxn>
+              <a:cxn ang="0">
+                <a:pos x="connsiteX7" y="connsiteY7"/>
+              </a:cxn>
+              <a:cxn ang="0">
+                <a:pos x="connsiteX8" y="connsiteY8"/>
+              </a:cxn>
+              <a:cxn ang="0">
+                <a:pos x="connsiteX9" y="connsiteY9"/>
+              </a:cxn>
+              <a:cxn ang="0">
+                <a:pos x="connsiteX10" y="connsiteY10"/>
+              </a:cxn>
+              <a:cxn ang="0">
+                <a:pos x="connsiteX11" y="connsiteY11"/>
+              </a:cxn>
+              <a:cxn ang="0">
+                <a:pos x="connsiteX12" y="connsiteY12"/>
+              </a:cxn>
+              <a:cxn ang="0">
+                <a:pos x="connsiteX13" y="connsiteY13"/>
+              </a:cxn>
+              <a:cxn ang="0">
+                <a:pos x="connsiteX14" y="connsiteY14"/>
+              </a:cxn>
+              <a:cxn ang="0">
+                <a:pos x="connsiteX15" y="connsiteY15"/>
+              </a:cxn>
+              <a:cxn ang="0">
+                <a:pos x="connsiteX16" y="connsiteY16"/>
+              </a:cxn>
+              <a:cxn ang="0">
+                <a:pos x="connsiteX17" y="connsiteY17"/>
+              </a:cxn>
+              <a:cxn ang="0">
+                <a:pos x="connsiteX18" y="connsiteY18"/>
+              </a:cxn>
+              <a:cxn ang="0">
+                <a:pos x="connsiteX19" y="connsiteY19"/>
+              </a:cxn>
+              <a:cxn ang="0">
+                <a:pos x="connsiteX20" y="connsiteY20"/>
+              </a:cxn>
+              <a:cxn ang="0">
+                <a:pos x="connsiteX21" y="connsiteY21"/>
+              </a:cxn>
+              <a:cxn ang="0">
+                <a:pos x="connsiteX22" y="connsiteY22"/>
+              </a:cxn>
+              <a:cxn ang="0">
+                <a:pos x="connsiteX23" y="connsiteY23"/>
+              </a:cxn>
+              <a:cxn ang="0">
+                <a:pos x="connsiteX24" y="connsiteY24"/>
+              </a:cxn>
+              <a:cxn ang="0">
+                <a:pos x="connsiteX25" y="connsiteY25"/>
+              </a:cxn>
+              <a:cxn ang="0">
+                <a:pos x="connsiteX26" y="connsiteY26"/>
+              </a:cxn>
+              <a:cxn ang="0">
+                <a:pos x="connsiteX27" y="connsiteY27"/>
+              </a:cxn>
+              <a:cxn ang="0">
+                <a:pos x="connsiteX28" y="connsiteY28"/>
+              </a:cxn>
+              <a:cxn ang="0">
+                <a:pos x="connsiteX29" y="connsiteY29"/>
+              </a:cxn>
+              <a:cxn ang="0">
+                <a:pos x="connsiteX30" y="connsiteY30"/>
+              </a:cxn>
+              <a:cxn ang="0">
+                <a:pos x="connsiteX31" y="connsiteY31"/>
+              </a:cxn>
+              <a:cxn ang="0">
+                <a:pos x="connsiteX32" y="connsiteY32"/>
+              </a:cxn>
+              <a:cxn ang="0">
+                <a:pos x="connsiteX33" y="connsiteY33"/>
+              </a:cxn>
+              <a:cxn ang="0">
+                <a:pos x="connsiteX34" y="connsiteY34"/>
+              </a:cxn>
+              <a:cxn ang="0">
+                <a:pos x="connsiteX35" y="connsiteY35"/>
+              </a:cxn>
+              <a:cxn ang="0">
+                <a:pos x="connsiteX36" y="connsiteY36"/>
+              </a:cxn>
+              <a:cxn ang="0">
+                <a:pos x="connsiteX37" y="connsiteY37"/>
+              </a:cxn>
+              <a:cxn ang="0">
+                <a:pos x="connsiteX38" y="connsiteY38"/>
+              </a:cxn>
+              <a:cxn ang="0">
+                <a:pos x="connsiteX39" y="connsiteY39"/>
+              </a:cxn>
+              <a:cxn ang="0">
+                <a:pos x="connsiteX40" y="connsiteY40"/>
+              </a:cxn>
+              <a:cxn ang="0">
+                <a:pos x="connsiteX41" y="connsiteY41"/>
+              </a:cxn>
+              <a:cxn ang="0">
+                <a:pos x="connsiteX42" y="connsiteY42"/>
+              </a:cxn>
+              <a:cxn ang="0">
+                <a:pos x="connsiteX43" y="connsiteY43"/>
+              </a:cxn>
+              <a:cxn ang="0">
+                <a:pos x="connsiteX44" y="connsiteY44"/>
+              </a:cxn>
+              <a:cxn ang="0">
+                <a:pos x="connsiteX45" y="connsiteY45"/>
+              </a:cxn>
+              <a:cxn ang="0">
+                <a:pos x="connsiteX46" y="connsiteY46"/>
+              </a:cxn>
+              <a:cxn ang="0">
+                <a:pos x="connsiteX47" y="connsiteY47"/>
+              </a:cxn>
+              <a:cxn ang="0">
+                <a:pos x="connsiteX48" y="connsiteY48"/>
+              </a:cxn>
+              <a:cxn ang="0">
+                <a:pos x="connsiteX49" y="connsiteY49"/>
+              </a:cxn>
+              <a:cxn ang="0">
+                <a:pos x="connsiteX50" y="connsiteY50"/>
+              </a:cxn>
+              <a:cxn ang="0">
+                <a:pos x="connsiteX51" y="connsiteY51"/>
+              </a:cxn>
+            </a:cxnLst>
+            <a:rect l="l" t="t" r="r" b="b"/>
+            <a:pathLst>
+              <a:path w="6053670" h="7139732">
+                <a:moveTo>
+                  <a:pt x="6053670" y="1098"/>
+                </a:moveTo>
+                <a:lnTo>
+                  <a:pt x="6053670" y="1084479"/>
+                </a:lnTo>
+                <a:lnTo>
+                  <a:pt x="6053670" y="1254558"/>
+                </a:lnTo>
+                <a:lnTo>
+                  <a:pt x="6053670" y="7139732"/>
+                </a:lnTo>
+                <a:lnTo>
+                  <a:pt x="0" y="7139732"/>
+                </a:lnTo>
+                <a:lnTo>
+                  <a:pt x="0" y="1249853"/>
+                </a:lnTo>
+                <a:lnTo>
+                  <a:pt x="0" y="1084479"/>
+                </a:lnTo>
+                <a:lnTo>
+                  <a:pt x="0" y="0"/>
+                </a:lnTo>
+                <a:lnTo>
+                  <a:pt x="35717" y="5488"/>
+                </a:lnTo>
+                <a:lnTo>
+                  <a:pt x="140445" y="21641"/>
+                </a:lnTo>
+                <a:lnTo>
+                  <a:pt x="216722" y="32932"/>
+                </a:lnTo>
+                <a:lnTo>
+                  <a:pt x="307527" y="44850"/>
+                </a:lnTo>
+                <a:lnTo>
+                  <a:pt x="415282" y="59121"/>
+                </a:lnTo>
+                <a:lnTo>
+                  <a:pt x="534539" y="74175"/>
+                </a:lnTo>
+                <a:lnTo>
+                  <a:pt x="668931" y="90014"/>
+                </a:lnTo>
+                <a:lnTo>
+                  <a:pt x="815430" y="106794"/>
+                </a:lnTo>
+                <a:lnTo>
+                  <a:pt x="974641" y="123574"/>
+                </a:lnTo>
+                <a:lnTo>
+                  <a:pt x="1144144" y="140667"/>
+                </a:lnTo>
+                <a:lnTo>
+                  <a:pt x="1326965" y="156506"/>
+                </a:lnTo>
+                <a:lnTo>
+                  <a:pt x="1518261" y="171717"/>
+                </a:lnTo>
+                <a:lnTo>
+                  <a:pt x="1720453" y="185518"/>
+                </a:lnTo>
+                <a:lnTo>
+                  <a:pt x="1931121" y="198690"/>
+                </a:lnTo>
+                <a:lnTo>
+                  <a:pt x="2150869" y="211079"/>
+                </a:lnTo>
+                <a:lnTo>
+                  <a:pt x="2263467" y="215470"/>
+                </a:lnTo>
+                <a:lnTo>
+                  <a:pt x="2378487" y="220332"/>
+                </a:lnTo>
+                <a:lnTo>
+                  <a:pt x="2495323" y="224879"/>
+                </a:lnTo>
+                <a:lnTo>
+                  <a:pt x="2612764" y="227859"/>
+                </a:lnTo>
+                <a:lnTo>
+                  <a:pt x="2732627" y="230525"/>
+                </a:lnTo>
+                <a:lnTo>
+                  <a:pt x="2853700" y="233348"/>
+                </a:lnTo>
+                <a:lnTo>
+                  <a:pt x="2977195" y="235229"/>
+                </a:lnTo>
+                <a:lnTo>
+                  <a:pt x="3101901" y="235229"/>
+                </a:lnTo>
+                <a:lnTo>
+                  <a:pt x="3227817" y="236170"/>
+                </a:lnTo>
+                <a:lnTo>
+                  <a:pt x="3354944" y="235229"/>
+                </a:lnTo>
+                <a:lnTo>
+                  <a:pt x="3483887" y="233348"/>
+                </a:lnTo>
+                <a:lnTo>
+                  <a:pt x="3612830" y="231623"/>
+                </a:lnTo>
+                <a:lnTo>
+                  <a:pt x="3743590" y="227859"/>
+                </a:lnTo>
+                <a:lnTo>
+                  <a:pt x="3875560" y="223938"/>
+                </a:lnTo>
+                <a:lnTo>
+                  <a:pt x="4007530" y="219391"/>
+                </a:lnTo>
+                <a:lnTo>
+                  <a:pt x="4140710" y="212961"/>
+                </a:lnTo>
+                <a:lnTo>
+                  <a:pt x="4275102" y="205277"/>
+                </a:lnTo>
+                <a:lnTo>
+                  <a:pt x="4410098" y="197907"/>
+                </a:lnTo>
+                <a:lnTo>
+                  <a:pt x="4545096" y="188498"/>
+                </a:lnTo>
+                <a:lnTo>
+                  <a:pt x="4681909" y="177207"/>
+                </a:lnTo>
+                <a:lnTo>
+                  <a:pt x="4816905" y="165916"/>
+                </a:lnTo>
+                <a:lnTo>
+                  <a:pt x="4954323" y="152899"/>
+                </a:lnTo>
+                <a:lnTo>
+                  <a:pt x="5092347" y="138629"/>
+                </a:lnTo>
+                <a:lnTo>
+                  <a:pt x="5228555" y="123574"/>
+                </a:lnTo>
+                <a:lnTo>
+                  <a:pt x="5366578" y="106010"/>
+                </a:lnTo>
+                <a:lnTo>
+                  <a:pt x="5503997" y="87192"/>
+                </a:lnTo>
+                <a:lnTo>
+                  <a:pt x="5642020" y="68530"/>
+                </a:lnTo>
+                <a:lnTo>
+                  <a:pt x="5779438" y="46733"/>
+                </a:lnTo>
+                <a:lnTo>
+                  <a:pt x="5916251" y="24464"/>
+                </a:lnTo>
+                <a:close/>
+              </a:path>
+            </a:pathLst>
+          </a:custGeom>
+          <a:solidFill>
+            <a:schemeClr val="bg1"/>
+          </a:solidFill>
+          <a:ln>
+            <a:noFill/>
+          </a:ln>
+        </p:spPr>
+      </p:sp>
+      <p:sp>
+        <p:nvSpPr>
+          <p:cNvPr id="16" name="Freeform 5">
+            <a:extLst>
+              <a:ext uri="{FF2B5EF4-FFF2-40B4-BE49-F238E27FC236}">
+                <a16:creationId xmlns:a16="http://schemas.microsoft.com/office/drawing/2014/main" id="{1F23E73A-FDC8-462C-83C1-3AA8961449CF}"/>
+              </a:ext>
+              <a:ext uri="{C183D7F6-B498-43B3-948B-1728B52AA6E4}">
+                <adec:decorative xmlns:adec="http://schemas.microsoft.com/office/drawing/2017/decorative" val="1"/>
+              </a:ext>
+            </a:extLst>
+          </p:cNvPr>
+          <p:cNvSpPr>
+            <a:spLocks noGrp="1" noRot="1" noChangeAspect="1" noMove="1" noResize="1" noEditPoints="1" noAdjustHandles="1" noChangeArrowheads="1" noChangeShapeType="1" noTextEdit="1"/>
+          </p:cNvSpPr>
+          <p:nvPr>
+            <p:extLst>
+              <p:ext uri="{386F3935-93C4-4BCD-93E2-E3B085C9AB24}">
+                <p16:designElem xmlns:p16="http://schemas.microsoft.com/office/powerpoint/2015/main" val="1"/>
+              </p:ext>
+            </p:extLst>
+          </p:nvPr>
+        </p:nvSpPr>
+        <p:spPr bwMode="gray">
+          <a:xfrm>
+            <a:off x="0" y="1587"/>
+            <a:ext cx="12192000" cy="6856413"/>
+          </a:xfrm>
+          <a:custGeom>
+            <a:avLst/>
+            <a:gdLst/>
+            <a:ahLst/>
+            <a:cxnLst/>
+            <a:rect l="0" t="0" r="r" b="b"/>
+            <a:pathLst>
+              <a:path w="15356" h="8638">
+                <a:moveTo>
+                  <a:pt x="0" y="0"/>
+                </a:moveTo>
+                <a:lnTo>
+                  <a:pt x="0" y="8638"/>
+                </a:lnTo>
+                <a:lnTo>
+                  <a:pt x="15356" y="8638"/>
+                </a:lnTo>
+                <a:lnTo>
+                  <a:pt x="15356" y="0"/>
+                </a:lnTo>
+                <a:lnTo>
+                  <a:pt x="0" y="0"/>
+                </a:lnTo>
+                <a:close/>
+                <a:moveTo>
+                  <a:pt x="14748" y="8038"/>
+                </a:moveTo>
+                <a:lnTo>
+                  <a:pt x="600" y="8038"/>
+                </a:lnTo>
+                <a:lnTo>
+                  <a:pt x="600" y="592"/>
+                </a:lnTo>
+                <a:lnTo>
+                  <a:pt x="14748" y="592"/>
+                </a:lnTo>
+                <a:lnTo>
+                  <a:pt x="14748" y="8038"/>
+                </a:lnTo>
+                <a:close/>
+              </a:path>
+            </a:pathLst>
+          </a:custGeom>
+          <a:solidFill>
+            <a:schemeClr val="bg1"/>
+          </a:solidFill>
+          <a:ln>
+            <a:noFill/>
+          </a:ln>
+        </p:spPr>
+      </p:sp>
       <p:sp>
         <p:nvSpPr>
           <p:cNvPr id="2" name="Title 1">
@@ -22786,14 +26248,40 @@
             <p:ph type="title"/>
           </p:nvPr>
         </p:nvSpPr>
-        <p:spPr/>
+        <p:spPr>
+          <a:xfrm>
+            <a:off x="771525" y="1130603"/>
+            <a:ext cx="3857408" cy="4596794"/>
+          </a:xfrm>
+        </p:spPr>
         <p:txBody>
-          <a:bodyPr/>
+          <a:bodyPr anchor="ctr">
+            <a:normAutofit/>
+          </a:bodyPr>
           <a:lstStyle/>
           <a:p>
             <a:r>
-              <a:rPr lang="en-CA" dirty="0"/>
-              <a:t>Political crises of 1968: World on Fire</a:t>
+              <a:rPr lang="en-CA" sz="4400" i="1" dirty="0">
+                <a:solidFill>
+                  <a:srgbClr val="EBEBEB"/>
+                </a:solidFill>
+              </a:rPr>
+              <a:t>World on Fire:</a:t>
+            </a:r>
+            <a:br>
+              <a:rPr lang="en-CA" sz="3200" dirty="0">
+                <a:solidFill>
+                  <a:srgbClr val="EBEBEB"/>
+                </a:solidFill>
+              </a:rPr>
+            </a:br>
+            <a:r>
+              <a:rPr lang="en-CA" sz="3200" dirty="0">
+                <a:solidFill>
+                  <a:srgbClr val="EBEBEB"/>
+                </a:solidFill>
+              </a:rPr>
+              <a:t>Political crises of 1968</a:t>
             </a:r>
           </a:p>
         </p:txBody>
@@ -22816,70 +26304,55 @@
         </p:nvSpPr>
         <p:spPr>
           <a:xfrm>
-            <a:off x="514905" y="2603500"/>
-            <a:ext cx="11141475" cy="3992610"/>
+            <a:off x="5290077" y="437513"/>
+            <a:ext cx="5502614" cy="5954325"/>
           </a:xfrm>
         </p:spPr>
         <p:txBody>
-          <a:bodyPr>
+          <a:bodyPr anchor="ctr">
             <a:normAutofit/>
           </a:bodyPr>
           <a:lstStyle/>
           <a:p>
             <a:r>
-              <a:rPr lang="en-CA" sz="2000" dirty="0"/>
-              <a:t>August: Warsaw Pact troops invaded Czechoslovakia ending the hope of Prague Spring.</a:t>
-            </a:r>
-          </a:p>
-          <a:p>
-            <a:r>
-              <a:rPr lang="en-CA" sz="2000" dirty="0"/>
-              <a:t>August, 23-28: Democratic National Convention in Chicago (</a:t>
-            </a:r>
-            <a:r>
-              <a:rPr lang="en-CA" sz="2000" dirty="0" err="1"/>
-              <a:t>Yippies</a:t>
-            </a:r>
-            <a:r>
-              <a:rPr lang="en-CA" sz="2000" dirty="0"/>
-              <a:t>)</a:t>
-            </a:r>
-          </a:p>
-          <a:p>
-            <a:r>
-              <a:rPr lang="en-CA" sz="2000" dirty="0"/>
-              <a:t>October: Tlatelolco massacre: A student demonstration ends in bloodbath in Mexico City, 10 days before the inauguration of the 1968 Summer Olympics. 300-400 are estimated to have been killed.</a:t>
-            </a:r>
-          </a:p>
-          <a:p>
-            <a:r>
-              <a:rPr lang="en-CA" sz="2000" dirty="0"/>
-              <a:t>November: Beatles release </a:t>
-            </a:r>
-            <a:r>
-              <a:rPr lang="en-CA" sz="2000" i="1" dirty="0"/>
-              <a:t>The White Album.</a:t>
-            </a:r>
-            <a:endParaRPr lang="en-CA" sz="2000" dirty="0"/>
-          </a:p>
-          <a:p>
-            <a:r>
-              <a:rPr lang="en-CA" sz="2000" dirty="0"/>
-              <a:t>Richard Nixon wins US Presidential Election.</a:t>
-            </a:r>
-          </a:p>
-          <a:p>
-            <a:r>
-              <a:rPr lang="en-CA" sz="2000" dirty="0"/>
-              <a:t>December: The Rolling Stones release </a:t>
-            </a:r>
-            <a:r>
-              <a:rPr lang="en-CA" sz="2000" i="1" dirty="0"/>
-              <a:t>Beggars Banquet</a:t>
-            </a:r>
-            <a:r>
-              <a:rPr lang="en-CA" sz="2000" dirty="0"/>
-              <a:t>.</a:t>
+              <a:rPr lang="en-CA" sz="2000"/>
+              <a:t>Student protests across the globe:</a:t>
+            </a:r>
+          </a:p>
+          <a:p>
+            <a:r>
+              <a:rPr lang="en-CA" sz="2000"/>
+              <a:t>January: Prague Spring began in Czechoslovakia.</a:t>
+            </a:r>
+          </a:p>
+          <a:p>
+            <a:r>
+              <a:rPr lang="en-US" sz="2000"/>
+              <a:t>February: Civil rights protest staged at a white-only bowling alley in Orangeburg, SC, was broken up by highway patrolmen; 3 college students were killed.</a:t>
+            </a:r>
+          </a:p>
+          <a:p>
+            <a:r>
+              <a:rPr lang="en-US" sz="2000"/>
+              <a:t>March: Student protests on US campuses, across France, Germany, Italy.</a:t>
+            </a:r>
+          </a:p>
+          <a:p>
+            <a:r>
+              <a:rPr lang="en-CA" sz="2000"/>
+              <a:t>April: Martin Luther King Jr assassinated.</a:t>
+            </a:r>
+          </a:p>
+          <a:p>
+            <a:r>
+              <a:rPr lang="en-CA" sz="2000"/>
+              <a:t>May: million French students protest on streets of Paris</a:t>
+            </a:r>
+          </a:p>
+          <a:p>
+            <a:r>
+              <a:rPr lang="en-CA" sz="2000"/>
+              <a:t>June: Robert F. Kennedy assassinated.</a:t>
             </a:r>
           </a:p>
         </p:txBody>
@@ -22887,7 +26360,7 @@
     </p:spTree>
     <p:extLst>
       <p:ext uri="{BB962C8B-B14F-4D97-AF65-F5344CB8AC3E}">
-        <p14:creationId xmlns:p14="http://schemas.microsoft.com/office/powerpoint/2010/main" val="1423483082"/>
+        <p14:creationId xmlns:p14="http://schemas.microsoft.com/office/powerpoint/2010/main" val="4046068048"/>
       </p:ext>
     </p:extLst>
   </p:cSld>
